--- a/01 Classes/Aula 01 - Aplicação Cloud Indústria 40 Python.pptx
+++ b/01 Classes/Aula 01 - Aplicação Cloud Indústria 40 Python.pptx
@@ -5,18 +5,32 @@
     <p:sldMasterId id="2147483648" r:id="rId1"/>
   </p:sldMasterIdLst>
   <p:notesMasterIdLst>
-    <p:notesMasterId r:id="rId11"/>
+    <p:notesMasterId r:id="rId25"/>
   </p:notesMasterIdLst>
   <p:sldIdLst>
     <p:sldId id="256" r:id="rId2"/>
     <p:sldId id="291" r:id="rId3"/>
     <p:sldId id="331" r:id="rId4"/>
-    <p:sldId id="341" r:id="rId5"/>
-    <p:sldId id="333" r:id="rId6"/>
-    <p:sldId id="323" r:id="rId7"/>
-    <p:sldId id="334" r:id="rId8"/>
-    <p:sldId id="337" r:id="rId9"/>
-    <p:sldId id="309" r:id="rId10"/>
+    <p:sldId id="349" r:id="rId5"/>
+    <p:sldId id="341" r:id="rId6"/>
+    <p:sldId id="346" r:id="rId7"/>
+    <p:sldId id="347" r:id="rId8"/>
+    <p:sldId id="348" r:id="rId9"/>
+    <p:sldId id="345" r:id="rId10"/>
+    <p:sldId id="352" r:id="rId11"/>
+    <p:sldId id="353" r:id="rId12"/>
+    <p:sldId id="356" r:id="rId13"/>
+    <p:sldId id="354" r:id="rId14"/>
+    <p:sldId id="355" r:id="rId15"/>
+    <p:sldId id="343" r:id="rId16"/>
+    <p:sldId id="351" r:id="rId17"/>
+    <p:sldId id="350" r:id="rId18"/>
+    <p:sldId id="344" r:id="rId19"/>
+    <p:sldId id="333" r:id="rId20"/>
+    <p:sldId id="323" r:id="rId21"/>
+    <p:sldId id="334" r:id="rId22"/>
+    <p:sldId id="337" r:id="rId23"/>
+    <p:sldId id="342" r:id="rId24"/>
   </p:sldIdLst>
   <p:sldSz cx="9144000" cy="5143500" type="screen16x9"/>
   <p:notesSz cx="6858000" cy="9144000"/>
@@ -563,6 +577,666 @@
 </p:notes>
 </file>
 
+<file path=ppt/notesSlides/notesSlide10.xml><?xml version="1.0" encoding="utf-8"?>
+<p:notes xmlns:a="http://schemas.openxmlformats.org/drawingml/2006/main" xmlns:r="http://schemas.openxmlformats.org/officeDocument/2006/relationships" xmlns:p="http://schemas.openxmlformats.org/presentationml/2006/main">
+  <p:cSld>
+    <p:spTree>
+      <p:nvGrpSpPr>
+        <p:cNvPr id="1" name=""/>
+        <p:cNvGrpSpPr/>
+        <p:nvPr/>
+      </p:nvGrpSpPr>
+      <p:grpSpPr>
+        <a:xfrm>
+          <a:off x="0" y="0"/>
+          <a:ext cx="0" cy="0"/>
+          <a:chOff x="0" y="0"/>
+          <a:chExt cx="0" cy="0"/>
+        </a:xfrm>
+      </p:grpSpPr>
+      <p:sp>
+        <p:nvSpPr>
+          <p:cNvPr id="2" name="Espaço Reservado para Imagem de Slide 1"/>
+          <p:cNvSpPr>
+            <a:spLocks noGrp="1" noRot="1" noChangeAspect="1"/>
+          </p:cNvSpPr>
+          <p:nvPr>
+            <p:ph type="sldImg"/>
+          </p:nvPr>
+        </p:nvSpPr>
+        <p:spPr>
+          <a:xfrm>
+            <a:off x="381000" y="685800"/>
+            <a:ext cx="6096000" cy="3429000"/>
+          </a:xfrm>
+        </p:spPr>
+      </p:sp>
+      <p:sp>
+        <p:nvSpPr>
+          <p:cNvPr id="3" name="Espaço Reservado para Anotações 2"/>
+          <p:cNvSpPr>
+            <a:spLocks noGrp="1"/>
+          </p:cNvSpPr>
+          <p:nvPr>
+            <p:ph type="body" idx="1"/>
+          </p:nvPr>
+        </p:nvSpPr>
+        <p:spPr/>
+        <p:txBody>
+          <a:bodyPr/>
+          <a:lstStyle/>
+          <a:p>
+            <a:endParaRPr lang="pt-BR" dirty="0"/>
+          </a:p>
+        </p:txBody>
+      </p:sp>
+    </p:spTree>
+    <p:extLst>
+      <p:ext uri="{BB962C8B-B14F-4D97-AF65-F5344CB8AC3E}">
+        <p14:creationId xmlns:p14="http://schemas.microsoft.com/office/powerpoint/2010/main" val="4229685961"/>
+      </p:ext>
+    </p:extLst>
+  </p:cSld>
+  <p:clrMapOvr>
+    <a:masterClrMapping/>
+  </p:clrMapOvr>
+</p:notes>
+</file>
+
+<file path=ppt/notesSlides/notesSlide11.xml><?xml version="1.0" encoding="utf-8"?>
+<p:notes xmlns:a="http://schemas.openxmlformats.org/drawingml/2006/main" xmlns:r="http://schemas.openxmlformats.org/officeDocument/2006/relationships" xmlns:p="http://schemas.openxmlformats.org/presentationml/2006/main">
+  <p:cSld>
+    <p:spTree>
+      <p:nvGrpSpPr>
+        <p:cNvPr id="1" name=""/>
+        <p:cNvGrpSpPr/>
+        <p:nvPr/>
+      </p:nvGrpSpPr>
+      <p:grpSpPr>
+        <a:xfrm>
+          <a:off x="0" y="0"/>
+          <a:ext cx="0" cy="0"/>
+          <a:chOff x="0" y="0"/>
+          <a:chExt cx="0" cy="0"/>
+        </a:xfrm>
+      </p:grpSpPr>
+      <p:sp>
+        <p:nvSpPr>
+          <p:cNvPr id="2" name="Espaço Reservado para Imagem de Slide 1"/>
+          <p:cNvSpPr>
+            <a:spLocks noGrp="1" noRot="1" noChangeAspect="1"/>
+          </p:cNvSpPr>
+          <p:nvPr>
+            <p:ph type="sldImg"/>
+          </p:nvPr>
+        </p:nvSpPr>
+        <p:spPr>
+          <a:xfrm>
+            <a:off x="381000" y="685800"/>
+            <a:ext cx="6096000" cy="3429000"/>
+          </a:xfrm>
+        </p:spPr>
+      </p:sp>
+      <p:sp>
+        <p:nvSpPr>
+          <p:cNvPr id="3" name="Espaço Reservado para Anotações 2"/>
+          <p:cNvSpPr>
+            <a:spLocks noGrp="1"/>
+          </p:cNvSpPr>
+          <p:nvPr>
+            <p:ph type="body" idx="1"/>
+          </p:nvPr>
+        </p:nvSpPr>
+        <p:spPr/>
+        <p:txBody>
+          <a:bodyPr/>
+          <a:lstStyle/>
+          <a:p>
+            <a:endParaRPr lang="pt-BR" dirty="0"/>
+          </a:p>
+        </p:txBody>
+      </p:sp>
+    </p:spTree>
+    <p:extLst>
+      <p:ext uri="{BB962C8B-B14F-4D97-AF65-F5344CB8AC3E}">
+        <p14:creationId xmlns:p14="http://schemas.microsoft.com/office/powerpoint/2010/main" val="1833152368"/>
+      </p:ext>
+    </p:extLst>
+  </p:cSld>
+  <p:clrMapOvr>
+    <a:masterClrMapping/>
+  </p:clrMapOvr>
+</p:notes>
+</file>
+
+<file path=ppt/notesSlides/notesSlide12.xml><?xml version="1.0" encoding="utf-8"?>
+<p:notes xmlns:a="http://schemas.openxmlformats.org/drawingml/2006/main" xmlns:r="http://schemas.openxmlformats.org/officeDocument/2006/relationships" xmlns:p="http://schemas.openxmlformats.org/presentationml/2006/main">
+  <p:cSld>
+    <p:spTree>
+      <p:nvGrpSpPr>
+        <p:cNvPr id="1" name=""/>
+        <p:cNvGrpSpPr/>
+        <p:nvPr/>
+      </p:nvGrpSpPr>
+      <p:grpSpPr>
+        <a:xfrm>
+          <a:off x="0" y="0"/>
+          <a:ext cx="0" cy="0"/>
+          <a:chOff x="0" y="0"/>
+          <a:chExt cx="0" cy="0"/>
+        </a:xfrm>
+      </p:grpSpPr>
+      <p:sp>
+        <p:nvSpPr>
+          <p:cNvPr id="2" name="Espaço Reservado para Imagem de Slide 1"/>
+          <p:cNvSpPr>
+            <a:spLocks noGrp="1" noRot="1" noChangeAspect="1"/>
+          </p:cNvSpPr>
+          <p:nvPr>
+            <p:ph type="sldImg"/>
+          </p:nvPr>
+        </p:nvSpPr>
+        <p:spPr>
+          <a:xfrm>
+            <a:off x="381000" y="685800"/>
+            <a:ext cx="6096000" cy="3429000"/>
+          </a:xfrm>
+        </p:spPr>
+      </p:sp>
+      <p:sp>
+        <p:nvSpPr>
+          <p:cNvPr id="3" name="Espaço Reservado para Anotações 2"/>
+          <p:cNvSpPr>
+            <a:spLocks noGrp="1"/>
+          </p:cNvSpPr>
+          <p:nvPr>
+            <p:ph type="body" idx="1"/>
+          </p:nvPr>
+        </p:nvSpPr>
+        <p:spPr/>
+        <p:txBody>
+          <a:bodyPr/>
+          <a:lstStyle/>
+          <a:p>
+            <a:endParaRPr lang="pt-BR" dirty="0"/>
+          </a:p>
+        </p:txBody>
+      </p:sp>
+    </p:spTree>
+    <p:extLst>
+      <p:ext uri="{BB962C8B-B14F-4D97-AF65-F5344CB8AC3E}">
+        <p14:creationId xmlns:p14="http://schemas.microsoft.com/office/powerpoint/2010/main" val="1470497751"/>
+      </p:ext>
+    </p:extLst>
+  </p:cSld>
+  <p:clrMapOvr>
+    <a:masterClrMapping/>
+  </p:clrMapOvr>
+</p:notes>
+</file>
+
+<file path=ppt/notesSlides/notesSlide13.xml><?xml version="1.0" encoding="utf-8"?>
+<p:notes xmlns:a="http://schemas.openxmlformats.org/drawingml/2006/main" xmlns:r="http://schemas.openxmlformats.org/officeDocument/2006/relationships" xmlns:p="http://schemas.openxmlformats.org/presentationml/2006/main">
+  <p:cSld>
+    <p:spTree>
+      <p:nvGrpSpPr>
+        <p:cNvPr id="1" name=""/>
+        <p:cNvGrpSpPr/>
+        <p:nvPr/>
+      </p:nvGrpSpPr>
+      <p:grpSpPr>
+        <a:xfrm>
+          <a:off x="0" y="0"/>
+          <a:ext cx="0" cy="0"/>
+          <a:chOff x="0" y="0"/>
+          <a:chExt cx="0" cy="0"/>
+        </a:xfrm>
+      </p:grpSpPr>
+      <p:sp>
+        <p:nvSpPr>
+          <p:cNvPr id="2" name="Espaço Reservado para Imagem de Slide 1"/>
+          <p:cNvSpPr>
+            <a:spLocks noGrp="1" noRot="1" noChangeAspect="1"/>
+          </p:cNvSpPr>
+          <p:nvPr>
+            <p:ph type="sldImg"/>
+          </p:nvPr>
+        </p:nvSpPr>
+        <p:spPr>
+          <a:xfrm>
+            <a:off x="381000" y="685800"/>
+            <a:ext cx="6096000" cy="3429000"/>
+          </a:xfrm>
+        </p:spPr>
+      </p:sp>
+      <p:sp>
+        <p:nvSpPr>
+          <p:cNvPr id="3" name="Espaço Reservado para Anotações 2"/>
+          <p:cNvSpPr>
+            <a:spLocks noGrp="1"/>
+          </p:cNvSpPr>
+          <p:nvPr>
+            <p:ph type="body" idx="1"/>
+          </p:nvPr>
+        </p:nvSpPr>
+        <p:spPr/>
+        <p:txBody>
+          <a:bodyPr/>
+          <a:lstStyle/>
+          <a:p>
+            <a:endParaRPr lang="pt-BR" dirty="0"/>
+          </a:p>
+        </p:txBody>
+      </p:sp>
+    </p:spTree>
+    <p:extLst>
+      <p:ext uri="{BB962C8B-B14F-4D97-AF65-F5344CB8AC3E}">
+        <p14:creationId xmlns:p14="http://schemas.microsoft.com/office/powerpoint/2010/main" val="2313347096"/>
+      </p:ext>
+    </p:extLst>
+  </p:cSld>
+  <p:clrMapOvr>
+    <a:masterClrMapping/>
+  </p:clrMapOvr>
+</p:notes>
+</file>
+
+<file path=ppt/notesSlides/notesSlide14.xml><?xml version="1.0" encoding="utf-8"?>
+<p:notes xmlns:a="http://schemas.openxmlformats.org/drawingml/2006/main" xmlns:r="http://schemas.openxmlformats.org/officeDocument/2006/relationships" xmlns:p="http://schemas.openxmlformats.org/presentationml/2006/main">
+  <p:cSld>
+    <p:spTree>
+      <p:nvGrpSpPr>
+        <p:cNvPr id="1" name=""/>
+        <p:cNvGrpSpPr/>
+        <p:nvPr/>
+      </p:nvGrpSpPr>
+      <p:grpSpPr>
+        <a:xfrm>
+          <a:off x="0" y="0"/>
+          <a:ext cx="0" cy="0"/>
+          <a:chOff x="0" y="0"/>
+          <a:chExt cx="0" cy="0"/>
+        </a:xfrm>
+      </p:grpSpPr>
+      <p:sp>
+        <p:nvSpPr>
+          <p:cNvPr id="2" name="Espaço Reservado para Imagem de Slide 1"/>
+          <p:cNvSpPr>
+            <a:spLocks noGrp="1" noRot="1" noChangeAspect="1"/>
+          </p:cNvSpPr>
+          <p:nvPr>
+            <p:ph type="sldImg"/>
+          </p:nvPr>
+        </p:nvSpPr>
+        <p:spPr>
+          <a:xfrm>
+            <a:off x="381000" y="685800"/>
+            <a:ext cx="6096000" cy="3429000"/>
+          </a:xfrm>
+        </p:spPr>
+      </p:sp>
+      <p:sp>
+        <p:nvSpPr>
+          <p:cNvPr id="3" name="Espaço Reservado para Anotações 2"/>
+          <p:cNvSpPr>
+            <a:spLocks noGrp="1"/>
+          </p:cNvSpPr>
+          <p:nvPr>
+            <p:ph type="body" idx="1"/>
+          </p:nvPr>
+        </p:nvSpPr>
+        <p:spPr/>
+        <p:txBody>
+          <a:bodyPr/>
+          <a:lstStyle/>
+          <a:p>
+            <a:endParaRPr lang="pt-BR" dirty="0"/>
+          </a:p>
+        </p:txBody>
+      </p:sp>
+    </p:spTree>
+    <p:extLst>
+      <p:ext uri="{BB962C8B-B14F-4D97-AF65-F5344CB8AC3E}">
+        <p14:creationId xmlns:p14="http://schemas.microsoft.com/office/powerpoint/2010/main" val="2327415166"/>
+      </p:ext>
+    </p:extLst>
+  </p:cSld>
+  <p:clrMapOvr>
+    <a:masterClrMapping/>
+  </p:clrMapOvr>
+</p:notes>
+</file>
+
+<file path=ppt/notesSlides/notesSlide15.xml><?xml version="1.0" encoding="utf-8"?>
+<p:notes xmlns:a="http://schemas.openxmlformats.org/drawingml/2006/main" xmlns:r="http://schemas.openxmlformats.org/officeDocument/2006/relationships" xmlns:p="http://schemas.openxmlformats.org/presentationml/2006/main">
+  <p:cSld>
+    <p:spTree>
+      <p:nvGrpSpPr>
+        <p:cNvPr id="1" name=""/>
+        <p:cNvGrpSpPr/>
+        <p:nvPr/>
+      </p:nvGrpSpPr>
+      <p:grpSpPr>
+        <a:xfrm>
+          <a:off x="0" y="0"/>
+          <a:ext cx="0" cy="0"/>
+          <a:chOff x="0" y="0"/>
+          <a:chExt cx="0" cy="0"/>
+        </a:xfrm>
+      </p:grpSpPr>
+      <p:sp>
+        <p:nvSpPr>
+          <p:cNvPr id="2" name="Espaço Reservado para Imagem de Slide 1"/>
+          <p:cNvSpPr>
+            <a:spLocks noGrp="1" noRot="1" noChangeAspect="1"/>
+          </p:cNvSpPr>
+          <p:nvPr>
+            <p:ph type="sldImg"/>
+          </p:nvPr>
+        </p:nvSpPr>
+        <p:spPr>
+          <a:xfrm>
+            <a:off x="381000" y="685800"/>
+            <a:ext cx="6096000" cy="3429000"/>
+          </a:xfrm>
+        </p:spPr>
+      </p:sp>
+      <p:sp>
+        <p:nvSpPr>
+          <p:cNvPr id="3" name="Espaço Reservado para Anotações 2"/>
+          <p:cNvSpPr>
+            <a:spLocks noGrp="1"/>
+          </p:cNvSpPr>
+          <p:nvPr>
+            <p:ph type="body" idx="1"/>
+          </p:nvPr>
+        </p:nvSpPr>
+        <p:spPr/>
+        <p:txBody>
+          <a:bodyPr/>
+          <a:lstStyle/>
+          <a:p>
+            <a:endParaRPr lang="pt-BR" dirty="0"/>
+          </a:p>
+        </p:txBody>
+      </p:sp>
+    </p:spTree>
+    <p:extLst>
+      <p:ext uri="{BB962C8B-B14F-4D97-AF65-F5344CB8AC3E}">
+        <p14:creationId xmlns:p14="http://schemas.microsoft.com/office/powerpoint/2010/main" val="862199498"/>
+      </p:ext>
+    </p:extLst>
+  </p:cSld>
+  <p:clrMapOvr>
+    <a:masterClrMapping/>
+  </p:clrMapOvr>
+</p:notes>
+</file>
+
+<file path=ppt/notesSlides/notesSlide16.xml><?xml version="1.0" encoding="utf-8"?>
+<p:notes xmlns:a="http://schemas.openxmlformats.org/drawingml/2006/main" xmlns:r="http://schemas.openxmlformats.org/officeDocument/2006/relationships" xmlns:p="http://schemas.openxmlformats.org/presentationml/2006/main">
+  <p:cSld>
+    <p:spTree>
+      <p:nvGrpSpPr>
+        <p:cNvPr id="1" name=""/>
+        <p:cNvGrpSpPr/>
+        <p:nvPr/>
+      </p:nvGrpSpPr>
+      <p:grpSpPr>
+        <a:xfrm>
+          <a:off x="0" y="0"/>
+          <a:ext cx="0" cy="0"/>
+          <a:chOff x="0" y="0"/>
+          <a:chExt cx="0" cy="0"/>
+        </a:xfrm>
+      </p:grpSpPr>
+      <p:sp>
+        <p:nvSpPr>
+          <p:cNvPr id="2" name="Espaço Reservado para Imagem de Slide 1"/>
+          <p:cNvSpPr>
+            <a:spLocks noGrp="1" noRot="1" noChangeAspect="1"/>
+          </p:cNvSpPr>
+          <p:nvPr>
+            <p:ph type="sldImg"/>
+          </p:nvPr>
+        </p:nvSpPr>
+        <p:spPr>
+          <a:xfrm>
+            <a:off x="381000" y="685800"/>
+            <a:ext cx="6096000" cy="3429000"/>
+          </a:xfrm>
+        </p:spPr>
+      </p:sp>
+      <p:sp>
+        <p:nvSpPr>
+          <p:cNvPr id="3" name="Espaço Reservado para Anotações 2"/>
+          <p:cNvSpPr>
+            <a:spLocks noGrp="1"/>
+          </p:cNvSpPr>
+          <p:nvPr>
+            <p:ph type="body" idx="1"/>
+          </p:nvPr>
+        </p:nvSpPr>
+        <p:spPr/>
+        <p:txBody>
+          <a:bodyPr/>
+          <a:lstStyle/>
+          <a:p>
+            <a:endParaRPr lang="pt-BR" dirty="0"/>
+          </a:p>
+        </p:txBody>
+      </p:sp>
+    </p:spTree>
+    <p:extLst>
+      <p:ext uri="{BB962C8B-B14F-4D97-AF65-F5344CB8AC3E}">
+        <p14:creationId xmlns:p14="http://schemas.microsoft.com/office/powerpoint/2010/main" val="1497107666"/>
+      </p:ext>
+    </p:extLst>
+  </p:cSld>
+  <p:clrMapOvr>
+    <a:masterClrMapping/>
+  </p:clrMapOvr>
+</p:notes>
+</file>
+
+<file path=ppt/notesSlides/notesSlide17.xml><?xml version="1.0" encoding="utf-8"?>
+<p:notes xmlns:a="http://schemas.openxmlformats.org/drawingml/2006/main" xmlns:r="http://schemas.openxmlformats.org/officeDocument/2006/relationships" xmlns:p="http://schemas.openxmlformats.org/presentationml/2006/main">
+  <p:cSld>
+    <p:spTree>
+      <p:nvGrpSpPr>
+        <p:cNvPr id="1" name=""/>
+        <p:cNvGrpSpPr/>
+        <p:nvPr/>
+      </p:nvGrpSpPr>
+      <p:grpSpPr>
+        <a:xfrm>
+          <a:off x="0" y="0"/>
+          <a:ext cx="0" cy="0"/>
+          <a:chOff x="0" y="0"/>
+          <a:chExt cx="0" cy="0"/>
+        </a:xfrm>
+      </p:grpSpPr>
+      <p:sp>
+        <p:nvSpPr>
+          <p:cNvPr id="2" name="Espaço Reservado para Imagem de Slide 1"/>
+          <p:cNvSpPr>
+            <a:spLocks noGrp="1" noRot="1" noChangeAspect="1"/>
+          </p:cNvSpPr>
+          <p:nvPr>
+            <p:ph type="sldImg"/>
+          </p:nvPr>
+        </p:nvSpPr>
+        <p:spPr>
+          <a:xfrm>
+            <a:off x="381000" y="685800"/>
+            <a:ext cx="6096000" cy="3429000"/>
+          </a:xfrm>
+        </p:spPr>
+      </p:sp>
+      <p:sp>
+        <p:nvSpPr>
+          <p:cNvPr id="3" name="Espaço Reservado para Anotações 2"/>
+          <p:cNvSpPr>
+            <a:spLocks noGrp="1"/>
+          </p:cNvSpPr>
+          <p:nvPr>
+            <p:ph type="body" idx="1"/>
+          </p:nvPr>
+        </p:nvSpPr>
+        <p:spPr/>
+        <p:txBody>
+          <a:bodyPr/>
+          <a:lstStyle/>
+          <a:p>
+            <a:endParaRPr lang="pt-BR" dirty="0"/>
+          </a:p>
+        </p:txBody>
+      </p:sp>
+    </p:spTree>
+    <p:extLst>
+      <p:ext uri="{BB962C8B-B14F-4D97-AF65-F5344CB8AC3E}">
+        <p14:creationId xmlns:p14="http://schemas.microsoft.com/office/powerpoint/2010/main" val="3669614954"/>
+      </p:ext>
+    </p:extLst>
+  </p:cSld>
+  <p:clrMapOvr>
+    <a:masterClrMapping/>
+  </p:clrMapOvr>
+</p:notes>
+</file>
+
+<file path=ppt/notesSlides/notesSlide18.xml><?xml version="1.0" encoding="utf-8"?>
+<p:notes xmlns:a="http://schemas.openxmlformats.org/drawingml/2006/main" xmlns:r="http://schemas.openxmlformats.org/officeDocument/2006/relationships" xmlns:p="http://schemas.openxmlformats.org/presentationml/2006/main">
+  <p:cSld>
+    <p:spTree>
+      <p:nvGrpSpPr>
+        <p:cNvPr id="1" name=""/>
+        <p:cNvGrpSpPr/>
+        <p:nvPr/>
+      </p:nvGrpSpPr>
+      <p:grpSpPr>
+        <a:xfrm>
+          <a:off x="0" y="0"/>
+          <a:ext cx="0" cy="0"/>
+          <a:chOff x="0" y="0"/>
+          <a:chExt cx="0" cy="0"/>
+        </a:xfrm>
+      </p:grpSpPr>
+      <p:sp>
+        <p:nvSpPr>
+          <p:cNvPr id="2" name="Espaço Reservado para Imagem de Slide 1"/>
+          <p:cNvSpPr>
+            <a:spLocks noGrp="1" noRot="1" noChangeAspect="1"/>
+          </p:cNvSpPr>
+          <p:nvPr>
+            <p:ph type="sldImg"/>
+          </p:nvPr>
+        </p:nvSpPr>
+        <p:spPr>
+          <a:xfrm>
+            <a:off x="381000" y="685800"/>
+            <a:ext cx="6096000" cy="3429000"/>
+          </a:xfrm>
+        </p:spPr>
+      </p:sp>
+      <p:sp>
+        <p:nvSpPr>
+          <p:cNvPr id="3" name="Espaço Reservado para Anotações 2"/>
+          <p:cNvSpPr>
+            <a:spLocks noGrp="1"/>
+          </p:cNvSpPr>
+          <p:nvPr>
+            <p:ph type="body" idx="1"/>
+          </p:nvPr>
+        </p:nvSpPr>
+        <p:spPr/>
+        <p:txBody>
+          <a:bodyPr/>
+          <a:lstStyle/>
+          <a:p>
+            <a:endParaRPr lang="pt-BR" dirty="0"/>
+          </a:p>
+        </p:txBody>
+      </p:sp>
+    </p:spTree>
+    <p:extLst>
+      <p:ext uri="{BB962C8B-B14F-4D97-AF65-F5344CB8AC3E}">
+        <p14:creationId xmlns:p14="http://schemas.microsoft.com/office/powerpoint/2010/main" val="585304384"/>
+      </p:ext>
+    </p:extLst>
+  </p:cSld>
+  <p:clrMapOvr>
+    <a:masterClrMapping/>
+  </p:clrMapOvr>
+</p:notes>
+</file>
+
+<file path=ppt/notesSlides/notesSlide19.xml><?xml version="1.0" encoding="utf-8"?>
+<p:notes xmlns:a="http://schemas.openxmlformats.org/drawingml/2006/main" xmlns:r="http://schemas.openxmlformats.org/officeDocument/2006/relationships" xmlns:p="http://schemas.openxmlformats.org/presentationml/2006/main">
+  <p:cSld>
+    <p:spTree>
+      <p:nvGrpSpPr>
+        <p:cNvPr id="1" name=""/>
+        <p:cNvGrpSpPr/>
+        <p:nvPr/>
+      </p:nvGrpSpPr>
+      <p:grpSpPr>
+        <a:xfrm>
+          <a:off x="0" y="0"/>
+          <a:ext cx="0" cy="0"/>
+          <a:chOff x="0" y="0"/>
+          <a:chExt cx="0" cy="0"/>
+        </a:xfrm>
+      </p:grpSpPr>
+      <p:sp>
+        <p:nvSpPr>
+          <p:cNvPr id="2" name="Espaço Reservado para Imagem de Slide 1"/>
+          <p:cNvSpPr>
+            <a:spLocks noGrp="1" noRot="1" noChangeAspect="1"/>
+          </p:cNvSpPr>
+          <p:nvPr>
+            <p:ph type="sldImg"/>
+          </p:nvPr>
+        </p:nvSpPr>
+        <p:spPr>
+          <a:xfrm>
+            <a:off x="381000" y="685800"/>
+            <a:ext cx="6096000" cy="3429000"/>
+          </a:xfrm>
+        </p:spPr>
+      </p:sp>
+      <p:sp>
+        <p:nvSpPr>
+          <p:cNvPr id="3" name="Espaço Reservado para Anotações 2"/>
+          <p:cNvSpPr>
+            <a:spLocks noGrp="1"/>
+          </p:cNvSpPr>
+          <p:nvPr>
+            <p:ph type="body" idx="1"/>
+          </p:nvPr>
+        </p:nvSpPr>
+        <p:spPr/>
+        <p:txBody>
+          <a:bodyPr/>
+          <a:lstStyle/>
+          <a:p>
+            <a:endParaRPr lang="pt-BR" dirty="0"/>
+          </a:p>
+        </p:txBody>
+      </p:sp>
+    </p:spTree>
+    <p:extLst>
+      <p:ext uri="{BB962C8B-B14F-4D97-AF65-F5344CB8AC3E}">
+        <p14:creationId xmlns:p14="http://schemas.microsoft.com/office/powerpoint/2010/main" val="2709569597"/>
+      </p:ext>
+    </p:extLst>
+  </p:cSld>
+  <p:clrMapOvr>
+    <a:masterClrMapping/>
+  </p:clrMapOvr>
+</p:notes>
+</file>
+
 <file path=ppt/notesSlides/notesSlide2.xml><?xml version="1.0" encoding="utf-8"?>
 <p:notes xmlns:a="http://schemas.openxmlformats.org/drawingml/2006/main" xmlns:r="http://schemas.openxmlformats.org/officeDocument/2006/relationships" xmlns:p="http://schemas.openxmlformats.org/presentationml/2006/main">
   <p:cSld>
@@ -620,6 +1294,138 @@
     <p:extLst>
       <p:ext uri="{BB962C8B-B14F-4D97-AF65-F5344CB8AC3E}">
         <p14:creationId xmlns:p14="http://schemas.microsoft.com/office/powerpoint/2010/main" val="3035753547"/>
+      </p:ext>
+    </p:extLst>
+  </p:cSld>
+  <p:clrMapOvr>
+    <a:masterClrMapping/>
+  </p:clrMapOvr>
+</p:notes>
+</file>
+
+<file path=ppt/notesSlides/notesSlide20.xml><?xml version="1.0" encoding="utf-8"?>
+<p:notes xmlns:a="http://schemas.openxmlformats.org/drawingml/2006/main" xmlns:r="http://schemas.openxmlformats.org/officeDocument/2006/relationships" xmlns:p="http://schemas.openxmlformats.org/presentationml/2006/main">
+  <p:cSld>
+    <p:spTree>
+      <p:nvGrpSpPr>
+        <p:cNvPr id="1" name=""/>
+        <p:cNvGrpSpPr/>
+        <p:nvPr/>
+      </p:nvGrpSpPr>
+      <p:grpSpPr>
+        <a:xfrm>
+          <a:off x="0" y="0"/>
+          <a:ext cx="0" cy="0"/>
+          <a:chOff x="0" y="0"/>
+          <a:chExt cx="0" cy="0"/>
+        </a:xfrm>
+      </p:grpSpPr>
+      <p:sp>
+        <p:nvSpPr>
+          <p:cNvPr id="2" name="Espaço Reservado para Imagem de Slide 1"/>
+          <p:cNvSpPr>
+            <a:spLocks noGrp="1" noRot="1" noChangeAspect="1"/>
+          </p:cNvSpPr>
+          <p:nvPr>
+            <p:ph type="sldImg"/>
+          </p:nvPr>
+        </p:nvSpPr>
+        <p:spPr>
+          <a:xfrm>
+            <a:off x="381000" y="685800"/>
+            <a:ext cx="6096000" cy="3429000"/>
+          </a:xfrm>
+        </p:spPr>
+      </p:sp>
+      <p:sp>
+        <p:nvSpPr>
+          <p:cNvPr id="3" name="Espaço Reservado para Anotações 2"/>
+          <p:cNvSpPr>
+            <a:spLocks noGrp="1"/>
+          </p:cNvSpPr>
+          <p:nvPr>
+            <p:ph type="body" idx="1"/>
+          </p:nvPr>
+        </p:nvSpPr>
+        <p:spPr/>
+        <p:txBody>
+          <a:bodyPr/>
+          <a:lstStyle/>
+          <a:p>
+            <a:endParaRPr lang="pt-BR" dirty="0"/>
+          </a:p>
+        </p:txBody>
+      </p:sp>
+    </p:spTree>
+    <p:extLst>
+      <p:ext uri="{BB962C8B-B14F-4D97-AF65-F5344CB8AC3E}">
+        <p14:creationId xmlns:p14="http://schemas.microsoft.com/office/powerpoint/2010/main" val="2296249050"/>
+      </p:ext>
+    </p:extLst>
+  </p:cSld>
+  <p:clrMapOvr>
+    <a:masterClrMapping/>
+  </p:clrMapOvr>
+</p:notes>
+</file>
+
+<file path=ppt/notesSlides/notesSlide21.xml><?xml version="1.0" encoding="utf-8"?>
+<p:notes xmlns:a="http://schemas.openxmlformats.org/drawingml/2006/main" xmlns:r="http://schemas.openxmlformats.org/officeDocument/2006/relationships" xmlns:p="http://schemas.openxmlformats.org/presentationml/2006/main">
+  <p:cSld>
+    <p:spTree>
+      <p:nvGrpSpPr>
+        <p:cNvPr id="1" name=""/>
+        <p:cNvGrpSpPr/>
+        <p:nvPr/>
+      </p:nvGrpSpPr>
+      <p:grpSpPr>
+        <a:xfrm>
+          <a:off x="0" y="0"/>
+          <a:ext cx="0" cy="0"/>
+          <a:chOff x="0" y="0"/>
+          <a:chExt cx="0" cy="0"/>
+        </a:xfrm>
+      </p:grpSpPr>
+      <p:sp>
+        <p:nvSpPr>
+          <p:cNvPr id="2" name="Espaço Reservado para Imagem de Slide 1"/>
+          <p:cNvSpPr>
+            <a:spLocks noGrp="1" noRot="1" noChangeAspect="1"/>
+          </p:cNvSpPr>
+          <p:nvPr>
+            <p:ph type="sldImg"/>
+          </p:nvPr>
+        </p:nvSpPr>
+        <p:spPr>
+          <a:xfrm>
+            <a:off x="381000" y="685800"/>
+            <a:ext cx="6096000" cy="3429000"/>
+          </a:xfrm>
+        </p:spPr>
+      </p:sp>
+      <p:sp>
+        <p:nvSpPr>
+          <p:cNvPr id="3" name="Espaço Reservado para Anotações 2"/>
+          <p:cNvSpPr>
+            <a:spLocks noGrp="1"/>
+          </p:cNvSpPr>
+          <p:nvPr>
+            <p:ph type="body" idx="1"/>
+          </p:nvPr>
+        </p:nvSpPr>
+        <p:spPr/>
+        <p:txBody>
+          <a:bodyPr/>
+          <a:lstStyle/>
+          <a:p>
+            <a:endParaRPr lang="pt-BR" dirty="0"/>
+          </a:p>
+        </p:txBody>
+      </p:sp>
+    </p:spTree>
+    <p:extLst>
+      <p:ext uri="{BB962C8B-B14F-4D97-AF65-F5344CB8AC3E}">
+        <p14:creationId xmlns:p14="http://schemas.microsoft.com/office/powerpoint/2010/main" val="4290351292"/>
       </p:ext>
     </p:extLst>
   </p:cSld>
@@ -685,7 +1491,7 @@
     </p:spTree>
     <p:extLst>
       <p:ext uri="{BB962C8B-B14F-4D97-AF65-F5344CB8AC3E}">
-        <p14:creationId xmlns:p14="http://schemas.microsoft.com/office/powerpoint/2010/main" val="3288727929"/>
+        <p14:creationId xmlns:p14="http://schemas.microsoft.com/office/powerpoint/2010/main" val="1874713796"/>
       </p:ext>
     </p:extLst>
   </p:cSld>
@@ -751,7 +1557,7 @@
     </p:spTree>
     <p:extLst>
       <p:ext uri="{BB962C8B-B14F-4D97-AF65-F5344CB8AC3E}">
-        <p14:creationId xmlns:p14="http://schemas.microsoft.com/office/powerpoint/2010/main" val="585304384"/>
+        <p14:creationId xmlns:p14="http://schemas.microsoft.com/office/powerpoint/2010/main" val="3288727929"/>
       </p:ext>
     </p:extLst>
   </p:cSld>
@@ -817,7 +1623,7 @@
     </p:spTree>
     <p:extLst>
       <p:ext uri="{BB962C8B-B14F-4D97-AF65-F5344CB8AC3E}">
-        <p14:creationId xmlns:p14="http://schemas.microsoft.com/office/powerpoint/2010/main" val="2709569597"/>
+        <p14:creationId xmlns:p14="http://schemas.microsoft.com/office/powerpoint/2010/main" val="1017849947"/>
       </p:ext>
     </p:extLst>
   </p:cSld>
@@ -883,7 +1689,7 @@
     </p:spTree>
     <p:extLst>
       <p:ext uri="{BB962C8B-B14F-4D97-AF65-F5344CB8AC3E}">
-        <p14:creationId xmlns:p14="http://schemas.microsoft.com/office/powerpoint/2010/main" val="2296249050"/>
+        <p14:creationId xmlns:p14="http://schemas.microsoft.com/office/powerpoint/2010/main" val="2595739010"/>
       </p:ext>
     </p:extLst>
   </p:cSld>
@@ -949,7 +1755,139 @@
     </p:spTree>
     <p:extLst>
       <p:ext uri="{BB962C8B-B14F-4D97-AF65-F5344CB8AC3E}">
-        <p14:creationId xmlns:p14="http://schemas.microsoft.com/office/powerpoint/2010/main" val="4290351292"/>
+        <p14:creationId xmlns:p14="http://schemas.microsoft.com/office/powerpoint/2010/main" val="15698245"/>
+      </p:ext>
+    </p:extLst>
+  </p:cSld>
+  <p:clrMapOvr>
+    <a:masterClrMapping/>
+  </p:clrMapOvr>
+</p:notes>
+</file>
+
+<file path=ppt/notesSlides/notesSlide8.xml><?xml version="1.0" encoding="utf-8"?>
+<p:notes xmlns:a="http://schemas.openxmlformats.org/drawingml/2006/main" xmlns:r="http://schemas.openxmlformats.org/officeDocument/2006/relationships" xmlns:p="http://schemas.openxmlformats.org/presentationml/2006/main">
+  <p:cSld>
+    <p:spTree>
+      <p:nvGrpSpPr>
+        <p:cNvPr id="1" name=""/>
+        <p:cNvGrpSpPr/>
+        <p:nvPr/>
+      </p:nvGrpSpPr>
+      <p:grpSpPr>
+        <a:xfrm>
+          <a:off x="0" y="0"/>
+          <a:ext cx="0" cy="0"/>
+          <a:chOff x="0" y="0"/>
+          <a:chExt cx="0" cy="0"/>
+        </a:xfrm>
+      </p:grpSpPr>
+      <p:sp>
+        <p:nvSpPr>
+          <p:cNvPr id="2" name="Espaço Reservado para Imagem de Slide 1"/>
+          <p:cNvSpPr>
+            <a:spLocks noGrp="1" noRot="1" noChangeAspect="1"/>
+          </p:cNvSpPr>
+          <p:nvPr>
+            <p:ph type="sldImg"/>
+          </p:nvPr>
+        </p:nvSpPr>
+        <p:spPr>
+          <a:xfrm>
+            <a:off x="381000" y="685800"/>
+            <a:ext cx="6096000" cy="3429000"/>
+          </a:xfrm>
+        </p:spPr>
+      </p:sp>
+      <p:sp>
+        <p:nvSpPr>
+          <p:cNvPr id="3" name="Espaço Reservado para Anotações 2"/>
+          <p:cNvSpPr>
+            <a:spLocks noGrp="1"/>
+          </p:cNvSpPr>
+          <p:nvPr>
+            <p:ph type="body" idx="1"/>
+          </p:nvPr>
+        </p:nvSpPr>
+        <p:spPr/>
+        <p:txBody>
+          <a:bodyPr/>
+          <a:lstStyle/>
+          <a:p>
+            <a:endParaRPr lang="pt-BR" dirty="0"/>
+          </a:p>
+        </p:txBody>
+      </p:sp>
+    </p:spTree>
+    <p:extLst>
+      <p:ext uri="{BB962C8B-B14F-4D97-AF65-F5344CB8AC3E}">
+        <p14:creationId xmlns:p14="http://schemas.microsoft.com/office/powerpoint/2010/main" val="3179611921"/>
+      </p:ext>
+    </p:extLst>
+  </p:cSld>
+  <p:clrMapOvr>
+    <a:masterClrMapping/>
+  </p:clrMapOvr>
+</p:notes>
+</file>
+
+<file path=ppt/notesSlides/notesSlide9.xml><?xml version="1.0" encoding="utf-8"?>
+<p:notes xmlns:a="http://schemas.openxmlformats.org/drawingml/2006/main" xmlns:r="http://schemas.openxmlformats.org/officeDocument/2006/relationships" xmlns:p="http://schemas.openxmlformats.org/presentationml/2006/main">
+  <p:cSld>
+    <p:spTree>
+      <p:nvGrpSpPr>
+        <p:cNvPr id="1" name=""/>
+        <p:cNvGrpSpPr/>
+        <p:nvPr/>
+      </p:nvGrpSpPr>
+      <p:grpSpPr>
+        <a:xfrm>
+          <a:off x="0" y="0"/>
+          <a:ext cx="0" cy="0"/>
+          <a:chOff x="0" y="0"/>
+          <a:chExt cx="0" cy="0"/>
+        </a:xfrm>
+      </p:grpSpPr>
+      <p:sp>
+        <p:nvSpPr>
+          <p:cNvPr id="2" name="Espaço Reservado para Imagem de Slide 1"/>
+          <p:cNvSpPr>
+            <a:spLocks noGrp="1" noRot="1" noChangeAspect="1"/>
+          </p:cNvSpPr>
+          <p:nvPr>
+            <p:ph type="sldImg"/>
+          </p:nvPr>
+        </p:nvSpPr>
+        <p:spPr>
+          <a:xfrm>
+            <a:off x="381000" y="685800"/>
+            <a:ext cx="6096000" cy="3429000"/>
+          </a:xfrm>
+        </p:spPr>
+      </p:sp>
+      <p:sp>
+        <p:nvSpPr>
+          <p:cNvPr id="3" name="Espaço Reservado para Anotações 2"/>
+          <p:cNvSpPr>
+            <a:spLocks noGrp="1"/>
+          </p:cNvSpPr>
+          <p:nvPr>
+            <p:ph type="body" idx="1"/>
+          </p:nvPr>
+        </p:nvSpPr>
+        <p:spPr/>
+        <p:txBody>
+          <a:bodyPr/>
+          <a:lstStyle/>
+          <a:p>
+            <a:endParaRPr lang="pt-BR" dirty="0"/>
+          </a:p>
+        </p:txBody>
+      </p:sp>
+    </p:spTree>
+    <p:extLst>
+      <p:ext uri="{BB962C8B-B14F-4D97-AF65-F5344CB8AC3E}">
+        <p14:creationId xmlns:p14="http://schemas.microsoft.com/office/powerpoint/2010/main" val="3806624702"/>
       </p:ext>
     </p:extLst>
   </p:cSld>
@@ -3896,6 +4834,2969 @@
 </p:sld>
 </file>
 
+<file path=ppt/slides/slide10.xml><?xml version="1.0" encoding="utf-8"?>
+<p:sld xmlns:a="http://schemas.openxmlformats.org/drawingml/2006/main" xmlns:r="http://schemas.openxmlformats.org/officeDocument/2006/relationships" xmlns:p="http://schemas.openxmlformats.org/presentationml/2006/main">
+  <p:cSld>
+    <p:spTree>
+      <p:nvGrpSpPr>
+        <p:cNvPr id="1" name=""/>
+        <p:cNvGrpSpPr/>
+        <p:nvPr/>
+      </p:nvGrpSpPr>
+      <p:grpSpPr>
+        <a:xfrm>
+          <a:off x="0" y="0"/>
+          <a:ext cx="0" cy="0"/>
+          <a:chOff x="0" y="0"/>
+          <a:chExt cx="0" cy="0"/>
+        </a:xfrm>
+      </p:grpSpPr>
+      <p:sp>
+        <p:nvSpPr>
+          <p:cNvPr id="6" name="Title 1"/>
+          <p:cNvSpPr>
+            <a:spLocks noGrp="1"/>
+          </p:cNvSpPr>
+          <p:nvPr>
+            <p:ph type="title"/>
+          </p:nvPr>
+        </p:nvSpPr>
+        <p:spPr>
+          <a:xfrm>
+            <a:off x="457200" y="205980"/>
+            <a:ext cx="8229600" cy="857251"/>
+          </a:xfrm>
+        </p:spPr>
+        <p:txBody>
+          <a:bodyPr>
+            <a:normAutofit/>
+          </a:bodyPr>
+          <a:lstStyle/>
+          <a:p>
+            <a:r>
+              <a:rPr lang="pt-BR" b="1" dirty="0">
+                <a:solidFill>
+                  <a:srgbClr val="0070C0"/>
+                </a:solidFill>
+              </a:rPr>
+              <a:t>Arquitetura </a:t>
+            </a:r>
+            <a:r>
+              <a:rPr lang="pt-BR" b="1" dirty="0" err="1">
+                <a:solidFill>
+                  <a:srgbClr val="0070C0"/>
+                </a:solidFill>
+              </a:rPr>
+              <a:t>IoT</a:t>
+            </a:r>
+            <a:endParaRPr lang="en-US" b="1" dirty="0">
+              <a:solidFill>
+                <a:srgbClr val="0070C0"/>
+              </a:solidFill>
+            </a:endParaRPr>
+          </a:p>
+        </p:txBody>
+      </p:sp>
+      <p:sp>
+        <p:nvSpPr>
+          <p:cNvPr id="8" name="Text Placeholder 2"/>
+          <p:cNvSpPr>
+            <a:spLocks noGrp="1"/>
+          </p:cNvSpPr>
+          <p:nvPr>
+            <p:ph type="body" sz="half" idx="1"/>
+          </p:nvPr>
+        </p:nvSpPr>
+        <p:spPr>
+          <a:xfrm>
+            <a:off x="142865" y="1200150"/>
+            <a:ext cx="8865056" cy="3737370"/>
+          </a:xfrm>
+        </p:spPr>
+        <p:txBody>
+          <a:bodyPr>
+            <a:noAutofit/>
+          </a:bodyPr>
+          <a:lstStyle/>
+          <a:p>
+            <a:pPr marL="0" indent="0" algn="just">
+              <a:buNone/>
+            </a:pPr>
+            <a:r>
+              <a:rPr lang="pt-BR" sz="2000" dirty="0">
+                <a:solidFill>
+                  <a:schemeClr val="tx1"/>
+                </a:solidFill>
+                <a:latin typeface="Times New Roman" panose="02020603050405020304" pitchFamily="18" charset="0"/>
+                <a:cs typeface="Times New Roman" panose="02020603050405020304" pitchFamily="18" charset="0"/>
+              </a:rPr>
+              <a:t>A </a:t>
+            </a:r>
+            <a:r>
+              <a:rPr lang="pt-BR" sz="2000" b="1" dirty="0" err="1">
+                <a:solidFill>
+                  <a:schemeClr val="tx1"/>
+                </a:solidFill>
+                <a:latin typeface="Times New Roman" panose="02020603050405020304" pitchFamily="18" charset="0"/>
+                <a:cs typeface="Times New Roman" panose="02020603050405020304" pitchFamily="18" charset="0"/>
+              </a:rPr>
+              <a:t>Three-Layer</a:t>
+            </a:r>
+            <a:r>
+              <a:rPr lang="pt-BR" sz="2000" b="1" dirty="0">
+                <a:solidFill>
+                  <a:schemeClr val="tx1"/>
+                </a:solidFill>
+                <a:latin typeface="Times New Roman" panose="02020603050405020304" pitchFamily="18" charset="0"/>
+                <a:cs typeface="Times New Roman" panose="02020603050405020304" pitchFamily="18" charset="0"/>
+              </a:rPr>
+              <a:t> </a:t>
+            </a:r>
+            <a:r>
+              <a:rPr lang="pt-BR" sz="2000" b="1" dirty="0" err="1">
+                <a:solidFill>
+                  <a:schemeClr val="tx1"/>
+                </a:solidFill>
+                <a:latin typeface="Times New Roman" panose="02020603050405020304" pitchFamily="18" charset="0"/>
+                <a:cs typeface="Times New Roman" panose="02020603050405020304" pitchFamily="18" charset="0"/>
+              </a:rPr>
+              <a:t>Architeture</a:t>
+            </a:r>
+            <a:r>
+              <a:rPr lang="pt-BR" sz="2000" dirty="0">
+                <a:solidFill>
+                  <a:schemeClr val="tx1"/>
+                </a:solidFill>
+                <a:latin typeface="Times New Roman" panose="02020603050405020304" pitchFamily="18" charset="0"/>
+                <a:cs typeface="Times New Roman" panose="02020603050405020304" pitchFamily="18" charset="0"/>
+              </a:rPr>
+              <a:t> ou arquitetura de três camadas, em português, foi uma das primeiras arquiteturas sugeridas, sendo formada basicamente, como o nome já diz, por três camadas, sendo elas: Camada de Percepção, Camada de Network e Camada de Aplicação.</a:t>
+            </a:r>
+          </a:p>
+          <a:p>
+            <a:pPr marL="0" indent="0" algn="just">
+              <a:buNone/>
+            </a:pPr>
+            <a:endParaRPr lang="pt-BR" sz="2000" dirty="0">
+              <a:solidFill>
+                <a:schemeClr val="tx1"/>
+              </a:solidFill>
+              <a:latin typeface="Times New Roman" panose="02020603050405020304" pitchFamily="18" charset="0"/>
+              <a:cs typeface="Times New Roman" panose="02020603050405020304" pitchFamily="18" charset="0"/>
+            </a:endParaRPr>
+          </a:p>
+          <a:p>
+            <a:pPr marL="0" indent="0" algn="just">
+              <a:buNone/>
+            </a:pPr>
+            <a:r>
+              <a:rPr lang="pt-BR" sz="2000" dirty="0">
+                <a:solidFill>
+                  <a:schemeClr val="tx1"/>
+                </a:solidFill>
+                <a:latin typeface="Times New Roman" panose="02020603050405020304" pitchFamily="18" charset="0"/>
+                <a:cs typeface="Times New Roman" panose="02020603050405020304" pitchFamily="18" charset="0"/>
+              </a:rPr>
+              <a:t>A camada de percepção é a camada mais baixa, sendo também conhecida por camada</a:t>
+            </a:r>
+          </a:p>
+          <a:p>
+            <a:pPr marL="0" indent="0" algn="just">
+              <a:buNone/>
+            </a:pPr>
+            <a:r>
+              <a:rPr lang="pt-BR" sz="2000" dirty="0">
+                <a:solidFill>
+                  <a:schemeClr val="tx1"/>
+                </a:solidFill>
+                <a:latin typeface="Times New Roman" panose="02020603050405020304" pitchFamily="18" charset="0"/>
+                <a:cs typeface="Times New Roman" panose="02020603050405020304" pitchFamily="18" charset="0"/>
+              </a:rPr>
+              <a:t>física. Ela é responsável por, através de sensores, captar e juntar informações sobre o</a:t>
+            </a:r>
+          </a:p>
+          <a:p>
+            <a:pPr marL="0" indent="0" algn="just">
+              <a:buNone/>
+            </a:pPr>
+            <a:r>
+              <a:rPr lang="pt-BR" sz="2000" dirty="0">
+                <a:solidFill>
+                  <a:schemeClr val="tx1"/>
+                </a:solidFill>
+                <a:latin typeface="Times New Roman" panose="02020603050405020304" pitchFamily="18" charset="0"/>
+                <a:cs typeface="Times New Roman" panose="02020603050405020304" pitchFamily="18" charset="0"/>
+              </a:rPr>
+              <a:t>ambiente, podendo ser estar informações parâmetros físicos como temperatura e umidade ou outros objetos inteligentes. </a:t>
+            </a:r>
+            <a:r>
+              <a:rPr lang="pt-BR" sz="1200" b="1" dirty="0">
+                <a:solidFill>
+                  <a:schemeClr val="tx1"/>
+                </a:solidFill>
+                <a:latin typeface="Times New Roman" panose="02020603050405020304" pitchFamily="18" charset="0"/>
+                <a:cs typeface="Times New Roman" panose="02020603050405020304" pitchFamily="18" charset="0"/>
+              </a:rPr>
+              <a:t>JAHNKE, Alec. The 4 </a:t>
+            </a:r>
+            <a:r>
+              <a:rPr lang="pt-BR" sz="1200" b="1" dirty="0" err="1">
+                <a:solidFill>
+                  <a:schemeClr val="tx1"/>
+                </a:solidFill>
+                <a:latin typeface="Times New Roman" panose="02020603050405020304" pitchFamily="18" charset="0"/>
+                <a:cs typeface="Times New Roman" panose="02020603050405020304" pitchFamily="18" charset="0"/>
+              </a:rPr>
+              <a:t>Estages</a:t>
+            </a:r>
+            <a:r>
+              <a:rPr lang="pt-BR" sz="1200" b="1" dirty="0">
+                <a:solidFill>
+                  <a:schemeClr val="tx1"/>
+                </a:solidFill>
+                <a:latin typeface="Times New Roman" panose="02020603050405020304" pitchFamily="18" charset="0"/>
+                <a:cs typeface="Times New Roman" panose="02020603050405020304" pitchFamily="18" charset="0"/>
+              </a:rPr>
+              <a:t> </a:t>
+            </a:r>
+            <a:r>
+              <a:rPr lang="pt-BR" sz="1200" b="1" dirty="0" err="1">
+                <a:solidFill>
+                  <a:schemeClr val="tx1"/>
+                </a:solidFill>
+                <a:latin typeface="Times New Roman" panose="02020603050405020304" pitchFamily="18" charset="0"/>
+                <a:cs typeface="Times New Roman" panose="02020603050405020304" pitchFamily="18" charset="0"/>
+              </a:rPr>
+              <a:t>of</a:t>
+            </a:r>
+            <a:r>
+              <a:rPr lang="pt-BR" sz="1200" b="1" dirty="0">
+                <a:solidFill>
+                  <a:schemeClr val="tx1"/>
+                </a:solidFill>
+                <a:latin typeface="Times New Roman" panose="02020603050405020304" pitchFamily="18" charset="0"/>
+                <a:cs typeface="Times New Roman" panose="02020603050405020304" pitchFamily="18" charset="0"/>
+              </a:rPr>
+              <a:t> </a:t>
+            </a:r>
+            <a:r>
+              <a:rPr lang="pt-BR" sz="1200" b="1" dirty="0" err="1">
+                <a:solidFill>
+                  <a:schemeClr val="tx1"/>
+                </a:solidFill>
+                <a:latin typeface="Times New Roman" panose="02020603050405020304" pitchFamily="18" charset="0"/>
+                <a:cs typeface="Times New Roman" panose="02020603050405020304" pitchFamily="18" charset="0"/>
+              </a:rPr>
+              <a:t>IoT</a:t>
+            </a:r>
+            <a:r>
+              <a:rPr lang="pt-BR" sz="1200" b="1" dirty="0">
+                <a:solidFill>
+                  <a:schemeClr val="tx1"/>
+                </a:solidFill>
+                <a:latin typeface="Times New Roman" panose="02020603050405020304" pitchFamily="18" charset="0"/>
+                <a:cs typeface="Times New Roman" panose="02020603050405020304" pitchFamily="18" charset="0"/>
+              </a:rPr>
+              <a:t> </a:t>
+            </a:r>
+            <a:r>
+              <a:rPr lang="pt-BR" sz="1200" b="1" dirty="0" err="1">
+                <a:solidFill>
+                  <a:schemeClr val="tx1"/>
+                </a:solidFill>
+                <a:latin typeface="Times New Roman" panose="02020603050405020304" pitchFamily="18" charset="0"/>
+                <a:cs typeface="Times New Roman" panose="02020603050405020304" pitchFamily="18" charset="0"/>
+              </a:rPr>
+              <a:t>Architecture</a:t>
+            </a:r>
+            <a:r>
+              <a:rPr lang="pt-BR" sz="1200" b="1" dirty="0">
+                <a:solidFill>
+                  <a:schemeClr val="tx1"/>
+                </a:solidFill>
+                <a:latin typeface="Times New Roman" panose="02020603050405020304" pitchFamily="18" charset="0"/>
+                <a:cs typeface="Times New Roman" panose="02020603050405020304" pitchFamily="18" charset="0"/>
+              </a:rPr>
+              <a:t>. 2020. </a:t>
+            </a:r>
+            <a:r>
+              <a:rPr lang="pt-BR" sz="1200" b="1" dirty="0">
+                <a:solidFill>
+                  <a:srgbClr val="FF0000"/>
+                </a:solidFill>
+                <a:latin typeface="Times New Roman" panose="02020603050405020304" pitchFamily="18" charset="0"/>
+                <a:cs typeface="Times New Roman" panose="02020603050405020304" pitchFamily="18" charset="0"/>
+              </a:rPr>
+              <a:t>Disponível em:</a:t>
+            </a:r>
+          </a:p>
+          <a:p>
+            <a:pPr marL="0" indent="0" algn="just">
+              <a:buNone/>
+            </a:pPr>
+            <a:r>
+              <a:rPr lang="pt-BR" sz="1200" b="1" dirty="0">
+                <a:solidFill>
+                  <a:srgbClr val="FF0000"/>
+                </a:solidFill>
+                <a:latin typeface="Times New Roman" panose="02020603050405020304" pitchFamily="18" charset="0"/>
+                <a:cs typeface="Times New Roman" panose="02020603050405020304" pitchFamily="18" charset="0"/>
+              </a:rPr>
+              <a:t>&lt;https://www.digi.com/blog/post/the-4-stages-of-iot-architecture&gt;. Acesso em: 06 mar. 2023.</a:t>
+            </a:r>
+          </a:p>
+          <a:p>
+            <a:pPr marL="0" indent="0" algn="just">
+              <a:buNone/>
+            </a:pPr>
+            <a:endParaRPr lang="pt-BR" sz="2000" dirty="0">
+              <a:solidFill>
+                <a:schemeClr val="tx1"/>
+              </a:solidFill>
+              <a:latin typeface="Times New Roman" panose="02020603050405020304" pitchFamily="18" charset="0"/>
+              <a:cs typeface="Times New Roman" panose="02020603050405020304" pitchFamily="18" charset="0"/>
+            </a:endParaRPr>
+          </a:p>
+          <a:p>
+            <a:pPr marL="0" indent="0" algn="just">
+              <a:buNone/>
+            </a:pPr>
+            <a:endParaRPr lang="pt-BR" sz="2000" dirty="0">
+              <a:solidFill>
+                <a:schemeClr val="tx1"/>
+              </a:solidFill>
+              <a:latin typeface="Times New Roman" panose="02020603050405020304" pitchFamily="18" charset="0"/>
+              <a:cs typeface="Times New Roman" panose="02020603050405020304" pitchFamily="18" charset="0"/>
+            </a:endParaRPr>
+          </a:p>
+          <a:p>
+            <a:pPr marL="0" indent="0" algn="just">
+              <a:buNone/>
+            </a:pPr>
+            <a:endParaRPr lang="pt-BR" sz="2000" dirty="0">
+              <a:solidFill>
+                <a:schemeClr val="tx1"/>
+              </a:solidFill>
+              <a:latin typeface="Times New Roman" panose="02020603050405020304" pitchFamily="18" charset="0"/>
+              <a:cs typeface="Times New Roman" panose="02020603050405020304" pitchFamily="18" charset="0"/>
+            </a:endParaRPr>
+          </a:p>
+        </p:txBody>
+      </p:sp>
+    </p:spTree>
+    <p:extLst>
+      <p:ext uri="{BB962C8B-B14F-4D97-AF65-F5344CB8AC3E}">
+        <p14:creationId xmlns:p14="http://schemas.microsoft.com/office/powerpoint/2010/main" val="3097601916"/>
+      </p:ext>
+    </p:extLst>
+  </p:cSld>
+  <p:clrMapOvr>
+    <a:masterClrMapping/>
+  </p:clrMapOvr>
+  <p:transition spd="med"/>
+</p:sld>
+</file>
+
+<file path=ppt/slides/slide11.xml><?xml version="1.0" encoding="utf-8"?>
+<p:sld xmlns:a="http://schemas.openxmlformats.org/drawingml/2006/main" xmlns:r="http://schemas.openxmlformats.org/officeDocument/2006/relationships" xmlns:p="http://schemas.openxmlformats.org/presentationml/2006/main">
+  <p:cSld>
+    <p:spTree>
+      <p:nvGrpSpPr>
+        <p:cNvPr id="1" name=""/>
+        <p:cNvGrpSpPr/>
+        <p:nvPr/>
+      </p:nvGrpSpPr>
+      <p:grpSpPr>
+        <a:xfrm>
+          <a:off x="0" y="0"/>
+          <a:ext cx="0" cy="0"/>
+          <a:chOff x="0" y="0"/>
+          <a:chExt cx="0" cy="0"/>
+        </a:xfrm>
+      </p:grpSpPr>
+      <p:sp>
+        <p:nvSpPr>
+          <p:cNvPr id="6" name="Title 1"/>
+          <p:cNvSpPr>
+            <a:spLocks noGrp="1"/>
+          </p:cNvSpPr>
+          <p:nvPr>
+            <p:ph type="title"/>
+          </p:nvPr>
+        </p:nvSpPr>
+        <p:spPr>
+          <a:xfrm>
+            <a:off x="457200" y="205980"/>
+            <a:ext cx="8229600" cy="857251"/>
+          </a:xfrm>
+        </p:spPr>
+        <p:txBody>
+          <a:bodyPr>
+            <a:normAutofit/>
+          </a:bodyPr>
+          <a:lstStyle/>
+          <a:p>
+            <a:r>
+              <a:rPr lang="pt-BR" b="1" dirty="0">
+                <a:solidFill>
+                  <a:srgbClr val="0070C0"/>
+                </a:solidFill>
+              </a:rPr>
+              <a:t>Arquitetura </a:t>
+            </a:r>
+            <a:r>
+              <a:rPr lang="pt-BR" b="1" dirty="0" err="1">
+                <a:solidFill>
+                  <a:srgbClr val="0070C0"/>
+                </a:solidFill>
+              </a:rPr>
+              <a:t>IoT</a:t>
+            </a:r>
+            <a:endParaRPr lang="en-US" b="1" dirty="0">
+              <a:solidFill>
+                <a:srgbClr val="0070C0"/>
+              </a:solidFill>
+            </a:endParaRPr>
+          </a:p>
+        </p:txBody>
+      </p:sp>
+      <p:sp>
+        <p:nvSpPr>
+          <p:cNvPr id="8" name="Text Placeholder 2"/>
+          <p:cNvSpPr>
+            <a:spLocks noGrp="1"/>
+          </p:cNvSpPr>
+          <p:nvPr>
+            <p:ph type="body" sz="half" idx="1"/>
+          </p:nvPr>
+        </p:nvSpPr>
+        <p:spPr>
+          <a:xfrm>
+            <a:off x="142865" y="1200150"/>
+            <a:ext cx="8865056" cy="3737370"/>
+          </a:xfrm>
+        </p:spPr>
+        <p:txBody>
+          <a:bodyPr>
+            <a:noAutofit/>
+          </a:bodyPr>
+          <a:lstStyle/>
+          <a:p>
+            <a:pPr marL="0" indent="0" algn="just">
+              <a:buNone/>
+            </a:pPr>
+            <a:r>
+              <a:rPr lang="pt-BR" sz="2000" dirty="0">
+                <a:solidFill>
+                  <a:schemeClr val="tx1"/>
+                </a:solidFill>
+                <a:latin typeface="Times New Roman" panose="02020603050405020304" pitchFamily="18" charset="0"/>
+                <a:cs typeface="Times New Roman" panose="02020603050405020304" pitchFamily="18" charset="0"/>
+              </a:rPr>
+              <a:t>A </a:t>
+            </a:r>
+            <a:r>
+              <a:rPr lang="pt-BR" sz="2000" b="1" dirty="0">
+                <a:solidFill>
+                  <a:srgbClr val="FF0000"/>
+                </a:solidFill>
+                <a:latin typeface="Times New Roman" panose="02020603050405020304" pitchFamily="18" charset="0"/>
+                <a:cs typeface="Times New Roman" panose="02020603050405020304" pitchFamily="18" charset="0"/>
+              </a:rPr>
+              <a:t>camada de Network</a:t>
+            </a:r>
+            <a:r>
+              <a:rPr lang="pt-BR" sz="2000" dirty="0">
+                <a:solidFill>
+                  <a:schemeClr val="tx1"/>
+                </a:solidFill>
+                <a:latin typeface="Times New Roman" panose="02020603050405020304" pitchFamily="18" charset="0"/>
+                <a:cs typeface="Times New Roman" panose="02020603050405020304" pitchFamily="18" charset="0"/>
+              </a:rPr>
+              <a:t> é a camada intermediária, sendo responsável por conectar os</a:t>
+            </a:r>
+          </a:p>
+          <a:p>
+            <a:pPr marL="0" indent="0" algn="just">
+              <a:buNone/>
+            </a:pPr>
+            <a:r>
+              <a:rPr lang="pt-BR" sz="2000" dirty="0">
+                <a:solidFill>
+                  <a:schemeClr val="tx1"/>
+                </a:solidFill>
+                <a:latin typeface="Times New Roman" panose="02020603050405020304" pitchFamily="18" charset="0"/>
+                <a:cs typeface="Times New Roman" panose="02020603050405020304" pitchFamily="18" charset="0"/>
+              </a:rPr>
+              <a:t>objetos inteligentes e conectar esses aos serviços de redes e aos servidores. Pode-se dizer que ela é uma camada de transporte de informação.</a:t>
+            </a:r>
+          </a:p>
+          <a:p>
+            <a:pPr marL="0" indent="0" algn="just">
+              <a:buNone/>
+            </a:pPr>
+            <a:endParaRPr lang="pt-BR" sz="2000" dirty="0">
+              <a:solidFill>
+                <a:schemeClr val="tx1"/>
+              </a:solidFill>
+              <a:latin typeface="Times New Roman" panose="02020603050405020304" pitchFamily="18" charset="0"/>
+              <a:cs typeface="Times New Roman" panose="02020603050405020304" pitchFamily="18" charset="0"/>
+            </a:endParaRPr>
+          </a:p>
+          <a:p>
+            <a:pPr marL="0" indent="0" algn="just">
+              <a:buNone/>
+            </a:pPr>
+            <a:r>
+              <a:rPr lang="pt-BR" sz="2000" dirty="0">
+                <a:solidFill>
+                  <a:schemeClr val="tx1"/>
+                </a:solidFill>
+                <a:latin typeface="Times New Roman" panose="02020603050405020304" pitchFamily="18" charset="0"/>
+                <a:cs typeface="Times New Roman" panose="02020603050405020304" pitchFamily="18" charset="0"/>
+              </a:rPr>
+              <a:t>E por último, porém não menos importante, a </a:t>
+            </a:r>
+            <a:r>
+              <a:rPr lang="pt-BR" sz="2000" b="1" dirty="0">
+                <a:solidFill>
+                  <a:srgbClr val="FF0000"/>
+                </a:solidFill>
+                <a:latin typeface="Times New Roman" panose="02020603050405020304" pitchFamily="18" charset="0"/>
+                <a:cs typeface="Times New Roman" panose="02020603050405020304" pitchFamily="18" charset="0"/>
+              </a:rPr>
+              <a:t>camada de aplicação</a:t>
+            </a:r>
+            <a:r>
+              <a:rPr lang="pt-BR" sz="2000" dirty="0">
+                <a:solidFill>
+                  <a:schemeClr val="tx1"/>
+                </a:solidFill>
+                <a:latin typeface="Times New Roman" panose="02020603050405020304" pitchFamily="18" charset="0"/>
+                <a:cs typeface="Times New Roman" panose="02020603050405020304" pitchFamily="18" charset="0"/>
+              </a:rPr>
+              <a:t>. </a:t>
+            </a:r>
+          </a:p>
+          <a:p>
+            <a:pPr marL="0" indent="0" algn="just">
+              <a:buNone/>
+            </a:pPr>
+            <a:endParaRPr lang="pt-BR" sz="2000" dirty="0">
+              <a:solidFill>
+                <a:schemeClr val="tx1"/>
+              </a:solidFill>
+              <a:latin typeface="Times New Roman" panose="02020603050405020304" pitchFamily="18" charset="0"/>
+              <a:cs typeface="Times New Roman" panose="02020603050405020304" pitchFamily="18" charset="0"/>
+            </a:endParaRPr>
+          </a:p>
+          <a:p>
+            <a:pPr marL="0" indent="0" algn="just">
+              <a:buNone/>
+            </a:pPr>
+            <a:r>
+              <a:rPr lang="pt-BR" sz="2000" dirty="0">
+                <a:solidFill>
+                  <a:schemeClr val="tx1"/>
+                </a:solidFill>
+                <a:latin typeface="Times New Roman" panose="02020603050405020304" pitchFamily="18" charset="0"/>
+                <a:cs typeface="Times New Roman" panose="02020603050405020304" pitchFamily="18" charset="0"/>
+              </a:rPr>
+              <a:t>Esta camada é responsável por entregar o desejado desde o início.</a:t>
+            </a:r>
+          </a:p>
+        </p:txBody>
+      </p:sp>
+    </p:spTree>
+    <p:extLst>
+      <p:ext uri="{BB962C8B-B14F-4D97-AF65-F5344CB8AC3E}">
+        <p14:creationId xmlns:p14="http://schemas.microsoft.com/office/powerpoint/2010/main" val="872906529"/>
+      </p:ext>
+    </p:extLst>
+  </p:cSld>
+  <p:clrMapOvr>
+    <a:masterClrMapping/>
+  </p:clrMapOvr>
+  <p:transition spd="med"/>
+</p:sld>
+</file>
+
+<file path=ppt/slides/slide12.xml><?xml version="1.0" encoding="utf-8"?>
+<p:sld xmlns:a="http://schemas.openxmlformats.org/drawingml/2006/main" xmlns:r="http://schemas.openxmlformats.org/officeDocument/2006/relationships" xmlns:p="http://schemas.openxmlformats.org/presentationml/2006/main">
+  <p:cSld>
+    <p:spTree>
+      <p:nvGrpSpPr>
+        <p:cNvPr id="1" name=""/>
+        <p:cNvGrpSpPr/>
+        <p:nvPr/>
+      </p:nvGrpSpPr>
+      <p:grpSpPr>
+        <a:xfrm>
+          <a:off x="0" y="0"/>
+          <a:ext cx="0" cy="0"/>
+          <a:chOff x="0" y="0"/>
+          <a:chExt cx="0" cy="0"/>
+        </a:xfrm>
+      </p:grpSpPr>
+      <p:sp>
+        <p:nvSpPr>
+          <p:cNvPr id="6" name="Title 1"/>
+          <p:cNvSpPr>
+            <a:spLocks noGrp="1"/>
+          </p:cNvSpPr>
+          <p:nvPr>
+            <p:ph type="title"/>
+          </p:nvPr>
+        </p:nvSpPr>
+        <p:spPr>
+          <a:xfrm>
+            <a:off x="457200" y="205980"/>
+            <a:ext cx="8229600" cy="857251"/>
+          </a:xfrm>
+        </p:spPr>
+        <p:txBody>
+          <a:bodyPr>
+            <a:normAutofit/>
+          </a:bodyPr>
+          <a:lstStyle/>
+          <a:p>
+            <a:r>
+              <a:rPr lang="pt-BR" b="1" dirty="0">
+                <a:solidFill>
+                  <a:srgbClr val="0070C0"/>
+                </a:solidFill>
+              </a:rPr>
+              <a:t>Arquitetura </a:t>
+            </a:r>
+            <a:r>
+              <a:rPr lang="pt-BR" b="1" dirty="0" err="1">
+                <a:solidFill>
+                  <a:srgbClr val="0070C0"/>
+                </a:solidFill>
+              </a:rPr>
+              <a:t>IoT</a:t>
+            </a:r>
+            <a:endParaRPr lang="en-US" b="1" dirty="0">
+              <a:solidFill>
+                <a:srgbClr val="0070C0"/>
+              </a:solidFill>
+            </a:endParaRPr>
+          </a:p>
+        </p:txBody>
+      </p:sp>
+      <p:sp>
+        <p:nvSpPr>
+          <p:cNvPr id="8" name="Text Placeholder 2"/>
+          <p:cNvSpPr>
+            <a:spLocks noGrp="1"/>
+          </p:cNvSpPr>
+          <p:nvPr>
+            <p:ph type="body" sz="half" idx="1"/>
+          </p:nvPr>
+        </p:nvSpPr>
+        <p:spPr>
+          <a:xfrm>
+            <a:off x="142865" y="1200150"/>
+            <a:ext cx="8865056" cy="3737370"/>
+          </a:xfrm>
+        </p:spPr>
+        <p:txBody>
+          <a:bodyPr>
+            <a:noAutofit/>
+          </a:bodyPr>
+          <a:lstStyle/>
+          <a:p>
+            <a:pPr marL="0" indent="0" algn="just">
+              <a:buNone/>
+            </a:pPr>
+            <a:r>
+              <a:rPr lang="pt-BR" sz="2000" dirty="0">
+                <a:solidFill>
+                  <a:schemeClr val="tx1"/>
+                </a:solidFill>
+                <a:latin typeface="Times New Roman" panose="02020603050405020304" pitchFamily="18" charset="0"/>
+                <a:cs typeface="Times New Roman" panose="02020603050405020304" pitchFamily="18" charset="0"/>
+              </a:rPr>
+              <a:t>Ou seja, supondo que o intuito desde o princípio fosse acender uma lâmpada com a voz, é nessa camada que será gerada uma resposta dizendo que a luz deve ser acesa após alguém dizer algo, </a:t>
+            </a:r>
+            <a:r>
+              <a:rPr lang="en-US" sz="2000" b="1" dirty="0">
+                <a:solidFill>
+                  <a:schemeClr val="tx1"/>
+                </a:solidFill>
+                <a:latin typeface="Times New Roman" panose="02020603050405020304" pitchFamily="18" charset="0"/>
+                <a:cs typeface="Times New Roman" panose="02020603050405020304" pitchFamily="18" charset="0"/>
+              </a:rPr>
+              <a:t>IoT Architecture</a:t>
+            </a:r>
+            <a:r>
+              <a:rPr lang="en-US" sz="2000" dirty="0">
+                <a:solidFill>
+                  <a:schemeClr val="tx1"/>
+                </a:solidFill>
+                <a:latin typeface="Times New Roman" panose="02020603050405020304" pitchFamily="18" charset="0"/>
+                <a:cs typeface="Times New Roman" panose="02020603050405020304" pitchFamily="18" charset="0"/>
+              </a:rPr>
+              <a:t>: The Pathway from Physical Signals to Business Decisions (</a:t>
+            </a:r>
+            <a:r>
+              <a:rPr lang="pt-BR" sz="2000" b="1" dirty="0">
+                <a:solidFill>
+                  <a:schemeClr val="tx1"/>
+                </a:solidFill>
+                <a:latin typeface="Times New Roman" panose="02020603050405020304" pitchFamily="18" charset="0"/>
+                <a:cs typeface="Times New Roman" panose="02020603050405020304" pitchFamily="18" charset="0"/>
+              </a:rPr>
+              <a:t>O Caminho dos Sinais Físicos para as Decisões de Negócios</a:t>
+            </a:r>
+            <a:r>
+              <a:rPr lang="pt-BR" sz="2000" dirty="0">
+                <a:solidFill>
+                  <a:schemeClr val="tx1"/>
+                </a:solidFill>
+                <a:latin typeface="Times New Roman" panose="02020603050405020304" pitchFamily="18" charset="0"/>
+                <a:cs typeface="Times New Roman" panose="02020603050405020304" pitchFamily="18" charset="0"/>
+              </a:rPr>
+              <a:t>)</a:t>
+            </a:r>
+            <a:r>
+              <a:rPr lang="en-US" sz="2000" dirty="0">
+                <a:solidFill>
+                  <a:schemeClr val="tx1"/>
+                </a:solidFill>
+                <a:latin typeface="Times New Roman" panose="02020603050405020304" pitchFamily="18" charset="0"/>
+                <a:cs typeface="Times New Roman" panose="02020603050405020304" pitchFamily="18" charset="0"/>
+              </a:rPr>
+              <a:t>.</a:t>
+            </a:r>
+          </a:p>
+          <a:p>
+            <a:pPr marL="0" indent="0" algn="just">
+              <a:buNone/>
+            </a:pPr>
+            <a:endParaRPr lang="en-US" sz="2000" dirty="0">
+              <a:solidFill>
+                <a:schemeClr val="tx1"/>
+              </a:solidFill>
+              <a:latin typeface="Times New Roman" panose="02020603050405020304" pitchFamily="18" charset="0"/>
+              <a:cs typeface="Times New Roman" panose="02020603050405020304" pitchFamily="18" charset="0"/>
+            </a:endParaRPr>
+          </a:p>
+          <a:p>
+            <a:pPr marL="0" indent="0" algn="just">
+              <a:buNone/>
+            </a:pPr>
+            <a:endParaRPr lang="en-US" sz="2000" dirty="0">
+              <a:solidFill>
+                <a:schemeClr val="tx1"/>
+              </a:solidFill>
+              <a:latin typeface="Times New Roman" panose="02020603050405020304" pitchFamily="18" charset="0"/>
+              <a:cs typeface="Times New Roman" panose="02020603050405020304" pitchFamily="18" charset="0"/>
+            </a:endParaRPr>
+          </a:p>
+          <a:p>
+            <a:pPr marL="0" indent="0" algn="just">
+              <a:buNone/>
+            </a:pPr>
+            <a:r>
+              <a:rPr lang="en-US" sz="1400" b="1" dirty="0" err="1">
+                <a:solidFill>
+                  <a:schemeClr val="tx1"/>
+                </a:solidFill>
+                <a:latin typeface="Times New Roman" panose="02020603050405020304" pitchFamily="18" charset="0"/>
+                <a:cs typeface="Times New Roman" panose="02020603050405020304" pitchFamily="18" charset="0"/>
+              </a:rPr>
+              <a:t>Altexsoft</a:t>
+            </a:r>
+            <a:r>
+              <a:rPr lang="en-US" sz="1400" b="1" dirty="0">
+                <a:solidFill>
+                  <a:schemeClr val="tx1"/>
+                </a:solidFill>
+                <a:latin typeface="Times New Roman" panose="02020603050405020304" pitchFamily="18" charset="0"/>
+                <a:cs typeface="Times New Roman" panose="02020603050405020304" pitchFamily="18" charset="0"/>
+              </a:rPr>
+              <a:t>, 2020</a:t>
+            </a:r>
+            <a:r>
+              <a:rPr lang="en-US" sz="1400" dirty="0">
+                <a:solidFill>
+                  <a:schemeClr val="tx1"/>
+                </a:solidFill>
+                <a:latin typeface="Times New Roman" panose="02020603050405020304" pitchFamily="18" charset="0"/>
+                <a:cs typeface="Times New Roman" panose="02020603050405020304" pitchFamily="18" charset="0"/>
+              </a:rPr>
+              <a:t>. </a:t>
+            </a:r>
+            <a:r>
+              <a:rPr lang="en-US" sz="1400" b="1" dirty="0" err="1">
+                <a:solidFill>
+                  <a:srgbClr val="FF0000"/>
+                </a:solidFill>
+                <a:latin typeface="Times New Roman" panose="02020603050405020304" pitchFamily="18" charset="0"/>
+                <a:cs typeface="Times New Roman" panose="02020603050405020304" pitchFamily="18" charset="0"/>
+              </a:rPr>
+              <a:t>Disponível</a:t>
+            </a:r>
+            <a:r>
+              <a:rPr lang="en-US" sz="1400" b="1" dirty="0">
+                <a:solidFill>
+                  <a:srgbClr val="FF0000"/>
+                </a:solidFill>
+                <a:latin typeface="Times New Roman" panose="02020603050405020304" pitchFamily="18" charset="0"/>
+                <a:cs typeface="Times New Roman" panose="02020603050405020304" pitchFamily="18" charset="0"/>
+              </a:rPr>
+              <a:t> </a:t>
+            </a:r>
+            <a:r>
+              <a:rPr lang="en-US" sz="1400" b="1" dirty="0" err="1">
+                <a:solidFill>
+                  <a:srgbClr val="FF0000"/>
+                </a:solidFill>
+                <a:latin typeface="Times New Roman" panose="02020603050405020304" pitchFamily="18" charset="0"/>
+                <a:cs typeface="Times New Roman" panose="02020603050405020304" pitchFamily="18" charset="0"/>
+              </a:rPr>
+              <a:t>em</a:t>
+            </a:r>
+            <a:r>
+              <a:rPr lang="en-US" sz="1400" b="1" dirty="0">
+                <a:solidFill>
+                  <a:srgbClr val="FF0000"/>
+                </a:solidFill>
+                <a:latin typeface="Times New Roman" panose="02020603050405020304" pitchFamily="18" charset="0"/>
+                <a:cs typeface="Times New Roman" panose="02020603050405020304" pitchFamily="18" charset="0"/>
+              </a:rPr>
+              <a:t>: &lt;https://www.altexsoft.com/blog/iot-architecture-layers-components/&gt;. </a:t>
+            </a:r>
+            <a:r>
+              <a:rPr lang="en-US" sz="1400" b="1" dirty="0" err="1">
+                <a:solidFill>
+                  <a:srgbClr val="FF0000"/>
+                </a:solidFill>
+                <a:latin typeface="Times New Roman" panose="02020603050405020304" pitchFamily="18" charset="0"/>
+                <a:cs typeface="Times New Roman" panose="02020603050405020304" pitchFamily="18" charset="0"/>
+              </a:rPr>
+              <a:t>Acesso</a:t>
+            </a:r>
+            <a:r>
+              <a:rPr lang="en-US" sz="1400" b="1" dirty="0">
+                <a:solidFill>
+                  <a:srgbClr val="FF0000"/>
+                </a:solidFill>
+                <a:latin typeface="Times New Roman" panose="02020603050405020304" pitchFamily="18" charset="0"/>
+                <a:cs typeface="Times New Roman" panose="02020603050405020304" pitchFamily="18" charset="0"/>
+              </a:rPr>
+              <a:t> </a:t>
+            </a:r>
+            <a:r>
+              <a:rPr lang="en-US" sz="1400" b="1" dirty="0" err="1">
+                <a:solidFill>
+                  <a:srgbClr val="FF0000"/>
+                </a:solidFill>
+                <a:latin typeface="Times New Roman" panose="02020603050405020304" pitchFamily="18" charset="0"/>
+                <a:cs typeface="Times New Roman" panose="02020603050405020304" pitchFamily="18" charset="0"/>
+              </a:rPr>
+              <a:t>em</a:t>
+            </a:r>
+            <a:r>
+              <a:rPr lang="en-US" sz="1400" b="1" dirty="0">
+                <a:solidFill>
+                  <a:srgbClr val="FF0000"/>
+                </a:solidFill>
+                <a:latin typeface="Times New Roman" panose="02020603050405020304" pitchFamily="18" charset="0"/>
+                <a:cs typeface="Times New Roman" panose="02020603050405020304" pitchFamily="18" charset="0"/>
+              </a:rPr>
+              <a:t>: 06 de</a:t>
+            </a:r>
+          </a:p>
+          <a:p>
+            <a:pPr marL="0" indent="0" algn="just">
+              <a:buNone/>
+            </a:pPr>
+            <a:r>
+              <a:rPr lang="en-US" sz="1400" b="1" dirty="0">
+                <a:solidFill>
+                  <a:srgbClr val="FF0000"/>
+                </a:solidFill>
+                <a:latin typeface="Times New Roman" panose="02020603050405020304" pitchFamily="18" charset="0"/>
+                <a:cs typeface="Times New Roman" panose="02020603050405020304" pitchFamily="18" charset="0"/>
+              </a:rPr>
+              <a:t>mar. 2021.</a:t>
+            </a:r>
+            <a:endParaRPr lang="pt-BR" sz="1400" b="1" dirty="0">
+              <a:solidFill>
+                <a:srgbClr val="FF0000"/>
+              </a:solidFill>
+              <a:latin typeface="Times New Roman" panose="02020603050405020304" pitchFamily="18" charset="0"/>
+              <a:cs typeface="Times New Roman" panose="02020603050405020304" pitchFamily="18" charset="0"/>
+            </a:endParaRPr>
+          </a:p>
+          <a:p>
+            <a:pPr marL="0" indent="0" algn="just">
+              <a:buNone/>
+            </a:pPr>
+            <a:endParaRPr lang="pt-BR" sz="2000" dirty="0">
+              <a:solidFill>
+                <a:schemeClr val="tx1"/>
+              </a:solidFill>
+              <a:latin typeface="Times New Roman" panose="02020603050405020304" pitchFamily="18" charset="0"/>
+              <a:cs typeface="Times New Roman" panose="02020603050405020304" pitchFamily="18" charset="0"/>
+            </a:endParaRPr>
+          </a:p>
+        </p:txBody>
+      </p:sp>
+    </p:spTree>
+    <p:extLst>
+      <p:ext uri="{BB962C8B-B14F-4D97-AF65-F5344CB8AC3E}">
+        <p14:creationId xmlns:p14="http://schemas.microsoft.com/office/powerpoint/2010/main" val="3053375665"/>
+      </p:ext>
+    </p:extLst>
+  </p:cSld>
+  <p:clrMapOvr>
+    <a:masterClrMapping/>
+  </p:clrMapOvr>
+  <p:transition spd="med"/>
+</p:sld>
+</file>
+
+<file path=ppt/slides/slide13.xml><?xml version="1.0" encoding="utf-8"?>
+<p:sld xmlns:a="http://schemas.openxmlformats.org/drawingml/2006/main" xmlns:r="http://schemas.openxmlformats.org/officeDocument/2006/relationships" xmlns:p="http://schemas.openxmlformats.org/presentationml/2006/main">
+  <p:cSld>
+    <p:spTree>
+      <p:nvGrpSpPr>
+        <p:cNvPr id="1" name=""/>
+        <p:cNvGrpSpPr/>
+        <p:nvPr/>
+      </p:nvGrpSpPr>
+      <p:grpSpPr>
+        <a:xfrm>
+          <a:off x="0" y="0"/>
+          <a:ext cx="0" cy="0"/>
+          <a:chOff x="0" y="0"/>
+          <a:chExt cx="0" cy="0"/>
+        </a:xfrm>
+      </p:grpSpPr>
+      <p:sp>
+        <p:nvSpPr>
+          <p:cNvPr id="6" name="Title 1"/>
+          <p:cNvSpPr>
+            <a:spLocks noGrp="1"/>
+          </p:cNvSpPr>
+          <p:nvPr>
+            <p:ph type="title"/>
+          </p:nvPr>
+        </p:nvSpPr>
+        <p:spPr>
+          <a:xfrm>
+            <a:off x="457200" y="205980"/>
+            <a:ext cx="8229600" cy="857251"/>
+          </a:xfrm>
+        </p:spPr>
+        <p:txBody>
+          <a:bodyPr>
+            <a:normAutofit/>
+          </a:bodyPr>
+          <a:lstStyle/>
+          <a:p>
+            <a:r>
+              <a:rPr lang="pt-BR" b="1" dirty="0">
+                <a:solidFill>
+                  <a:srgbClr val="0070C0"/>
+                </a:solidFill>
+              </a:rPr>
+              <a:t>Arquitetura </a:t>
+            </a:r>
+            <a:r>
+              <a:rPr lang="pt-BR" b="1" dirty="0" err="1">
+                <a:solidFill>
+                  <a:srgbClr val="0070C0"/>
+                </a:solidFill>
+              </a:rPr>
+              <a:t>IoT</a:t>
+            </a:r>
+            <a:endParaRPr lang="en-US" b="1" dirty="0">
+              <a:solidFill>
+                <a:srgbClr val="0070C0"/>
+              </a:solidFill>
+            </a:endParaRPr>
+          </a:p>
+        </p:txBody>
+      </p:sp>
+      <p:sp>
+        <p:nvSpPr>
+          <p:cNvPr id="8" name="Text Placeholder 2"/>
+          <p:cNvSpPr>
+            <a:spLocks noGrp="1"/>
+          </p:cNvSpPr>
+          <p:nvPr>
+            <p:ph type="body" sz="half" idx="1"/>
+          </p:nvPr>
+        </p:nvSpPr>
+        <p:spPr>
+          <a:xfrm>
+            <a:off x="142865" y="1200150"/>
+            <a:ext cx="8865056" cy="3737370"/>
+          </a:xfrm>
+        </p:spPr>
+        <p:txBody>
+          <a:bodyPr>
+            <a:noAutofit/>
+          </a:bodyPr>
+          <a:lstStyle/>
+          <a:p>
+            <a:pPr marL="0" indent="0" algn="just">
+              <a:buNone/>
+            </a:pPr>
+            <a:r>
+              <a:rPr lang="pt-BR" sz="2000" b="1" dirty="0">
+                <a:solidFill>
+                  <a:schemeClr val="tx1"/>
+                </a:solidFill>
+                <a:latin typeface="Times New Roman" panose="02020603050405020304" pitchFamily="18" charset="0"/>
+                <a:cs typeface="Times New Roman" panose="02020603050405020304" pitchFamily="18" charset="0"/>
+              </a:rPr>
+              <a:t>Five-</a:t>
+            </a:r>
+            <a:r>
+              <a:rPr lang="pt-BR" sz="2000" b="1" dirty="0" err="1">
+                <a:solidFill>
+                  <a:schemeClr val="tx1"/>
+                </a:solidFill>
+                <a:latin typeface="Times New Roman" panose="02020603050405020304" pitchFamily="18" charset="0"/>
+                <a:cs typeface="Times New Roman" panose="02020603050405020304" pitchFamily="18" charset="0"/>
+              </a:rPr>
+              <a:t>Layer</a:t>
+            </a:r>
+            <a:r>
+              <a:rPr lang="pt-BR" sz="2000" b="1" dirty="0">
+                <a:solidFill>
+                  <a:schemeClr val="tx1"/>
+                </a:solidFill>
+                <a:latin typeface="Times New Roman" panose="02020603050405020304" pitchFamily="18" charset="0"/>
+                <a:cs typeface="Times New Roman" panose="02020603050405020304" pitchFamily="18" charset="0"/>
+              </a:rPr>
+              <a:t> </a:t>
+            </a:r>
+            <a:r>
+              <a:rPr lang="pt-BR" sz="2000" b="1" dirty="0" err="1">
+                <a:solidFill>
+                  <a:schemeClr val="tx1"/>
+                </a:solidFill>
+                <a:latin typeface="Times New Roman" panose="02020603050405020304" pitchFamily="18" charset="0"/>
+                <a:cs typeface="Times New Roman" panose="02020603050405020304" pitchFamily="18" charset="0"/>
+              </a:rPr>
+              <a:t>Architeture</a:t>
+            </a:r>
+            <a:r>
+              <a:rPr lang="pt-BR" sz="2000" dirty="0">
+                <a:solidFill>
+                  <a:schemeClr val="tx1"/>
+                </a:solidFill>
+                <a:latin typeface="Times New Roman" panose="02020603050405020304" pitchFamily="18" charset="0"/>
+                <a:cs typeface="Times New Roman" panose="02020603050405020304" pitchFamily="18" charset="0"/>
+              </a:rPr>
+              <a:t>, em português, arquitetura de cinco camadas. </a:t>
+            </a:r>
+          </a:p>
+          <a:p>
+            <a:pPr marL="0" indent="0" algn="just">
+              <a:buNone/>
+            </a:pPr>
+            <a:endParaRPr lang="pt-BR" sz="2000" dirty="0">
+              <a:solidFill>
+                <a:schemeClr val="tx1"/>
+              </a:solidFill>
+              <a:latin typeface="Times New Roman" panose="02020603050405020304" pitchFamily="18" charset="0"/>
+              <a:cs typeface="Times New Roman" panose="02020603050405020304" pitchFamily="18" charset="0"/>
+            </a:endParaRPr>
+          </a:p>
+          <a:p>
+            <a:pPr marL="0" indent="0" algn="just">
+              <a:buNone/>
+            </a:pPr>
+            <a:r>
+              <a:rPr lang="pt-BR" sz="2000" dirty="0">
+                <a:solidFill>
+                  <a:schemeClr val="tx1"/>
+                </a:solidFill>
+                <a:latin typeface="Times New Roman" panose="02020603050405020304" pitchFamily="18" charset="0"/>
+                <a:cs typeface="Times New Roman" panose="02020603050405020304" pitchFamily="18" charset="0"/>
+              </a:rPr>
+              <a:t>Nessa arquitetura foram adicionadas as </a:t>
+            </a:r>
+            <a:r>
+              <a:rPr lang="pt-BR" sz="2000" b="1" dirty="0">
+                <a:solidFill>
+                  <a:srgbClr val="FF0000"/>
+                </a:solidFill>
+                <a:latin typeface="Times New Roman" panose="02020603050405020304" pitchFamily="18" charset="0"/>
+                <a:cs typeface="Times New Roman" panose="02020603050405020304" pitchFamily="18" charset="0"/>
+              </a:rPr>
+              <a:t>camadas de processamento</a:t>
+            </a:r>
+            <a:r>
+              <a:rPr lang="pt-BR" sz="2000" dirty="0">
+                <a:solidFill>
+                  <a:schemeClr val="tx1"/>
+                </a:solidFill>
+                <a:latin typeface="Times New Roman" panose="02020603050405020304" pitchFamily="18" charset="0"/>
+                <a:cs typeface="Times New Roman" panose="02020603050405020304" pitchFamily="18" charset="0"/>
+              </a:rPr>
+              <a:t> (</a:t>
+            </a:r>
+            <a:r>
+              <a:rPr lang="pt-BR" sz="2000" b="1" dirty="0" err="1">
+                <a:solidFill>
+                  <a:schemeClr val="tx1"/>
+                </a:solidFill>
+                <a:latin typeface="Times New Roman" panose="02020603050405020304" pitchFamily="18" charset="0"/>
+                <a:cs typeface="Times New Roman" panose="02020603050405020304" pitchFamily="18" charset="0"/>
+              </a:rPr>
+              <a:t>Processing</a:t>
+            </a:r>
+            <a:r>
+              <a:rPr lang="pt-BR" sz="2000" b="1" dirty="0">
+                <a:solidFill>
+                  <a:schemeClr val="tx1"/>
+                </a:solidFill>
+                <a:latin typeface="Times New Roman" panose="02020603050405020304" pitchFamily="18" charset="0"/>
+                <a:cs typeface="Times New Roman" panose="02020603050405020304" pitchFamily="18" charset="0"/>
+              </a:rPr>
+              <a:t> </a:t>
+            </a:r>
+            <a:r>
+              <a:rPr lang="pt-BR" sz="2000" b="1" dirty="0" err="1">
+                <a:solidFill>
+                  <a:schemeClr val="tx1"/>
+                </a:solidFill>
+                <a:latin typeface="Times New Roman" panose="02020603050405020304" pitchFamily="18" charset="0"/>
+                <a:cs typeface="Times New Roman" panose="02020603050405020304" pitchFamily="18" charset="0"/>
+              </a:rPr>
+              <a:t>Layer</a:t>
+            </a:r>
+            <a:r>
+              <a:rPr lang="pt-BR" sz="2000" dirty="0">
+                <a:solidFill>
+                  <a:schemeClr val="tx1"/>
+                </a:solidFill>
+                <a:latin typeface="Times New Roman" panose="02020603050405020304" pitchFamily="18" charset="0"/>
+                <a:cs typeface="Times New Roman" panose="02020603050405020304" pitchFamily="18" charset="0"/>
+              </a:rPr>
+              <a:t>), que se localiza entre as camadas de Network e Aplicação e a de negócios (</a:t>
+            </a:r>
+            <a:r>
+              <a:rPr lang="pt-BR" sz="2000" b="1" dirty="0">
+                <a:solidFill>
+                  <a:schemeClr val="tx1"/>
+                </a:solidFill>
+                <a:latin typeface="Times New Roman" panose="02020603050405020304" pitchFamily="18" charset="0"/>
+                <a:cs typeface="Times New Roman" panose="02020603050405020304" pitchFamily="18" charset="0"/>
+              </a:rPr>
+              <a:t>Business </a:t>
+            </a:r>
+            <a:r>
+              <a:rPr lang="pt-BR" sz="2000" b="1" dirty="0" err="1">
+                <a:solidFill>
+                  <a:schemeClr val="tx1"/>
+                </a:solidFill>
+                <a:latin typeface="Times New Roman" panose="02020603050405020304" pitchFamily="18" charset="0"/>
+                <a:cs typeface="Times New Roman" panose="02020603050405020304" pitchFamily="18" charset="0"/>
+              </a:rPr>
+              <a:t>Layer</a:t>
+            </a:r>
+            <a:r>
+              <a:rPr lang="pt-BR" sz="2000" dirty="0">
+                <a:solidFill>
+                  <a:schemeClr val="tx1"/>
+                </a:solidFill>
+                <a:latin typeface="Times New Roman" panose="02020603050405020304" pitchFamily="18" charset="0"/>
+                <a:cs typeface="Times New Roman" panose="02020603050405020304" pitchFamily="18" charset="0"/>
+              </a:rPr>
+              <a:t>) que se localiza acima da camada de Aplicação.</a:t>
+            </a:r>
+          </a:p>
+          <a:p>
+            <a:pPr marL="0" indent="0" algn="just">
+              <a:buNone/>
+            </a:pPr>
+            <a:endParaRPr lang="pt-BR" sz="2000" dirty="0">
+              <a:solidFill>
+                <a:schemeClr val="tx1"/>
+              </a:solidFill>
+              <a:latin typeface="Times New Roman" panose="02020603050405020304" pitchFamily="18" charset="0"/>
+              <a:cs typeface="Times New Roman" panose="02020603050405020304" pitchFamily="18" charset="0"/>
+            </a:endParaRPr>
+          </a:p>
+          <a:p>
+            <a:pPr marL="0" indent="0" algn="just">
+              <a:buNone/>
+            </a:pPr>
+            <a:endParaRPr lang="pt-BR" sz="2000" dirty="0">
+              <a:solidFill>
+                <a:schemeClr val="tx1"/>
+              </a:solidFill>
+              <a:latin typeface="Times New Roman" panose="02020603050405020304" pitchFamily="18" charset="0"/>
+              <a:cs typeface="Times New Roman" panose="02020603050405020304" pitchFamily="18" charset="0"/>
+            </a:endParaRPr>
+          </a:p>
+          <a:p>
+            <a:pPr marL="0" indent="0" algn="just">
+              <a:buNone/>
+            </a:pPr>
+            <a:endParaRPr lang="pt-BR" sz="2000" dirty="0">
+              <a:solidFill>
+                <a:schemeClr val="tx1"/>
+              </a:solidFill>
+              <a:latin typeface="Times New Roman" panose="02020603050405020304" pitchFamily="18" charset="0"/>
+              <a:cs typeface="Times New Roman" panose="02020603050405020304" pitchFamily="18" charset="0"/>
+            </a:endParaRPr>
+          </a:p>
+          <a:p>
+            <a:pPr marL="0" indent="0" algn="just">
+              <a:buNone/>
+            </a:pPr>
+            <a:endParaRPr lang="pt-BR" sz="2000" dirty="0">
+              <a:solidFill>
+                <a:schemeClr val="tx1"/>
+              </a:solidFill>
+              <a:latin typeface="Times New Roman" panose="02020603050405020304" pitchFamily="18" charset="0"/>
+              <a:cs typeface="Times New Roman" panose="02020603050405020304" pitchFamily="18" charset="0"/>
+            </a:endParaRPr>
+          </a:p>
+        </p:txBody>
+      </p:sp>
+    </p:spTree>
+    <p:extLst>
+      <p:ext uri="{BB962C8B-B14F-4D97-AF65-F5344CB8AC3E}">
+        <p14:creationId xmlns:p14="http://schemas.microsoft.com/office/powerpoint/2010/main" val="1433287021"/>
+      </p:ext>
+    </p:extLst>
+  </p:cSld>
+  <p:clrMapOvr>
+    <a:masterClrMapping/>
+  </p:clrMapOvr>
+  <p:transition spd="med"/>
+</p:sld>
+</file>
+
+<file path=ppt/slides/slide14.xml><?xml version="1.0" encoding="utf-8"?>
+<p:sld xmlns:a="http://schemas.openxmlformats.org/drawingml/2006/main" xmlns:r="http://schemas.openxmlformats.org/officeDocument/2006/relationships" xmlns:p="http://schemas.openxmlformats.org/presentationml/2006/main">
+  <p:cSld>
+    <p:spTree>
+      <p:nvGrpSpPr>
+        <p:cNvPr id="1" name=""/>
+        <p:cNvGrpSpPr/>
+        <p:nvPr/>
+      </p:nvGrpSpPr>
+      <p:grpSpPr>
+        <a:xfrm>
+          <a:off x="0" y="0"/>
+          <a:ext cx="0" cy="0"/>
+          <a:chOff x="0" y="0"/>
+          <a:chExt cx="0" cy="0"/>
+        </a:xfrm>
+      </p:grpSpPr>
+      <p:sp>
+        <p:nvSpPr>
+          <p:cNvPr id="6" name="Title 1"/>
+          <p:cNvSpPr>
+            <a:spLocks noGrp="1"/>
+          </p:cNvSpPr>
+          <p:nvPr>
+            <p:ph type="title"/>
+          </p:nvPr>
+        </p:nvSpPr>
+        <p:spPr>
+          <a:xfrm>
+            <a:off x="457200" y="205980"/>
+            <a:ext cx="8229600" cy="857251"/>
+          </a:xfrm>
+        </p:spPr>
+        <p:txBody>
+          <a:bodyPr>
+            <a:normAutofit/>
+          </a:bodyPr>
+          <a:lstStyle/>
+          <a:p>
+            <a:r>
+              <a:rPr lang="pt-BR" b="1" dirty="0">
+                <a:solidFill>
+                  <a:srgbClr val="0070C0"/>
+                </a:solidFill>
+              </a:rPr>
+              <a:t>Arquitetura </a:t>
+            </a:r>
+            <a:r>
+              <a:rPr lang="pt-BR" b="1" dirty="0" err="1">
+                <a:solidFill>
+                  <a:srgbClr val="0070C0"/>
+                </a:solidFill>
+              </a:rPr>
+              <a:t>IoT</a:t>
+            </a:r>
+            <a:endParaRPr lang="en-US" b="1" dirty="0">
+              <a:solidFill>
+                <a:srgbClr val="0070C0"/>
+              </a:solidFill>
+            </a:endParaRPr>
+          </a:p>
+        </p:txBody>
+      </p:sp>
+      <p:sp>
+        <p:nvSpPr>
+          <p:cNvPr id="8" name="Text Placeholder 2"/>
+          <p:cNvSpPr>
+            <a:spLocks noGrp="1"/>
+          </p:cNvSpPr>
+          <p:nvPr>
+            <p:ph type="body" sz="half" idx="1"/>
+          </p:nvPr>
+        </p:nvSpPr>
+        <p:spPr>
+          <a:xfrm>
+            <a:off x="142865" y="1200150"/>
+            <a:ext cx="8865056" cy="3737370"/>
+          </a:xfrm>
+        </p:spPr>
+        <p:txBody>
+          <a:bodyPr>
+            <a:noAutofit/>
+          </a:bodyPr>
+          <a:lstStyle/>
+          <a:p>
+            <a:pPr marL="0" indent="0" algn="just">
+              <a:buNone/>
+            </a:pPr>
+            <a:endParaRPr lang="pt-BR" sz="2000" b="1" dirty="0">
+              <a:solidFill>
+                <a:schemeClr val="tx1"/>
+              </a:solidFill>
+              <a:latin typeface="Times New Roman" panose="02020603050405020304" pitchFamily="18" charset="0"/>
+              <a:cs typeface="Times New Roman" panose="02020603050405020304" pitchFamily="18" charset="0"/>
+            </a:endParaRPr>
+          </a:p>
+          <a:p>
+            <a:pPr marL="0" indent="0" algn="just">
+              <a:buNone/>
+            </a:pPr>
+            <a:endParaRPr lang="pt-BR" sz="2000" dirty="0">
+              <a:solidFill>
+                <a:schemeClr val="tx1"/>
+              </a:solidFill>
+              <a:latin typeface="Times New Roman" panose="02020603050405020304" pitchFamily="18" charset="0"/>
+              <a:cs typeface="Times New Roman" panose="02020603050405020304" pitchFamily="18" charset="0"/>
+            </a:endParaRPr>
+          </a:p>
+        </p:txBody>
+      </p:sp>
+      <p:pic>
+        <p:nvPicPr>
+          <p:cNvPr id="3" name="Imagem 2">
+            <a:extLst>
+              <a:ext uri="{FF2B5EF4-FFF2-40B4-BE49-F238E27FC236}">
+                <a16:creationId xmlns:a16="http://schemas.microsoft.com/office/drawing/2014/main" id="{8160E5FB-D300-140D-0FD1-0A2DCAC2D386}"/>
+              </a:ext>
+            </a:extLst>
+          </p:cNvPr>
+          <p:cNvPicPr>
+            <a:picLocks noChangeAspect="1"/>
+          </p:cNvPicPr>
+          <p:nvPr/>
+        </p:nvPicPr>
+        <p:blipFill>
+          <a:blip r:embed="rId3"/>
+          <a:stretch>
+            <a:fillRect/>
+          </a:stretch>
+        </p:blipFill>
+        <p:spPr>
+          <a:xfrm>
+            <a:off x="681227" y="1063230"/>
+            <a:ext cx="5472361" cy="4080270"/>
+          </a:xfrm>
+          <a:prstGeom prst="rect">
+            <a:avLst/>
+          </a:prstGeom>
+        </p:spPr>
+      </p:pic>
+    </p:spTree>
+    <p:extLst>
+      <p:ext uri="{BB962C8B-B14F-4D97-AF65-F5344CB8AC3E}">
+        <p14:creationId xmlns:p14="http://schemas.microsoft.com/office/powerpoint/2010/main" val="4175977654"/>
+      </p:ext>
+    </p:extLst>
+  </p:cSld>
+  <p:clrMapOvr>
+    <a:masterClrMapping/>
+  </p:clrMapOvr>
+  <p:transition spd="med"/>
+</p:sld>
+</file>
+
+<file path=ppt/slides/slide15.xml><?xml version="1.0" encoding="utf-8"?>
+<p:sld xmlns:a="http://schemas.openxmlformats.org/drawingml/2006/main" xmlns:r="http://schemas.openxmlformats.org/officeDocument/2006/relationships" xmlns:p="http://schemas.openxmlformats.org/presentationml/2006/main">
+  <p:cSld>
+    <p:spTree>
+      <p:nvGrpSpPr>
+        <p:cNvPr id="1" name=""/>
+        <p:cNvGrpSpPr/>
+        <p:nvPr/>
+      </p:nvGrpSpPr>
+      <p:grpSpPr>
+        <a:xfrm>
+          <a:off x="0" y="0"/>
+          <a:ext cx="0" cy="0"/>
+          <a:chOff x="0" y="0"/>
+          <a:chExt cx="0" cy="0"/>
+        </a:xfrm>
+      </p:grpSpPr>
+      <p:sp>
+        <p:nvSpPr>
+          <p:cNvPr id="6" name="Title 1"/>
+          <p:cNvSpPr>
+            <a:spLocks noGrp="1"/>
+          </p:cNvSpPr>
+          <p:nvPr>
+            <p:ph type="title"/>
+          </p:nvPr>
+        </p:nvSpPr>
+        <p:spPr>
+          <a:xfrm>
+            <a:off x="457200" y="205980"/>
+            <a:ext cx="8229600" cy="857251"/>
+          </a:xfrm>
+        </p:spPr>
+        <p:txBody>
+          <a:bodyPr>
+            <a:normAutofit fontScale="90000"/>
+          </a:bodyPr>
+          <a:lstStyle/>
+          <a:p>
+            <a:r>
+              <a:rPr lang="pt-BR" b="1" dirty="0">
+                <a:solidFill>
+                  <a:srgbClr val="0070C0"/>
+                </a:solidFill>
+              </a:rPr>
+              <a:t>Esforços de Padronização e Protocolos</a:t>
+            </a:r>
+            <a:endParaRPr lang="en-US" b="1" dirty="0">
+              <a:solidFill>
+                <a:srgbClr val="0070C0"/>
+              </a:solidFill>
+            </a:endParaRPr>
+          </a:p>
+        </p:txBody>
+      </p:sp>
+      <p:sp>
+        <p:nvSpPr>
+          <p:cNvPr id="8" name="Text Placeholder 2"/>
+          <p:cNvSpPr>
+            <a:spLocks noGrp="1"/>
+          </p:cNvSpPr>
+          <p:nvPr>
+            <p:ph type="body" sz="half" idx="1"/>
+          </p:nvPr>
+        </p:nvSpPr>
+        <p:spPr>
+          <a:xfrm>
+            <a:off x="142865" y="1200150"/>
+            <a:ext cx="8865056" cy="3737370"/>
+          </a:xfrm>
+        </p:spPr>
+        <p:txBody>
+          <a:bodyPr>
+            <a:noAutofit/>
+          </a:bodyPr>
+          <a:lstStyle/>
+          <a:p>
+            <a:pPr marL="0" indent="0" algn="just">
+              <a:buNone/>
+            </a:pPr>
+            <a:r>
+              <a:rPr lang="pt-BR" sz="2000" dirty="0">
+                <a:solidFill>
+                  <a:schemeClr val="tx1"/>
+                </a:solidFill>
+                <a:latin typeface="Times New Roman" panose="02020603050405020304" pitchFamily="18" charset="0"/>
+                <a:cs typeface="Times New Roman" panose="02020603050405020304" pitchFamily="18" charset="0"/>
+              </a:rPr>
+              <a:t>O modelo utilizado como referência será o </a:t>
+            </a:r>
+            <a:r>
+              <a:rPr lang="pt-BR" sz="2000" b="1" dirty="0">
+                <a:solidFill>
+                  <a:schemeClr val="tx1"/>
+                </a:solidFill>
+                <a:latin typeface="Times New Roman" panose="02020603050405020304" pitchFamily="18" charset="0"/>
+                <a:cs typeface="Times New Roman" panose="02020603050405020304" pitchFamily="18" charset="0"/>
+              </a:rPr>
+              <a:t>TCP/IP</a:t>
+            </a:r>
+            <a:r>
+              <a:rPr lang="pt-BR" sz="2000" dirty="0">
+                <a:solidFill>
+                  <a:schemeClr val="tx1"/>
+                </a:solidFill>
+                <a:latin typeface="Times New Roman" panose="02020603050405020304" pitchFamily="18" charset="0"/>
+                <a:cs typeface="Times New Roman" panose="02020603050405020304" pitchFamily="18" charset="0"/>
+              </a:rPr>
+              <a:t>, usado para os protocolos na Internet. </a:t>
+            </a:r>
+          </a:p>
+          <a:p>
+            <a:pPr marL="0" indent="0" algn="just">
+              <a:buNone/>
+            </a:pPr>
+            <a:endParaRPr lang="pt-BR" sz="2000" dirty="0">
+              <a:solidFill>
+                <a:schemeClr val="tx1"/>
+              </a:solidFill>
+              <a:latin typeface="Times New Roman" panose="02020603050405020304" pitchFamily="18" charset="0"/>
+              <a:cs typeface="Times New Roman" panose="02020603050405020304" pitchFamily="18" charset="0"/>
+            </a:endParaRPr>
+          </a:p>
+          <a:p>
+            <a:pPr marL="0" indent="0" algn="just">
+              <a:buNone/>
+            </a:pPr>
+            <a:r>
+              <a:rPr lang="pt-BR" sz="2000" dirty="0">
+                <a:solidFill>
+                  <a:schemeClr val="tx1"/>
+                </a:solidFill>
+                <a:latin typeface="Times New Roman" panose="02020603050405020304" pitchFamily="18" charset="0"/>
+                <a:cs typeface="Times New Roman" panose="02020603050405020304" pitchFamily="18" charset="0"/>
+              </a:rPr>
+              <a:t>Pelo fato da Internet das coisas ter sido baseada à princípio na Internet, o TCP/IP consegue descrever com naturalidade as camadas utilizadas na mesma. O modelo é dividido em quatro camadas: rede, </a:t>
+            </a:r>
+            <a:r>
+              <a:rPr lang="pt-BR" sz="2000" b="1" dirty="0">
+                <a:solidFill>
+                  <a:schemeClr val="tx1"/>
+                </a:solidFill>
+                <a:latin typeface="Times New Roman" panose="02020603050405020304" pitchFamily="18" charset="0"/>
+                <a:cs typeface="Times New Roman" panose="02020603050405020304" pitchFamily="18" charset="0"/>
+              </a:rPr>
+              <a:t>Internet, transporte e aplicação</a:t>
+            </a:r>
+            <a:r>
+              <a:rPr lang="pt-BR" sz="2000" dirty="0">
+                <a:solidFill>
+                  <a:schemeClr val="tx1"/>
+                </a:solidFill>
+                <a:latin typeface="Times New Roman" panose="02020603050405020304" pitchFamily="18" charset="0"/>
+                <a:cs typeface="Times New Roman" panose="02020603050405020304" pitchFamily="18" charset="0"/>
+              </a:rPr>
+              <a:t>.</a:t>
+            </a:r>
+          </a:p>
+          <a:p>
+            <a:pPr marL="0" indent="0" algn="just">
+              <a:buNone/>
+            </a:pPr>
+            <a:endParaRPr lang="pt-BR" sz="2000" dirty="0">
+              <a:solidFill>
+                <a:schemeClr val="tx1"/>
+              </a:solidFill>
+              <a:latin typeface="Times New Roman" panose="02020603050405020304" pitchFamily="18" charset="0"/>
+              <a:cs typeface="Times New Roman" panose="02020603050405020304" pitchFamily="18" charset="0"/>
+            </a:endParaRPr>
+          </a:p>
+        </p:txBody>
+      </p:sp>
+    </p:spTree>
+    <p:extLst>
+      <p:ext uri="{BB962C8B-B14F-4D97-AF65-F5344CB8AC3E}">
+        <p14:creationId xmlns:p14="http://schemas.microsoft.com/office/powerpoint/2010/main" val="1116641902"/>
+      </p:ext>
+    </p:extLst>
+  </p:cSld>
+  <p:clrMapOvr>
+    <a:masterClrMapping/>
+  </p:clrMapOvr>
+  <p:transition spd="med"/>
+</p:sld>
+</file>
+
+<file path=ppt/slides/slide16.xml><?xml version="1.0" encoding="utf-8"?>
+<p:sld xmlns:a="http://schemas.openxmlformats.org/drawingml/2006/main" xmlns:r="http://schemas.openxmlformats.org/officeDocument/2006/relationships" xmlns:p="http://schemas.openxmlformats.org/presentationml/2006/main">
+  <p:cSld>
+    <p:spTree>
+      <p:nvGrpSpPr>
+        <p:cNvPr id="1" name=""/>
+        <p:cNvGrpSpPr/>
+        <p:nvPr/>
+      </p:nvGrpSpPr>
+      <p:grpSpPr>
+        <a:xfrm>
+          <a:off x="0" y="0"/>
+          <a:ext cx="0" cy="0"/>
+          <a:chOff x="0" y="0"/>
+          <a:chExt cx="0" cy="0"/>
+        </a:xfrm>
+      </p:grpSpPr>
+      <p:sp>
+        <p:nvSpPr>
+          <p:cNvPr id="6" name="Title 1"/>
+          <p:cNvSpPr>
+            <a:spLocks noGrp="1"/>
+          </p:cNvSpPr>
+          <p:nvPr>
+            <p:ph type="title"/>
+          </p:nvPr>
+        </p:nvSpPr>
+        <p:spPr>
+          <a:xfrm>
+            <a:off x="457200" y="205980"/>
+            <a:ext cx="8229600" cy="857251"/>
+          </a:xfrm>
+        </p:spPr>
+        <p:txBody>
+          <a:bodyPr>
+            <a:normAutofit fontScale="90000"/>
+          </a:bodyPr>
+          <a:lstStyle/>
+          <a:p>
+            <a:r>
+              <a:rPr lang="pt-BR" b="1" dirty="0">
+                <a:solidFill>
+                  <a:srgbClr val="0070C0"/>
+                </a:solidFill>
+              </a:rPr>
+              <a:t>Esforços de Padronização e Protocolos</a:t>
+            </a:r>
+            <a:endParaRPr lang="en-US" b="1" dirty="0">
+              <a:solidFill>
+                <a:srgbClr val="0070C0"/>
+              </a:solidFill>
+            </a:endParaRPr>
+          </a:p>
+        </p:txBody>
+      </p:sp>
+      <p:sp>
+        <p:nvSpPr>
+          <p:cNvPr id="8" name="Text Placeholder 2"/>
+          <p:cNvSpPr>
+            <a:spLocks noGrp="1"/>
+          </p:cNvSpPr>
+          <p:nvPr>
+            <p:ph type="body" sz="half" idx="1"/>
+          </p:nvPr>
+        </p:nvSpPr>
+        <p:spPr>
+          <a:xfrm>
+            <a:off x="142865" y="1200150"/>
+            <a:ext cx="8865056" cy="3737370"/>
+          </a:xfrm>
+        </p:spPr>
+        <p:txBody>
+          <a:bodyPr>
+            <a:noAutofit/>
+          </a:bodyPr>
+          <a:lstStyle/>
+          <a:p>
+            <a:pPr marL="0" indent="0" algn="just">
+              <a:buNone/>
+            </a:pPr>
+            <a:r>
+              <a:rPr lang="pt-BR" sz="2000" dirty="0">
+                <a:solidFill>
+                  <a:schemeClr val="tx1"/>
+                </a:solidFill>
+                <a:latin typeface="Times New Roman" panose="02020603050405020304" pitchFamily="18" charset="0"/>
+                <a:cs typeface="Times New Roman" panose="02020603050405020304" pitchFamily="18" charset="0"/>
+              </a:rPr>
+              <a:t>A recomendação ITU-T Y.4115 especifica uma arquitetura de referência para os dispositivos denominados </a:t>
+            </a:r>
+            <a:r>
+              <a:rPr lang="pt-BR" sz="2000" b="1" dirty="0" err="1">
+                <a:solidFill>
+                  <a:schemeClr val="tx1"/>
+                </a:solidFill>
+                <a:latin typeface="Times New Roman" panose="02020603050405020304" pitchFamily="18" charset="0"/>
+                <a:cs typeface="Times New Roman" panose="02020603050405020304" pitchFamily="18" charset="0"/>
+              </a:rPr>
+              <a:t>IoT</a:t>
+            </a:r>
+            <a:r>
+              <a:rPr lang="pt-BR" sz="2000" b="1" dirty="0">
+                <a:solidFill>
+                  <a:schemeClr val="tx1"/>
+                </a:solidFill>
+                <a:latin typeface="Times New Roman" panose="02020603050405020304" pitchFamily="18" charset="0"/>
+                <a:cs typeface="Times New Roman" panose="02020603050405020304" pitchFamily="18" charset="0"/>
+              </a:rPr>
+              <a:t> DCE</a:t>
+            </a:r>
+            <a:r>
+              <a:rPr lang="pt-BR" sz="2000" dirty="0">
+                <a:solidFill>
+                  <a:schemeClr val="tx1"/>
+                </a:solidFill>
+                <a:latin typeface="Times New Roman" panose="02020603050405020304" pitchFamily="18" charset="0"/>
+                <a:cs typeface="Times New Roman" panose="02020603050405020304" pitchFamily="18" charset="0"/>
+              </a:rPr>
+              <a:t> (</a:t>
+            </a:r>
+            <a:r>
+              <a:rPr lang="pt-BR" sz="2000" dirty="0" err="1">
+                <a:solidFill>
+                  <a:schemeClr val="tx1"/>
+                </a:solidFill>
+                <a:latin typeface="Times New Roman" panose="02020603050405020304" pitchFamily="18" charset="0"/>
+                <a:cs typeface="Times New Roman" panose="02020603050405020304" pitchFamily="18" charset="0"/>
+              </a:rPr>
+              <a:t>IoT</a:t>
+            </a:r>
+            <a:r>
+              <a:rPr lang="pt-BR" sz="2000" dirty="0">
+                <a:solidFill>
+                  <a:schemeClr val="tx1"/>
+                </a:solidFill>
+                <a:latin typeface="Times New Roman" panose="02020603050405020304" pitchFamily="18" charset="0"/>
+                <a:cs typeface="Times New Roman" panose="02020603050405020304" pitchFamily="18" charset="0"/>
+              </a:rPr>
+              <a:t> device </a:t>
+            </a:r>
+            <a:r>
+              <a:rPr lang="pt-BR" sz="2000" dirty="0" err="1">
+                <a:solidFill>
+                  <a:schemeClr val="tx1"/>
+                </a:solidFill>
+                <a:latin typeface="Times New Roman" panose="02020603050405020304" pitchFamily="18" charset="0"/>
+                <a:cs typeface="Times New Roman" panose="02020603050405020304" pitchFamily="18" charset="0"/>
+              </a:rPr>
+              <a:t>capability</a:t>
+            </a:r>
+            <a:r>
+              <a:rPr lang="pt-BR" sz="2000" dirty="0">
+                <a:solidFill>
+                  <a:schemeClr val="tx1"/>
+                </a:solidFill>
+                <a:latin typeface="Times New Roman" panose="02020603050405020304" pitchFamily="18" charset="0"/>
+                <a:cs typeface="Times New Roman" panose="02020603050405020304" pitchFamily="18" charset="0"/>
+              </a:rPr>
+              <a:t> </a:t>
+            </a:r>
+            <a:r>
+              <a:rPr lang="pt-BR" sz="2000" dirty="0" err="1">
+                <a:solidFill>
+                  <a:schemeClr val="tx1"/>
+                </a:solidFill>
+                <a:latin typeface="Times New Roman" panose="02020603050405020304" pitchFamily="18" charset="0"/>
+                <a:cs typeface="Times New Roman" panose="02020603050405020304" pitchFamily="18" charset="0"/>
+              </a:rPr>
+              <a:t>exposure</a:t>
+            </a:r>
+            <a:r>
+              <a:rPr lang="pt-BR" sz="2000" dirty="0">
+                <a:solidFill>
+                  <a:schemeClr val="tx1"/>
+                </a:solidFill>
+                <a:latin typeface="Times New Roman" panose="02020603050405020304" pitchFamily="18" charset="0"/>
+                <a:cs typeface="Times New Roman" panose="02020603050405020304" pitchFamily="18" charset="0"/>
+              </a:rPr>
+              <a:t>), como smartphones, tablets e home gateways, os quais oferecem suporte a aplicações para acessar capacidades de dispositivos de </a:t>
+            </a:r>
+            <a:r>
+              <a:rPr lang="pt-BR" sz="2000" dirty="0" err="1">
+                <a:solidFill>
+                  <a:schemeClr val="tx1"/>
+                </a:solidFill>
+                <a:latin typeface="Times New Roman" panose="02020603050405020304" pitchFamily="18" charset="0"/>
+                <a:cs typeface="Times New Roman" panose="02020603050405020304" pitchFamily="18" charset="0"/>
+              </a:rPr>
+              <a:t>IoT</a:t>
+            </a:r>
+            <a:r>
+              <a:rPr lang="pt-BR" sz="2000" dirty="0">
+                <a:solidFill>
+                  <a:schemeClr val="tx1"/>
+                </a:solidFill>
+                <a:latin typeface="Times New Roman" panose="02020603050405020304" pitchFamily="18" charset="0"/>
+                <a:cs typeface="Times New Roman" panose="02020603050405020304" pitchFamily="18" charset="0"/>
+              </a:rPr>
+              <a:t> conectados a estes </a:t>
+            </a:r>
+            <a:r>
+              <a:rPr lang="pt-BR" sz="2000" dirty="0" err="1">
+                <a:solidFill>
+                  <a:schemeClr val="tx1"/>
+                </a:solidFill>
+                <a:latin typeface="Times New Roman" panose="02020603050405020304" pitchFamily="18" charset="0"/>
+                <a:cs typeface="Times New Roman" panose="02020603050405020304" pitchFamily="18" charset="0"/>
+              </a:rPr>
+              <a:t>DCEs</a:t>
+            </a:r>
+            <a:r>
+              <a:rPr lang="pt-BR" sz="2000" dirty="0">
+                <a:solidFill>
+                  <a:schemeClr val="tx1"/>
+                </a:solidFill>
+                <a:latin typeface="Times New Roman" panose="02020603050405020304" pitchFamily="18" charset="0"/>
+                <a:cs typeface="Times New Roman" panose="02020603050405020304" pitchFamily="18" charset="0"/>
+              </a:rPr>
+              <a:t>.</a:t>
+            </a:r>
+          </a:p>
+          <a:p>
+            <a:pPr marL="0" indent="0" algn="just">
+              <a:buNone/>
+            </a:pPr>
+            <a:endParaRPr lang="pt-BR" sz="2000" dirty="0">
+              <a:solidFill>
+                <a:schemeClr val="tx1"/>
+              </a:solidFill>
+              <a:latin typeface="Times New Roman" panose="02020603050405020304" pitchFamily="18" charset="0"/>
+              <a:cs typeface="Times New Roman" panose="02020603050405020304" pitchFamily="18" charset="0"/>
+            </a:endParaRPr>
+          </a:p>
+          <a:p>
+            <a:pPr marL="0" indent="0" algn="just">
+              <a:buNone/>
+            </a:pPr>
+            <a:r>
+              <a:rPr lang="pt-BR" sz="2000" b="1" dirty="0">
+                <a:solidFill>
+                  <a:schemeClr val="tx1"/>
+                </a:solidFill>
+                <a:latin typeface="Times New Roman" panose="02020603050405020304" pitchFamily="18" charset="0"/>
+                <a:cs typeface="Times New Roman" panose="02020603050405020304" pitchFamily="18" charset="0"/>
+              </a:rPr>
+              <a:t>Dispositivos de </a:t>
+            </a:r>
+            <a:r>
+              <a:rPr lang="pt-BR" sz="2000" b="1" dirty="0" err="1">
+                <a:solidFill>
+                  <a:schemeClr val="tx1"/>
+                </a:solidFill>
+                <a:latin typeface="Times New Roman" panose="02020603050405020304" pitchFamily="18" charset="0"/>
+                <a:cs typeface="Times New Roman" panose="02020603050405020304" pitchFamily="18" charset="0"/>
+              </a:rPr>
+              <a:t>IoT</a:t>
+            </a:r>
+            <a:r>
+              <a:rPr lang="pt-BR" sz="2000" dirty="0">
+                <a:solidFill>
+                  <a:schemeClr val="tx1"/>
+                </a:solidFill>
+                <a:latin typeface="Times New Roman" panose="02020603050405020304" pitchFamily="18" charset="0"/>
+                <a:cs typeface="Times New Roman" panose="02020603050405020304" pitchFamily="18" charset="0"/>
+              </a:rPr>
+              <a:t> de uso pessoal, como por exemplo </a:t>
+            </a:r>
+            <a:r>
+              <a:rPr lang="pt-BR" sz="2000" b="1" dirty="0">
+                <a:solidFill>
+                  <a:schemeClr val="tx1"/>
+                </a:solidFill>
+                <a:latin typeface="Times New Roman" panose="02020603050405020304" pitchFamily="18" charset="0"/>
+                <a:cs typeface="Times New Roman" panose="02020603050405020304" pitchFamily="18" charset="0"/>
+              </a:rPr>
+              <a:t>relógios, óculos, capacetes e outros dispositivos vestíveis</a:t>
+            </a:r>
+            <a:r>
+              <a:rPr lang="pt-BR" sz="2000" dirty="0">
+                <a:solidFill>
+                  <a:schemeClr val="tx1"/>
+                </a:solidFill>
+                <a:latin typeface="Times New Roman" panose="02020603050405020304" pitchFamily="18" charset="0"/>
+                <a:cs typeface="Times New Roman" panose="02020603050405020304" pitchFamily="18" charset="0"/>
+              </a:rPr>
+              <a:t>, geralmente são controlados por dispositivos como smartphones, que neste contexto funcionam como </a:t>
+            </a:r>
+            <a:r>
+              <a:rPr lang="pt-BR" sz="2000" b="1" dirty="0">
+                <a:solidFill>
+                  <a:schemeClr val="tx1"/>
+                </a:solidFill>
+                <a:latin typeface="Times New Roman" panose="02020603050405020304" pitchFamily="18" charset="0"/>
+                <a:cs typeface="Times New Roman" panose="02020603050405020304" pitchFamily="18" charset="0"/>
+              </a:rPr>
+              <a:t>dispositivos </a:t>
+            </a:r>
+            <a:r>
+              <a:rPr lang="pt-BR" sz="2000" b="1" dirty="0" err="1">
+                <a:solidFill>
+                  <a:schemeClr val="tx1"/>
+                </a:solidFill>
+                <a:latin typeface="Times New Roman" panose="02020603050405020304" pitchFamily="18" charset="0"/>
+                <a:cs typeface="Times New Roman" panose="02020603050405020304" pitchFamily="18" charset="0"/>
+              </a:rPr>
+              <a:t>IoT</a:t>
+            </a:r>
+            <a:r>
+              <a:rPr lang="pt-BR" sz="2000" b="1" dirty="0">
+                <a:solidFill>
+                  <a:schemeClr val="tx1"/>
+                </a:solidFill>
+                <a:latin typeface="Times New Roman" panose="02020603050405020304" pitchFamily="18" charset="0"/>
+                <a:cs typeface="Times New Roman" panose="02020603050405020304" pitchFamily="18" charset="0"/>
+              </a:rPr>
+              <a:t> DCE</a:t>
+            </a:r>
+            <a:r>
+              <a:rPr lang="pt-BR" sz="2000" dirty="0">
+                <a:solidFill>
+                  <a:schemeClr val="tx1"/>
+                </a:solidFill>
+                <a:latin typeface="Times New Roman" panose="02020603050405020304" pitchFamily="18" charset="0"/>
+                <a:cs typeface="Times New Roman" panose="02020603050405020304" pitchFamily="18" charset="0"/>
+              </a:rPr>
+              <a:t>, provendo </a:t>
+            </a:r>
+            <a:r>
+              <a:rPr lang="pt-BR" sz="2000" b="1" dirty="0">
+                <a:solidFill>
+                  <a:srgbClr val="FF0000"/>
+                </a:solidFill>
+                <a:latin typeface="Times New Roman" panose="02020603050405020304" pitchFamily="18" charset="0"/>
+                <a:cs typeface="Times New Roman" panose="02020603050405020304" pitchFamily="18" charset="0"/>
+              </a:rPr>
+              <a:t>middleware entre as aplicações</a:t>
+            </a:r>
+            <a:r>
+              <a:rPr lang="pt-BR" sz="2000" dirty="0">
+                <a:solidFill>
+                  <a:schemeClr val="tx1"/>
+                </a:solidFill>
+                <a:latin typeface="Times New Roman" panose="02020603050405020304" pitchFamily="18" charset="0"/>
+                <a:cs typeface="Times New Roman" panose="02020603050405020304" pitchFamily="18" charset="0"/>
+              </a:rPr>
+              <a:t> e os dispositivos de </a:t>
+            </a:r>
+            <a:r>
+              <a:rPr lang="pt-BR" sz="2000" dirty="0" err="1">
+                <a:solidFill>
+                  <a:schemeClr val="tx1"/>
+                </a:solidFill>
+                <a:latin typeface="Times New Roman" panose="02020603050405020304" pitchFamily="18" charset="0"/>
+                <a:cs typeface="Times New Roman" panose="02020603050405020304" pitchFamily="18" charset="0"/>
+              </a:rPr>
+              <a:t>IoT</a:t>
+            </a:r>
+            <a:r>
+              <a:rPr lang="pt-BR" sz="2000" dirty="0">
+                <a:solidFill>
+                  <a:schemeClr val="tx1"/>
+                </a:solidFill>
+                <a:latin typeface="Times New Roman" panose="02020603050405020304" pitchFamily="18" charset="0"/>
+                <a:cs typeface="Times New Roman" panose="02020603050405020304" pitchFamily="18" charset="0"/>
+              </a:rPr>
+              <a:t>.</a:t>
+            </a:r>
+          </a:p>
+          <a:p>
+            <a:pPr marL="0" indent="0" algn="just">
+              <a:buNone/>
+            </a:pPr>
+            <a:endParaRPr lang="pt-BR" sz="1200" dirty="0">
+              <a:solidFill>
+                <a:schemeClr val="tx1"/>
+              </a:solidFill>
+              <a:latin typeface="Times New Roman" panose="02020603050405020304" pitchFamily="18" charset="0"/>
+              <a:cs typeface="Times New Roman" panose="02020603050405020304" pitchFamily="18" charset="0"/>
+            </a:endParaRPr>
+          </a:p>
+          <a:p>
+            <a:pPr marL="0" indent="0" algn="just">
+              <a:buNone/>
+            </a:pPr>
+            <a:r>
+              <a:rPr lang="pt-BR" sz="1400" dirty="0">
+                <a:solidFill>
+                  <a:schemeClr val="tx1"/>
+                </a:solidFill>
+                <a:latin typeface="Times New Roman" panose="02020603050405020304" pitchFamily="18" charset="0"/>
+                <a:cs typeface="Times New Roman" panose="02020603050405020304" pitchFamily="18" charset="0"/>
+                <a:hlinkClick r:id="rId3"/>
+              </a:rPr>
+              <a:t>http://wiki.foz.ifpr.edu.br/wiki/index.php/Artigos_sobre_Internet_das_Coisas_e_Padroniza%C3%A7%C3%A3o#Internet_of_Things_-_The_role_of_reconfigurable_platforms</a:t>
+            </a:r>
+            <a:endParaRPr lang="pt-BR" sz="1400" dirty="0">
+              <a:solidFill>
+                <a:schemeClr val="tx1"/>
+              </a:solidFill>
+              <a:latin typeface="Times New Roman" panose="02020603050405020304" pitchFamily="18" charset="0"/>
+              <a:cs typeface="Times New Roman" panose="02020603050405020304" pitchFamily="18" charset="0"/>
+            </a:endParaRPr>
+          </a:p>
+          <a:p>
+            <a:pPr marL="0" indent="0" algn="just">
+              <a:buNone/>
+            </a:pPr>
+            <a:endParaRPr lang="pt-BR" sz="2000" dirty="0">
+              <a:solidFill>
+                <a:schemeClr val="tx1"/>
+              </a:solidFill>
+              <a:latin typeface="Times New Roman" panose="02020603050405020304" pitchFamily="18" charset="0"/>
+              <a:cs typeface="Times New Roman" panose="02020603050405020304" pitchFamily="18" charset="0"/>
+            </a:endParaRPr>
+          </a:p>
+        </p:txBody>
+      </p:sp>
+    </p:spTree>
+    <p:extLst>
+      <p:ext uri="{BB962C8B-B14F-4D97-AF65-F5344CB8AC3E}">
+        <p14:creationId xmlns:p14="http://schemas.microsoft.com/office/powerpoint/2010/main" val="2244536260"/>
+      </p:ext>
+    </p:extLst>
+  </p:cSld>
+  <p:clrMapOvr>
+    <a:masterClrMapping/>
+  </p:clrMapOvr>
+  <p:transition spd="med"/>
+</p:sld>
+</file>
+
+<file path=ppt/slides/slide17.xml><?xml version="1.0" encoding="utf-8"?>
+<p:sld xmlns:a="http://schemas.openxmlformats.org/drawingml/2006/main" xmlns:r="http://schemas.openxmlformats.org/officeDocument/2006/relationships" xmlns:p="http://schemas.openxmlformats.org/presentationml/2006/main">
+  <p:cSld>
+    <p:spTree>
+      <p:nvGrpSpPr>
+        <p:cNvPr id="1" name=""/>
+        <p:cNvGrpSpPr/>
+        <p:nvPr/>
+      </p:nvGrpSpPr>
+      <p:grpSpPr>
+        <a:xfrm>
+          <a:off x="0" y="0"/>
+          <a:ext cx="0" cy="0"/>
+          <a:chOff x="0" y="0"/>
+          <a:chExt cx="0" cy="0"/>
+        </a:xfrm>
+      </p:grpSpPr>
+      <p:pic>
+        <p:nvPicPr>
+          <p:cNvPr id="3" name="Imagem 2">
+            <a:extLst>
+              <a:ext uri="{FF2B5EF4-FFF2-40B4-BE49-F238E27FC236}">
+                <a16:creationId xmlns:a16="http://schemas.microsoft.com/office/drawing/2014/main" id="{0A01971A-EAFC-5E56-5DD8-86154C8DB98F}"/>
+              </a:ext>
+            </a:extLst>
+          </p:cNvPr>
+          <p:cNvPicPr>
+            <a:picLocks noChangeAspect="1"/>
+          </p:cNvPicPr>
+          <p:nvPr/>
+        </p:nvPicPr>
+        <p:blipFill>
+          <a:blip r:embed="rId3"/>
+          <a:stretch>
+            <a:fillRect/>
+          </a:stretch>
+        </p:blipFill>
+        <p:spPr>
+          <a:xfrm>
+            <a:off x="671512" y="1238250"/>
+            <a:ext cx="7800975" cy="2667000"/>
+          </a:xfrm>
+          <a:prstGeom prst="rect">
+            <a:avLst/>
+          </a:prstGeom>
+        </p:spPr>
+      </p:pic>
+      <p:sp>
+        <p:nvSpPr>
+          <p:cNvPr id="6" name="Title 1"/>
+          <p:cNvSpPr>
+            <a:spLocks noGrp="1"/>
+          </p:cNvSpPr>
+          <p:nvPr>
+            <p:ph type="title"/>
+          </p:nvPr>
+        </p:nvSpPr>
+        <p:spPr>
+          <a:xfrm>
+            <a:off x="457200" y="205980"/>
+            <a:ext cx="8229600" cy="857251"/>
+          </a:xfrm>
+        </p:spPr>
+        <p:txBody>
+          <a:bodyPr>
+            <a:normAutofit fontScale="90000"/>
+          </a:bodyPr>
+          <a:lstStyle/>
+          <a:p>
+            <a:r>
+              <a:rPr lang="pt-BR" b="1" dirty="0">
+                <a:solidFill>
+                  <a:srgbClr val="0070C0"/>
+                </a:solidFill>
+              </a:rPr>
+              <a:t>Esforços de Padronização e Protocolos</a:t>
+            </a:r>
+            <a:endParaRPr lang="en-US" b="1" dirty="0">
+              <a:solidFill>
+                <a:srgbClr val="0070C0"/>
+              </a:solidFill>
+            </a:endParaRPr>
+          </a:p>
+        </p:txBody>
+      </p:sp>
+      <p:sp>
+        <p:nvSpPr>
+          <p:cNvPr id="8" name="Text Placeholder 2"/>
+          <p:cNvSpPr>
+            <a:spLocks noGrp="1"/>
+          </p:cNvSpPr>
+          <p:nvPr>
+            <p:ph type="body" sz="half" idx="1"/>
+          </p:nvPr>
+        </p:nvSpPr>
+        <p:spPr>
+          <a:xfrm>
+            <a:off x="142865" y="1200150"/>
+            <a:ext cx="8865056" cy="3737370"/>
+          </a:xfrm>
+        </p:spPr>
+        <p:txBody>
+          <a:bodyPr>
+            <a:noAutofit/>
+          </a:bodyPr>
+          <a:lstStyle/>
+          <a:p>
+            <a:pPr marL="0" indent="0" algn="just">
+              <a:buNone/>
+            </a:pPr>
+            <a:endParaRPr lang="pt-BR" sz="2000" dirty="0">
+              <a:solidFill>
+                <a:schemeClr val="tx1"/>
+              </a:solidFill>
+              <a:latin typeface="Times New Roman" panose="02020603050405020304" pitchFamily="18" charset="0"/>
+              <a:cs typeface="Times New Roman" panose="02020603050405020304" pitchFamily="18" charset="0"/>
+            </a:endParaRPr>
+          </a:p>
+          <a:p>
+            <a:pPr marL="0" indent="0" algn="just">
+              <a:buNone/>
+            </a:pPr>
+            <a:endParaRPr lang="pt-BR" sz="2000" dirty="0">
+              <a:solidFill>
+                <a:schemeClr val="tx1"/>
+              </a:solidFill>
+              <a:latin typeface="Times New Roman" panose="02020603050405020304" pitchFamily="18" charset="0"/>
+              <a:cs typeface="Times New Roman" panose="02020603050405020304" pitchFamily="18" charset="0"/>
+            </a:endParaRPr>
+          </a:p>
+          <a:p>
+            <a:pPr marL="0" indent="0" algn="just">
+              <a:buNone/>
+            </a:pPr>
+            <a:endParaRPr lang="pt-BR" sz="2000" dirty="0">
+              <a:solidFill>
+                <a:schemeClr val="tx1"/>
+              </a:solidFill>
+              <a:latin typeface="Times New Roman" panose="02020603050405020304" pitchFamily="18" charset="0"/>
+              <a:cs typeface="Times New Roman" panose="02020603050405020304" pitchFamily="18" charset="0"/>
+            </a:endParaRPr>
+          </a:p>
+          <a:p>
+            <a:pPr marL="0" indent="0" algn="just">
+              <a:buNone/>
+            </a:pPr>
+            <a:endParaRPr lang="pt-BR" sz="2000" dirty="0">
+              <a:solidFill>
+                <a:schemeClr val="tx1"/>
+              </a:solidFill>
+              <a:latin typeface="Times New Roman" panose="02020603050405020304" pitchFamily="18" charset="0"/>
+              <a:cs typeface="Times New Roman" panose="02020603050405020304" pitchFamily="18" charset="0"/>
+            </a:endParaRPr>
+          </a:p>
+          <a:p>
+            <a:pPr marL="0" indent="0" algn="just">
+              <a:buNone/>
+            </a:pPr>
+            <a:endParaRPr lang="pt-BR" sz="2000" dirty="0">
+              <a:solidFill>
+                <a:schemeClr val="tx1"/>
+              </a:solidFill>
+              <a:latin typeface="Times New Roman" panose="02020603050405020304" pitchFamily="18" charset="0"/>
+              <a:cs typeface="Times New Roman" panose="02020603050405020304" pitchFamily="18" charset="0"/>
+            </a:endParaRPr>
+          </a:p>
+          <a:p>
+            <a:pPr marL="0" indent="0" algn="just">
+              <a:buNone/>
+            </a:pPr>
+            <a:endParaRPr lang="pt-BR" sz="2000" dirty="0">
+              <a:solidFill>
+                <a:schemeClr val="tx1"/>
+              </a:solidFill>
+              <a:latin typeface="Times New Roman" panose="02020603050405020304" pitchFamily="18" charset="0"/>
+              <a:cs typeface="Times New Roman" panose="02020603050405020304" pitchFamily="18" charset="0"/>
+            </a:endParaRPr>
+          </a:p>
+          <a:p>
+            <a:pPr marL="0" indent="0" algn="just">
+              <a:buNone/>
+            </a:pPr>
+            <a:endParaRPr lang="pt-BR" sz="2000" dirty="0">
+              <a:solidFill>
+                <a:schemeClr val="tx1"/>
+              </a:solidFill>
+              <a:latin typeface="Times New Roman" panose="02020603050405020304" pitchFamily="18" charset="0"/>
+              <a:cs typeface="Times New Roman" panose="02020603050405020304" pitchFamily="18" charset="0"/>
+            </a:endParaRPr>
+          </a:p>
+          <a:p>
+            <a:pPr marL="0" indent="0" algn="just">
+              <a:buNone/>
+            </a:pPr>
+            <a:endParaRPr lang="pt-BR" sz="2000" dirty="0">
+              <a:solidFill>
+                <a:schemeClr val="tx1"/>
+              </a:solidFill>
+              <a:latin typeface="Times New Roman" panose="02020603050405020304" pitchFamily="18" charset="0"/>
+              <a:cs typeface="Times New Roman" panose="02020603050405020304" pitchFamily="18" charset="0"/>
+            </a:endParaRPr>
+          </a:p>
+          <a:p>
+            <a:pPr marL="0" indent="0" algn="just">
+              <a:buNone/>
+            </a:pPr>
+            <a:r>
+              <a:rPr lang="pt-BR" sz="2000" dirty="0">
+                <a:solidFill>
+                  <a:schemeClr val="tx1"/>
+                </a:solidFill>
+                <a:latin typeface="Times New Roman" panose="02020603050405020304" pitchFamily="18" charset="0"/>
+                <a:cs typeface="Times New Roman" panose="02020603050405020304" pitchFamily="18" charset="0"/>
+                <a:hlinkClick r:id="rId4"/>
+              </a:rPr>
+              <a:t>https://www.infranewstelecom.com.br/protocolos-de-comunicacao-para-ambientes-de-internet-das-coisas/</a:t>
+            </a:r>
+            <a:endParaRPr lang="pt-BR" sz="2000" dirty="0">
+              <a:solidFill>
+                <a:schemeClr val="tx1"/>
+              </a:solidFill>
+              <a:latin typeface="Times New Roman" panose="02020603050405020304" pitchFamily="18" charset="0"/>
+              <a:cs typeface="Times New Roman" panose="02020603050405020304" pitchFamily="18" charset="0"/>
+            </a:endParaRPr>
+          </a:p>
+        </p:txBody>
+      </p:sp>
+    </p:spTree>
+    <p:extLst>
+      <p:ext uri="{BB962C8B-B14F-4D97-AF65-F5344CB8AC3E}">
+        <p14:creationId xmlns:p14="http://schemas.microsoft.com/office/powerpoint/2010/main" val="3129435143"/>
+      </p:ext>
+    </p:extLst>
+  </p:cSld>
+  <p:clrMapOvr>
+    <a:masterClrMapping/>
+  </p:clrMapOvr>
+  <p:transition spd="med"/>
+</p:sld>
+</file>
+
+<file path=ppt/slides/slide18.xml><?xml version="1.0" encoding="utf-8"?>
+<p:sld xmlns:a="http://schemas.openxmlformats.org/drawingml/2006/main" xmlns:r="http://schemas.openxmlformats.org/officeDocument/2006/relationships" xmlns:p="http://schemas.openxmlformats.org/presentationml/2006/main">
+  <p:cSld>
+    <p:spTree>
+      <p:nvGrpSpPr>
+        <p:cNvPr id="1" name=""/>
+        <p:cNvGrpSpPr/>
+        <p:nvPr/>
+      </p:nvGrpSpPr>
+      <p:grpSpPr>
+        <a:xfrm>
+          <a:off x="0" y="0"/>
+          <a:ext cx="0" cy="0"/>
+          <a:chOff x="0" y="0"/>
+          <a:chExt cx="0" cy="0"/>
+        </a:xfrm>
+      </p:grpSpPr>
+      <p:sp>
+        <p:nvSpPr>
+          <p:cNvPr id="6" name="Title 1"/>
+          <p:cNvSpPr>
+            <a:spLocks noGrp="1"/>
+          </p:cNvSpPr>
+          <p:nvPr>
+            <p:ph type="title"/>
+          </p:nvPr>
+        </p:nvSpPr>
+        <p:spPr>
+          <a:xfrm>
+            <a:off x="457200" y="205980"/>
+            <a:ext cx="8229600" cy="857251"/>
+          </a:xfrm>
+        </p:spPr>
+        <p:txBody>
+          <a:bodyPr>
+            <a:normAutofit/>
+          </a:bodyPr>
+          <a:lstStyle/>
+          <a:p>
+            <a:r>
+              <a:rPr lang="pt-BR" b="1" dirty="0">
+                <a:solidFill>
+                  <a:srgbClr val="0070C0"/>
+                </a:solidFill>
+              </a:rPr>
+              <a:t>Plataformas </a:t>
+            </a:r>
+            <a:r>
+              <a:rPr lang="pt-BR" b="1" dirty="0" err="1">
+                <a:solidFill>
+                  <a:srgbClr val="0070C0"/>
+                </a:solidFill>
+              </a:rPr>
+              <a:t>IoT</a:t>
+            </a:r>
+            <a:endParaRPr lang="en-US" b="1" dirty="0">
+              <a:solidFill>
+                <a:srgbClr val="0070C0"/>
+              </a:solidFill>
+            </a:endParaRPr>
+          </a:p>
+        </p:txBody>
+      </p:sp>
+      <p:sp>
+        <p:nvSpPr>
+          <p:cNvPr id="8" name="Text Placeholder 2"/>
+          <p:cNvSpPr>
+            <a:spLocks noGrp="1"/>
+          </p:cNvSpPr>
+          <p:nvPr>
+            <p:ph type="body" sz="half" idx="1"/>
+          </p:nvPr>
+        </p:nvSpPr>
+        <p:spPr>
+          <a:xfrm>
+            <a:off x="142865" y="1200150"/>
+            <a:ext cx="8865056" cy="3737370"/>
+          </a:xfrm>
+        </p:spPr>
+        <p:txBody>
+          <a:bodyPr>
+            <a:noAutofit/>
+          </a:bodyPr>
+          <a:lstStyle/>
+          <a:p>
+            <a:pPr algn="just">
+              <a:buFont typeface="Wingdings" panose="05000000000000000000" pitchFamily="2" charset="2"/>
+              <a:buChar char="§"/>
+            </a:pPr>
+            <a:r>
+              <a:rPr lang="pt-BR" sz="2000" dirty="0">
+                <a:solidFill>
+                  <a:schemeClr val="tx1"/>
+                </a:solidFill>
+                <a:latin typeface="Times New Roman" panose="02020603050405020304" pitchFamily="18" charset="0"/>
+                <a:cs typeface="Times New Roman" panose="02020603050405020304" pitchFamily="18" charset="0"/>
+              </a:rPr>
+              <a:t>Oracle </a:t>
+            </a:r>
+            <a:r>
+              <a:rPr lang="pt-BR" sz="2000" dirty="0" err="1">
+                <a:solidFill>
+                  <a:schemeClr val="tx1"/>
+                </a:solidFill>
+                <a:latin typeface="Times New Roman" panose="02020603050405020304" pitchFamily="18" charset="0"/>
+                <a:cs typeface="Times New Roman" panose="02020603050405020304" pitchFamily="18" charset="0"/>
+              </a:rPr>
+              <a:t>IoT</a:t>
+            </a:r>
+            <a:r>
+              <a:rPr lang="pt-BR" sz="2000" dirty="0">
+                <a:solidFill>
+                  <a:schemeClr val="tx1"/>
+                </a:solidFill>
+                <a:latin typeface="Times New Roman" panose="02020603050405020304" pitchFamily="18" charset="0"/>
+                <a:cs typeface="Times New Roman" panose="02020603050405020304" pitchFamily="18" charset="0"/>
+              </a:rPr>
+              <a:t> - </a:t>
+            </a:r>
+            <a:r>
+              <a:rPr lang="pt-BR" sz="2000" dirty="0">
+                <a:solidFill>
+                  <a:schemeClr val="tx1"/>
+                </a:solidFill>
+                <a:latin typeface="Times New Roman" panose="02020603050405020304" pitchFamily="18" charset="0"/>
+                <a:cs typeface="Times New Roman" panose="02020603050405020304" pitchFamily="18" charset="0"/>
+                <a:hlinkClick r:id="rId3"/>
+              </a:rPr>
+              <a:t>https://www.oracle.com/br/internet-of-things/what-is-iot/</a:t>
+            </a:r>
+            <a:endParaRPr lang="pt-BR" sz="2000" dirty="0">
+              <a:solidFill>
+                <a:schemeClr val="tx1"/>
+              </a:solidFill>
+              <a:latin typeface="Times New Roman" panose="02020603050405020304" pitchFamily="18" charset="0"/>
+              <a:cs typeface="Times New Roman" panose="02020603050405020304" pitchFamily="18" charset="0"/>
+            </a:endParaRPr>
+          </a:p>
+          <a:p>
+            <a:pPr algn="just">
+              <a:buFont typeface="Wingdings" panose="05000000000000000000" pitchFamily="2" charset="2"/>
+              <a:buChar char="§"/>
+            </a:pPr>
+            <a:r>
+              <a:rPr lang="pt-BR" sz="2000" dirty="0">
+                <a:solidFill>
+                  <a:schemeClr val="tx1"/>
+                </a:solidFill>
+                <a:latin typeface="Times New Roman" panose="02020603050405020304" pitchFamily="18" charset="0"/>
+                <a:cs typeface="Times New Roman" panose="02020603050405020304" pitchFamily="18" charset="0"/>
+              </a:rPr>
+              <a:t>Azure </a:t>
+            </a:r>
+            <a:r>
+              <a:rPr lang="pt-BR" sz="2000" dirty="0" err="1">
+                <a:solidFill>
+                  <a:schemeClr val="tx1"/>
+                </a:solidFill>
+                <a:latin typeface="Times New Roman" panose="02020603050405020304" pitchFamily="18" charset="0"/>
+                <a:cs typeface="Times New Roman" panose="02020603050405020304" pitchFamily="18" charset="0"/>
+              </a:rPr>
+              <a:t>IoT</a:t>
+            </a:r>
+            <a:r>
+              <a:rPr lang="pt-BR" sz="2000" dirty="0">
+                <a:solidFill>
+                  <a:schemeClr val="tx1"/>
+                </a:solidFill>
+                <a:latin typeface="Times New Roman" panose="02020603050405020304" pitchFamily="18" charset="0"/>
+                <a:cs typeface="Times New Roman" panose="02020603050405020304" pitchFamily="18" charset="0"/>
+              </a:rPr>
+              <a:t> - https://azure.microsoft.com/pt-br/solutions/iot/</a:t>
+            </a:r>
+          </a:p>
+          <a:p>
+            <a:pPr marL="0" indent="0" algn="just">
+              <a:buNone/>
+            </a:pPr>
+            <a:r>
+              <a:rPr lang="pt-BR" sz="2000" dirty="0">
+                <a:solidFill>
+                  <a:schemeClr val="tx1"/>
+                </a:solidFill>
+                <a:latin typeface="Times New Roman" panose="02020603050405020304" pitchFamily="18" charset="0"/>
+                <a:cs typeface="Times New Roman" panose="02020603050405020304" pitchFamily="18" charset="0"/>
+              </a:rPr>
+              <a:t>     </a:t>
+            </a:r>
+            <a:r>
+              <a:rPr lang="pt-BR" sz="2000" dirty="0">
+                <a:solidFill>
+                  <a:schemeClr val="tx1"/>
+                </a:solidFill>
+                <a:latin typeface="Times New Roman" panose="02020603050405020304" pitchFamily="18" charset="0"/>
+                <a:cs typeface="Times New Roman" panose="02020603050405020304" pitchFamily="18" charset="0"/>
+                <a:hlinkClick r:id="rId4"/>
+              </a:rPr>
+              <a:t>https://azure.microsoft.com/pt-br/solutions/iot/#overview</a:t>
+            </a:r>
+            <a:endParaRPr lang="pt-BR" sz="2000" dirty="0">
+              <a:solidFill>
+                <a:schemeClr val="tx1"/>
+              </a:solidFill>
+              <a:latin typeface="Times New Roman" panose="02020603050405020304" pitchFamily="18" charset="0"/>
+              <a:cs typeface="Times New Roman" panose="02020603050405020304" pitchFamily="18" charset="0"/>
+            </a:endParaRPr>
+          </a:p>
+          <a:p>
+            <a:pPr algn="just">
+              <a:buFont typeface="Wingdings" panose="05000000000000000000" pitchFamily="2" charset="2"/>
+              <a:buChar char="§"/>
+            </a:pPr>
+            <a:r>
+              <a:rPr lang="pt-BR" sz="2000" dirty="0">
+                <a:solidFill>
+                  <a:schemeClr val="tx1"/>
+                </a:solidFill>
+                <a:latin typeface="Times New Roman" panose="02020603050405020304" pitchFamily="18" charset="0"/>
+                <a:cs typeface="Times New Roman" panose="02020603050405020304" pitchFamily="18" charset="0"/>
+              </a:rPr>
+              <a:t>Google Cloud </a:t>
+            </a:r>
+            <a:r>
+              <a:rPr lang="pt-BR" sz="2000" dirty="0" err="1">
+                <a:solidFill>
+                  <a:schemeClr val="tx1"/>
+                </a:solidFill>
+                <a:latin typeface="Times New Roman" panose="02020603050405020304" pitchFamily="18" charset="0"/>
+                <a:cs typeface="Times New Roman" panose="02020603050405020304" pitchFamily="18" charset="0"/>
+              </a:rPr>
+              <a:t>IoT</a:t>
+            </a:r>
+            <a:r>
+              <a:rPr lang="pt-BR" sz="2000" dirty="0">
+                <a:solidFill>
+                  <a:schemeClr val="tx1"/>
+                </a:solidFill>
+                <a:latin typeface="Times New Roman" panose="02020603050405020304" pitchFamily="18" charset="0"/>
+                <a:cs typeface="Times New Roman" panose="02020603050405020304" pitchFamily="18" charset="0"/>
+              </a:rPr>
+              <a:t> Platform</a:t>
+            </a:r>
+          </a:p>
+          <a:p>
+            <a:pPr algn="just">
+              <a:buFont typeface="Wingdings" panose="05000000000000000000" pitchFamily="2" charset="2"/>
+              <a:buChar char="§"/>
+            </a:pPr>
+            <a:r>
+              <a:rPr lang="pt-BR" sz="2000" dirty="0">
+                <a:solidFill>
+                  <a:schemeClr val="tx1"/>
+                </a:solidFill>
+                <a:latin typeface="Times New Roman" panose="02020603050405020304" pitchFamily="18" charset="0"/>
+                <a:cs typeface="Times New Roman" panose="02020603050405020304" pitchFamily="18" charset="0"/>
+              </a:rPr>
+              <a:t>Plataforma de serviços da Web da </a:t>
+            </a:r>
+            <a:r>
+              <a:rPr lang="pt-BR" sz="2000" dirty="0" err="1">
+                <a:solidFill>
+                  <a:schemeClr val="tx1"/>
+                </a:solidFill>
+                <a:latin typeface="Times New Roman" panose="02020603050405020304" pitchFamily="18" charset="0"/>
+                <a:cs typeface="Times New Roman" panose="02020603050405020304" pitchFamily="18" charset="0"/>
+              </a:rPr>
+              <a:t>Amazon</a:t>
+            </a:r>
+            <a:r>
+              <a:rPr lang="pt-BR" sz="2000" dirty="0">
+                <a:solidFill>
+                  <a:schemeClr val="tx1"/>
+                </a:solidFill>
+                <a:latin typeface="Times New Roman" panose="02020603050405020304" pitchFamily="18" charset="0"/>
+                <a:cs typeface="Times New Roman" panose="02020603050405020304" pitchFamily="18" charset="0"/>
+              </a:rPr>
+              <a:t> para </a:t>
+            </a:r>
+            <a:r>
+              <a:rPr lang="pt-BR" sz="2000" dirty="0" err="1">
+                <a:solidFill>
+                  <a:schemeClr val="tx1"/>
+                </a:solidFill>
+                <a:latin typeface="Times New Roman" panose="02020603050405020304" pitchFamily="18" charset="0"/>
+                <a:cs typeface="Times New Roman" panose="02020603050405020304" pitchFamily="18" charset="0"/>
+              </a:rPr>
+              <a:t>IoT</a:t>
+            </a:r>
+            <a:endParaRPr lang="pt-BR" sz="2000" dirty="0">
+              <a:solidFill>
+                <a:schemeClr val="tx1"/>
+              </a:solidFill>
+              <a:latin typeface="Times New Roman" panose="02020603050405020304" pitchFamily="18" charset="0"/>
+              <a:cs typeface="Times New Roman" panose="02020603050405020304" pitchFamily="18" charset="0"/>
+            </a:endParaRPr>
+          </a:p>
+          <a:p>
+            <a:pPr algn="just">
+              <a:buFont typeface="Wingdings" panose="05000000000000000000" pitchFamily="2" charset="2"/>
+              <a:buChar char="§"/>
+            </a:pPr>
+            <a:r>
+              <a:rPr lang="pt-BR" sz="2000" dirty="0" err="1">
+                <a:solidFill>
+                  <a:schemeClr val="tx1"/>
+                </a:solidFill>
+                <a:latin typeface="Times New Roman" panose="02020603050405020304" pitchFamily="18" charset="0"/>
+                <a:cs typeface="Times New Roman" panose="02020603050405020304" pitchFamily="18" charset="0"/>
+              </a:rPr>
+              <a:t>ThingWorx</a:t>
+            </a:r>
+            <a:endParaRPr lang="pt-BR" sz="2000" dirty="0">
+              <a:solidFill>
+                <a:schemeClr val="tx1"/>
+              </a:solidFill>
+              <a:latin typeface="Times New Roman" panose="02020603050405020304" pitchFamily="18" charset="0"/>
+              <a:cs typeface="Times New Roman" panose="02020603050405020304" pitchFamily="18" charset="0"/>
+            </a:endParaRPr>
+          </a:p>
+          <a:p>
+            <a:pPr algn="just">
+              <a:buFont typeface="Wingdings" panose="05000000000000000000" pitchFamily="2" charset="2"/>
+              <a:buChar char="§"/>
+            </a:pPr>
+            <a:r>
+              <a:rPr lang="pt-BR" sz="2000" dirty="0">
+                <a:solidFill>
+                  <a:schemeClr val="tx1"/>
+                </a:solidFill>
+                <a:latin typeface="Times New Roman" panose="02020603050405020304" pitchFamily="18" charset="0"/>
+                <a:cs typeface="Times New Roman" panose="02020603050405020304" pitchFamily="18" charset="0"/>
+              </a:rPr>
+              <a:t>IRI Voracidade </a:t>
+            </a:r>
+          </a:p>
+          <a:p>
+            <a:pPr algn="just">
+              <a:buFont typeface="Wingdings" panose="05000000000000000000" pitchFamily="2" charset="2"/>
+              <a:buChar char="§"/>
+            </a:pPr>
+            <a:r>
+              <a:rPr lang="pt-BR" sz="2000" dirty="0">
+                <a:solidFill>
+                  <a:schemeClr val="tx1"/>
+                </a:solidFill>
+                <a:latin typeface="Times New Roman" panose="02020603050405020304" pitchFamily="18" charset="0"/>
+                <a:cs typeface="Times New Roman" panose="02020603050405020304" pitchFamily="18" charset="0"/>
+              </a:rPr>
+              <a:t>IBM Watson </a:t>
+            </a:r>
+            <a:r>
+              <a:rPr lang="pt-BR" sz="2000" dirty="0" err="1">
+                <a:solidFill>
+                  <a:schemeClr val="tx1"/>
+                </a:solidFill>
+                <a:latin typeface="Times New Roman" panose="02020603050405020304" pitchFamily="18" charset="0"/>
+                <a:cs typeface="Times New Roman" panose="02020603050405020304" pitchFamily="18" charset="0"/>
+              </a:rPr>
+              <a:t>IoT</a:t>
+            </a:r>
+            <a:endParaRPr lang="pt-BR" sz="2000" dirty="0">
+              <a:solidFill>
+                <a:schemeClr val="tx1"/>
+              </a:solidFill>
+              <a:latin typeface="Times New Roman" panose="02020603050405020304" pitchFamily="18" charset="0"/>
+              <a:cs typeface="Times New Roman" panose="02020603050405020304" pitchFamily="18" charset="0"/>
+            </a:endParaRPr>
+          </a:p>
+          <a:p>
+            <a:pPr marL="0" indent="0" algn="just">
+              <a:buNone/>
+            </a:pPr>
+            <a:r>
+              <a:rPr lang="pt-BR" sz="2000" dirty="0">
+                <a:solidFill>
+                  <a:schemeClr val="tx1"/>
+                </a:solidFill>
+                <a:latin typeface="Times New Roman" panose="02020603050405020304" pitchFamily="18" charset="0"/>
+                <a:cs typeface="Times New Roman" panose="02020603050405020304" pitchFamily="18" charset="0"/>
+                <a:hlinkClick r:id="rId5"/>
+              </a:rPr>
+              <a:t>https://acervolima.com/7-melhores-plataformas-de-desenvolvimento-de-internet-das-coisas-iot/</a:t>
+            </a:r>
+            <a:endParaRPr lang="pt-BR" sz="2000" dirty="0">
+              <a:solidFill>
+                <a:schemeClr val="tx1"/>
+              </a:solidFill>
+              <a:latin typeface="Times New Roman" panose="02020603050405020304" pitchFamily="18" charset="0"/>
+              <a:cs typeface="Times New Roman" panose="02020603050405020304" pitchFamily="18" charset="0"/>
+            </a:endParaRPr>
+          </a:p>
+        </p:txBody>
+      </p:sp>
+    </p:spTree>
+    <p:extLst>
+      <p:ext uri="{BB962C8B-B14F-4D97-AF65-F5344CB8AC3E}">
+        <p14:creationId xmlns:p14="http://schemas.microsoft.com/office/powerpoint/2010/main" val="4027584277"/>
+      </p:ext>
+    </p:extLst>
+  </p:cSld>
+  <p:clrMapOvr>
+    <a:masterClrMapping/>
+  </p:clrMapOvr>
+  <p:transition spd="med"/>
+</p:sld>
+</file>
+
+<file path=ppt/slides/slide19.xml><?xml version="1.0" encoding="utf-8"?>
+<p:sld xmlns:a="http://schemas.openxmlformats.org/drawingml/2006/main" xmlns:r="http://schemas.openxmlformats.org/officeDocument/2006/relationships" xmlns:p="http://schemas.openxmlformats.org/presentationml/2006/main">
+  <p:cSld>
+    <p:spTree>
+      <p:nvGrpSpPr>
+        <p:cNvPr id="1" name=""/>
+        <p:cNvGrpSpPr/>
+        <p:nvPr/>
+      </p:nvGrpSpPr>
+      <p:grpSpPr>
+        <a:xfrm>
+          <a:off x="0" y="0"/>
+          <a:ext cx="0" cy="0"/>
+          <a:chOff x="0" y="0"/>
+          <a:chExt cx="0" cy="0"/>
+        </a:xfrm>
+      </p:grpSpPr>
+      <p:sp>
+        <p:nvSpPr>
+          <p:cNvPr id="6" name="Title 1"/>
+          <p:cNvSpPr>
+            <a:spLocks noGrp="1"/>
+          </p:cNvSpPr>
+          <p:nvPr>
+            <p:ph type="title"/>
+          </p:nvPr>
+        </p:nvSpPr>
+        <p:spPr>
+          <a:xfrm>
+            <a:off x="457200" y="205980"/>
+            <a:ext cx="8229600" cy="857251"/>
+          </a:xfrm>
+        </p:spPr>
+        <p:txBody>
+          <a:bodyPr>
+            <a:normAutofit/>
+          </a:bodyPr>
+          <a:lstStyle/>
+          <a:p>
+            <a:r>
+              <a:rPr lang="en-US" b="1" dirty="0" err="1">
+                <a:solidFill>
+                  <a:srgbClr val="0070C0"/>
+                </a:solidFill>
+              </a:rPr>
+              <a:t>Leitura</a:t>
+            </a:r>
+            <a:r>
+              <a:rPr lang="en-US" b="1" dirty="0">
+                <a:solidFill>
+                  <a:srgbClr val="0070C0"/>
+                </a:solidFill>
+              </a:rPr>
+              <a:t> </a:t>
+            </a:r>
+            <a:r>
+              <a:rPr lang="en-US" b="1" dirty="0" err="1">
+                <a:solidFill>
+                  <a:srgbClr val="0070C0"/>
+                </a:solidFill>
+              </a:rPr>
+              <a:t>Específica</a:t>
+            </a:r>
+            <a:endParaRPr lang="en-US" b="1" dirty="0">
+              <a:solidFill>
+                <a:srgbClr val="0070C0"/>
+              </a:solidFill>
+            </a:endParaRPr>
+          </a:p>
+        </p:txBody>
+      </p:sp>
+      <p:sp>
+        <p:nvSpPr>
+          <p:cNvPr id="8" name="Text Placeholder 2"/>
+          <p:cNvSpPr>
+            <a:spLocks noGrp="1"/>
+          </p:cNvSpPr>
+          <p:nvPr>
+            <p:ph type="body" sz="half" idx="1"/>
+          </p:nvPr>
+        </p:nvSpPr>
+        <p:spPr>
+          <a:xfrm>
+            <a:off x="142865" y="968502"/>
+            <a:ext cx="8865056" cy="3810761"/>
+          </a:xfrm>
+        </p:spPr>
+        <p:txBody>
+          <a:bodyPr>
+            <a:noAutofit/>
+          </a:bodyPr>
+          <a:lstStyle/>
+          <a:p>
+            <a:pPr marL="0" indent="0" algn="just">
+              <a:buNone/>
+            </a:pPr>
+            <a:r>
+              <a:rPr lang="pt-BR" sz="2000" dirty="0">
+                <a:latin typeface="Times New Roman" panose="02020603050405020304" pitchFamily="18" charset="0"/>
+                <a:cs typeface="Times New Roman" panose="02020603050405020304" pitchFamily="18" charset="0"/>
+              </a:rPr>
+              <a:t>[1] </a:t>
+            </a:r>
+            <a:r>
+              <a:rPr lang="pt-BR" sz="2000" dirty="0" err="1">
+                <a:latin typeface="Times New Roman" panose="02020603050405020304" pitchFamily="18" charset="0"/>
+                <a:cs typeface="Times New Roman" panose="02020603050405020304" pitchFamily="18" charset="0"/>
+              </a:rPr>
+              <a:t>IoT</a:t>
+            </a:r>
+            <a:endParaRPr lang="pt-BR" sz="2000" dirty="0">
+              <a:latin typeface="Times New Roman" panose="02020603050405020304" pitchFamily="18" charset="0"/>
+              <a:cs typeface="Times New Roman" panose="02020603050405020304" pitchFamily="18" charset="0"/>
+            </a:endParaRPr>
+          </a:p>
+          <a:p>
+            <a:pPr marL="0" indent="0" algn="just">
+              <a:buNone/>
+            </a:pPr>
+            <a:r>
+              <a:rPr lang="pt-BR" sz="2000" b="1" dirty="0">
+                <a:solidFill>
+                  <a:srgbClr val="FF0000"/>
+                </a:solidFill>
+                <a:latin typeface="Times New Roman" panose="02020603050405020304" pitchFamily="18" charset="0"/>
+                <a:cs typeface="Times New Roman" panose="02020603050405020304" pitchFamily="18" charset="0"/>
+              </a:rPr>
+              <a:t>Disponível em: </a:t>
+            </a:r>
+            <a:r>
+              <a:rPr lang="pt-BR" sz="2000" dirty="0">
+                <a:latin typeface="Times New Roman" panose="02020603050405020304" pitchFamily="18" charset="0"/>
+                <a:cs typeface="Times New Roman" panose="02020603050405020304" pitchFamily="18" charset="0"/>
+                <a:hlinkClick r:id="rId3"/>
+              </a:rPr>
+              <a:t>https://azure.microsoft.com/pt-br/resources/cloud-computing-dictionary/what-is-iot/</a:t>
+            </a:r>
+            <a:endParaRPr lang="pt-BR" sz="2000" dirty="0">
+              <a:latin typeface="Times New Roman" panose="02020603050405020304" pitchFamily="18" charset="0"/>
+              <a:cs typeface="Times New Roman" panose="02020603050405020304" pitchFamily="18" charset="0"/>
+            </a:endParaRPr>
+          </a:p>
+          <a:p>
+            <a:pPr marL="0" indent="0" algn="just">
+              <a:buNone/>
+            </a:pPr>
+            <a:endParaRPr lang="pt-BR" sz="2000" dirty="0">
+              <a:latin typeface="Times New Roman" panose="02020603050405020304" pitchFamily="18" charset="0"/>
+              <a:cs typeface="Times New Roman" panose="02020603050405020304" pitchFamily="18" charset="0"/>
+            </a:endParaRPr>
+          </a:p>
+          <a:p>
+            <a:pPr marL="0" indent="0" algn="just">
+              <a:buNone/>
+            </a:pPr>
+            <a:r>
+              <a:rPr lang="pt-BR" sz="2000" dirty="0">
+                <a:latin typeface="Times New Roman" panose="02020603050405020304" pitchFamily="18" charset="0"/>
+                <a:cs typeface="Times New Roman" panose="02020603050405020304" pitchFamily="18" charset="0"/>
+              </a:rPr>
+              <a:t>[2] </a:t>
+            </a:r>
+            <a:r>
+              <a:rPr lang="pt-BR" sz="2000" dirty="0" err="1">
+                <a:latin typeface="Times New Roman" panose="02020603050405020304" pitchFamily="18" charset="0"/>
+                <a:cs typeface="Times New Roman" panose="02020603050405020304" pitchFamily="18" charset="0"/>
+              </a:rPr>
+              <a:t>IoT</a:t>
+            </a:r>
+            <a:r>
+              <a:rPr lang="pt-BR" sz="2000" dirty="0">
+                <a:latin typeface="Times New Roman" panose="02020603050405020304" pitchFamily="18" charset="0"/>
+                <a:cs typeface="Times New Roman" panose="02020603050405020304" pitchFamily="18" charset="0"/>
+              </a:rPr>
+              <a:t> </a:t>
+            </a:r>
+          </a:p>
+          <a:p>
+            <a:pPr marL="0" indent="0" algn="just">
+              <a:buNone/>
+            </a:pPr>
+            <a:r>
+              <a:rPr lang="pt-BR" sz="2000" b="1" dirty="0">
+                <a:solidFill>
+                  <a:srgbClr val="FF0000"/>
+                </a:solidFill>
+                <a:latin typeface="Times New Roman" panose="02020603050405020304" pitchFamily="18" charset="0"/>
+                <a:cs typeface="Times New Roman" panose="02020603050405020304" pitchFamily="18" charset="0"/>
+              </a:rPr>
+              <a:t>Disponível em: </a:t>
+            </a:r>
+            <a:r>
+              <a:rPr lang="pt-BR" sz="2000" dirty="0">
+                <a:latin typeface="Times New Roman" panose="02020603050405020304" pitchFamily="18" charset="0"/>
+                <a:cs typeface="Times New Roman" panose="02020603050405020304" pitchFamily="18" charset="0"/>
+                <a:hlinkClick r:id="rId4"/>
+              </a:rPr>
+              <a:t>https://www.sap.com/brazil/insights/what-is-iot-internet-of-things.html</a:t>
+            </a:r>
+            <a:endParaRPr lang="pt-BR" sz="2000" dirty="0">
+              <a:latin typeface="Times New Roman" panose="02020603050405020304" pitchFamily="18" charset="0"/>
+              <a:cs typeface="Times New Roman" panose="02020603050405020304" pitchFamily="18" charset="0"/>
+            </a:endParaRPr>
+          </a:p>
+          <a:p>
+            <a:pPr marL="0" indent="0" algn="just">
+              <a:buNone/>
+            </a:pPr>
+            <a:endParaRPr lang="pt-BR" sz="2000" dirty="0">
+              <a:latin typeface="Times New Roman" panose="02020603050405020304" pitchFamily="18" charset="0"/>
+              <a:cs typeface="Times New Roman" panose="02020603050405020304" pitchFamily="18" charset="0"/>
+            </a:endParaRPr>
+          </a:p>
+          <a:p>
+            <a:pPr marL="0" indent="0" algn="just">
+              <a:buNone/>
+            </a:pPr>
+            <a:r>
+              <a:rPr lang="pt-BR" sz="2000" dirty="0">
+                <a:latin typeface="Times New Roman" panose="02020603050405020304" pitchFamily="18" charset="0"/>
+                <a:cs typeface="Times New Roman" panose="02020603050405020304" pitchFamily="18" charset="0"/>
+              </a:rPr>
+              <a:t>[3] </a:t>
+            </a:r>
+            <a:r>
+              <a:rPr lang="pt-BR" sz="2000" dirty="0" err="1">
+                <a:latin typeface="Times New Roman" panose="02020603050405020304" pitchFamily="18" charset="0"/>
+                <a:cs typeface="Times New Roman" panose="02020603050405020304" pitchFamily="18" charset="0"/>
+              </a:rPr>
+              <a:t>IoT</a:t>
+            </a:r>
+            <a:r>
+              <a:rPr lang="pt-BR" sz="2000" dirty="0">
+                <a:latin typeface="Times New Roman" panose="02020603050405020304" pitchFamily="18" charset="0"/>
+                <a:cs typeface="Times New Roman" panose="02020603050405020304" pitchFamily="18" charset="0"/>
+              </a:rPr>
+              <a:t> </a:t>
+            </a:r>
+          </a:p>
+          <a:p>
+            <a:pPr marL="0" indent="0" algn="just">
+              <a:buNone/>
+            </a:pPr>
+            <a:r>
+              <a:rPr lang="pt-BR" sz="2000" b="1" dirty="0">
+                <a:solidFill>
+                  <a:srgbClr val="FF0000"/>
+                </a:solidFill>
+                <a:latin typeface="Times New Roman" panose="02020603050405020304" pitchFamily="18" charset="0"/>
+                <a:cs typeface="Times New Roman" panose="02020603050405020304" pitchFamily="18" charset="0"/>
+              </a:rPr>
+              <a:t>Disponível em: </a:t>
+            </a:r>
+            <a:r>
+              <a:rPr lang="pt-BR" sz="2000" dirty="0">
+                <a:latin typeface="Times New Roman" panose="02020603050405020304" pitchFamily="18" charset="0"/>
+                <a:cs typeface="Times New Roman" panose="02020603050405020304" pitchFamily="18" charset="0"/>
+                <a:hlinkClick r:id="rId5"/>
+              </a:rPr>
+              <a:t>https://tecnoblog.net/responde/o-que-e-internet-das-coisas/</a:t>
+            </a:r>
+            <a:endParaRPr lang="pt-BR" sz="2000" dirty="0">
+              <a:latin typeface="Times New Roman" panose="02020603050405020304" pitchFamily="18" charset="0"/>
+              <a:cs typeface="Times New Roman" panose="02020603050405020304" pitchFamily="18" charset="0"/>
+            </a:endParaRPr>
+          </a:p>
+          <a:p>
+            <a:pPr marL="0" indent="0" algn="just">
+              <a:buNone/>
+            </a:pPr>
+            <a:endParaRPr lang="pt-BR" sz="2000" dirty="0">
+              <a:latin typeface="Times New Roman" panose="02020603050405020304" pitchFamily="18" charset="0"/>
+              <a:cs typeface="Times New Roman" panose="02020603050405020304" pitchFamily="18" charset="0"/>
+            </a:endParaRPr>
+          </a:p>
+          <a:p>
+            <a:pPr marL="0" indent="0" algn="just">
+              <a:buNone/>
+            </a:pPr>
+            <a:endParaRPr lang="pt-BR" sz="2000" dirty="0">
+              <a:latin typeface="Calibri" panose="020F0502020204030204" pitchFamily="34" charset="0"/>
+            </a:endParaRPr>
+          </a:p>
+        </p:txBody>
+      </p:sp>
+    </p:spTree>
+    <p:extLst>
+      <p:ext uri="{BB962C8B-B14F-4D97-AF65-F5344CB8AC3E}">
+        <p14:creationId xmlns:p14="http://schemas.microsoft.com/office/powerpoint/2010/main" val="3680270425"/>
+      </p:ext>
+    </p:extLst>
+  </p:cSld>
+  <p:clrMapOvr>
+    <a:masterClrMapping/>
+  </p:clrMapOvr>
+  <p:transition spd="med"/>
+</p:sld>
+</file>
+
 <file path=ppt/slides/slide2.xml><?xml version="1.0" encoding="utf-8"?>
 <p:sld xmlns:a="http://schemas.openxmlformats.org/drawingml/2006/main" xmlns:r="http://schemas.openxmlformats.org/officeDocument/2006/relationships" xmlns:p="http://schemas.openxmlformats.org/presentationml/2006/main">
   <p:cSld>
@@ -4030,8 +7931,21 @@
                   <a:schemeClr val="bg1"/>
                 </a:solidFill>
               </a:rPr>
-              <a:t>Fundamentos de Computação em Nuvem</a:t>
-            </a:r>
+              <a:t>Conceitos de Internet das Coisas - </a:t>
+            </a:r>
+            <a:r>
+              <a:rPr lang="pt-BR" sz="3600" b="1" dirty="0" err="1">
+                <a:solidFill>
+                  <a:schemeClr val="bg1"/>
+                </a:solidFill>
+              </a:rPr>
+              <a:t>IoT</a:t>
+            </a:r>
+            <a:endParaRPr lang="pt-BR" sz="3600" b="1" dirty="0">
+              <a:solidFill>
+                <a:schemeClr val="bg1"/>
+              </a:solidFill>
+            </a:endParaRPr>
           </a:p>
         </p:txBody>
       </p:sp>
@@ -4382,7 +8296,7 @@
 </p:sld>
 </file>
 
-<file path=ppt/slides/slide3.xml><?xml version="1.0" encoding="utf-8"?>
+<file path=ppt/slides/slide20.xml><?xml version="1.0" encoding="utf-8"?>
 <p:sld xmlns:a="http://schemas.openxmlformats.org/drawingml/2006/main" xmlns:r="http://schemas.openxmlformats.org/officeDocument/2006/relationships" xmlns:p="http://schemas.openxmlformats.org/presentationml/2006/main">
   <p:cSld>
     <p:spTree>
@@ -4427,7 +8341,7 @@
                   <a:srgbClr val="0070C0"/>
                 </a:solidFill>
               </a:rPr>
-              <a:t>Contextualização</a:t>
+              <a:t>Aprenda</a:t>
             </a:r>
             <a:r>
               <a:rPr lang="en-US" b="1" dirty="0">
@@ -4435,21 +8349,8 @@
                   <a:srgbClr val="0070C0"/>
                 </a:solidFill>
               </a:rPr>
-              <a:t> </a:t>
-            </a:r>
-            <a:r>
-              <a:rPr lang="pt-BR" b="1" dirty="0">
-                <a:solidFill>
-                  <a:srgbClr val="0070C0"/>
-                </a:solidFill>
-              </a:rPr>
-              <a:t>Indústria 40</a:t>
-            </a:r>
-            <a:endParaRPr lang="en-US" b="1" dirty="0">
-              <a:solidFill>
-                <a:srgbClr val="0070C0"/>
-              </a:solidFill>
-            </a:endParaRPr>
+              <a:t>+</a:t>
+            </a:r>
           </a:p>
         </p:txBody>
       </p:sp>
@@ -4479,19 +8380,118 @@
               <a:buNone/>
             </a:pPr>
             <a:r>
-              <a:rPr lang="pt-BR" sz="2000" b="1" dirty="0">
-                <a:solidFill>
-                  <a:schemeClr val="tx1"/>
-                </a:solidFill>
-                <a:latin typeface="Times New Roman" panose="02020603050405020304" pitchFamily="18" charset="0"/>
-                <a:cs typeface="Times New Roman" panose="02020603050405020304" pitchFamily="18" charset="0"/>
-              </a:rPr>
-              <a:t>G</a:t>
-            </a:r>
-            <a:endParaRPr lang="pt-BR" sz="2000" dirty="0">
-              <a:solidFill>
-                <a:schemeClr val="tx1"/>
-              </a:solidFill>
+              <a:rPr lang="pt-BR" sz="2400" dirty="0">
+                <a:latin typeface="Times New Roman" panose="02020603050405020304" pitchFamily="18" charset="0"/>
+                <a:cs typeface="Times New Roman" panose="02020603050405020304" pitchFamily="18" charset="0"/>
+              </a:rPr>
+              <a:t>[1] </a:t>
+            </a:r>
+            <a:r>
+              <a:rPr lang="pt-BR" sz="2400" dirty="0" err="1">
+                <a:latin typeface="Times New Roman" panose="02020603050405020304" pitchFamily="18" charset="0"/>
+                <a:cs typeface="Times New Roman" panose="02020603050405020304" pitchFamily="18" charset="0"/>
+              </a:rPr>
+              <a:t>IoT</a:t>
+            </a:r>
+            <a:endParaRPr lang="pt-BR" sz="2400" dirty="0">
+              <a:latin typeface="Times New Roman" panose="02020603050405020304" pitchFamily="18" charset="0"/>
+              <a:cs typeface="Times New Roman" panose="02020603050405020304" pitchFamily="18" charset="0"/>
+            </a:endParaRPr>
+          </a:p>
+          <a:p>
+            <a:pPr marL="0" indent="0" algn="just">
+              <a:buNone/>
+            </a:pPr>
+            <a:r>
+              <a:rPr lang="pt-BR" sz="2400" b="1" dirty="0">
+                <a:solidFill>
+                  <a:srgbClr val="FF0000"/>
+                </a:solidFill>
+                <a:latin typeface="Times New Roman" panose="02020603050405020304" pitchFamily="18" charset="0"/>
+                <a:cs typeface="Times New Roman" panose="02020603050405020304" pitchFamily="18" charset="0"/>
+              </a:rPr>
+              <a:t>Disponível em: </a:t>
+            </a:r>
+            <a:r>
+              <a:rPr lang="pt-BR" sz="2400" dirty="0">
+                <a:latin typeface="Times New Roman" panose="02020603050405020304" pitchFamily="18" charset="0"/>
+                <a:cs typeface="Times New Roman" panose="02020603050405020304" pitchFamily="18" charset="0"/>
+                <a:hlinkClick r:id="rId3"/>
+              </a:rPr>
+              <a:t>https://www.youtube.com/watch?v=jlkvzcG1UMk</a:t>
+            </a:r>
+            <a:endParaRPr lang="pt-BR" sz="2400" dirty="0">
+              <a:latin typeface="Times New Roman" panose="02020603050405020304" pitchFamily="18" charset="0"/>
+              <a:cs typeface="Times New Roman" panose="02020603050405020304" pitchFamily="18" charset="0"/>
+            </a:endParaRPr>
+          </a:p>
+          <a:p>
+            <a:pPr marL="0" indent="0" algn="just">
+              <a:buNone/>
+            </a:pPr>
+            <a:endParaRPr lang="pt-BR" sz="2400" dirty="0">
+              <a:latin typeface="Times New Roman" panose="02020603050405020304" pitchFamily="18" charset="0"/>
+              <a:cs typeface="Times New Roman" panose="02020603050405020304" pitchFamily="18" charset="0"/>
+            </a:endParaRPr>
+          </a:p>
+          <a:p>
+            <a:pPr marL="0" indent="0" algn="just">
+              <a:buNone/>
+            </a:pPr>
+            <a:r>
+              <a:rPr lang="pt-BR" sz="2400" dirty="0">
+                <a:latin typeface="Times New Roman" panose="02020603050405020304" pitchFamily="18" charset="0"/>
+                <a:cs typeface="Times New Roman" panose="02020603050405020304" pitchFamily="18" charset="0"/>
+              </a:rPr>
+              <a:t>[2] </a:t>
+            </a:r>
+            <a:r>
+              <a:rPr lang="pt-BR" sz="2400" dirty="0" err="1">
+                <a:latin typeface="Times New Roman" panose="02020603050405020304" pitchFamily="18" charset="0"/>
+                <a:cs typeface="Times New Roman" panose="02020603050405020304" pitchFamily="18" charset="0"/>
+              </a:rPr>
+              <a:t>IoT</a:t>
+            </a:r>
+            <a:r>
+              <a:rPr lang="pt-BR" sz="2400" dirty="0">
+                <a:latin typeface="Times New Roman" panose="02020603050405020304" pitchFamily="18" charset="0"/>
+                <a:cs typeface="Times New Roman" panose="02020603050405020304" pitchFamily="18" charset="0"/>
+              </a:rPr>
+              <a:t> </a:t>
+            </a:r>
+          </a:p>
+          <a:p>
+            <a:pPr marL="0" indent="0" algn="just">
+              <a:buNone/>
+            </a:pPr>
+            <a:r>
+              <a:rPr lang="pt-BR" sz="2400" b="1" dirty="0">
+                <a:solidFill>
+                  <a:srgbClr val="FF0000"/>
+                </a:solidFill>
+                <a:latin typeface="Times New Roman" panose="02020603050405020304" pitchFamily="18" charset="0"/>
+                <a:cs typeface="Times New Roman" panose="02020603050405020304" pitchFamily="18" charset="0"/>
+              </a:rPr>
+              <a:t>Disponível em: 							</a:t>
+            </a:r>
+            <a:r>
+              <a:rPr lang="pt-BR" sz="2400" dirty="0">
+                <a:latin typeface="Times New Roman" panose="02020603050405020304" pitchFamily="18" charset="0"/>
+                <a:cs typeface="Times New Roman" panose="02020603050405020304" pitchFamily="18" charset="0"/>
+                <a:hlinkClick r:id="rId4"/>
+              </a:rPr>
+              <a:t>https://www.intel.com.br/content/www/br/pt/design/technologies-and-topics/iot/manageability.html</a:t>
+            </a:r>
+            <a:endParaRPr lang="pt-BR" sz="2400" dirty="0">
+              <a:latin typeface="Times New Roman" panose="02020603050405020304" pitchFamily="18" charset="0"/>
+              <a:cs typeface="Times New Roman" panose="02020603050405020304" pitchFamily="18" charset="0"/>
+            </a:endParaRPr>
+          </a:p>
+          <a:p>
+            <a:pPr marL="0" indent="0" algn="just">
+              <a:buNone/>
+            </a:pPr>
+            <a:endParaRPr lang="pt-BR" sz="2400" dirty="0">
               <a:latin typeface="Times New Roman" panose="02020603050405020304" pitchFamily="18" charset="0"/>
               <a:cs typeface="Times New Roman" panose="02020603050405020304" pitchFamily="18" charset="0"/>
             </a:endParaRPr>
@@ -4501,7 +8501,7 @@
     </p:spTree>
     <p:extLst>
       <p:ext uri="{BB962C8B-B14F-4D97-AF65-F5344CB8AC3E}">
-        <p14:creationId xmlns:p14="http://schemas.microsoft.com/office/powerpoint/2010/main" val="1362980025"/>
+        <p14:creationId xmlns:p14="http://schemas.microsoft.com/office/powerpoint/2010/main" val="2747596967"/>
       </p:ext>
     </p:extLst>
   </p:cSld>
@@ -4512,121 +8512,7 @@
 </p:sld>
 </file>
 
-<file path=ppt/slides/slide4.xml><?xml version="1.0" encoding="utf-8"?>
-<p:sld xmlns:a="http://schemas.openxmlformats.org/drawingml/2006/main" xmlns:r="http://schemas.openxmlformats.org/officeDocument/2006/relationships" xmlns:p="http://schemas.openxmlformats.org/presentationml/2006/main">
-  <p:cSld>
-    <p:spTree>
-      <p:nvGrpSpPr>
-        <p:cNvPr id="1" name=""/>
-        <p:cNvGrpSpPr/>
-        <p:nvPr/>
-      </p:nvGrpSpPr>
-      <p:grpSpPr>
-        <a:xfrm>
-          <a:off x="0" y="0"/>
-          <a:ext cx="0" cy="0"/>
-          <a:chOff x="0" y="0"/>
-          <a:chExt cx="0" cy="0"/>
-        </a:xfrm>
-      </p:grpSpPr>
-      <p:sp>
-        <p:nvSpPr>
-          <p:cNvPr id="6" name="Title 1"/>
-          <p:cNvSpPr>
-            <a:spLocks noGrp="1"/>
-          </p:cNvSpPr>
-          <p:nvPr>
-            <p:ph type="title"/>
-          </p:nvPr>
-        </p:nvSpPr>
-        <p:spPr>
-          <a:xfrm>
-            <a:off x="457200" y="205980"/>
-            <a:ext cx="8229600" cy="857251"/>
-          </a:xfrm>
-        </p:spPr>
-        <p:txBody>
-          <a:bodyPr>
-            <a:normAutofit fontScale="90000"/>
-          </a:bodyPr>
-          <a:lstStyle/>
-          <a:p>
-            <a:r>
-              <a:rPr lang="pt-BR" b="1" dirty="0">
-                <a:solidFill>
-                  <a:srgbClr val="0070C0"/>
-                </a:solidFill>
-              </a:rPr>
-              <a:t>Aplicação Cloud Indústria 40 Python</a:t>
-            </a:r>
-            <a:endParaRPr lang="en-US" b="1" dirty="0">
-              <a:solidFill>
-                <a:srgbClr val="0070C0"/>
-              </a:solidFill>
-            </a:endParaRPr>
-          </a:p>
-        </p:txBody>
-      </p:sp>
-      <p:sp>
-        <p:nvSpPr>
-          <p:cNvPr id="8" name="Text Placeholder 2"/>
-          <p:cNvSpPr>
-            <a:spLocks noGrp="1"/>
-          </p:cNvSpPr>
-          <p:nvPr>
-            <p:ph type="body" sz="half" idx="1"/>
-          </p:nvPr>
-        </p:nvSpPr>
-        <p:spPr>
-          <a:xfrm>
-            <a:off x="142865" y="1200150"/>
-            <a:ext cx="8865056" cy="3737370"/>
-          </a:xfrm>
-        </p:spPr>
-        <p:txBody>
-          <a:bodyPr>
-            <a:noAutofit/>
-          </a:bodyPr>
-          <a:lstStyle/>
-          <a:p>
-            <a:pPr marL="0" indent="0" algn="just">
-              <a:buNone/>
-            </a:pPr>
-            <a:r>
-              <a:rPr lang="pt-BR" sz="2000" b="1" dirty="0">
-                <a:solidFill>
-                  <a:schemeClr val="tx1"/>
-                </a:solidFill>
-                <a:latin typeface="Times New Roman" panose="02020603050405020304" pitchFamily="18" charset="0"/>
-                <a:cs typeface="Times New Roman" panose="02020603050405020304" pitchFamily="18" charset="0"/>
-              </a:rPr>
-              <a:t>G</a:t>
-            </a:r>
-            <a:endParaRPr lang="pt-BR" sz="2000" dirty="0">
-              <a:solidFill>
-                <a:schemeClr val="tx1"/>
-              </a:solidFill>
-              <a:latin typeface="Times New Roman" panose="02020603050405020304" pitchFamily="18" charset="0"/>
-              <a:cs typeface="Times New Roman" panose="02020603050405020304" pitchFamily="18" charset="0"/>
-            </a:endParaRPr>
-          </a:p>
-        </p:txBody>
-      </p:sp>
-    </p:spTree>
-    <p:extLst>
-      <p:ext uri="{BB962C8B-B14F-4D97-AF65-F5344CB8AC3E}">
-        <p14:creationId xmlns:p14="http://schemas.microsoft.com/office/powerpoint/2010/main" val="866611518"/>
-      </p:ext>
-    </p:extLst>
-  </p:cSld>
-  <p:clrMapOvr>
-    <a:masterClrMapping/>
-  </p:clrMapOvr>
-  <p:transition spd="med"/>
-</p:sld>
-</file>
-
-<file path=ppt/slides/slide5.xml><?xml version="1.0" encoding="utf-8"?>
+<file path=ppt/slides/slide21.xml><?xml version="1.0" encoding="utf-8"?>
 <p:sld xmlns:a="http://schemas.openxmlformats.org/drawingml/2006/main" xmlns:r="http://schemas.openxmlformats.org/officeDocument/2006/relationships" xmlns:p="http://schemas.openxmlformats.org/presentationml/2006/main">
   <p:cSld>
     <p:spTree>
@@ -4671,7 +8557,7 @@
                   <a:srgbClr val="0070C0"/>
                 </a:solidFill>
               </a:rPr>
-              <a:t>Leitura</a:t>
+              <a:t>Dinâmica</a:t>
             </a:r>
             <a:r>
               <a:rPr lang="en-US" b="1" dirty="0">
@@ -4679,7 +8565,7 @@
                   <a:srgbClr val="0070C0"/>
                 </a:solidFill>
               </a:rPr>
-              <a:t> </a:t>
+              <a:t>/</a:t>
             </a:r>
             <a:r>
               <a:rPr lang="en-US" b="1" dirty="0" err="1">
@@ -4687,7 +8573,7 @@
                   <a:srgbClr val="0070C0"/>
                 </a:solidFill>
               </a:rPr>
-              <a:t>Específica</a:t>
+              <a:t>Atividades</a:t>
             </a:r>
             <a:endParaRPr lang="en-US" b="1" dirty="0">
               <a:solidFill>
@@ -4709,8 +8595,8 @@
         </p:nvSpPr>
         <p:spPr>
           <a:xfrm>
-            <a:off x="142865" y="1200151"/>
-            <a:ext cx="8865056" cy="3394472"/>
+            <a:off x="139472" y="1063230"/>
+            <a:ext cx="8865056" cy="3606305"/>
           </a:xfrm>
         </p:spPr>
         <p:txBody>
@@ -4722,124 +8608,66 @@
             <a:pPr marL="0" indent="0" algn="just">
               <a:buNone/>
             </a:pPr>
-            <a:r>
-              <a:rPr lang="pt-BR" sz="2400" dirty="0">
-                <a:latin typeface="Times New Roman" panose="02020603050405020304" pitchFamily="18" charset="0"/>
-                <a:cs typeface="Times New Roman" panose="02020603050405020304" pitchFamily="18" charset="0"/>
-              </a:rPr>
-              <a:t>[1] Aplicação Cloud Indústria 40 Python.</a:t>
-            </a:r>
-          </a:p>
-          <a:p>
-            <a:pPr marL="0" indent="0" algn="just">
-              <a:buNone/>
-            </a:pPr>
-            <a:r>
-              <a:rPr lang="pt-BR" sz="2400" b="1" dirty="0">
-                <a:solidFill>
-                  <a:srgbClr val="FF0000"/>
-                </a:solidFill>
-                <a:latin typeface="Times New Roman" panose="02020603050405020304" pitchFamily="18" charset="0"/>
-                <a:cs typeface="Times New Roman" panose="02020603050405020304" pitchFamily="18" charset="0"/>
-              </a:rPr>
-              <a:t>Disponível em: </a:t>
-            </a:r>
-            <a:r>
-              <a:rPr lang="pt-BR" sz="2400" dirty="0">
-                <a:latin typeface="Times New Roman" panose="02020603050405020304" pitchFamily="18" charset="0"/>
-                <a:cs typeface="Times New Roman" panose="02020603050405020304" pitchFamily="18" charset="0"/>
-                <a:hlinkClick r:id="rId3"/>
-              </a:rPr>
-              <a:t>https://</a:t>
-            </a:r>
-            <a:endParaRPr lang="pt-BR" sz="2400" dirty="0">
+            <a:endParaRPr lang="pt-BR" dirty="0">
               <a:latin typeface="Times New Roman" panose="02020603050405020304" pitchFamily="18" charset="0"/>
               <a:cs typeface="Times New Roman" panose="02020603050405020304" pitchFamily="18" charset="0"/>
             </a:endParaRPr>
           </a:p>
           <a:p>
+            <a:pPr algn="just">
+              <a:buFont typeface="Wingdings" panose="05000000000000000000" pitchFamily="2" charset="2"/>
+              <a:buChar char="§"/>
+            </a:pPr>
+            <a:r>
+              <a:rPr lang="pt-BR" dirty="0">
+                <a:latin typeface="Times New Roman" panose="02020603050405020304" pitchFamily="18" charset="0"/>
+                <a:cs typeface="Times New Roman" panose="02020603050405020304" pitchFamily="18" charset="0"/>
+              </a:rPr>
+              <a:t>Exercícios (Atividade Verificadora de Aprendizagem)</a:t>
+            </a:r>
+          </a:p>
+          <a:p>
             <a:pPr marL="0" indent="0" algn="just">
               <a:buNone/>
             </a:pPr>
-            <a:endParaRPr lang="pt-BR" sz="2400" dirty="0">
+            <a:r>
+              <a:rPr lang="pt-BR" dirty="0">
+                <a:latin typeface="Times New Roman" panose="02020603050405020304" pitchFamily="18" charset="0"/>
+                <a:cs typeface="Times New Roman" panose="02020603050405020304" pitchFamily="18" charset="0"/>
+              </a:rPr>
+              <a:t> 	</a:t>
+            </a:r>
+            <a:r>
+              <a:rPr lang="pt-BR" dirty="0">
+                <a:latin typeface="Times New Roman" panose="02020603050405020304" pitchFamily="18" charset="0"/>
+                <a:cs typeface="Times New Roman" panose="02020603050405020304" pitchFamily="18" charset="0"/>
+                <a:hlinkClick r:id="rId3"/>
+              </a:rPr>
+              <a:t>https://quizizz.com/admin/quiz/5d8954fda0089a001c105c1e</a:t>
+            </a:r>
+            <a:r>
+              <a:rPr lang="pt-BR">
+                <a:latin typeface="Times New Roman" panose="02020603050405020304" pitchFamily="18" charset="0"/>
+                <a:cs typeface="Times New Roman" panose="02020603050405020304" pitchFamily="18" charset="0"/>
+                <a:hlinkClick r:id="rId3"/>
+              </a:rPr>
+              <a:t>/internet-das-coisas</a:t>
+            </a:r>
+            <a:endParaRPr lang="pt-BR" dirty="0">
               <a:latin typeface="Times New Roman" panose="02020603050405020304" pitchFamily="18" charset="0"/>
               <a:cs typeface="Times New Roman" panose="02020603050405020304" pitchFamily="18" charset="0"/>
             </a:endParaRPr>
           </a:p>
           <a:p>
-            <a:pPr marL="0" indent="0" algn="just">
-              <a:buNone/>
-            </a:pPr>
-            <a:r>
-              <a:rPr lang="pt-BR" sz="2400" dirty="0">
-                <a:latin typeface="Times New Roman" panose="02020603050405020304" pitchFamily="18" charset="0"/>
-                <a:cs typeface="Times New Roman" panose="02020603050405020304" pitchFamily="18" charset="0"/>
-              </a:rPr>
-              <a:t>[2] Aplicação Cloud Indústria 40 Python. </a:t>
-            </a:r>
-          </a:p>
-          <a:p>
-            <a:pPr marL="0" indent="0" algn="just">
-              <a:buNone/>
-            </a:pPr>
-            <a:r>
-              <a:rPr lang="pt-BR" sz="2400" b="1" dirty="0">
-                <a:solidFill>
-                  <a:srgbClr val="FF0000"/>
-                </a:solidFill>
-                <a:latin typeface="Times New Roman" panose="02020603050405020304" pitchFamily="18" charset="0"/>
-                <a:cs typeface="Times New Roman" panose="02020603050405020304" pitchFamily="18" charset="0"/>
-              </a:rPr>
-              <a:t>Disponível em: </a:t>
-            </a:r>
-            <a:r>
-              <a:rPr lang="pt-BR" sz="2400" dirty="0">
-                <a:latin typeface="Times New Roman" panose="02020603050405020304" pitchFamily="18" charset="0"/>
-                <a:cs typeface="Times New Roman" panose="02020603050405020304" pitchFamily="18" charset="0"/>
-                <a:hlinkClick r:id="rId4"/>
-              </a:rPr>
-              <a:t>https:</a:t>
-            </a:r>
-            <a:r>
-              <a:rPr lang="pt-BR" sz="2400" dirty="0">
-                <a:latin typeface="Times New Roman" panose="02020603050405020304" pitchFamily="18" charset="0"/>
-                <a:cs typeface="Times New Roman" panose="02020603050405020304" pitchFamily="18" charset="0"/>
-              </a:rPr>
-              <a:t>//</a:t>
-            </a:r>
-          </a:p>
-          <a:p>
-            <a:pPr marL="0" indent="0" algn="just">
-              <a:buNone/>
-            </a:pPr>
-            <a:endParaRPr lang="pt-BR" sz="2400" dirty="0">
+            <a:pPr algn="just"/>
+            <a:endParaRPr lang="pt-BR" dirty="0">
               <a:latin typeface="Times New Roman" panose="02020603050405020304" pitchFamily="18" charset="0"/>
               <a:cs typeface="Times New Roman" panose="02020603050405020304" pitchFamily="18" charset="0"/>
             </a:endParaRPr>
           </a:p>
           <a:p>
-            <a:pPr marL="0" indent="0" algn="just">
-              <a:buNone/>
-            </a:pPr>
-            <a:endParaRPr lang="pt-BR" sz="2400" dirty="0">
-              <a:latin typeface="Times New Roman" panose="02020603050405020304" pitchFamily="18" charset="0"/>
-              <a:cs typeface="Times New Roman" panose="02020603050405020304" pitchFamily="18" charset="0"/>
-            </a:endParaRPr>
-          </a:p>
-          <a:p>
-            <a:pPr marL="0" indent="0" algn="just">
-              <a:buNone/>
-            </a:pPr>
-            <a:endParaRPr lang="pt-BR" sz="2400" dirty="0">
-              <a:latin typeface="Times New Roman" panose="02020603050405020304" pitchFamily="18" charset="0"/>
-              <a:cs typeface="Times New Roman" panose="02020603050405020304" pitchFamily="18" charset="0"/>
-            </a:endParaRPr>
-          </a:p>
-          <a:p>
-            <a:pPr marL="0" indent="0" algn="just">
-              <a:buNone/>
-            </a:pPr>
-            <a:endParaRPr lang="pt-BR" sz="2400" dirty="0">
+            <a:pPr algn="just"/>
+            <a:endParaRPr lang="pt-BR" dirty="0">
               <a:latin typeface="Calibri" panose="020F0502020204030204" pitchFamily="34" charset="0"/>
             </a:endParaRPr>
           </a:p>
@@ -4848,7 +8676,7 @@
     </p:spTree>
     <p:extLst>
       <p:ext uri="{BB962C8B-B14F-4D97-AF65-F5344CB8AC3E}">
-        <p14:creationId xmlns:p14="http://schemas.microsoft.com/office/powerpoint/2010/main" val="3680270425"/>
+        <p14:creationId xmlns:p14="http://schemas.microsoft.com/office/powerpoint/2010/main" val="2470652989"/>
       </p:ext>
     </p:extLst>
   </p:cSld>
@@ -4859,7 +8687,7 @@
 </p:sld>
 </file>
 
-<file path=ppt/slides/slide6.xml><?xml version="1.0" encoding="utf-8"?>
+<file path=ppt/slides/slide22.xml><?xml version="1.0" encoding="utf-8"?>
 <p:sld xmlns:a="http://schemas.openxmlformats.org/drawingml/2006/main" xmlns:r="http://schemas.openxmlformats.org/officeDocument/2006/relationships" xmlns:p="http://schemas.openxmlformats.org/presentationml/2006/main">
   <p:cSld>
     <p:spTree>
@@ -4904,7 +8732,7 @@
                   <a:srgbClr val="0070C0"/>
                 </a:solidFill>
               </a:rPr>
-              <a:t>Aprenda</a:t>
+              <a:t>Referências</a:t>
             </a:r>
             <a:r>
               <a:rPr lang="en-US" b="1" dirty="0">
@@ -4912,8 +8740,21 @@
                   <a:srgbClr val="0070C0"/>
                 </a:solidFill>
               </a:rPr>
-              <a:t>+</a:t>
-            </a:r>
+              <a:t> </a:t>
+            </a:r>
+            <a:r>
+              <a:rPr lang="en-US" b="1" dirty="0" err="1">
+                <a:solidFill>
+                  <a:srgbClr val="0070C0"/>
+                </a:solidFill>
+              </a:rPr>
+              <a:t>Bibliográficas</a:t>
+            </a:r>
+            <a:endParaRPr lang="en-US" b="1" dirty="0">
+              <a:solidFill>
+                <a:srgbClr val="0070C0"/>
+              </a:solidFill>
+            </a:endParaRPr>
           </a:p>
         </p:txBody>
       </p:sp>
@@ -4929,8 +8770,8 @@
         </p:nvSpPr>
         <p:spPr>
           <a:xfrm>
-            <a:off x="142865" y="1200150"/>
-            <a:ext cx="8865056" cy="3737370"/>
+            <a:off x="142865" y="1017270"/>
+            <a:ext cx="8865056" cy="3920249"/>
           </a:xfrm>
         </p:spPr>
         <p:txBody>
@@ -4943,388 +8784,11 @@
               <a:buNone/>
             </a:pPr>
             <a:r>
-              <a:rPr lang="pt-BR" sz="2400" dirty="0">
-                <a:latin typeface="Times New Roman" panose="02020603050405020304" pitchFamily="18" charset="0"/>
-                <a:cs typeface="Times New Roman" panose="02020603050405020304" pitchFamily="18" charset="0"/>
-              </a:rPr>
-              <a:t>[1] Aplicação Cloud Indústria 40 Python.</a:t>
-            </a:r>
-          </a:p>
-          <a:p>
-            <a:pPr marL="0" indent="0" algn="just">
-              <a:buNone/>
-            </a:pPr>
-            <a:r>
-              <a:rPr lang="pt-BR" sz="2400" b="1" dirty="0">
-                <a:solidFill>
-                  <a:srgbClr val="FF0000"/>
-                </a:solidFill>
-                <a:latin typeface="Times New Roman" panose="02020603050405020304" pitchFamily="18" charset="0"/>
-                <a:cs typeface="Times New Roman" panose="02020603050405020304" pitchFamily="18" charset="0"/>
-              </a:rPr>
-              <a:t>Disponível em: </a:t>
-            </a:r>
-            <a:r>
-              <a:rPr lang="pt-BR" sz="2400" dirty="0">
-                <a:latin typeface="Times New Roman" panose="02020603050405020304" pitchFamily="18" charset="0"/>
-                <a:cs typeface="Times New Roman" panose="02020603050405020304" pitchFamily="18" charset="0"/>
-                <a:hlinkClick r:id="rId3"/>
-              </a:rPr>
-              <a:t>https://</a:t>
-            </a:r>
-            <a:endParaRPr lang="pt-BR" sz="2400" dirty="0">
-              <a:latin typeface="Times New Roman" panose="02020603050405020304" pitchFamily="18" charset="0"/>
-              <a:cs typeface="Times New Roman" panose="02020603050405020304" pitchFamily="18" charset="0"/>
-            </a:endParaRPr>
-          </a:p>
-          <a:p>
-            <a:pPr marL="0" indent="0" algn="just">
-              <a:buNone/>
-            </a:pPr>
-            <a:endParaRPr lang="pt-BR" sz="2400" dirty="0">
-              <a:latin typeface="Times New Roman" panose="02020603050405020304" pitchFamily="18" charset="0"/>
-              <a:cs typeface="Times New Roman" panose="02020603050405020304" pitchFamily="18" charset="0"/>
-            </a:endParaRPr>
-          </a:p>
-          <a:p>
-            <a:pPr marL="0" indent="0" algn="just">
-              <a:buNone/>
-            </a:pPr>
-            <a:r>
-              <a:rPr lang="pt-BR" sz="2400" dirty="0">
-                <a:latin typeface="Times New Roman" panose="02020603050405020304" pitchFamily="18" charset="0"/>
-                <a:cs typeface="Times New Roman" panose="02020603050405020304" pitchFamily="18" charset="0"/>
-              </a:rPr>
-              <a:t>[2] Aplicação Cloud Indústria 40 Python. </a:t>
-            </a:r>
-          </a:p>
-          <a:p>
-            <a:pPr marL="0" indent="0" algn="just">
-              <a:buNone/>
-            </a:pPr>
-            <a:r>
-              <a:rPr lang="pt-BR" sz="2400" b="1" dirty="0">
-                <a:solidFill>
-                  <a:srgbClr val="FF0000"/>
-                </a:solidFill>
-                <a:latin typeface="Times New Roman" panose="02020603050405020304" pitchFamily="18" charset="0"/>
-                <a:cs typeface="Times New Roman" panose="02020603050405020304" pitchFamily="18" charset="0"/>
-              </a:rPr>
-              <a:t>Disponível em: </a:t>
-            </a:r>
-            <a:r>
-              <a:rPr lang="pt-BR" sz="2400" dirty="0">
-                <a:latin typeface="Times New Roman" panose="02020603050405020304" pitchFamily="18" charset="0"/>
-                <a:cs typeface="Times New Roman" panose="02020603050405020304" pitchFamily="18" charset="0"/>
-                <a:hlinkClick r:id="rId4"/>
-              </a:rPr>
-              <a:t>https://</a:t>
-            </a:r>
-            <a:endParaRPr lang="pt-BR" sz="2400" dirty="0">
-              <a:latin typeface="Times New Roman" panose="02020603050405020304" pitchFamily="18" charset="0"/>
-              <a:cs typeface="Times New Roman" panose="02020603050405020304" pitchFamily="18" charset="0"/>
-            </a:endParaRPr>
-          </a:p>
-          <a:p>
-            <a:pPr marL="0" indent="0" algn="just">
-              <a:buNone/>
-            </a:pPr>
-            <a:endParaRPr lang="pt-BR" sz="2400" dirty="0">
-              <a:latin typeface="Times New Roman" panose="02020603050405020304" pitchFamily="18" charset="0"/>
-              <a:cs typeface="Times New Roman" panose="02020603050405020304" pitchFamily="18" charset="0"/>
-            </a:endParaRPr>
-          </a:p>
-        </p:txBody>
-      </p:sp>
-    </p:spTree>
-    <p:extLst>
-      <p:ext uri="{BB962C8B-B14F-4D97-AF65-F5344CB8AC3E}">
-        <p14:creationId xmlns:p14="http://schemas.microsoft.com/office/powerpoint/2010/main" val="2747596967"/>
-      </p:ext>
-    </p:extLst>
-  </p:cSld>
-  <p:clrMapOvr>
-    <a:masterClrMapping/>
-  </p:clrMapOvr>
-  <p:transition spd="med"/>
-</p:sld>
-</file>
-
-<file path=ppt/slides/slide7.xml><?xml version="1.0" encoding="utf-8"?>
-<p:sld xmlns:a="http://schemas.openxmlformats.org/drawingml/2006/main" xmlns:r="http://schemas.openxmlformats.org/officeDocument/2006/relationships" xmlns:p="http://schemas.openxmlformats.org/presentationml/2006/main">
-  <p:cSld>
-    <p:spTree>
-      <p:nvGrpSpPr>
-        <p:cNvPr id="1" name=""/>
-        <p:cNvGrpSpPr/>
-        <p:nvPr/>
-      </p:nvGrpSpPr>
-      <p:grpSpPr>
-        <a:xfrm>
-          <a:off x="0" y="0"/>
-          <a:ext cx="0" cy="0"/>
-          <a:chOff x="0" y="0"/>
-          <a:chExt cx="0" cy="0"/>
-        </a:xfrm>
-      </p:grpSpPr>
-      <p:sp>
-        <p:nvSpPr>
-          <p:cNvPr id="6" name="Title 1"/>
-          <p:cNvSpPr>
-            <a:spLocks noGrp="1"/>
-          </p:cNvSpPr>
-          <p:nvPr>
-            <p:ph type="title"/>
-          </p:nvPr>
-        </p:nvSpPr>
-        <p:spPr>
-          <a:xfrm>
-            <a:off x="457200" y="205980"/>
-            <a:ext cx="8229600" cy="857251"/>
-          </a:xfrm>
-        </p:spPr>
-        <p:txBody>
-          <a:bodyPr>
-            <a:normAutofit/>
-          </a:bodyPr>
-          <a:lstStyle/>
-          <a:p>
-            <a:r>
-              <a:rPr lang="en-US" b="1" dirty="0" err="1">
-                <a:solidFill>
-                  <a:srgbClr val="0070C0"/>
-                </a:solidFill>
-              </a:rPr>
-              <a:t>Dinâmica</a:t>
-            </a:r>
-            <a:r>
-              <a:rPr lang="en-US" b="1" dirty="0">
-                <a:solidFill>
-                  <a:srgbClr val="0070C0"/>
-                </a:solidFill>
-              </a:rPr>
-              <a:t>/</a:t>
-            </a:r>
-            <a:r>
-              <a:rPr lang="en-US" b="1" dirty="0" err="1">
-                <a:solidFill>
-                  <a:srgbClr val="0070C0"/>
-                </a:solidFill>
-              </a:rPr>
-              <a:t>Atividades</a:t>
-            </a:r>
-            <a:endParaRPr lang="en-US" b="1" dirty="0">
-              <a:solidFill>
-                <a:srgbClr val="0070C0"/>
-              </a:solidFill>
-            </a:endParaRPr>
-          </a:p>
-        </p:txBody>
-      </p:sp>
-      <p:sp>
-        <p:nvSpPr>
-          <p:cNvPr id="8" name="Text Placeholder 2"/>
-          <p:cNvSpPr>
-            <a:spLocks noGrp="1"/>
-          </p:cNvSpPr>
-          <p:nvPr>
-            <p:ph type="body" sz="half" idx="1"/>
-          </p:nvPr>
-        </p:nvSpPr>
-        <p:spPr>
-          <a:xfrm>
-            <a:off x="139472" y="1063230"/>
-            <a:ext cx="8865056" cy="3606305"/>
-          </a:xfrm>
-        </p:spPr>
-        <p:txBody>
-          <a:bodyPr>
-            <a:noAutofit/>
-          </a:bodyPr>
-          <a:lstStyle/>
-          <a:p>
-            <a:pPr marL="0" indent="0" algn="just">
-              <a:buNone/>
-            </a:pPr>
-            <a:endParaRPr lang="pt-BR" dirty="0">
-              <a:latin typeface="Times New Roman" panose="02020603050405020304" pitchFamily="18" charset="0"/>
-              <a:cs typeface="Times New Roman" panose="02020603050405020304" pitchFamily="18" charset="0"/>
-            </a:endParaRPr>
-          </a:p>
-          <a:p>
-            <a:pPr algn="just">
-              <a:buFont typeface="Wingdings" panose="05000000000000000000" pitchFamily="2" charset="2"/>
-              <a:buChar char="§"/>
-            </a:pPr>
-            <a:r>
-              <a:rPr lang="pt-BR" dirty="0">
-                <a:latin typeface="Times New Roman" panose="02020603050405020304" pitchFamily="18" charset="0"/>
-                <a:cs typeface="Times New Roman" panose="02020603050405020304" pitchFamily="18" charset="0"/>
-              </a:rPr>
-              <a:t>	Exercícios (Atividade Verificadora </a:t>
-            </a:r>
-            <a:r>
-              <a:rPr lang="pt-BR">
-                <a:latin typeface="Times New Roman" panose="02020603050405020304" pitchFamily="18" charset="0"/>
-                <a:cs typeface="Times New Roman" panose="02020603050405020304" pitchFamily="18" charset="0"/>
-              </a:rPr>
-              <a:t>de Aprendizagem)</a:t>
-            </a:r>
-            <a:endParaRPr lang="pt-BR" dirty="0">
-              <a:latin typeface="Times New Roman" panose="02020603050405020304" pitchFamily="18" charset="0"/>
-              <a:cs typeface="Times New Roman" panose="02020603050405020304" pitchFamily="18" charset="0"/>
-            </a:endParaRPr>
-          </a:p>
-          <a:p>
-            <a:pPr marL="0" indent="0" algn="just">
-              <a:buNone/>
-            </a:pPr>
-            <a:r>
-              <a:rPr lang="pt-BR" dirty="0">
-                <a:latin typeface="Times New Roman" panose="02020603050405020304" pitchFamily="18" charset="0"/>
-                <a:cs typeface="Times New Roman" panose="02020603050405020304" pitchFamily="18" charset="0"/>
-              </a:rPr>
-              <a:t> 	</a:t>
-            </a:r>
-          </a:p>
-          <a:p>
-            <a:pPr algn="just"/>
-            <a:endParaRPr lang="pt-BR" dirty="0">
-              <a:latin typeface="Times New Roman" panose="02020603050405020304" pitchFamily="18" charset="0"/>
-              <a:cs typeface="Times New Roman" panose="02020603050405020304" pitchFamily="18" charset="0"/>
-            </a:endParaRPr>
-          </a:p>
-          <a:p>
-            <a:pPr algn="just"/>
-            <a:endParaRPr lang="pt-BR" dirty="0">
-              <a:latin typeface="Times New Roman" panose="02020603050405020304" pitchFamily="18" charset="0"/>
-              <a:cs typeface="Times New Roman" panose="02020603050405020304" pitchFamily="18" charset="0"/>
-            </a:endParaRPr>
-          </a:p>
-          <a:p>
-            <a:pPr algn="just"/>
-            <a:endParaRPr lang="pt-BR" dirty="0">
-              <a:latin typeface="Calibri" panose="020F0502020204030204" pitchFamily="34" charset="0"/>
-            </a:endParaRPr>
-          </a:p>
-        </p:txBody>
-      </p:sp>
-    </p:spTree>
-    <p:extLst>
-      <p:ext uri="{BB962C8B-B14F-4D97-AF65-F5344CB8AC3E}">
-        <p14:creationId xmlns:p14="http://schemas.microsoft.com/office/powerpoint/2010/main" val="2470652989"/>
-      </p:ext>
-    </p:extLst>
-  </p:cSld>
-  <p:clrMapOvr>
-    <a:masterClrMapping/>
-  </p:clrMapOvr>
-  <p:transition spd="med"/>
-</p:sld>
-</file>
-
-<file path=ppt/slides/slide8.xml><?xml version="1.0" encoding="utf-8"?>
-<p:sld xmlns:a="http://schemas.openxmlformats.org/drawingml/2006/main" xmlns:r="http://schemas.openxmlformats.org/officeDocument/2006/relationships" xmlns:p="http://schemas.openxmlformats.org/presentationml/2006/main">
-  <p:cSld>
-    <p:spTree>
-      <p:nvGrpSpPr>
-        <p:cNvPr id="1" name=""/>
-        <p:cNvGrpSpPr/>
-        <p:nvPr/>
-      </p:nvGrpSpPr>
-      <p:grpSpPr>
-        <a:xfrm>
-          <a:off x="0" y="0"/>
-          <a:ext cx="0" cy="0"/>
-          <a:chOff x="0" y="0"/>
-          <a:chExt cx="0" cy="0"/>
-        </a:xfrm>
-      </p:grpSpPr>
-      <p:sp>
-        <p:nvSpPr>
-          <p:cNvPr id="6" name="Title 1"/>
-          <p:cNvSpPr>
-            <a:spLocks noGrp="1"/>
-          </p:cNvSpPr>
-          <p:nvPr>
-            <p:ph type="title"/>
-          </p:nvPr>
-        </p:nvSpPr>
-        <p:spPr>
-          <a:xfrm>
-            <a:off x="457200" y="205980"/>
-            <a:ext cx="8229600" cy="857251"/>
-          </a:xfrm>
-        </p:spPr>
-        <p:txBody>
-          <a:bodyPr>
-            <a:normAutofit/>
-          </a:bodyPr>
-          <a:lstStyle/>
-          <a:p>
-            <a:r>
-              <a:rPr lang="en-US" b="1" dirty="0" err="1">
-                <a:solidFill>
-                  <a:srgbClr val="0070C0"/>
-                </a:solidFill>
-              </a:rPr>
-              <a:t>Referências</a:t>
-            </a:r>
-            <a:r>
-              <a:rPr lang="en-US" b="1" dirty="0">
-                <a:solidFill>
-                  <a:srgbClr val="0070C0"/>
-                </a:solidFill>
-              </a:rPr>
-              <a:t> </a:t>
-            </a:r>
-            <a:r>
-              <a:rPr lang="en-US" b="1" dirty="0" err="1">
-                <a:solidFill>
-                  <a:srgbClr val="0070C0"/>
-                </a:solidFill>
-              </a:rPr>
-              <a:t>Bibliográficas</a:t>
-            </a:r>
-            <a:endParaRPr lang="en-US" b="1" dirty="0">
-              <a:solidFill>
-                <a:srgbClr val="0070C0"/>
-              </a:solidFill>
-            </a:endParaRPr>
-          </a:p>
-        </p:txBody>
-      </p:sp>
-      <p:sp>
-        <p:nvSpPr>
-          <p:cNvPr id="8" name="Text Placeholder 2"/>
-          <p:cNvSpPr>
-            <a:spLocks noGrp="1"/>
-          </p:cNvSpPr>
-          <p:nvPr>
-            <p:ph type="body" sz="half" idx="1"/>
-          </p:nvPr>
-        </p:nvSpPr>
-        <p:spPr>
-          <a:xfrm>
-            <a:off x="142865" y="1200151"/>
-            <a:ext cx="8865056" cy="3394472"/>
-          </a:xfrm>
-        </p:spPr>
-        <p:txBody>
-          <a:bodyPr>
-            <a:noAutofit/>
-          </a:bodyPr>
-          <a:lstStyle/>
-          <a:p>
-            <a:pPr marL="0" indent="0" algn="just">
-              <a:buNone/>
-            </a:pPr>
-            <a:r>
               <a:rPr lang="pt-BR" sz="2000" dirty="0">
                 <a:latin typeface="Times New Roman" panose="02020603050405020304" pitchFamily="18" charset="0"/>
                 <a:cs typeface="Times New Roman" panose="02020603050405020304" pitchFamily="18" charset="0"/>
               </a:rPr>
-              <a:t>[1] .</a:t>
+              <a:t>[1] MAGRANI, Eduardo. A internet das coisas. Editora FGV, 2018.</a:t>
             </a:r>
           </a:p>
           <a:p>
@@ -5345,14 +8809,11 @@
                 <a:latin typeface="Times New Roman" panose="02020603050405020304" pitchFamily="18" charset="0"/>
                 <a:cs typeface="Times New Roman" panose="02020603050405020304" pitchFamily="18" charset="0"/>
               </a:rPr>
-              <a:t>[2] </a:t>
-            </a:r>
-            <a:r>
-              <a:rPr lang="pt-BR" sz="2000" dirty="0">
-                <a:latin typeface="Calibri" panose="020F0502020204030204" pitchFamily="34" charset="0"/>
-              </a:rPr>
-              <a:t>.</a:t>
-            </a:r>
+              <a:t>[2] Pires, Paulo F., et al. "Plataformas para a internet das coisas." Minicursos SBRC-Simpósio Brasileiro de Redes de Computadores e Sistemas Distribuídos (2015).</a:t>
+            </a:r>
+            <a:endParaRPr lang="pt-BR" sz="2000" dirty="0">
+              <a:latin typeface="Calibri" panose="020F0502020204030204" pitchFamily="34" charset="0"/>
+            </a:endParaRPr>
           </a:p>
           <a:p>
             <a:pPr marL="0" indent="0" algn="just">
@@ -5370,7 +8831,98 @@
               <a:rPr lang="pt-BR" sz="2000" dirty="0">
                 <a:latin typeface="Calibri" panose="020F0502020204030204" pitchFamily="34" charset="0"/>
               </a:rPr>
-              <a:t>[3] .</a:t>
+              <a:t>[3] </a:t>
+            </a:r>
+            <a:r>
+              <a:rPr lang="pt-BR" sz="2000" dirty="0" err="1">
+                <a:latin typeface="Calibri" panose="020F0502020204030204" pitchFamily="34" charset="0"/>
+              </a:rPr>
+              <a:t>Carrion</a:t>
+            </a:r>
+            <a:r>
+              <a:rPr lang="pt-BR" sz="2000" dirty="0">
+                <a:latin typeface="Calibri" panose="020F0502020204030204" pitchFamily="34" charset="0"/>
+              </a:rPr>
+              <a:t>, Patrícia, </a:t>
+            </a:r>
+            <a:r>
+              <a:rPr lang="pt-BR" sz="2000" dirty="0" err="1">
+                <a:latin typeface="Calibri" panose="020F0502020204030204" pitchFamily="34" charset="0"/>
+              </a:rPr>
+              <a:t>and</a:t>
+            </a:r>
+            <a:r>
+              <a:rPr lang="pt-BR" sz="2000" dirty="0">
+                <a:latin typeface="Calibri" panose="020F0502020204030204" pitchFamily="34" charset="0"/>
+              </a:rPr>
+              <a:t> Manuela Quaresma. "Internet da Coisas (</a:t>
+            </a:r>
+            <a:r>
+              <a:rPr lang="pt-BR" sz="2000" dirty="0" err="1">
+                <a:latin typeface="Calibri" panose="020F0502020204030204" pitchFamily="34" charset="0"/>
+              </a:rPr>
+              <a:t>IoT</a:t>
+            </a:r>
+            <a:r>
+              <a:rPr lang="pt-BR" sz="2000" dirty="0">
+                <a:latin typeface="Calibri" panose="020F0502020204030204" pitchFamily="34" charset="0"/>
+              </a:rPr>
+              <a:t>): Definições e aplicabilidade aos usuários finais." </a:t>
+            </a:r>
+            <a:r>
+              <a:rPr lang="pt-BR" sz="2000" dirty="0" err="1">
+                <a:latin typeface="Calibri" panose="020F0502020204030204" pitchFamily="34" charset="0"/>
+              </a:rPr>
+              <a:t>Human</a:t>
+            </a:r>
+            <a:r>
+              <a:rPr lang="pt-BR" sz="2000" dirty="0">
+                <a:latin typeface="Calibri" panose="020F0502020204030204" pitchFamily="34" charset="0"/>
+              </a:rPr>
+              <a:t> </a:t>
+            </a:r>
+            <a:r>
+              <a:rPr lang="pt-BR" sz="2000" dirty="0" err="1">
+                <a:latin typeface="Calibri" panose="020F0502020204030204" pitchFamily="34" charset="0"/>
+              </a:rPr>
+              <a:t>Factors</a:t>
+            </a:r>
+            <a:r>
+              <a:rPr lang="pt-BR" sz="2000" dirty="0">
+                <a:latin typeface="Calibri" panose="020F0502020204030204" pitchFamily="34" charset="0"/>
+              </a:rPr>
+              <a:t> in Design 8.15 (2019): 049-066.</a:t>
+            </a:r>
+          </a:p>
+          <a:p>
+            <a:pPr marL="0" indent="0" algn="just">
+              <a:buNone/>
+            </a:pPr>
+            <a:endParaRPr lang="pt-BR" sz="2000" dirty="0">
+              <a:latin typeface="Calibri" panose="020F0502020204030204" pitchFamily="34" charset="0"/>
+            </a:endParaRPr>
+          </a:p>
+          <a:p>
+            <a:pPr marL="0" indent="0" algn="just">
+              <a:buNone/>
+            </a:pPr>
+            <a:r>
+              <a:rPr lang="pt-BR" sz="2000" dirty="0">
+                <a:latin typeface="Calibri" panose="020F0502020204030204" pitchFamily="34" charset="0"/>
+              </a:rPr>
+              <a:t>[4] Santos, Bruno P., et al. "Internet das coisas: da teoria à prática." Minicursos SBRC-Simpósio Brasileiro de Redes de Computadores e Sistemas </a:t>
+            </a:r>
+            <a:r>
+              <a:rPr lang="pt-BR" sz="2000" dirty="0" err="1">
+                <a:latin typeface="Calibri" panose="020F0502020204030204" pitchFamily="34" charset="0"/>
+              </a:rPr>
+              <a:t>Distribuıdos</a:t>
+            </a:r>
+            <a:r>
+              <a:rPr lang="pt-BR" sz="2000" dirty="0">
+                <a:latin typeface="Calibri" panose="020F0502020204030204" pitchFamily="34" charset="0"/>
+              </a:rPr>
+              <a:t> 31 (2016): 16.</a:t>
             </a:r>
           </a:p>
         </p:txBody>
@@ -5389,7 +8941,7 @@
 </p:sld>
 </file>
 
-<file path=ppt/slides/slide9.xml><?xml version="1.0" encoding="utf-8"?>
+<file path=ppt/slides/slide23.xml><?xml version="1.0" encoding="utf-8"?>
 <p:sld xmlns:a="http://schemas.openxmlformats.org/drawingml/2006/main" xmlns:r="http://schemas.openxmlformats.org/officeDocument/2006/relationships" xmlns:p="http://schemas.openxmlformats.org/presentationml/2006/main">
   <p:cSld>
     <p:spTree>
@@ -5784,12 +9336,12 @@
               <a:t>Professor </a:t>
             </a:r>
             <a:r>
-              <a:rPr lang="pt-BR" sz="2000" b="1">
+              <a:rPr lang="pt-BR" sz="2000" b="1" dirty="0" err="1">
                 <a:solidFill>
                   <a:schemeClr val="bg1"/>
                 </a:solidFill>
               </a:rPr>
-              <a:t>M.Sc</a:t>
+              <a:t>MSc</a:t>
             </a:r>
             <a:r>
               <a:rPr lang="pt-BR" sz="2000" b="1" dirty="0">
@@ -5807,7 +9359,7 @@
           <p:cNvPr id="2" name="Google Shape;62;p1" descr="Imagem">
             <a:extLst>
               <a:ext uri="{FF2B5EF4-FFF2-40B4-BE49-F238E27FC236}">
-                <a16:creationId xmlns:a16="http://schemas.microsoft.com/office/drawing/2014/main" id="{9C895622-2963-024D-634E-EA58F5381D06}"/>
+                <a16:creationId xmlns:a16="http://schemas.microsoft.com/office/drawing/2014/main" id="{D9A56D89-1300-762A-5BD5-16B3C4E9985C}"/>
               </a:ext>
             </a:extLst>
           </p:cNvPr>
@@ -5836,6 +9388,2096 @@
         </p:spPr>
       </p:pic>
     </p:spTree>
+    <p:extLst>
+      <p:ext uri="{BB962C8B-B14F-4D97-AF65-F5344CB8AC3E}">
+        <p14:creationId xmlns:p14="http://schemas.microsoft.com/office/powerpoint/2010/main" val="3389196989"/>
+      </p:ext>
+    </p:extLst>
+  </p:cSld>
+  <p:clrMapOvr>
+    <a:masterClrMapping/>
+  </p:clrMapOvr>
+  <p:transition spd="med"/>
+</p:sld>
+</file>
+
+<file path=ppt/slides/slide3.xml><?xml version="1.0" encoding="utf-8"?>
+<p:sld xmlns:a="http://schemas.openxmlformats.org/drawingml/2006/main" xmlns:r="http://schemas.openxmlformats.org/officeDocument/2006/relationships" xmlns:p="http://schemas.openxmlformats.org/presentationml/2006/main">
+  <p:cSld>
+    <p:spTree>
+      <p:nvGrpSpPr>
+        <p:cNvPr id="1" name=""/>
+        <p:cNvGrpSpPr/>
+        <p:nvPr/>
+      </p:nvGrpSpPr>
+      <p:grpSpPr>
+        <a:xfrm>
+          <a:off x="0" y="0"/>
+          <a:ext cx="0" cy="0"/>
+          <a:chOff x="0" y="0"/>
+          <a:chExt cx="0" cy="0"/>
+        </a:xfrm>
+      </p:grpSpPr>
+      <p:sp>
+        <p:nvSpPr>
+          <p:cNvPr id="6" name="Title 1"/>
+          <p:cNvSpPr>
+            <a:spLocks noGrp="1"/>
+          </p:cNvSpPr>
+          <p:nvPr>
+            <p:ph type="title"/>
+          </p:nvPr>
+        </p:nvSpPr>
+        <p:spPr>
+          <a:xfrm>
+            <a:off x="457200" y="205980"/>
+            <a:ext cx="8229600" cy="857251"/>
+          </a:xfrm>
+        </p:spPr>
+        <p:txBody>
+          <a:bodyPr>
+            <a:normAutofit/>
+          </a:bodyPr>
+          <a:lstStyle/>
+          <a:p>
+            <a:r>
+              <a:rPr lang="en-US" b="1" dirty="0" err="1">
+                <a:solidFill>
+                  <a:srgbClr val="0070C0"/>
+                </a:solidFill>
+              </a:rPr>
+              <a:t>Contextualização</a:t>
+            </a:r>
+            <a:r>
+              <a:rPr lang="en-US" b="1" dirty="0">
+                <a:solidFill>
+                  <a:srgbClr val="0070C0"/>
+                </a:solidFill>
+              </a:rPr>
+              <a:t> </a:t>
+            </a:r>
+            <a:r>
+              <a:rPr lang="pt-BR" b="1" dirty="0" err="1">
+                <a:solidFill>
+                  <a:srgbClr val="0070C0"/>
+                </a:solidFill>
+              </a:rPr>
+              <a:t>IoT</a:t>
+            </a:r>
+            <a:endParaRPr lang="en-US" b="1" dirty="0">
+              <a:solidFill>
+                <a:srgbClr val="0070C0"/>
+              </a:solidFill>
+            </a:endParaRPr>
+          </a:p>
+        </p:txBody>
+      </p:sp>
+      <p:sp>
+        <p:nvSpPr>
+          <p:cNvPr id="8" name="Text Placeholder 2"/>
+          <p:cNvSpPr>
+            <a:spLocks noGrp="1"/>
+          </p:cNvSpPr>
+          <p:nvPr>
+            <p:ph type="body" sz="half" idx="1"/>
+          </p:nvPr>
+        </p:nvSpPr>
+        <p:spPr>
+          <a:xfrm>
+            <a:off x="142865" y="1200150"/>
+            <a:ext cx="8865056" cy="3737370"/>
+          </a:xfrm>
+        </p:spPr>
+        <p:txBody>
+          <a:bodyPr>
+            <a:noAutofit/>
+          </a:bodyPr>
+          <a:lstStyle/>
+          <a:p>
+            <a:pPr marL="0" indent="0" algn="just">
+              <a:buNone/>
+            </a:pPr>
+            <a:r>
+              <a:rPr lang="pt-BR" sz="2000" dirty="0">
+                <a:solidFill>
+                  <a:schemeClr val="tx1"/>
+                </a:solidFill>
+                <a:latin typeface="Times New Roman" panose="02020603050405020304" pitchFamily="18" charset="0"/>
+                <a:cs typeface="Times New Roman" panose="02020603050405020304" pitchFamily="18" charset="0"/>
+              </a:rPr>
+              <a:t>A </a:t>
+            </a:r>
+            <a:r>
+              <a:rPr lang="pt-BR" sz="2000" b="1" dirty="0">
+                <a:solidFill>
+                  <a:srgbClr val="FF0000"/>
+                </a:solidFill>
+                <a:latin typeface="Times New Roman" panose="02020603050405020304" pitchFamily="18" charset="0"/>
+                <a:cs typeface="Times New Roman" panose="02020603050405020304" pitchFamily="18" charset="0"/>
+              </a:rPr>
+              <a:t>Internet </a:t>
+            </a:r>
+            <a:r>
+              <a:rPr lang="pt-BR" sz="2000" b="1" dirty="0" err="1">
+                <a:solidFill>
+                  <a:srgbClr val="FF0000"/>
+                </a:solidFill>
+                <a:latin typeface="Times New Roman" panose="02020603050405020304" pitchFamily="18" charset="0"/>
+                <a:cs typeface="Times New Roman" panose="02020603050405020304" pitchFamily="18" charset="0"/>
+              </a:rPr>
+              <a:t>of</a:t>
+            </a:r>
+            <a:r>
+              <a:rPr lang="pt-BR" sz="2000" b="1" dirty="0">
+                <a:solidFill>
+                  <a:srgbClr val="FF0000"/>
+                </a:solidFill>
+                <a:latin typeface="Times New Roman" panose="02020603050405020304" pitchFamily="18" charset="0"/>
+                <a:cs typeface="Times New Roman" panose="02020603050405020304" pitchFamily="18" charset="0"/>
+              </a:rPr>
+              <a:t> </a:t>
+            </a:r>
+            <a:r>
+              <a:rPr lang="pt-BR" sz="2000" b="1" dirty="0" err="1">
+                <a:solidFill>
+                  <a:srgbClr val="FF0000"/>
+                </a:solidFill>
+                <a:latin typeface="Times New Roman" panose="02020603050405020304" pitchFamily="18" charset="0"/>
+                <a:cs typeface="Times New Roman" panose="02020603050405020304" pitchFamily="18" charset="0"/>
+              </a:rPr>
+              <a:t>Things</a:t>
+            </a:r>
+            <a:r>
+              <a:rPr lang="pt-BR" sz="2000" b="1" dirty="0">
+                <a:solidFill>
+                  <a:srgbClr val="FF0000"/>
+                </a:solidFill>
+                <a:latin typeface="Times New Roman" panose="02020603050405020304" pitchFamily="18" charset="0"/>
+                <a:cs typeface="Times New Roman" panose="02020603050405020304" pitchFamily="18" charset="0"/>
+              </a:rPr>
+              <a:t> (</a:t>
+            </a:r>
+            <a:r>
+              <a:rPr lang="pt-BR" sz="2000" b="1" dirty="0" err="1">
+                <a:solidFill>
+                  <a:srgbClr val="FF0000"/>
+                </a:solidFill>
+                <a:latin typeface="Times New Roman" panose="02020603050405020304" pitchFamily="18" charset="0"/>
+                <a:cs typeface="Times New Roman" panose="02020603050405020304" pitchFamily="18" charset="0"/>
+              </a:rPr>
+              <a:t>IoT</a:t>
+            </a:r>
+            <a:r>
+              <a:rPr lang="pt-BR" sz="2000" b="1" dirty="0">
+                <a:solidFill>
+                  <a:srgbClr val="FF0000"/>
+                </a:solidFill>
+                <a:latin typeface="Times New Roman" panose="02020603050405020304" pitchFamily="18" charset="0"/>
+                <a:cs typeface="Times New Roman" panose="02020603050405020304" pitchFamily="18" charset="0"/>
+              </a:rPr>
+              <a:t>)</a:t>
+            </a:r>
+            <a:r>
+              <a:rPr lang="pt-BR" sz="2000" dirty="0">
+                <a:solidFill>
+                  <a:schemeClr val="tx1"/>
+                </a:solidFill>
+                <a:latin typeface="Times New Roman" panose="02020603050405020304" pitchFamily="18" charset="0"/>
+                <a:cs typeface="Times New Roman" panose="02020603050405020304" pitchFamily="18" charset="0"/>
+              </a:rPr>
+              <a:t> se refere ao processo de conectar objetos físicos do dia a dia à Internet, incluindo objetos domésticos comuns, como lâmpadas, dispositivos médicos e acessórios, dispositivos </a:t>
+            </a:r>
+            <a:r>
+              <a:rPr lang="pt-BR" sz="2000" dirty="0" err="1">
+                <a:solidFill>
+                  <a:schemeClr val="tx1"/>
+                </a:solidFill>
+                <a:latin typeface="Times New Roman" panose="02020603050405020304" pitchFamily="18" charset="0"/>
+                <a:cs typeface="Times New Roman" panose="02020603050405020304" pitchFamily="18" charset="0"/>
+              </a:rPr>
+              <a:t>smart</a:t>
+            </a:r>
+            <a:r>
+              <a:rPr lang="pt-BR" sz="2000" dirty="0">
+                <a:solidFill>
+                  <a:schemeClr val="tx1"/>
+                </a:solidFill>
+                <a:latin typeface="Times New Roman" panose="02020603050405020304" pitchFamily="18" charset="0"/>
+                <a:cs typeface="Times New Roman" panose="02020603050405020304" pitchFamily="18" charset="0"/>
+              </a:rPr>
+              <a:t> e até mesmo cidades inteligentes.</a:t>
+            </a:r>
+          </a:p>
+          <a:p>
+            <a:pPr marL="0" indent="0" algn="just">
+              <a:buNone/>
+            </a:pPr>
+            <a:endParaRPr lang="pt-BR" sz="2000" dirty="0">
+              <a:solidFill>
+                <a:schemeClr val="tx1"/>
+              </a:solidFill>
+              <a:latin typeface="Times New Roman" panose="02020603050405020304" pitchFamily="18" charset="0"/>
+              <a:cs typeface="Times New Roman" panose="02020603050405020304" pitchFamily="18" charset="0"/>
+            </a:endParaRPr>
+          </a:p>
+          <a:p>
+            <a:pPr marL="0" indent="0" algn="just">
+              <a:buNone/>
+            </a:pPr>
+            <a:r>
+              <a:rPr lang="pt-BR" sz="2000" dirty="0">
+                <a:solidFill>
+                  <a:schemeClr val="tx1"/>
+                </a:solidFill>
+                <a:latin typeface="Times New Roman" panose="02020603050405020304" pitchFamily="18" charset="0"/>
+                <a:cs typeface="Times New Roman" panose="02020603050405020304" pitchFamily="18" charset="0"/>
+              </a:rPr>
+              <a:t>Os dispositivos </a:t>
+            </a:r>
+            <a:r>
+              <a:rPr lang="pt-BR" sz="2000" dirty="0" err="1">
+                <a:solidFill>
+                  <a:schemeClr val="tx1"/>
+                </a:solidFill>
+                <a:latin typeface="Times New Roman" panose="02020603050405020304" pitchFamily="18" charset="0"/>
+                <a:cs typeface="Times New Roman" panose="02020603050405020304" pitchFamily="18" charset="0"/>
+              </a:rPr>
+              <a:t>IoT</a:t>
+            </a:r>
+            <a:r>
+              <a:rPr lang="pt-BR" sz="2000" dirty="0">
+                <a:solidFill>
+                  <a:schemeClr val="tx1"/>
+                </a:solidFill>
+                <a:latin typeface="Times New Roman" panose="02020603050405020304" pitchFamily="18" charset="0"/>
+                <a:cs typeface="Times New Roman" panose="02020603050405020304" pitchFamily="18" charset="0"/>
+              </a:rPr>
+              <a:t> colocados nesses objetos físicos se enquadram principalmente em 1 de 2 </a:t>
+            </a:r>
+            <a:r>
+              <a:rPr lang="pt-BR" sz="2000" b="1" dirty="0">
+                <a:solidFill>
+                  <a:srgbClr val="FF0000"/>
+                </a:solidFill>
+                <a:latin typeface="Times New Roman" panose="02020603050405020304" pitchFamily="18" charset="0"/>
+                <a:cs typeface="Times New Roman" panose="02020603050405020304" pitchFamily="18" charset="0"/>
+              </a:rPr>
+              <a:t>categorias</a:t>
+            </a:r>
+            <a:r>
+              <a:rPr lang="pt-BR" sz="2000" dirty="0">
+                <a:solidFill>
+                  <a:schemeClr val="tx1"/>
+                </a:solidFill>
+                <a:latin typeface="Times New Roman" panose="02020603050405020304" pitchFamily="18" charset="0"/>
+                <a:cs typeface="Times New Roman" panose="02020603050405020304" pitchFamily="18" charset="0"/>
+              </a:rPr>
+              <a:t>: eles são um </a:t>
+            </a:r>
+            <a:r>
+              <a:rPr lang="pt-BR" sz="2000" b="1" dirty="0">
+                <a:solidFill>
+                  <a:srgbClr val="FF0000"/>
+                </a:solidFill>
+                <a:latin typeface="Times New Roman" panose="02020603050405020304" pitchFamily="18" charset="0"/>
+                <a:cs typeface="Times New Roman" panose="02020603050405020304" pitchFamily="18" charset="0"/>
+              </a:rPr>
+              <a:t>switch</a:t>
+            </a:r>
+            <a:r>
+              <a:rPr lang="pt-BR" sz="2000" dirty="0">
+                <a:solidFill>
+                  <a:schemeClr val="tx1"/>
+                </a:solidFill>
+                <a:latin typeface="Times New Roman" panose="02020603050405020304" pitchFamily="18" charset="0"/>
+                <a:cs typeface="Times New Roman" panose="02020603050405020304" pitchFamily="18" charset="0"/>
+              </a:rPr>
+              <a:t> (que envia um comando para alguma coisa) ou um </a:t>
+            </a:r>
+            <a:r>
+              <a:rPr lang="pt-BR" sz="2000" b="1" dirty="0">
+                <a:solidFill>
+                  <a:srgbClr val="FF0000"/>
+                </a:solidFill>
+                <a:latin typeface="Times New Roman" panose="02020603050405020304" pitchFamily="18" charset="0"/>
+                <a:cs typeface="Times New Roman" panose="02020603050405020304" pitchFamily="18" charset="0"/>
+              </a:rPr>
+              <a:t>sensor</a:t>
+            </a:r>
+            <a:r>
+              <a:rPr lang="pt-BR" sz="2000" dirty="0">
+                <a:solidFill>
+                  <a:schemeClr val="tx1"/>
+                </a:solidFill>
+                <a:latin typeface="Times New Roman" panose="02020603050405020304" pitchFamily="18" charset="0"/>
+                <a:cs typeface="Times New Roman" panose="02020603050405020304" pitchFamily="18" charset="0"/>
+              </a:rPr>
+              <a:t> (que coleta dados e os envia para outro lugar).</a:t>
+            </a:r>
+          </a:p>
+        </p:txBody>
+      </p:sp>
+    </p:spTree>
+    <p:extLst>
+      <p:ext uri="{BB962C8B-B14F-4D97-AF65-F5344CB8AC3E}">
+        <p14:creationId xmlns:p14="http://schemas.microsoft.com/office/powerpoint/2010/main" val="1362980025"/>
+      </p:ext>
+    </p:extLst>
+  </p:cSld>
+  <p:clrMapOvr>
+    <a:masterClrMapping/>
+  </p:clrMapOvr>
+  <p:transition spd="med"/>
+</p:sld>
+</file>
+
+<file path=ppt/slides/slide4.xml><?xml version="1.0" encoding="utf-8"?>
+<p:sld xmlns:a="http://schemas.openxmlformats.org/drawingml/2006/main" xmlns:r="http://schemas.openxmlformats.org/officeDocument/2006/relationships" xmlns:p="http://schemas.openxmlformats.org/presentationml/2006/main">
+  <p:cSld>
+    <p:spTree>
+      <p:nvGrpSpPr>
+        <p:cNvPr id="1" name=""/>
+        <p:cNvGrpSpPr/>
+        <p:nvPr/>
+      </p:nvGrpSpPr>
+      <p:grpSpPr>
+        <a:xfrm>
+          <a:off x="0" y="0"/>
+          <a:ext cx="0" cy="0"/>
+          <a:chOff x="0" y="0"/>
+          <a:chExt cx="0" cy="0"/>
+        </a:xfrm>
+      </p:grpSpPr>
+      <p:sp>
+        <p:nvSpPr>
+          <p:cNvPr id="6" name="Title 1"/>
+          <p:cNvSpPr>
+            <a:spLocks noGrp="1"/>
+          </p:cNvSpPr>
+          <p:nvPr>
+            <p:ph type="title"/>
+          </p:nvPr>
+        </p:nvSpPr>
+        <p:spPr>
+          <a:xfrm>
+            <a:off x="457200" y="205980"/>
+            <a:ext cx="8229600" cy="857251"/>
+          </a:xfrm>
+        </p:spPr>
+        <p:txBody>
+          <a:bodyPr>
+            <a:normAutofit/>
+          </a:bodyPr>
+          <a:lstStyle/>
+          <a:p>
+            <a:r>
+              <a:rPr lang="en-US" b="1" dirty="0" err="1">
+                <a:solidFill>
+                  <a:srgbClr val="0070C0"/>
+                </a:solidFill>
+              </a:rPr>
+              <a:t>Definição</a:t>
+            </a:r>
+            <a:r>
+              <a:rPr lang="en-US" b="1" dirty="0">
+                <a:solidFill>
+                  <a:srgbClr val="0070C0"/>
+                </a:solidFill>
+              </a:rPr>
+              <a:t> </a:t>
+            </a:r>
+            <a:r>
+              <a:rPr lang="pt-BR" b="1" dirty="0" err="1">
+                <a:solidFill>
+                  <a:srgbClr val="0070C0"/>
+                </a:solidFill>
+              </a:rPr>
+              <a:t>IoT</a:t>
+            </a:r>
+            <a:endParaRPr lang="en-US" b="1" dirty="0">
+              <a:solidFill>
+                <a:srgbClr val="0070C0"/>
+              </a:solidFill>
+            </a:endParaRPr>
+          </a:p>
+        </p:txBody>
+      </p:sp>
+      <p:sp>
+        <p:nvSpPr>
+          <p:cNvPr id="8" name="Text Placeholder 2"/>
+          <p:cNvSpPr>
+            <a:spLocks noGrp="1"/>
+          </p:cNvSpPr>
+          <p:nvPr>
+            <p:ph type="body" sz="half" idx="1"/>
+          </p:nvPr>
+        </p:nvSpPr>
+        <p:spPr>
+          <a:xfrm>
+            <a:off x="142865" y="1200150"/>
+            <a:ext cx="8865056" cy="3737370"/>
+          </a:xfrm>
+        </p:spPr>
+        <p:txBody>
+          <a:bodyPr>
+            <a:noAutofit/>
+          </a:bodyPr>
+          <a:lstStyle/>
+          <a:p>
+            <a:pPr marL="0" indent="0" algn="just">
+              <a:buNone/>
+            </a:pPr>
+            <a:r>
+              <a:rPr lang="pt-BR" sz="2000" dirty="0">
+                <a:solidFill>
+                  <a:schemeClr val="tx1"/>
+                </a:solidFill>
+                <a:latin typeface="Times New Roman" panose="02020603050405020304" pitchFamily="18" charset="0"/>
+                <a:cs typeface="Times New Roman" panose="02020603050405020304" pitchFamily="18" charset="0"/>
+              </a:rPr>
+              <a:t>Internet das Coisas inclui qualquer objeto ou “coisa” que possa ser conectada sem fio a uma rede de Internet. </a:t>
+            </a:r>
+          </a:p>
+          <a:p>
+            <a:pPr marL="0" indent="0" algn="just">
+              <a:buNone/>
+            </a:pPr>
+            <a:endParaRPr lang="pt-BR" sz="2000" dirty="0">
+              <a:solidFill>
+                <a:schemeClr val="tx1"/>
+              </a:solidFill>
+              <a:latin typeface="Times New Roman" panose="02020603050405020304" pitchFamily="18" charset="0"/>
+              <a:cs typeface="Times New Roman" panose="02020603050405020304" pitchFamily="18" charset="0"/>
+            </a:endParaRPr>
+          </a:p>
+          <a:p>
+            <a:pPr marL="0" indent="0" algn="just">
+              <a:buNone/>
+            </a:pPr>
+            <a:r>
+              <a:rPr lang="pt-BR" sz="2000" dirty="0">
+                <a:solidFill>
+                  <a:schemeClr val="tx1"/>
+                </a:solidFill>
+                <a:latin typeface="Times New Roman" panose="02020603050405020304" pitchFamily="18" charset="0"/>
+                <a:cs typeface="Times New Roman" panose="02020603050405020304" pitchFamily="18" charset="0"/>
+              </a:rPr>
+              <a:t>Hoje, a </a:t>
+            </a:r>
+            <a:r>
+              <a:rPr lang="pt-BR" sz="2000" dirty="0" err="1">
+                <a:solidFill>
+                  <a:schemeClr val="tx1"/>
+                </a:solidFill>
+                <a:latin typeface="Times New Roman" panose="02020603050405020304" pitchFamily="18" charset="0"/>
+                <a:cs typeface="Times New Roman" panose="02020603050405020304" pitchFamily="18" charset="0"/>
+              </a:rPr>
+              <a:t>IoT</a:t>
+            </a:r>
+            <a:r>
+              <a:rPr lang="pt-BR" sz="2000" dirty="0">
+                <a:solidFill>
+                  <a:schemeClr val="tx1"/>
+                </a:solidFill>
+                <a:latin typeface="Times New Roman" panose="02020603050405020304" pitchFamily="18" charset="0"/>
+                <a:cs typeface="Times New Roman" panose="02020603050405020304" pitchFamily="18" charset="0"/>
+              </a:rPr>
+              <a:t> passou a significar mais especificamente coisas conectadas e equipadas com sensores, software e outras tecnologias para transmitir e receber dados com a finalidade de informar os usuários ou automatizar uma ação.</a:t>
+            </a:r>
+          </a:p>
+          <a:p>
+            <a:pPr marL="0" indent="0" algn="just">
+              <a:buNone/>
+            </a:pPr>
+            <a:endParaRPr lang="pt-BR" sz="2000" dirty="0">
+              <a:solidFill>
+                <a:schemeClr val="tx1"/>
+              </a:solidFill>
+              <a:latin typeface="Times New Roman" panose="02020603050405020304" pitchFamily="18" charset="0"/>
+              <a:cs typeface="Times New Roman" panose="02020603050405020304" pitchFamily="18" charset="0"/>
+            </a:endParaRPr>
+          </a:p>
+          <a:p>
+            <a:pPr marL="0" indent="0" algn="just">
+              <a:buNone/>
+            </a:pPr>
+            <a:r>
+              <a:rPr lang="pt-BR" sz="2000" b="1" dirty="0">
+                <a:solidFill>
+                  <a:srgbClr val="FF0000"/>
+                </a:solidFill>
+                <a:latin typeface="Times New Roman" panose="02020603050405020304" pitchFamily="18" charset="0"/>
+                <a:cs typeface="Times New Roman" panose="02020603050405020304" pitchFamily="18" charset="0"/>
+              </a:rPr>
+              <a:t>Conectividade Wi-Fi -&gt; 5G/Plataformas de Rede -&gt; Big Data.</a:t>
+            </a:r>
+          </a:p>
+          <a:p>
+            <a:pPr marL="0" indent="0" algn="just">
+              <a:buNone/>
+            </a:pPr>
+            <a:endParaRPr lang="pt-BR" sz="2000" dirty="0">
+              <a:solidFill>
+                <a:schemeClr val="tx1"/>
+              </a:solidFill>
+              <a:latin typeface="Times New Roman" panose="02020603050405020304" pitchFamily="18" charset="0"/>
+              <a:cs typeface="Times New Roman" panose="02020603050405020304" pitchFamily="18" charset="0"/>
+            </a:endParaRPr>
+          </a:p>
+        </p:txBody>
+      </p:sp>
+    </p:spTree>
+    <p:extLst>
+      <p:ext uri="{BB962C8B-B14F-4D97-AF65-F5344CB8AC3E}">
+        <p14:creationId xmlns:p14="http://schemas.microsoft.com/office/powerpoint/2010/main" val="2806900060"/>
+      </p:ext>
+    </p:extLst>
+  </p:cSld>
+  <p:clrMapOvr>
+    <a:masterClrMapping/>
+  </p:clrMapOvr>
+  <p:transition spd="med"/>
+</p:sld>
+</file>
+
+<file path=ppt/slides/slide5.xml><?xml version="1.0" encoding="utf-8"?>
+<p:sld xmlns:a="http://schemas.openxmlformats.org/drawingml/2006/main" xmlns:r="http://schemas.openxmlformats.org/officeDocument/2006/relationships" xmlns:p="http://schemas.openxmlformats.org/presentationml/2006/main">
+  <p:cSld>
+    <p:spTree>
+      <p:nvGrpSpPr>
+        <p:cNvPr id="1" name=""/>
+        <p:cNvGrpSpPr/>
+        <p:nvPr/>
+      </p:nvGrpSpPr>
+      <p:grpSpPr>
+        <a:xfrm>
+          <a:off x="0" y="0"/>
+          <a:ext cx="0" cy="0"/>
+          <a:chOff x="0" y="0"/>
+          <a:chExt cx="0" cy="0"/>
+        </a:xfrm>
+      </p:grpSpPr>
+      <p:sp>
+        <p:nvSpPr>
+          <p:cNvPr id="6" name="Title 1"/>
+          <p:cNvSpPr>
+            <a:spLocks noGrp="1"/>
+          </p:cNvSpPr>
+          <p:nvPr>
+            <p:ph type="title"/>
+          </p:nvPr>
+        </p:nvSpPr>
+        <p:spPr>
+          <a:xfrm>
+            <a:off x="457200" y="205980"/>
+            <a:ext cx="8229600" cy="857251"/>
+          </a:xfrm>
+        </p:spPr>
+        <p:txBody>
+          <a:bodyPr>
+            <a:normAutofit/>
+          </a:bodyPr>
+          <a:lstStyle/>
+          <a:p>
+            <a:r>
+              <a:rPr lang="pt-BR" b="1" dirty="0">
+                <a:solidFill>
+                  <a:srgbClr val="0070C0"/>
+                </a:solidFill>
+              </a:rPr>
+              <a:t>Funcionamento </a:t>
+            </a:r>
+            <a:r>
+              <a:rPr lang="pt-BR" b="1" dirty="0" err="1">
+                <a:solidFill>
+                  <a:srgbClr val="0070C0"/>
+                </a:solidFill>
+              </a:rPr>
+              <a:t>IoT</a:t>
+            </a:r>
+            <a:endParaRPr lang="en-US" b="1" dirty="0">
+              <a:solidFill>
+                <a:srgbClr val="0070C0"/>
+              </a:solidFill>
+            </a:endParaRPr>
+          </a:p>
+        </p:txBody>
+      </p:sp>
+      <p:sp>
+        <p:nvSpPr>
+          <p:cNvPr id="8" name="Text Placeholder 2"/>
+          <p:cNvSpPr>
+            <a:spLocks noGrp="1"/>
+          </p:cNvSpPr>
+          <p:nvPr>
+            <p:ph type="body" sz="half" idx="1"/>
+          </p:nvPr>
+        </p:nvSpPr>
+        <p:spPr>
+          <a:xfrm>
+            <a:off x="142865" y="1200150"/>
+            <a:ext cx="8865056" cy="3737370"/>
+          </a:xfrm>
+        </p:spPr>
+        <p:txBody>
+          <a:bodyPr>
+            <a:noAutofit/>
+          </a:bodyPr>
+          <a:lstStyle/>
+          <a:p>
+            <a:pPr marL="0" indent="0" algn="just">
+              <a:buNone/>
+            </a:pPr>
+            <a:r>
+              <a:rPr lang="pt-BR" sz="2000" dirty="0">
+                <a:solidFill>
+                  <a:schemeClr val="tx1"/>
+                </a:solidFill>
+                <a:latin typeface="Times New Roman" panose="02020603050405020304" pitchFamily="18" charset="0"/>
+                <a:cs typeface="Times New Roman" panose="02020603050405020304" pitchFamily="18" charset="0"/>
+              </a:rPr>
+              <a:t>A </a:t>
+            </a:r>
+            <a:r>
+              <a:rPr lang="pt-BR" sz="2000" b="1" dirty="0" err="1">
+                <a:solidFill>
+                  <a:schemeClr val="tx1"/>
+                </a:solidFill>
+                <a:latin typeface="Times New Roman" panose="02020603050405020304" pitchFamily="18" charset="0"/>
+                <a:cs typeface="Times New Roman" panose="02020603050405020304" pitchFamily="18" charset="0"/>
+              </a:rPr>
+              <a:t>IoT</a:t>
+            </a:r>
+            <a:r>
+              <a:rPr lang="pt-BR" sz="2000" dirty="0">
+                <a:solidFill>
+                  <a:schemeClr val="tx1"/>
+                </a:solidFill>
+                <a:latin typeface="Times New Roman" panose="02020603050405020304" pitchFamily="18" charset="0"/>
+                <a:cs typeface="Times New Roman" panose="02020603050405020304" pitchFamily="18" charset="0"/>
+              </a:rPr>
+              <a:t> se refere a qualquer sistema de </a:t>
+            </a:r>
+            <a:r>
+              <a:rPr lang="pt-BR" sz="2000" b="1" dirty="0">
+                <a:solidFill>
+                  <a:srgbClr val="FF0000"/>
+                </a:solidFill>
+                <a:latin typeface="Times New Roman" panose="02020603050405020304" pitchFamily="18" charset="0"/>
+                <a:cs typeface="Times New Roman" panose="02020603050405020304" pitchFamily="18" charset="0"/>
+              </a:rPr>
+              <a:t>dispositivos físicos que recebem e transferem dados</a:t>
+            </a:r>
+            <a:r>
+              <a:rPr lang="pt-BR" sz="2000" dirty="0">
+                <a:solidFill>
+                  <a:schemeClr val="tx1"/>
+                </a:solidFill>
+                <a:latin typeface="Times New Roman" panose="02020603050405020304" pitchFamily="18" charset="0"/>
+                <a:cs typeface="Times New Roman" panose="02020603050405020304" pitchFamily="18" charset="0"/>
+              </a:rPr>
+              <a:t> por </a:t>
+            </a:r>
+            <a:r>
+              <a:rPr lang="pt-BR" sz="2000" b="1" dirty="0">
+                <a:solidFill>
+                  <a:schemeClr val="tx1"/>
+                </a:solidFill>
+                <a:latin typeface="Times New Roman" panose="02020603050405020304" pitchFamily="18" charset="0"/>
+                <a:cs typeface="Times New Roman" panose="02020603050405020304" pitchFamily="18" charset="0"/>
+              </a:rPr>
+              <a:t>redes sem fio</a:t>
+            </a:r>
+            <a:r>
+              <a:rPr lang="pt-BR" sz="2000" dirty="0">
+                <a:solidFill>
+                  <a:schemeClr val="tx1"/>
+                </a:solidFill>
+                <a:latin typeface="Times New Roman" panose="02020603050405020304" pitchFamily="18" charset="0"/>
+                <a:cs typeface="Times New Roman" panose="02020603050405020304" pitchFamily="18" charset="0"/>
+              </a:rPr>
+              <a:t> com pouca intervenção humana. Isso é possível com a integração de dispositivos de computação simples com todos os tipos de objetos.</a:t>
+            </a:r>
+          </a:p>
+          <a:p>
+            <a:pPr marL="0" indent="0" algn="just">
+              <a:buNone/>
+            </a:pPr>
+            <a:endParaRPr lang="pt-BR" sz="2000" dirty="0">
+              <a:solidFill>
+                <a:schemeClr val="tx1"/>
+              </a:solidFill>
+              <a:latin typeface="Times New Roman" panose="02020603050405020304" pitchFamily="18" charset="0"/>
+              <a:cs typeface="Times New Roman" panose="02020603050405020304" pitchFamily="18" charset="0"/>
+            </a:endParaRPr>
+          </a:p>
+          <a:p>
+            <a:pPr marL="0" indent="0" algn="just">
+              <a:buNone/>
+            </a:pPr>
+            <a:r>
+              <a:rPr lang="pt-BR" sz="2000" dirty="0">
+                <a:solidFill>
+                  <a:schemeClr val="tx1"/>
+                </a:solidFill>
+                <a:latin typeface="Times New Roman" panose="02020603050405020304" pitchFamily="18" charset="0"/>
+                <a:cs typeface="Times New Roman" panose="02020603050405020304" pitchFamily="18" charset="0"/>
+              </a:rPr>
+              <a:t>Funciona ao enviar, receber e analisar dados continuamente em um </a:t>
+            </a:r>
+            <a:r>
+              <a:rPr lang="pt-BR" sz="2000" b="1" dirty="0">
+                <a:solidFill>
+                  <a:schemeClr val="tx1"/>
+                </a:solidFill>
+                <a:latin typeface="Times New Roman" panose="02020603050405020304" pitchFamily="18" charset="0"/>
+                <a:cs typeface="Times New Roman" panose="02020603050405020304" pitchFamily="18" charset="0"/>
+              </a:rPr>
+              <a:t>ciclo de feedback</a:t>
+            </a:r>
+            <a:r>
+              <a:rPr lang="pt-BR" sz="2000" dirty="0">
+                <a:solidFill>
+                  <a:schemeClr val="tx1"/>
+                </a:solidFill>
+                <a:latin typeface="Times New Roman" panose="02020603050405020304" pitchFamily="18" charset="0"/>
+                <a:cs typeface="Times New Roman" panose="02020603050405020304" pitchFamily="18" charset="0"/>
+              </a:rPr>
+              <a:t>.</a:t>
+            </a:r>
+          </a:p>
+          <a:p>
+            <a:pPr marL="0" indent="0" algn="just">
+              <a:buNone/>
+            </a:pPr>
+            <a:endParaRPr lang="pt-BR" sz="2000" dirty="0">
+              <a:solidFill>
+                <a:schemeClr val="tx1"/>
+              </a:solidFill>
+              <a:latin typeface="Times New Roman" panose="02020603050405020304" pitchFamily="18" charset="0"/>
+              <a:cs typeface="Times New Roman" panose="02020603050405020304" pitchFamily="18" charset="0"/>
+            </a:endParaRPr>
+          </a:p>
+          <a:p>
+            <a:pPr marL="0" indent="0" algn="just">
+              <a:buNone/>
+            </a:pPr>
+            <a:r>
+              <a:rPr lang="pt-BR" sz="2000" dirty="0">
+                <a:solidFill>
+                  <a:schemeClr val="tx1"/>
+                </a:solidFill>
+                <a:latin typeface="Times New Roman" panose="02020603050405020304" pitchFamily="18" charset="0"/>
+                <a:cs typeface="Times New Roman" panose="02020603050405020304" pitchFamily="18" charset="0"/>
+              </a:rPr>
+              <a:t>Dependendo do tipo de tecnologia de </a:t>
+            </a:r>
+            <a:r>
+              <a:rPr lang="pt-BR" sz="2000" dirty="0" err="1">
+                <a:solidFill>
+                  <a:schemeClr val="tx1"/>
+                </a:solidFill>
+                <a:latin typeface="Times New Roman" panose="02020603050405020304" pitchFamily="18" charset="0"/>
+                <a:cs typeface="Times New Roman" panose="02020603050405020304" pitchFamily="18" charset="0"/>
+              </a:rPr>
+              <a:t>IoT</a:t>
+            </a:r>
+            <a:r>
+              <a:rPr lang="pt-BR" sz="2000" dirty="0">
+                <a:solidFill>
+                  <a:schemeClr val="tx1"/>
+                </a:solidFill>
+                <a:latin typeface="Times New Roman" panose="02020603050405020304" pitchFamily="18" charset="0"/>
+                <a:cs typeface="Times New Roman" panose="02020603050405020304" pitchFamily="18" charset="0"/>
+              </a:rPr>
+              <a:t>, a análise pode ser conduzida por humanos ou por </a:t>
+            </a:r>
+            <a:r>
+              <a:rPr lang="pt-BR" sz="2000" b="1" dirty="0">
+                <a:solidFill>
+                  <a:srgbClr val="FF0000"/>
+                </a:solidFill>
+                <a:latin typeface="Times New Roman" panose="02020603050405020304" pitchFamily="18" charset="0"/>
+                <a:cs typeface="Times New Roman" panose="02020603050405020304" pitchFamily="18" charset="0"/>
+              </a:rPr>
+              <a:t>inteligência artificial e </a:t>
+            </a:r>
+            <a:r>
+              <a:rPr lang="pt-BR" sz="2000" b="1" dirty="0" err="1">
+                <a:solidFill>
+                  <a:srgbClr val="FF0000"/>
+                </a:solidFill>
+                <a:latin typeface="Times New Roman" panose="02020603050405020304" pitchFamily="18" charset="0"/>
+                <a:cs typeface="Times New Roman" panose="02020603050405020304" pitchFamily="18" charset="0"/>
+              </a:rPr>
+              <a:t>machine</a:t>
+            </a:r>
+            <a:r>
+              <a:rPr lang="pt-BR" sz="2000" b="1" dirty="0">
+                <a:solidFill>
+                  <a:srgbClr val="FF0000"/>
+                </a:solidFill>
+                <a:latin typeface="Times New Roman" panose="02020603050405020304" pitchFamily="18" charset="0"/>
+                <a:cs typeface="Times New Roman" panose="02020603050405020304" pitchFamily="18" charset="0"/>
+              </a:rPr>
+              <a:t> </a:t>
+            </a:r>
+            <a:r>
+              <a:rPr lang="pt-BR" sz="2000" b="1" dirty="0" err="1">
+                <a:solidFill>
+                  <a:srgbClr val="FF0000"/>
+                </a:solidFill>
+                <a:latin typeface="Times New Roman" panose="02020603050405020304" pitchFamily="18" charset="0"/>
+                <a:cs typeface="Times New Roman" panose="02020603050405020304" pitchFamily="18" charset="0"/>
+              </a:rPr>
+              <a:t>learning</a:t>
+            </a:r>
+            <a:r>
+              <a:rPr lang="pt-BR" sz="2000" b="1" dirty="0">
+                <a:solidFill>
+                  <a:srgbClr val="FF0000"/>
+                </a:solidFill>
+                <a:latin typeface="Times New Roman" panose="02020603050405020304" pitchFamily="18" charset="0"/>
+                <a:cs typeface="Times New Roman" panose="02020603050405020304" pitchFamily="18" charset="0"/>
+              </a:rPr>
+              <a:t> (IA/ML)</a:t>
+            </a:r>
+            <a:r>
+              <a:rPr lang="pt-BR" sz="2000" dirty="0">
+                <a:solidFill>
+                  <a:schemeClr val="tx1"/>
+                </a:solidFill>
+                <a:latin typeface="Times New Roman" panose="02020603050405020304" pitchFamily="18" charset="0"/>
+                <a:cs typeface="Times New Roman" panose="02020603050405020304" pitchFamily="18" charset="0"/>
+              </a:rPr>
+              <a:t> praticamente em tempo real ou em um período maior.</a:t>
+            </a:r>
+          </a:p>
+        </p:txBody>
+      </p:sp>
+    </p:spTree>
+    <p:extLst>
+      <p:ext uri="{BB962C8B-B14F-4D97-AF65-F5344CB8AC3E}">
+        <p14:creationId xmlns:p14="http://schemas.microsoft.com/office/powerpoint/2010/main" val="866611518"/>
+      </p:ext>
+    </p:extLst>
+  </p:cSld>
+  <p:clrMapOvr>
+    <a:masterClrMapping/>
+  </p:clrMapOvr>
+  <p:transition spd="med"/>
+</p:sld>
+</file>
+
+<file path=ppt/slides/slide6.xml><?xml version="1.0" encoding="utf-8"?>
+<p:sld xmlns:a="http://schemas.openxmlformats.org/drawingml/2006/main" xmlns:r="http://schemas.openxmlformats.org/officeDocument/2006/relationships" xmlns:p="http://schemas.openxmlformats.org/presentationml/2006/main">
+  <p:cSld>
+    <p:spTree>
+      <p:nvGrpSpPr>
+        <p:cNvPr id="1" name=""/>
+        <p:cNvGrpSpPr/>
+        <p:nvPr/>
+      </p:nvGrpSpPr>
+      <p:grpSpPr>
+        <a:xfrm>
+          <a:off x="0" y="0"/>
+          <a:ext cx="0" cy="0"/>
+          <a:chOff x="0" y="0"/>
+          <a:chExt cx="0" cy="0"/>
+        </a:xfrm>
+      </p:grpSpPr>
+      <p:sp>
+        <p:nvSpPr>
+          <p:cNvPr id="6" name="Title 1"/>
+          <p:cNvSpPr>
+            <a:spLocks noGrp="1"/>
+          </p:cNvSpPr>
+          <p:nvPr>
+            <p:ph type="title"/>
+          </p:nvPr>
+        </p:nvSpPr>
+        <p:spPr>
+          <a:xfrm>
+            <a:off x="457200" y="205980"/>
+            <a:ext cx="8229600" cy="857251"/>
+          </a:xfrm>
+        </p:spPr>
+        <p:txBody>
+          <a:bodyPr>
+            <a:normAutofit/>
+          </a:bodyPr>
+          <a:lstStyle/>
+          <a:p>
+            <a:r>
+              <a:rPr lang="pt-BR" b="1" dirty="0">
+                <a:solidFill>
+                  <a:srgbClr val="0070C0"/>
+                </a:solidFill>
+              </a:rPr>
+              <a:t>Desafios </a:t>
+            </a:r>
+            <a:r>
+              <a:rPr lang="pt-BR" b="1" dirty="0" err="1">
+                <a:solidFill>
+                  <a:srgbClr val="0070C0"/>
+                </a:solidFill>
+              </a:rPr>
+              <a:t>IoT</a:t>
+            </a:r>
+            <a:endParaRPr lang="en-US" b="1" dirty="0">
+              <a:solidFill>
+                <a:srgbClr val="0070C0"/>
+              </a:solidFill>
+            </a:endParaRPr>
+          </a:p>
+        </p:txBody>
+      </p:sp>
+      <p:sp>
+        <p:nvSpPr>
+          <p:cNvPr id="8" name="Text Placeholder 2"/>
+          <p:cNvSpPr>
+            <a:spLocks noGrp="1"/>
+          </p:cNvSpPr>
+          <p:nvPr>
+            <p:ph type="body" sz="half" idx="1"/>
+          </p:nvPr>
+        </p:nvSpPr>
+        <p:spPr>
+          <a:xfrm>
+            <a:off x="142865" y="1200150"/>
+            <a:ext cx="8865056" cy="3737370"/>
+          </a:xfrm>
+        </p:spPr>
+        <p:txBody>
+          <a:bodyPr>
+            <a:noAutofit/>
+          </a:bodyPr>
+          <a:lstStyle/>
+          <a:p>
+            <a:pPr algn="just">
+              <a:buFont typeface="Wingdings" panose="05000000000000000000" pitchFamily="2" charset="2"/>
+              <a:buChar char="ü"/>
+            </a:pPr>
+            <a:r>
+              <a:rPr lang="pt-BR" sz="2000" dirty="0">
+                <a:solidFill>
+                  <a:schemeClr val="tx1"/>
+                </a:solidFill>
+                <a:latin typeface="Times New Roman" panose="02020603050405020304" pitchFamily="18" charset="0"/>
+                <a:cs typeface="Times New Roman" panose="02020603050405020304" pitchFamily="18" charset="0"/>
+              </a:rPr>
+              <a:t>Big data, o volume de dados produzidos por um sistema de dispositivos inteligentes;</a:t>
+            </a:r>
+          </a:p>
+          <a:p>
+            <a:pPr algn="just">
+              <a:buFont typeface="Wingdings" panose="05000000000000000000" pitchFamily="2" charset="2"/>
+              <a:buChar char="ü"/>
+            </a:pPr>
+            <a:endParaRPr lang="pt-BR" sz="2000" dirty="0">
+              <a:solidFill>
+                <a:schemeClr val="tx1"/>
+              </a:solidFill>
+              <a:latin typeface="Times New Roman" panose="02020603050405020304" pitchFamily="18" charset="0"/>
+              <a:cs typeface="Times New Roman" panose="02020603050405020304" pitchFamily="18" charset="0"/>
+            </a:endParaRPr>
+          </a:p>
+          <a:p>
+            <a:pPr algn="just">
+              <a:buFont typeface="Wingdings" panose="05000000000000000000" pitchFamily="2" charset="2"/>
+              <a:buChar char="ü"/>
+            </a:pPr>
+            <a:r>
+              <a:rPr lang="pt-BR" sz="2000" dirty="0">
+                <a:solidFill>
+                  <a:schemeClr val="tx1"/>
+                </a:solidFill>
+                <a:latin typeface="Times New Roman" panose="02020603050405020304" pitchFamily="18" charset="0"/>
+                <a:cs typeface="Times New Roman" panose="02020603050405020304" pitchFamily="18" charset="0"/>
+              </a:rPr>
+              <a:t>Segurança (política de senha =&gt; </a:t>
+            </a:r>
+            <a:r>
+              <a:rPr lang="pt-BR" sz="2000" b="1" dirty="0" err="1">
+                <a:solidFill>
+                  <a:srgbClr val="FF0000"/>
+                </a:solidFill>
+                <a:latin typeface="Times New Roman" panose="02020603050405020304" pitchFamily="18" charset="0"/>
+                <a:cs typeface="Times New Roman" panose="02020603050405020304" pitchFamily="18" charset="0"/>
+              </a:rPr>
+              <a:t>botnet</a:t>
+            </a:r>
+            <a:r>
+              <a:rPr lang="pt-BR" sz="2000" b="1" dirty="0">
+                <a:solidFill>
+                  <a:srgbClr val="FF0000"/>
+                </a:solidFill>
+                <a:latin typeface="Times New Roman" panose="02020603050405020304" pitchFamily="18" charset="0"/>
+                <a:cs typeface="Times New Roman" panose="02020603050405020304" pitchFamily="18" charset="0"/>
+              </a:rPr>
+              <a:t> (rede de computadores-zumbis) </a:t>
+            </a:r>
+            <a:r>
+              <a:rPr lang="pt-BR" sz="2000" b="1" dirty="0" err="1">
+                <a:solidFill>
+                  <a:srgbClr val="FF0000"/>
+                </a:solidFill>
+                <a:latin typeface="Times New Roman" panose="02020603050405020304" pitchFamily="18" charset="0"/>
+                <a:cs typeface="Times New Roman" panose="02020603050405020304" pitchFamily="18" charset="0"/>
+              </a:rPr>
+              <a:t>DDoS</a:t>
+            </a:r>
+            <a:r>
+              <a:rPr lang="pt-BR" sz="2000" dirty="0">
+                <a:solidFill>
+                  <a:schemeClr val="tx1"/>
+                </a:solidFill>
+                <a:latin typeface="Times New Roman" panose="02020603050405020304" pitchFamily="18" charset="0"/>
+                <a:cs typeface="Times New Roman" panose="02020603050405020304" pitchFamily="18" charset="0"/>
+              </a:rPr>
+              <a:t>.</a:t>
+            </a:r>
+          </a:p>
+          <a:p>
+            <a:pPr algn="just">
+              <a:buFont typeface="Wingdings" panose="05000000000000000000" pitchFamily="2" charset="2"/>
+              <a:buChar char="ü"/>
+            </a:pPr>
+            <a:endParaRPr lang="pt-BR" sz="2000" dirty="0">
+              <a:solidFill>
+                <a:schemeClr val="tx1"/>
+              </a:solidFill>
+              <a:latin typeface="Times New Roman" panose="02020603050405020304" pitchFamily="18" charset="0"/>
+              <a:cs typeface="Times New Roman" panose="02020603050405020304" pitchFamily="18" charset="0"/>
+            </a:endParaRPr>
+          </a:p>
+          <a:p>
+            <a:pPr algn="just">
+              <a:buFont typeface="Wingdings" panose="05000000000000000000" pitchFamily="2" charset="2"/>
+              <a:buChar char="ü"/>
+            </a:pPr>
+            <a:r>
+              <a:rPr lang="pt-BR" sz="2000" dirty="0">
+                <a:solidFill>
+                  <a:schemeClr val="tx1"/>
+                </a:solidFill>
+                <a:latin typeface="Times New Roman" panose="02020603050405020304" pitchFamily="18" charset="0"/>
+                <a:cs typeface="Times New Roman" panose="02020603050405020304" pitchFamily="18" charset="0"/>
+              </a:rPr>
+              <a:t>Privacidade</a:t>
+            </a:r>
+          </a:p>
+          <a:p>
+            <a:pPr algn="just">
+              <a:buFont typeface="Wingdings" panose="05000000000000000000" pitchFamily="2" charset="2"/>
+              <a:buChar char="ü"/>
+            </a:pPr>
+            <a:endParaRPr lang="pt-BR" sz="2000" dirty="0">
+              <a:solidFill>
+                <a:schemeClr val="tx1"/>
+              </a:solidFill>
+              <a:latin typeface="Times New Roman" panose="02020603050405020304" pitchFamily="18" charset="0"/>
+              <a:cs typeface="Times New Roman" panose="02020603050405020304" pitchFamily="18" charset="0"/>
+            </a:endParaRPr>
+          </a:p>
+          <a:p>
+            <a:pPr algn="just">
+              <a:buFont typeface="Wingdings" panose="05000000000000000000" pitchFamily="2" charset="2"/>
+              <a:buChar char="ü"/>
+            </a:pPr>
+            <a:r>
+              <a:rPr lang="pt-BR" sz="2000" dirty="0">
+                <a:solidFill>
+                  <a:schemeClr val="tx1"/>
+                </a:solidFill>
+                <a:latin typeface="Times New Roman" panose="02020603050405020304" pitchFamily="18" charset="0"/>
+                <a:cs typeface="Times New Roman" panose="02020603050405020304" pitchFamily="18" charset="0"/>
+              </a:rPr>
+              <a:t>Infraestrutura (IPV4 (</a:t>
+            </a:r>
+            <a:r>
+              <a:rPr lang="pt-BR" sz="2000" b="1" dirty="0" err="1">
+                <a:solidFill>
+                  <a:srgbClr val="FF0000"/>
+                </a:solidFill>
+                <a:latin typeface="Times New Roman" panose="02020603050405020304" pitchFamily="18" charset="0"/>
+                <a:cs typeface="Times New Roman" panose="02020603050405020304" pitchFamily="18" charset="0"/>
+              </a:rPr>
+              <a:t>carrier</a:t>
+            </a:r>
+            <a:r>
+              <a:rPr lang="pt-BR" sz="2000" b="1" dirty="0">
+                <a:solidFill>
+                  <a:srgbClr val="FF0000"/>
+                </a:solidFill>
+                <a:latin typeface="Times New Roman" panose="02020603050405020304" pitchFamily="18" charset="0"/>
+                <a:cs typeface="Times New Roman" panose="02020603050405020304" pitchFamily="18" charset="0"/>
+              </a:rPr>
+              <a:t> grade NAT</a:t>
+            </a:r>
+            <a:r>
+              <a:rPr lang="pt-BR" sz="2000" dirty="0">
+                <a:solidFill>
+                  <a:schemeClr val="tx1"/>
+                </a:solidFill>
+                <a:latin typeface="Times New Roman" panose="02020603050405020304" pitchFamily="18" charset="0"/>
+                <a:cs typeface="Times New Roman" panose="02020603050405020304" pitchFamily="18" charset="0"/>
+              </a:rPr>
+              <a:t> -&gt; IPV6, </a:t>
+            </a:r>
+            <a:r>
+              <a:rPr lang="pt-BR" sz="2000" dirty="0" err="1">
+                <a:solidFill>
+                  <a:schemeClr val="tx1"/>
+                </a:solidFill>
+                <a:latin typeface="Times New Roman" panose="02020603050405020304" pitchFamily="18" charset="0"/>
+                <a:cs typeface="Times New Roman" panose="02020603050405020304" pitchFamily="18" charset="0"/>
+              </a:rPr>
+              <a:t>etc</a:t>
+            </a:r>
+            <a:r>
+              <a:rPr lang="pt-BR" sz="2000" dirty="0">
+                <a:solidFill>
+                  <a:schemeClr val="tx1"/>
+                </a:solidFill>
+                <a:latin typeface="Times New Roman" panose="02020603050405020304" pitchFamily="18" charset="0"/>
+                <a:cs typeface="Times New Roman" panose="02020603050405020304" pitchFamily="18" charset="0"/>
+              </a:rPr>
+              <a:t>)</a:t>
+            </a:r>
+          </a:p>
+          <a:p>
+            <a:pPr algn="just">
+              <a:buFont typeface="Wingdings" panose="05000000000000000000" pitchFamily="2" charset="2"/>
+              <a:buChar char="ü"/>
+            </a:pPr>
+            <a:endParaRPr lang="pt-BR" sz="2000" dirty="0">
+              <a:solidFill>
+                <a:schemeClr val="tx1"/>
+              </a:solidFill>
+              <a:latin typeface="Times New Roman" panose="02020603050405020304" pitchFamily="18" charset="0"/>
+              <a:cs typeface="Times New Roman" panose="02020603050405020304" pitchFamily="18" charset="0"/>
+            </a:endParaRPr>
+          </a:p>
+          <a:p>
+            <a:pPr algn="just">
+              <a:buFont typeface="Wingdings" panose="05000000000000000000" pitchFamily="2" charset="2"/>
+              <a:buChar char="ü"/>
+            </a:pPr>
+            <a:r>
+              <a:rPr lang="pt-BR" sz="2000" dirty="0">
+                <a:solidFill>
+                  <a:schemeClr val="tx1"/>
+                </a:solidFill>
+                <a:latin typeface="Times New Roman" panose="02020603050405020304" pitchFamily="18" charset="0"/>
+                <a:cs typeface="Times New Roman" panose="02020603050405020304" pitchFamily="18" charset="0"/>
+              </a:rPr>
+              <a:t>Edge </a:t>
+            </a:r>
+            <a:r>
+              <a:rPr lang="pt-BR" sz="2000" dirty="0" err="1">
+                <a:solidFill>
+                  <a:schemeClr val="tx1"/>
+                </a:solidFill>
+                <a:latin typeface="Times New Roman" panose="02020603050405020304" pitchFamily="18" charset="0"/>
+                <a:cs typeface="Times New Roman" panose="02020603050405020304" pitchFamily="18" charset="0"/>
+              </a:rPr>
+              <a:t>Computing</a:t>
+            </a:r>
+            <a:r>
+              <a:rPr lang="pt-BR" sz="2000" dirty="0">
+                <a:solidFill>
+                  <a:schemeClr val="tx1"/>
+                </a:solidFill>
+                <a:latin typeface="Times New Roman" panose="02020603050405020304" pitchFamily="18" charset="0"/>
+                <a:cs typeface="Times New Roman" panose="02020603050405020304" pitchFamily="18" charset="0"/>
+              </a:rPr>
+              <a:t> (</a:t>
+            </a:r>
+            <a:r>
+              <a:rPr lang="pt-BR" sz="2000" b="1" dirty="0">
+                <a:solidFill>
+                  <a:schemeClr val="tx1"/>
+                </a:solidFill>
+                <a:latin typeface="Times New Roman" panose="02020603050405020304" pitchFamily="18" charset="0"/>
+                <a:cs typeface="Times New Roman" panose="02020603050405020304" pitchFamily="18" charset="0"/>
+              </a:rPr>
+              <a:t>computação de borda</a:t>
+            </a:r>
+            <a:r>
+              <a:rPr lang="pt-BR" sz="2000" dirty="0">
+                <a:solidFill>
+                  <a:schemeClr val="tx1"/>
+                </a:solidFill>
+                <a:latin typeface="Times New Roman" panose="02020603050405020304" pitchFamily="18" charset="0"/>
+                <a:cs typeface="Times New Roman" panose="02020603050405020304" pitchFamily="18" charset="0"/>
+              </a:rPr>
+              <a:t>)</a:t>
+            </a:r>
+          </a:p>
+        </p:txBody>
+      </p:sp>
+    </p:spTree>
+    <p:extLst>
+      <p:ext uri="{BB962C8B-B14F-4D97-AF65-F5344CB8AC3E}">
+        <p14:creationId xmlns:p14="http://schemas.microsoft.com/office/powerpoint/2010/main" val="4048825214"/>
+      </p:ext>
+    </p:extLst>
+  </p:cSld>
+  <p:clrMapOvr>
+    <a:masterClrMapping/>
+  </p:clrMapOvr>
+  <p:transition spd="med"/>
+</p:sld>
+</file>
+
+<file path=ppt/slides/slide7.xml><?xml version="1.0" encoding="utf-8"?>
+<p:sld xmlns:a="http://schemas.openxmlformats.org/drawingml/2006/main" xmlns:r="http://schemas.openxmlformats.org/officeDocument/2006/relationships" xmlns:p="http://schemas.openxmlformats.org/presentationml/2006/main">
+  <p:cSld>
+    <p:spTree>
+      <p:nvGrpSpPr>
+        <p:cNvPr id="1" name=""/>
+        <p:cNvGrpSpPr/>
+        <p:nvPr/>
+      </p:nvGrpSpPr>
+      <p:grpSpPr>
+        <a:xfrm>
+          <a:off x="0" y="0"/>
+          <a:ext cx="0" cy="0"/>
+          <a:chOff x="0" y="0"/>
+          <a:chExt cx="0" cy="0"/>
+        </a:xfrm>
+      </p:grpSpPr>
+      <p:sp>
+        <p:nvSpPr>
+          <p:cNvPr id="6" name="Title 1"/>
+          <p:cNvSpPr>
+            <a:spLocks noGrp="1"/>
+          </p:cNvSpPr>
+          <p:nvPr>
+            <p:ph type="title"/>
+          </p:nvPr>
+        </p:nvSpPr>
+        <p:spPr>
+          <a:xfrm>
+            <a:off x="457200" y="205980"/>
+            <a:ext cx="8229600" cy="857251"/>
+          </a:xfrm>
+        </p:spPr>
+        <p:txBody>
+          <a:bodyPr>
+            <a:normAutofit/>
+          </a:bodyPr>
+          <a:lstStyle/>
+          <a:p>
+            <a:r>
+              <a:rPr lang="pt-BR" b="1" dirty="0">
+                <a:solidFill>
+                  <a:srgbClr val="0070C0"/>
+                </a:solidFill>
+              </a:rPr>
+              <a:t>Exemplos </a:t>
+            </a:r>
+            <a:r>
+              <a:rPr lang="pt-BR" b="1" dirty="0" err="1">
+                <a:solidFill>
+                  <a:srgbClr val="0070C0"/>
+                </a:solidFill>
+              </a:rPr>
+              <a:t>IoT</a:t>
+            </a:r>
+            <a:endParaRPr lang="en-US" b="1" dirty="0">
+              <a:solidFill>
+                <a:srgbClr val="0070C0"/>
+              </a:solidFill>
+            </a:endParaRPr>
+          </a:p>
+        </p:txBody>
+      </p:sp>
+      <p:sp>
+        <p:nvSpPr>
+          <p:cNvPr id="8" name="Text Placeholder 2"/>
+          <p:cNvSpPr>
+            <a:spLocks noGrp="1"/>
+          </p:cNvSpPr>
+          <p:nvPr>
+            <p:ph type="body" sz="half" idx="1"/>
+          </p:nvPr>
+        </p:nvSpPr>
+        <p:spPr>
+          <a:xfrm>
+            <a:off x="142865" y="1200150"/>
+            <a:ext cx="8865056" cy="3737370"/>
+          </a:xfrm>
+        </p:spPr>
+        <p:txBody>
+          <a:bodyPr>
+            <a:noAutofit/>
+          </a:bodyPr>
+          <a:lstStyle/>
+          <a:p>
+            <a:pPr algn="just">
+              <a:buFont typeface="Wingdings" panose="05000000000000000000" pitchFamily="2" charset="2"/>
+              <a:buChar char="ü"/>
+            </a:pPr>
+            <a:r>
+              <a:rPr lang="pt-BR" sz="2000" dirty="0">
+                <a:solidFill>
+                  <a:schemeClr val="tx1"/>
+                </a:solidFill>
+                <a:latin typeface="Times New Roman" panose="02020603050405020304" pitchFamily="18" charset="0"/>
+                <a:cs typeface="Times New Roman" panose="02020603050405020304" pitchFamily="18" charset="0"/>
+              </a:rPr>
+              <a:t>Indústria (sensores nos equipamentos para manutenção, uso de equipamentos, </a:t>
+            </a:r>
+            <a:r>
+              <a:rPr lang="pt-BR" sz="2000" dirty="0" err="1">
+                <a:solidFill>
+                  <a:schemeClr val="tx1"/>
+                </a:solidFill>
+                <a:latin typeface="Times New Roman" panose="02020603050405020304" pitchFamily="18" charset="0"/>
+                <a:cs typeface="Times New Roman" panose="02020603050405020304" pitchFamily="18" charset="0"/>
+              </a:rPr>
+              <a:t>etc</a:t>
+            </a:r>
+            <a:r>
+              <a:rPr lang="pt-BR" sz="2000" dirty="0">
+                <a:solidFill>
+                  <a:schemeClr val="tx1"/>
+                </a:solidFill>
+                <a:latin typeface="Times New Roman" panose="02020603050405020304" pitchFamily="18" charset="0"/>
+                <a:cs typeface="Times New Roman" panose="02020603050405020304" pitchFamily="18" charset="0"/>
+              </a:rPr>
+              <a:t>)</a:t>
+            </a:r>
+          </a:p>
+          <a:p>
+            <a:pPr algn="just">
+              <a:buFont typeface="Wingdings" panose="05000000000000000000" pitchFamily="2" charset="2"/>
+              <a:buChar char="ü"/>
+            </a:pPr>
+            <a:endParaRPr lang="pt-BR" sz="2000" dirty="0">
+              <a:solidFill>
+                <a:schemeClr val="tx1"/>
+              </a:solidFill>
+              <a:latin typeface="Times New Roman" panose="02020603050405020304" pitchFamily="18" charset="0"/>
+              <a:cs typeface="Times New Roman" panose="02020603050405020304" pitchFamily="18" charset="0"/>
+            </a:endParaRPr>
+          </a:p>
+          <a:p>
+            <a:pPr algn="just">
+              <a:buFont typeface="Wingdings" panose="05000000000000000000" pitchFamily="2" charset="2"/>
+              <a:buChar char="ü"/>
+            </a:pPr>
+            <a:r>
+              <a:rPr lang="pt-BR" sz="2000" dirty="0">
+                <a:solidFill>
+                  <a:schemeClr val="tx1"/>
+                </a:solidFill>
+                <a:latin typeface="Times New Roman" panose="02020603050405020304" pitchFamily="18" charset="0"/>
+                <a:cs typeface="Times New Roman" panose="02020603050405020304" pitchFamily="18" charset="0"/>
+              </a:rPr>
+              <a:t>Transportes Containers (RFID, para rastreamento)</a:t>
+            </a:r>
+          </a:p>
+          <a:p>
+            <a:pPr algn="just">
+              <a:buFont typeface="Wingdings" panose="05000000000000000000" pitchFamily="2" charset="2"/>
+              <a:buChar char="ü"/>
+            </a:pPr>
+            <a:endParaRPr lang="pt-BR" sz="2000" dirty="0">
+              <a:solidFill>
+                <a:schemeClr val="tx1"/>
+              </a:solidFill>
+              <a:latin typeface="Times New Roman" panose="02020603050405020304" pitchFamily="18" charset="0"/>
+              <a:cs typeface="Times New Roman" panose="02020603050405020304" pitchFamily="18" charset="0"/>
+            </a:endParaRPr>
+          </a:p>
+          <a:p>
+            <a:pPr algn="just">
+              <a:buFont typeface="Wingdings" panose="05000000000000000000" pitchFamily="2" charset="2"/>
+              <a:buChar char="ü"/>
+            </a:pPr>
+            <a:r>
+              <a:rPr lang="pt-BR" sz="2000" dirty="0">
+                <a:solidFill>
+                  <a:schemeClr val="tx1"/>
+                </a:solidFill>
+                <a:latin typeface="Times New Roman" panose="02020603050405020304" pitchFamily="18" charset="0"/>
+                <a:cs typeface="Times New Roman" panose="02020603050405020304" pitchFamily="18" charset="0"/>
+              </a:rPr>
+              <a:t>Agricultura (sensores de umidade, irrigação)</a:t>
+            </a:r>
+          </a:p>
+          <a:p>
+            <a:pPr algn="just">
+              <a:buFont typeface="Wingdings" panose="05000000000000000000" pitchFamily="2" charset="2"/>
+              <a:buChar char="ü"/>
+            </a:pPr>
+            <a:endParaRPr lang="pt-BR" sz="2000" dirty="0">
+              <a:solidFill>
+                <a:schemeClr val="tx1"/>
+              </a:solidFill>
+              <a:latin typeface="Times New Roman" panose="02020603050405020304" pitchFamily="18" charset="0"/>
+              <a:cs typeface="Times New Roman" panose="02020603050405020304" pitchFamily="18" charset="0"/>
+            </a:endParaRPr>
+          </a:p>
+          <a:p>
+            <a:pPr algn="just">
+              <a:buFont typeface="Wingdings" panose="05000000000000000000" pitchFamily="2" charset="2"/>
+              <a:buChar char="ü"/>
+            </a:pPr>
+            <a:r>
+              <a:rPr lang="pt-BR" sz="2000" dirty="0" err="1">
+                <a:solidFill>
+                  <a:schemeClr val="tx1"/>
+                </a:solidFill>
+                <a:latin typeface="Times New Roman" panose="02020603050405020304" pitchFamily="18" charset="0"/>
+                <a:cs typeface="Times New Roman" panose="02020603050405020304" pitchFamily="18" charset="0"/>
+              </a:rPr>
+              <a:t>Smartwatches</a:t>
+            </a:r>
+            <a:endParaRPr lang="pt-BR" sz="2000" dirty="0">
+              <a:solidFill>
+                <a:schemeClr val="tx1"/>
+              </a:solidFill>
+              <a:latin typeface="Times New Roman" panose="02020603050405020304" pitchFamily="18" charset="0"/>
+              <a:cs typeface="Times New Roman" panose="02020603050405020304" pitchFamily="18" charset="0"/>
+            </a:endParaRPr>
+          </a:p>
+          <a:p>
+            <a:pPr algn="just">
+              <a:buFont typeface="Wingdings" panose="05000000000000000000" pitchFamily="2" charset="2"/>
+              <a:buChar char="ü"/>
+            </a:pPr>
+            <a:endParaRPr lang="pt-BR" sz="2000" dirty="0">
+              <a:solidFill>
+                <a:schemeClr val="tx1"/>
+              </a:solidFill>
+              <a:latin typeface="Times New Roman" panose="02020603050405020304" pitchFamily="18" charset="0"/>
+              <a:cs typeface="Times New Roman" panose="02020603050405020304" pitchFamily="18" charset="0"/>
+            </a:endParaRPr>
+          </a:p>
+          <a:p>
+            <a:pPr marL="0" indent="0" algn="just">
+              <a:buNone/>
+            </a:pPr>
+            <a:endParaRPr lang="pt-BR" sz="2000" dirty="0">
+              <a:solidFill>
+                <a:schemeClr val="tx1"/>
+              </a:solidFill>
+              <a:latin typeface="Times New Roman" panose="02020603050405020304" pitchFamily="18" charset="0"/>
+              <a:cs typeface="Times New Roman" panose="02020603050405020304" pitchFamily="18" charset="0"/>
+            </a:endParaRPr>
+          </a:p>
+          <a:p>
+            <a:pPr marL="0" indent="0" algn="just">
+              <a:buNone/>
+            </a:pPr>
+            <a:r>
+              <a:rPr lang="pt-BR" sz="2000" dirty="0">
+                <a:solidFill>
+                  <a:schemeClr val="tx1"/>
+                </a:solidFill>
+                <a:latin typeface="Times New Roman" panose="02020603050405020304" pitchFamily="18" charset="0"/>
+                <a:cs typeface="Times New Roman" panose="02020603050405020304" pitchFamily="18" charset="0"/>
+              </a:rPr>
+              <a:t>O futuro está no envio, recebimento e </a:t>
+            </a:r>
+            <a:r>
+              <a:rPr lang="pt-BR" sz="2000" b="1" dirty="0">
+                <a:solidFill>
+                  <a:srgbClr val="FF0000"/>
+                </a:solidFill>
+                <a:latin typeface="Times New Roman" panose="02020603050405020304" pitchFamily="18" charset="0"/>
+                <a:cs typeface="Times New Roman" panose="02020603050405020304" pitchFamily="18" charset="0"/>
+              </a:rPr>
+              <a:t>análise de dados</a:t>
+            </a:r>
+            <a:r>
+              <a:rPr lang="pt-BR" sz="2000" dirty="0">
+                <a:solidFill>
+                  <a:schemeClr val="tx1"/>
+                </a:solidFill>
+                <a:latin typeface="Times New Roman" panose="02020603050405020304" pitchFamily="18" charset="0"/>
+                <a:cs typeface="Times New Roman" panose="02020603050405020304" pitchFamily="18" charset="0"/>
+              </a:rPr>
+              <a:t> junto com aplicações de </a:t>
+            </a:r>
+            <a:r>
+              <a:rPr lang="pt-BR" sz="2000" b="1" dirty="0" err="1">
+                <a:solidFill>
+                  <a:schemeClr val="tx1"/>
+                </a:solidFill>
+                <a:latin typeface="Times New Roman" panose="02020603050405020304" pitchFamily="18" charset="0"/>
+                <a:cs typeface="Times New Roman" panose="02020603050405020304" pitchFamily="18" charset="0"/>
+              </a:rPr>
+              <a:t>IoT</a:t>
+            </a:r>
+            <a:r>
+              <a:rPr lang="pt-BR" sz="2000" b="1" dirty="0">
+                <a:solidFill>
+                  <a:schemeClr val="tx1"/>
+                </a:solidFill>
+                <a:latin typeface="Times New Roman" panose="02020603050405020304" pitchFamily="18" charset="0"/>
+                <a:cs typeface="Times New Roman" panose="02020603050405020304" pitchFamily="18" charset="0"/>
+              </a:rPr>
+              <a:t>.</a:t>
+            </a:r>
+          </a:p>
+        </p:txBody>
+      </p:sp>
+    </p:spTree>
+    <p:extLst>
+      <p:ext uri="{BB962C8B-B14F-4D97-AF65-F5344CB8AC3E}">
+        <p14:creationId xmlns:p14="http://schemas.microsoft.com/office/powerpoint/2010/main" val="1457288589"/>
+      </p:ext>
+    </p:extLst>
+  </p:cSld>
+  <p:clrMapOvr>
+    <a:masterClrMapping/>
+  </p:clrMapOvr>
+  <p:transition spd="med"/>
+</p:sld>
+</file>
+
+<file path=ppt/slides/slide8.xml><?xml version="1.0" encoding="utf-8"?>
+<p:sld xmlns:a="http://schemas.openxmlformats.org/drawingml/2006/main" xmlns:r="http://schemas.openxmlformats.org/officeDocument/2006/relationships" xmlns:p="http://schemas.openxmlformats.org/presentationml/2006/main">
+  <p:cSld>
+    <p:spTree>
+      <p:nvGrpSpPr>
+        <p:cNvPr id="1" name=""/>
+        <p:cNvGrpSpPr/>
+        <p:nvPr/>
+      </p:nvGrpSpPr>
+      <p:grpSpPr>
+        <a:xfrm>
+          <a:off x="0" y="0"/>
+          <a:ext cx="0" cy="0"/>
+          <a:chOff x="0" y="0"/>
+          <a:chExt cx="0" cy="0"/>
+        </a:xfrm>
+      </p:grpSpPr>
+      <p:sp>
+        <p:nvSpPr>
+          <p:cNvPr id="6" name="Title 1"/>
+          <p:cNvSpPr>
+            <a:spLocks noGrp="1"/>
+          </p:cNvSpPr>
+          <p:nvPr>
+            <p:ph type="title"/>
+          </p:nvPr>
+        </p:nvSpPr>
+        <p:spPr>
+          <a:xfrm>
+            <a:off x="457200" y="205980"/>
+            <a:ext cx="8229600" cy="857251"/>
+          </a:xfrm>
+        </p:spPr>
+        <p:txBody>
+          <a:bodyPr>
+            <a:normAutofit/>
+          </a:bodyPr>
+          <a:lstStyle/>
+          <a:p>
+            <a:r>
+              <a:rPr lang="pt-BR" b="1" dirty="0">
+                <a:solidFill>
+                  <a:srgbClr val="0070C0"/>
+                </a:solidFill>
+              </a:rPr>
+              <a:t>Exemplos </a:t>
+            </a:r>
+            <a:r>
+              <a:rPr lang="pt-BR" b="1" dirty="0" err="1">
+                <a:solidFill>
+                  <a:srgbClr val="0070C0"/>
+                </a:solidFill>
+              </a:rPr>
+              <a:t>IoT</a:t>
+            </a:r>
+            <a:endParaRPr lang="en-US" b="1" dirty="0">
+              <a:solidFill>
+                <a:srgbClr val="0070C0"/>
+              </a:solidFill>
+            </a:endParaRPr>
+          </a:p>
+        </p:txBody>
+      </p:sp>
+      <p:sp>
+        <p:nvSpPr>
+          <p:cNvPr id="8" name="Text Placeholder 2"/>
+          <p:cNvSpPr>
+            <a:spLocks noGrp="1"/>
+          </p:cNvSpPr>
+          <p:nvPr>
+            <p:ph type="body" sz="half" idx="1"/>
+          </p:nvPr>
+        </p:nvSpPr>
+        <p:spPr>
+          <a:xfrm>
+            <a:off x="142865" y="968328"/>
+            <a:ext cx="8865056" cy="4105948"/>
+          </a:xfrm>
+        </p:spPr>
+        <p:txBody>
+          <a:bodyPr>
+            <a:noAutofit/>
+          </a:bodyPr>
+          <a:lstStyle/>
+          <a:p>
+            <a:pPr marL="0" indent="0" algn="just">
+              <a:buNone/>
+            </a:pPr>
+            <a:endParaRPr lang="pt-BR" sz="2000" dirty="0">
+              <a:solidFill>
+                <a:schemeClr val="tx1"/>
+              </a:solidFill>
+              <a:latin typeface="Times New Roman" panose="02020603050405020304" pitchFamily="18" charset="0"/>
+              <a:cs typeface="Times New Roman" panose="02020603050405020304" pitchFamily="18" charset="0"/>
+            </a:endParaRPr>
+          </a:p>
+          <a:p>
+            <a:pPr algn="just">
+              <a:buFont typeface="Wingdings" panose="05000000000000000000" pitchFamily="2" charset="2"/>
+              <a:buChar char="ü"/>
+            </a:pPr>
+            <a:endParaRPr lang="pt-BR" sz="2000" dirty="0">
+              <a:solidFill>
+                <a:schemeClr val="tx1"/>
+              </a:solidFill>
+              <a:latin typeface="Times New Roman" panose="02020603050405020304" pitchFamily="18" charset="0"/>
+              <a:cs typeface="Times New Roman" panose="02020603050405020304" pitchFamily="18" charset="0"/>
+            </a:endParaRPr>
+          </a:p>
+          <a:p>
+            <a:pPr marL="0" indent="0" algn="just">
+              <a:buNone/>
+            </a:pPr>
+            <a:endParaRPr lang="pt-BR" sz="2000" dirty="0">
+              <a:solidFill>
+                <a:schemeClr val="tx1"/>
+              </a:solidFill>
+              <a:latin typeface="Times New Roman" panose="02020603050405020304" pitchFamily="18" charset="0"/>
+              <a:cs typeface="Times New Roman" panose="02020603050405020304" pitchFamily="18" charset="0"/>
+            </a:endParaRPr>
+          </a:p>
+        </p:txBody>
+      </p:sp>
+      <p:pic>
+        <p:nvPicPr>
+          <p:cNvPr id="3" name="Gráfico 2">
+            <a:extLst>
+              <a:ext uri="{FF2B5EF4-FFF2-40B4-BE49-F238E27FC236}">
+                <a16:creationId xmlns:a16="http://schemas.microsoft.com/office/drawing/2014/main" id="{83BA2169-FB7B-064E-4EB1-5885B9E28F12}"/>
+              </a:ext>
+            </a:extLst>
+          </p:cNvPr>
+          <p:cNvPicPr>
+            <a:picLocks noChangeAspect="1"/>
+          </p:cNvPicPr>
+          <p:nvPr/>
+        </p:nvPicPr>
+        <p:blipFill>
+          <a:blip r:embed="rId3">
+            <a:extLst>
+              <a:ext uri="{28A0092B-C50C-407E-A947-70E740481C1C}">
+                <a14:useLocalDpi xmlns:a14="http://schemas.microsoft.com/office/drawing/2010/main" val="0"/>
+              </a:ext>
+              <a:ext uri="{96DAC541-7B7A-43D3-8B79-37D633B846F1}">
+                <asvg:svgBlip xmlns:asvg="http://schemas.microsoft.com/office/drawing/2016/SVG/main" r:embed="rId4"/>
+              </a:ext>
+            </a:extLst>
+          </a:blip>
+          <a:stretch>
+            <a:fillRect/>
+          </a:stretch>
+        </p:blipFill>
+        <p:spPr>
+          <a:xfrm>
+            <a:off x="1132056" y="1097078"/>
+            <a:ext cx="6893891" cy="3943350"/>
+          </a:xfrm>
+          <a:prstGeom prst="rect">
+            <a:avLst/>
+          </a:prstGeom>
+        </p:spPr>
+      </p:pic>
+    </p:spTree>
+    <p:extLst>
+      <p:ext uri="{BB962C8B-B14F-4D97-AF65-F5344CB8AC3E}">
+        <p14:creationId xmlns:p14="http://schemas.microsoft.com/office/powerpoint/2010/main" val="2882496039"/>
+      </p:ext>
+    </p:extLst>
+  </p:cSld>
+  <p:clrMapOvr>
+    <a:masterClrMapping/>
+  </p:clrMapOvr>
+  <p:transition spd="med"/>
+</p:sld>
+</file>
+
+<file path=ppt/slides/slide9.xml><?xml version="1.0" encoding="utf-8"?>
+<p:sld xmlns:a="http://schemas.openxmlformats.org/drawingml/2006/main" xmlns:r="http://schemas.openxmlformats.org/officeDocument/2006/relationships" xmlns:p="http://schemas.openxmlformats.org/presentationml/2006/main">
+  <p:cSld>
+    <p:spTree>
+      <p:nvGrpSpPr>
+        <p:cNvPr id="1" name=""/>
+        <p:cNvGrpSpPr/>
+        <p:nvPr/>
+      </p:nvGrpSpPr>
+      <p:grpSpPr>
+        <a:xfrm>
+          <a:off x="0" y="0"/>
+          <a:ext cx="0" cy="0"/>
+          <a:chOff x="0" y="0"/>
+          <a:chExt cx="0" cy="0"/>
+        </a:xfrm>
+      </p:grpSpPr>
+      <p:sp>
+        <p:nvSpPr>
+          <p:cNvPr id="6" name="Title 1"/>
+          <p:cNvSpPr>
+            <a:spLocks noGrp="1"/>
+          </p:cNvSpPr>
+          <p:nvPr>
+            <p:ph type="title"/>
+          </p:nvPr>
+        </p:nvSpPr>
+        <p:spPr>
+          <a:xfrm>
+            <a:off x="457200" y="205980"/>
+            <a:ext cx="8229600" cy="857251"/>
+          </a:xfrm>
+        </p:spPr>
+        <p:txBody>
+          <a:bodyPr>
+            <a:normAutofit/>
+          </a:bodyPr>
+          <a:lstStyle/>
+          <a:p>
+            <a:r>
+              <a:rPr lang="pt-BR" b="1" dirty="0">
+                <a:solidFill>
+                  <a:srgbClr val="0070C0"/>
+                </a:solidFill>
+              </a:rPr>
+              <a:t>Arquitetura </a:t>
+            </a:r>
+            <a:r>
+              <a:rPr lang="pt-BR" b="1" dirty="0" err="1">
+                <a:solidFill>
+                  <a:srgbClr val="0070C0"/>
+                </a:solidFill>
+              </a:rPr>
+              <a:t>IoT</a:t>
+            </a:r>
+            <a:endParaRPr lang="en-US" b="1" dirty="0">
+              <a:solidFill>
+                <a:srgbClr val="0070C0"/>
+              </a:solidFill>
+            </a:endParaRPr>
+          </a:p>
+        </p:txBody>
+      </p:sp>
+      <p:sp>
+        <p:nvSpPr>
+          <p:cNvPr id="8" name="Text Placeholder 2"/>
+          <p:cNvSpPr>
+            <a:spLocks noGrp="1"/>
+          </p:cNvSpPr>
+          <p:nvPr>
+            <p:ph type="body" sz="half" idx="1"/>
+          </p:nvPr>
+        </p:nvSpPr>
+        <p:spPr>
+          <a:xfrm>
+            <a:off x="142865" y="1200150"/>
+            <a:ext cx="8865056" cy="3737370"/>
+          </a:xfrm>
+        </p:spPr>
+        <p:txBody>
+          <a:bodyPr>
+            <a:noAutofit/>
+          </a:bodyPr>
+          <a:lstStyle/>
+          <a:p>
+            <a:pPr marL="0" indent="0" algn="just">
+              <a:buNone/>
+            </a:pPr>
+            <a:r>
+              <a:rPr lang="pt-BR" sz="2000" dirty="0">
+                <a:solidFill>
+                  <a:schemeClr val="tx1"/>
+                </a:solidFill>
+                <a:latin typeface="Times New Roman" panose="02020603050405020304" pitchFamily="18" charset="0"/>
+                <a:cs typeface="Times New Roman" panose="02020603050405020304" pitchFamily="18" charset="0"/>
+              </a:rPr>
+              <a:t>À </a:t>
+            </a:r>
+            <a:r>
+              <a:rPr lang="pt-BR" sz="2000" b="1" dirty="0">
+                <a:solidFill>
+                  <a:schemeClr val="tx1"/>
+                </a:solidFill>
+                <a:latin typeface="Times New Roman" panose="02020603050405020304" pitchFamily="18" charset="0"/>
+                <a:cs typeface="Times New Roman" panose="02020603050405020304" pitchFamily="18" charset="0"/>
+              </a:rPr>
+              <a:t>internet das coisas</a:t>
+            </a:r>
+            <a:r>
+              <a:rPr lang="pt-BR" sz="2000" dirty="0">
+                <a:solidFill>
+                  <a:schemeClr val="tx1"/>
+                </a:solidFill>
+                <a:latin typeface="Times New Roman" panose="02020603050405020304" pitchFamily="18" charset="0"/>
+                <a:cs typeface="Times New Roman" panose="02020603050405020304" pitchFamily="18" charset="0"/>
+              </a:rPr>
+              <a:t>, surge para utilizar esta conexão pré-existente para conectar coisas, fazer a troca de dados e tomada de decisão sem necessariamente depender da interferência humana.</a:t>
+            </a:r>
+          </a:p>
+          <a:p>
+            <a:pPr marL="0" indent="0" algn="just">
+              <a:buNone/>
+            </a:pPr>
+            <a:endParaRPr lang="pt-BR" sz="2000" dirty="0">
+              <a:solidFill>
+                <a:schemeClr val="tx1"/>
+              </a:solidFill>
+              <a:latin typeface="Times New Roman" panose="02020603050405020304" pitchFamily="18" charset="0"/>
+              <a:cs typeface="Times New Roman" panose="02020603050405020304" pitchFamily="18" charset="0"/>
+            </a:endParaRPr>
+          </a:p>
+          <a:p>
+            <a:pPr marL="0" indent="0" algn="just">
+              <a:buNone/>
+            </a:pPr>
+            <a:r>
+              <a:rPr lang="pt-BR" sz="2000" dirty="0">
+                <a:solidFill>
+                  <a:schemeClr val="tx1"/>
+                </a:solidFill>
+                <a:latin typeface="Times New Roman" panose="02020603050405020304" pitchFamily="18" charset="0"/>
+                <a:cs typeface="Times New Roman" panose="02020603050405020304" pitchFamily="18" charset="0"/>
+              </a:rPr>
+              <a:t>Existem, três </a:t>
+            </a:r>
+            <a:r>
+              <a:rPr lang="pt-BR" sz="2000" b="1" dirty="0">
+                <a:solidFill>
+                  <a:schemeClr val="tx1"/>
+                </a:solidFill>
+                <a:latin typeface="Times New Roman" panose="02020603050405020304" pitchFamily="18" charset="0"/>
+                <a:cs typeface="Times New Roman" panose="02020603050405020304" pitchFamily="18" charset="0"/>
+              </a:rPr>
+              <a:t>componentes</a:t>
+            </a:r>
+            <a:r>
+              <a:rPr lang="pt-BR" sz="2000" dirty="0">
+                <a:solidFill>
+                  <a:schemeClr val="tx1"/>
+                </a:solidFill>
+                <a:latin typeface="Times New Roman" panose="02020603050405020304" pitchFamily="18" charset="0"/>
+                <a:cs typeface="Times New Roman" panose="02020603050405020304" pitchFamily="18" charset="0"/>
+              </a:rPr>
+              <a:t> que precisam ser combinados para uma </a:t>
+            </a:r>
+            <a:r>
+              <a:rPr lang="pt-BR" sz="2000" b="1" dirty="0">
+                <a:solidFill>
+                  <a:schemeClr val="tx1"/>
+                </a:solidFill>
+                <a:latin typeface="Times New Roman" panose="02020603050405020304" pitchFamily="18" charset="0"/>
+                <a:cs typeface="Times New Roman" panose="02020603050405020304" pitchFamily="18" charset="0"/>
+              </a:rPr>
+              <a:t>aplicação de </a:t>
+            </a:r>
+            <a:r>
+              <a:rPr lang="pt-BR" sz="2000" b="1" dirty="0" err="1">
+                <a:solidFill>
+                  <a:schemeClr val="tx1"/>
+                </a:solidFill>
+                <a:latin typeface="Times New Roman" panose="02020603050405020304" pitchFamily="18" charset="0"/>
+                <a:cs typeface="Times New Roman" panose="02020603050405020304" pitchFamily="18" charset="0"/>
+              </a:rPr>
+              <a:t>IoT</a:t>
+            </a:r>
+            <a:r>
+              <a:rPr lang="pt-BR" sz="2000" dirty="0">
+                <a:solidFill>
+                  <a:schemeClr val="tx1"/>
+                </a:solidFill>
+                <a:latin typeface="Times New Roman" panose="02020603050405020304" pitchFamily="18" charset="0"/>
+                <a:cs typeface="Times New Roman" panose="02020603050405020304" pitchFamily="18" charset="0"/>
+              </a:rPr>
+              <a:t> existir: </a:t>
+            </a:r>
+            <a:r>
+              <a:rPr lang="pt-BR" sz="2000" b="1" dirty="0">
+                <a:solidFill>
+                  <a:srgbClr val="FF0000"/>
+                </a:solidFill>
+                <a:latin typeface="Times New Roman" panose="02020603050405020304" pitchFamily="18" charset="0"/>
+                <a:cs typeface="Times New Roman" panose="02020603050405020304" pitchFamily="18" charset="0"/>
+              </a:rPr>
+              <a:t>dispositivos, redes de comunicação e sistemas de controle</a:t>
+            </a:r>
+            <a:r>
+              <a:rPr lang="pt-BR" sz="2000" dirty="0">
+                <a:solidFill>
+                  <a:schemeClr val="tx1"/>
+                </a:solidFill>
+                <a:latin typeface="Times New Roman" panose="02020603050405020304" pitchFamily="18" charset="0"/>
+                <a:cs typeface="Times New Roman" panose="02020603050405020304" pitchFamily="18" charset="0"/>
+              </a:rPr>
+              <a:t>.</a:t>
+            </a:r>
+          </a:p>
+          <a:p>
+            <a:pPr marL="0" indent="0" algn="just">
+              <a:buNone/>
+            </a:pPr>
+            <a:endParaRPr lang="pt-BR" sz="2000" dirty="0">
+              <a:solidFill>
+                <a:schemeClr val="tx1"/>
+              </a:solidFill>
+              <a:latin typeface="Times New Roman" panose="02020603050405020304" pitchFamily="18" charset="0"/>
+              <a:cs typeface="Times New Roman" panose="02020603050405020304" pitchFamily="18" charset="0"/>
+            </a:endParaRPr>
+          </a:p>
+          <a:p>
+            <a:pPr marL="0" indent="0" algn="just">
+              <a:buNone/>
+            </a:pPr>
+            <a:r>
+              <a:rPr lang="en-US" sz="2000" dirty="0" err="1">
+                <a:solidFill>
+                  <a:schemeClr val="tx1"/>
+                </a:solidFill>
+                <a:latin typeface="Times New Roman" panose="02020603050405020304" pitchFamily="18" charset="0"/>
+                <a:cs typeface="Times New Roman" panose="02020603050405020304" pitchFamily="18" charset="0"/>
+              </a:rPr>
+              <a:t>Tipos</a:t>
+            </a:r>
+            <a:r>
+              <a:rPr lang="en-US" sz="2000" dirty="0">
+                <a:solidFill>
+                  <a:schemeClr val="tx1"/>
+                </a:solidFill>
+                <a:latin typeface="Times New Roman" panose="02020603050405020304" pitchFamily="18" charset="0"/>
+                <a:cs typeface="Times New Roman" panose="02020603050405020304" pitchFamily="18" charset="0"/>
+              </a:rPr>
+              <a:t> </a:t>
+            </a:r>
+            <a:r>
+              <a:rPr lang="en-US" sz="2000" dirty="0" err="1">
+                <a:solidFill>
+                  <a:schemeClr val="tx1"/>
+                </a:solidFill>
+                <a:latin typeface="Times New Roman" panose="02020603050405020304" pitchFamily="18" charset="0"/>
+                <a:cs typeface="Times New Roman" panose="02020603050405020304" pitchFamily="18" charset="0"/>
+              </a:rPr>
+              <a:t>mais</a:t>
+            </a:r>
+            <a:r>
+              <a:rPr lang="en-US" sz="2000" dirty="0">
+                <a:solidFill>
+                  <a:schemeClr val="tx1"/>
+                </a:solidFill>
+                <a:latin typeface="Times New Roman" panose="02020603050405020304" pitchFamily="18" charset="0"/>
+                <a:cs typeface="Times New Roman" panose="02020603050405020304" pitchFamily="18" charset="0"/>
+              </a:rPr>
+              <a:t> </a:t>
+            </a:r>
+            <a:r>
+              <a:rPr lang="en-US" sz="2000" dirty="0" err="1">
+                <a:solidFill>
+                  <a:schemeClr val="tx1"/>
+                </a:solidFill>
+                <a:latin typeface="Times New Roman" panose="02020603050405020304" pitchFamily="18" charset="0"/>
+                <a:cs typeface="Times New Roman" panose="02020603050405020304" pitchFamily="18" charset="0"/>
+              </a:rPr>
+              <a:t>utilizadas</a:t>
+            </a:r>
+            <a:r>
+              <a:rPr lang="en-US" sz="2000" dirty="0">
+                <a:solidFill>
+                  <a:schemeClr val="tx1"/>
+                </a:solidFill>
+                <a:latin typeface="Times New Roman" panose="02020603050405020304" pitchFamily="18" charset="0"/>
+                <a:cs typeface="Times New Roman" panose="02020603050405020304" pitchFamily="18" charset="0"/>
+              </a:rPr>
+              <a:t>: </a:t>
+            </a:r>
+            <a:r>
+              <a:rPr lang="en-US" sz="2000" b="1" dirty="0">
+                <a:solidFill>
+                  <a:srgbClr val="FF0000"/>
+                </a:solidFill>
+                <a:latin typeface="Times New Roman" panose="02020603050405020304" pitchFamily="18" charset="0"/>
+                <a:cs typeface="Times New Roman" panose="02020603050405020304" pitchFamily="18" charset="0"/>
+              </a:rPr>
+              <a:t>Three-Layer </a:t>
+            </a:r>
+            <a:r>
+              <a:rPr lang="en-US" sz="2000" b="1" dirty="0" err="1">
+                <a:solidFill>
+                  <a:srgbClr val="FF0000"/>
+                </a:solidFill>
+                <a:latin typeface="Times New Roman" panose="02020603050405020304" pitchFamily="18" charset="0"/>
+                <a:cs typeface="Times New Roman" panose="02020603050405020304" pitchFamily="18" charset="0"/>
+              </a:rPr>
+              <a:t>Architeture</a:t>
+            </a:r>
+            <a:r>
+              <a:rPr lang="en-US" sz="2000" dirty="0">
+                <a:solidFill>
+                  <a:schemeClr val="tx1"/>
+                </a:solidFill>
+                <a:latin typeface="Times New Roman" panose="02020603050405020304" pitchFamily="18" charset="0"/>
+                <a:cs typeface="Times New Roman" panose="02020603050405020304" pitchFamily="18" charset="0"/>
+              </a:rPr>
+              <a:t> e a </a:t>
+            </a:r>
+            <a:r>
+              <a:rPr lang="en-US" sz="2000" b="1" dirty="0">
+                <a:solidFill>
+                  <a:srgbClr val="FF0000"/>
+                </a:solidFill>
+                <a:latin typeface="Times New Roman" panose="02020603050405020304" pitchFamily="18" charset="0"/>
+                <a:cs typeface="Times New Roman" panose="02020603050405020304" pitchFamily="18" charset="0"/>
+              </a:rPr>
+              <a:t>Five-Layer </a:t>
+            </a:r>
+            <a:r>
+              <a:rPr lang="en-US" sz="2000" b="1" dirty="0" err="1">
+                <a:solidFill>
+                  <a:srgbClr val="FF0000"/>
+                </a:solidFill>
+                <a:latin typeface="Times New Roman" panose="02020603050405020304" pitchFamily="18" charset="0"/>
+                <a:cs typeface="Times New Roman" panose="02020603050405020304" pitchFamily="18" charset="0"/>
+              </a:rPr>
+              <a:t>Architeture</a:t>
+            </a:r>
+            <a:r>
+              <a:rPr lang="en-US" sz="2000" dirty="0">
+                <a:solidFill>
+                  <a:schemeClr val="tx1"/>
+                </a:solidFill>
+                <a:latin typeface="Times New Roman" panose="02020603050405020304" pitchFamily="18" charset="0"/>
+                <a:cs typeface="Times New Roman" panose="02020603050405020304" pitchFamily="18" charset="0"/>
+              </a:rPr>
+              <a:t>.</a:t>
+            </a:r>
+          </a:p>
+        </p:txBody>
+      </p:sp>
+    </p:spTree>
+    <p:extLst>
+      <p:ext uri="{BB962C8B-B14F-4D97-AF65-F5344CB8AC3E}">
+        <p14:creationId xmlns:p14="http://schemas.microsoft.com/office/powerpoint/2010/main" val="2091259801"/>
+      </p:ext>
+    </p:extLst>
   </p:cSld>
   <p:clrMapOvr>
     <a:masterClrMapping/>

--- a/01 Classes/Aula 01 - Aplicação Cloud Indústria 40 Python.pptx
+++ b/01 Classes/Aula 01 - Aplicação Cloud Indústria 40 Python.pptx
@@ -5,7 +5,7 @@
     <p:sldMasterId id="2147483648" r:id="rId1"/>
   </p:sldMasterIdLst>
   <p:notesMasterIdLst>
-    <p:notesMasterId r:id="rId25"/>
+    <p:notesMasterId r:id="rId26"/>
   </p:notesMasterIdLst>
   <p:sldIdLst>
     <p:sldId id="256" r:id="rId2"/>
@@ -26,11 +26,12 @@
     <p:sldId id="351" r:id="rId17"/>
     <p:sldId id="350" r:id="rId18"/>
     <p:sldId id="344" r:id="rId19"/>
-    <p:sldId id="333" r:id="rId20"/>
-    <p:sldId id="323" r:id="rId21"/>
-    <p:sldId id="334" r:id="rId22"/>
-    <p:sldId id="337" r:id="rId23"/>
-    <p:sldId id="342" r:id="rId24"/>
+    <p:sldId id="357" r:id="rId20"/>
+    <p:sldId id="333" r:id="rId21"/>
+    <p:sldId id="323" r:id="rId22"/>
+    <p:sldId id="334" r:id="rId23"/>
+    <p:sldId id="337" r:id="rId24"/>
+    <p:sldId id="342" r:id="rId25"/>
   </p:sldIdLst>
   <p:sldSz cx="9144000" cy="5143500" type="screen16x9"/>
   <p:notesSz cx="6858000" cy="9144000"/>
@@ -1161,7 +1162,7 @@
     </p:spTree>
     <p:extLst>
       <p:ext uri="{BB962C8B-B14F-4D97-AF65-F5344CB8AC3E}">
-        <p14:creationId xmlns:p14="http://schemas.microsoft.com/office/powerpoint/2010/main" val="585304384"/>
+        <p14:creationId xmlns:p14="http://schemas.microsoft.com/office/powerpoint/2010/main" val="3558809483"/>
       </p:ext>
     </p:extLst>
   </p:cSld>
@@ -1227,7 +1228,7 @@
     </p:spTree>
     <p:extLst>
       <p:ext uri="{BB962C8B-B14F-4D97-AF65-F5344CB8AC3E}">
-        <p14:creationId xmlns:p14="http://schemas.microsoft.com/office/powerpoint/2010/main" val="2709569597"/>
+        <p14:creationId xmlns:p14="http://schemas.microsoft.com/office/powerpoint/2010/main" val="585304384"/>
       </p:ext>
     </p:extLst>
   </p:cSld>
@@ -1359,6 +1360,72 @@
     </p:spTree>
     <p:extLst>
       <p:ext uri="{BB962C8B-B14F-4D97-AF65-F5344CB8AC3E}">
+        <p14:creationId xmlns:p14="http://schemas.microsoft.com/office/powerpoint/2010/main" val="2709569597"/>
+      </p:ext>
+    </p:extLst>
+  </p:cSld>
+  <p:clrMapOvr>
+    <a:masterClrMapping/>
+  </p:clrMapOvr>
+</p:notes>
+</file>
+
+<file path=ppt/notesSlides/notesSlide21.xml><?xml version="1.0" encoding="utf-8"?>
+<p:notes xmlns:a="http://schemas.openxmlformats.org/drawingml/2006/main" xmlns:r="http://schemas.openxmlformats.org/officeDocument/2006/relationships" xmlns:p="http://schemas.openxmlformats.org/presentationml/2006/main">
+  <p:cSld>
+    <p:spTree>
+      <p:nvGrpSpPr>
+        <p:cNvPr id="1" name=""/>
+        <p:cNvGrpSpPr/>
+        <p:nvPr/>
+      </p:nvGrpSpPr>
+      <p:grpSpPr>
+        <a:xfrm>
+          <a:off x="0" y="0"/>
+          <a:ext cx="0" cy="0"/>
+          <a:chOff x="0" y="0"/>
+          <a:chExt cx="0" cy="0"/>
+        </a:xfrm>
+      </p:grpSpPr>
+      <p:sp>
+        <p:nvSpPr>
+          <p:cNvPr id="2" name="Espaço Reservado para Imagem de Slide 1"/>
+          <p:cNvSpPr>
+            <a:spLocks noGrp="1" noRot="1" noChangeAspect="1"/>
+          </p:cNvSpPr>
+          <p:nvPr>
+            <p:ph type="sldImg"/>
+          </p:nvPr>
+        </p:nvSpPr>
+        <p:spPr>
+          <a:xfrm>
+            <a:off x="381000" y="685800"/>
+            <a:ext cx="6096000" cy="3429000"/>
+          </a:xfrm>
+        </p:spPr>
+      </p:sp>
+      <p:sp>
+        <p:nvSpPr>
+          <p:cNvPr id="3" name="Espaço Reservado para Anotações 2"/>
+          <p:cNvSpPr>
+            <a:spLocks noGrp="1"/>
+          </p:cNvSpPr>
+          <p:nvPr>
+            <p:ph type="body" idx="1"/>
+          </p:nvPr>
+        </p:nvSpPr>
+        <p:spPr/>
+        <p:txBody>
+          <a:bodyPr/>
+          <a:lstStyle/>
+          <a:p>
+            <a:endParaRPr lang="pt-BR" dirty="0"/>
+          </a:p>
+        </p:txBody>
+      </p:sp>
+    </p:spTree>
+    <p:extLst>
+      <p:ext uri="{BB962C8B-B14F-4D97-AF65-F5344CB8AC3E}">
         <p14:creationId xmlns:p14="http://schemas.microsoft.com/office/powerpoint/2010/main" val="2296249050"/>
       </p:ext>
     </p:extLst>
@@ -1369,7 +1436,7 @@
 </p:notes>
 </file>
 
-<file path=ppt/notesSlides/notesSlide21.xml><?xml version="1.0" encoding="utf-8"?>
+<file path=ppt/notesSlides/notesSlide22.xml><?xml version="1.0" encoding="utf-8"?>
 <p:notes xmlns:a="http://schemas.openxmlformats.org/drawingml/2006/main" xmlns:r="http://schemas.openxmlformats.org/officeDocument/2006/relationships" xmlns:p="http://schemas.openxmlformats.org/presentationml/2006/main">
   <p:cSld>
     <p:spTree>
@@ -7181,6 +7248,16 @@
               <a:buChar char="§"/>
             </a:pPr>
             <a:r>
+              <a:rPr lang="pt-BR" sz="2000" b="1" dirty="0">
+                <a:solidFill>
+                  <a:schemeClr val="tx1"/>
+                </a:solidFill>
+                <a:latin typeface="Times New Roman" panose="02020603050405020304" pitchFamily="18" charset="0"/>
+                <a:cs typeface="Times New Roman" panose="02020603050405020304" pitchFamily="18" charset="0"/>
+              </a:rPr>
+              <a:t>Plataforma Arduíno </a:t>
+            </a:r>
+            <a:r>
               <a:rPr lang="pt-BR" sz="2000" dirty="0">
                 <a:solidFill>
                   <a:schemeClr val="tx1"/>
@@ -7188,7 +7265,22 @@
                 <a:latin typeface="Times New Roman" panose="02020603050405020304" pitchFamily="18" charset="0"/>
                 <a:cs typeface="Times New Roman" panose="02020603050405020304" pitchFamily="18" charset="0"/>
               </a:rPr>
-              <a:t>Oracle </a:t>
+              <a:t>com Python</a:t>
+            </a:r>
+          </a:p>
+          <a:p>
+            <a:pPr marL="457200" lvl="1" indent="0" algn="just">
+              <a:buNone/>
+            </a:pPr>
+            <a:r>
+              <a:rPr lang="pt-BR" sz="2000" dirty="0">
+                <a:solidFill>
+                  <a:schemeClr val="tx1"/>
+                </a:solidFill>
+                <a:latin typeface="Times New Roman" panose="02020603050405020304" pitchFamily="18" charset="0"/>
+                <a:cs typeface="Times New Roman" panose="02020603050405020304" pitchFamily="18" charset="0"/>
+              </a:rPr>
+              <a:t>Plataforma open </a:t>
             </a:r>
             <a:r>
               <a:rPr lang="pt-BR" sz="2000" dirty="0" err="1">
@@ -7198,7 +7290,7 @@
                 <a:latin typeface="Times New Roman" panose="02020603050405020304" pitchFamily="18" charset="0"/>
                 <a:cs typeface="Times New Roman" panose="02020603050405020304" pitchFamily="18" charset="0"/>
               </a:rPr>
-              <a:t>IoT</a:t>
+              <a:t>source</a:t>
             </a:r>
             <a:r>
               <a:rPr lang="pt-BR" sz="2000" dirty="0">
@@ -7208,7 +7300,17 @@
                 <a:latin typeface="Times New Roman" panose="02020603050405020304" pitchFamily="18" charset="0"/>
                 <a:cs typeface="Times New Roman" panose="02020603050405020304" pitchFamily="18" charset="0"/>
               </a:rPr>
-              <a:t> - </a:t>
+              <a:t>, biblioteca </a:t>
+            </a:r>
+            <a:r>
+              <a:rPr lang="pt-BR" sz="2000" dirty="0" err="1">
+                <a:solidFill>
+                  <a:schemeClr val="tx1"/>
+                </a:solidFill>
+                <a:latin typeface="Times New Roman" panose="02020603050405020304" pitchFamily="18" charset="0"/>
+                <a:cs typeface="Times New Roman" panose="02020603050405020304" pitchFamily="18" charset="0"/>
+              </a:rPr>
+              <a:t>PyFirmata</a:t>
             </a:r>
             <a:r>
               <a:rPr lang="pt-BR" sz="2000" dirty="0">
@@ -7217,11 +7319,46 @@
                 </a:solidFill>
                 <a:latin typeface="Times New Roman" panose="02020603050405020304" pitchFamily="18" charset="0"/>
                 <a:cs typeface="Times New Roman" panose="02020603050405020304" pitchFamily="18" charset="0"/>
-                <a:hlinkClick r:id="rId3"/>
-              </a:rPr>
-              <a:t>https://www.oracle.com/br/internet-of-things/what-is-iot/</a:t>
-            </a:r>
-            <a:endParaRPr lang="pt-BR" sz="2000" dirty="0">
+              </a:rPr>
+              <a:t>, Placa Arduino UNO</a:t>
+            </a:r>
+          </a:p>
+          <a:p>
+            <a:pPr algn="just">
+              <a:buFont typeface="Wingdings" panose="05000000000000000000" pitchFamily="2" charset="2"/>
+              <a:buChar char="§"/>
+            </a:pPr>
+            <a:r>
+              <a:rPr lang="pt-BR" sz="2000" b="1" dirty="0">
+                <a:solidFill>
+                  <a:schemeClr val="tx1"/>
+                </a:solidFill>
+                <a:latin typeface="Times New Roman" panose="02020603050405020304" pitchFamily="18" charset="0"/>
+                <a:cs typeface="Times New Roman" panose="02020603050405020304" pitchFamily="18" charset="0"/>
+              </a:rPr>
+              <a:t>Plataforma NODEMCU </a:t>
+            </a:r>
+            <a:r>
+              <a:rPr lang="pt-BR" sz="2000" dirty="0">
+                <a:solidFill>
+                  <a:schemeClr val="tx1"/>
+                </a:solidFill>
+                <a:latin typeface="Times New Roman" panose="02020603050405020304" pitchFamily="18" charset="0"/>
+                <a:cs typeface="Times New Roman" panose="02020603050405020304" pitchFamily="18" charset="0"/>
+              </a:rPr>
+              <a:t>e </a:t>
+            </a:r>
+            <a:r>
+              <a:rPr lang="pt-BR" sz="2000" b="1" dirty="0" err="1">
+                <a:solidFill>
+                  <a:schemeClr val="tx1"/>
+                </a:solidFill>
+                <a:latin typeface="Times New Roman" panose="02020603050405020304" pitchFamily="18" charset="0"/>
+                <a:cs typeface="Times New Roman" panose="02020603050405020304" pitchFamily="18" charset="0"/>
+              </a:rPr>
+              <a:t>Micropython</a:t>
+            </a:r>
+            <a:endParaRPr lang="pt-BR" sz="2000" b="1" dirty="0">
               <a:solidFill>
                 <a:schemeClr val="tx1"/>
               </a:solidFill>
@@ -7230,11 +7367,101 @@
             </a:endParaRPr>
           </a:p>
           <a:p>
+            <a:pPr marL="457200" lvl="1" indent="0" algn="just">
+              <a:buNone/>
+            </a:pPr>
+            <a:r>
+              <a:rPr lang="pt-BR" sz="2000" dirty="0">
+                <a:solidFill>
+                  <a:schemeClr val="tx1"/>
+                </a:solidFill>
+                <a:latin typeface="Times New Roman" panose="02020603050405020304" pitchFamily="18" charset="0"/>
+                <a:cs typeface="Times New Roman" panose="02020603050405020304" pitchFamily="18" charset="0"/>
+              </a:rPr>
+              <a:t>Plataforma open </a:t>
+            </a:r>
+            <a:r>
+              <a:rPr lang="pt-BR" sz="2000" dirty="0" err="1">
+                <a:solidFill>
+                  <a:schemeClr val="tx1"/>
+                </a:solidFill>
+                <a:latin typeface="Times New Roman" panose="02020603050405020304" pitchFamily="18" charset="0"/>
+                <a:cs typeface="Times New Roman" panose="02020603050405020304" pitchFamily="18" charset="0"/>
+              </a:rPr>
+              <a:t>source</a:t>
+            </a:r>
+            <a:r>
+              <a:rPr lang="pt-BR" sz="2000" dirty="0">
+                <a:solidFill>
+                  <a:schemeClr val="tx1"/>
+                </a:solidFill>
+                <a:latin typeface="Times New Roman" panose="02020603050405020304" pitchFamily="18" charset="0"/>
+                <a:cs typeface="Times New Roman" panose="02020603050405020304" pitchFamily="18" charset="0"/>
+              </a:rPr>
+              <a:t> da </a:t>
+            </a:r>
+            <a:r>
+              <a:rPr lang="pt-BR" sz="2000" b="1" dirty="0">
+                <a:solidFill>
+                  <a:srgbClr val="FF0000"/>
+                </a:solidFill>
+                <a:latin typeface="Times New Roman" panose="02020603050405020304" pitchFamily="18" charset="0"/>
+                <a:cs typeface="Times New Roman" panose="02020603050405020304" pitchFamily="18" charset="0"/>
+              </a:rPr>
+              <a:t>família ESP8266 e ESP32</a:t>
+            </a:r>
+            <a:r>
+              <a:rPr lang="pt-BR" sz="2000" dirty="0">
+                <a:solidFill>
+                  <a:schemeClr val="tx1"/>
+                </a:solidFill>
+                <a:latin typeface="Times New Roman" panose="02020603050405020304" pitchFamily="18" charset="0"/>
+                <a:cs typeface="Times New Roman" panose="02020603050405020304" pitchFamily="18" charset="0"/>
+              </a:rPr>
+              <a:t> (microcontrolador)</a:t>
+            </a:r>
+          </a:p>
+          <a:p>
             <a:pPr algn="just">
               <a:buFont typeface="Wingdings" panose="05000000000000000000" pitchFamily="2" charset="2"/>
               <a:buChar char="§"/>
             </a:pPr>
             <a:r>
+              <a:rPr lang="pt-BR" sz="2000" b="1" dirty="0">
+                <a:solidFill>
+                  <a:schemeClr val="tx1"/>
+                </a:solidFill>
+                <a:latin typeface="Times New Roman" panose="02020603050405020304" pitchFamily="18" charset="0"/>
+                <a:cs typeface="Times New Roman" panose="02020603050405020304" pitchFamily="18" charset="0"/>
+              </a:rPr>
+              <a:t>Plataforma </a:t>
+            </a:r>
+            <a:r>
+              <a:rPr lang="pt-BR" sz="2000" b="1" dirty="0" err="1">
+                <a:solidFill>
+                  <a:schemeClr val="tx1"/>
+                </a:solidFill>
+                <a:latin typeface="Times New Roman" panose="02020603050405020304" pitchFamily="18" charset="0"/>
+                <a:cs typeface="Times New Roman" panose="02020603050405020304" pitchFamily="18" charset="0"/>
+              </a:rPr>
+              <a:t>Raspberry</a:t>
+            </a:r>
+            <a:r>
+              <a:rPr lang="pt-BR" sz="2000" b="1" dirty="0">
+                <a:solidFill>
+                  <a:schemeClr val="tx1"/>
+                </a:solidFill>
+                <a:latin typeface="Times New Roman" panose="02020603050405020304" pitchFamily="18" charset="0"/>
+                <a:cs typeface="Times New Roman" panose="02020603050405020304" pitchFamily="18" charset="0"/>
+              </a:rPr>
+              <a:t> PI</a:t>
+            </a:r>
+          </a:p>
+          <a:p>
+            <a:pPr marL="457200" lvl="1" indent="0" algn="just">
+              <a:buNone/>
+            </a:pPr>
+            <a:r>
               <a:rPr lang="pt-BR" sz="2000" dirty="0">
                 <a:solidFill>
                   <a:schemeClr val="tx1"/>
@@ -7242,7 +7469,7 @@
                 <a:latin typeface="Times New Roman" panose="02020603050405020304" pitchFamily="18" charset="0"/>
                 <a:cs typeface="Times New Roman" panose="02020603050405020304" pitchFamily="18" charset="0"/>
               </a:rPr>
-              <a:t>Azure </a:t>
+              <a:t>Plataforma open </a:t>
             </a:r>
             <a:r>
               <a:rPr lang="pt-BR" sz="2000" dirty="0" err="1">
@@ -7252,7 +7479,7 @@
                 <a:latin typeface="Times New Roman" panose="02020603050405020304" pitchFamily="18" charset="0"/>
                 <a:cs typeface="Times New Roman" panose="02020603050405020304" pitchFamily="18" charset="0"/>
               </a:rPr>
-              <a:t>IoT</a:t>
+              <a:t>source</a:t>
             </a:r>
             <a:r>
               <a:rPr lang="pt-BR" sz="2000" dirty="0">
@@ -7262,13 +7489,18 @@
                 <a:latin typeface="Times New Roman" panose="02020603050405020304" pitchFamily="18" charset="0"/>
                 <a:cs typeface="Times New Roman" panose="02020603050405020304" pitchFamily="18" charset="0"/>
               </a:rPr>
-              <a:t> - https://azure.microsoft.com/pt-br/solutions/iot/</a:t>
-            </a:r>
-          </a:p>
-          <a:p>
-            <a:pPr marL="0" indent="0" algn="just">
-              <a:buNone/>
-            </a:pPr>
+              <a:t>, biblioteca </a:t>
+            </a:r>
+            <a:r>
+              <a:rPr lang="pt-BR" sz="2000" dirty="0" err="1">
+                <a:solidFill>
+                  <a:schemeClr val="tx1"/>
+                </a:solidFill>
+                <a:latin typeface="Times New Roman" panose="02020603050405020304" pitchFamily="18" charset="0"/>
+                <a:cs typeface="Times New Roman" panose="02020603050405020304" pitchFamily="18" charset="0"/>
+              </a:rPr>
+              <a:t>TensorFlow</a:t>
+            </a:r>
             <a:r>
               <a:rPr lang="pt-BR" sz="2000" dirty="0">
                 <a:solidFill>
@@ -7277,7 +7509,37 @@
                 <a:latin typeface="Times New Roman" panose="02020603050405020304" pitchFamily="18" charset="0"/>
                 <a:cs typeface="Times New Roman" panose="02020603050405020304" pitchFamily="18" charset="0"/>
               </a:rPr>
-              <a:t>     </a:t>
+              <a:t> (</a:t>
+            </a:r>
+            <a:r>
+              <a:rPr lang="pt-BR" sz="2000" b="1" dirty="0" err="1">
+                <a:solidFill>
+                  <a:schemeClr val="tx1"/>
+                </a:solidFill>
+                <a:latin typeface="Times New Roman" panose="02020603050405020304" pitchFamily="18" charset="0"/>
+                <a:cs typeface="Times New Roman" panose="02020603050405020304" pitchFamily="18" charset="0"/>
+              </a:rPr>
+              <a:t>Marchine</a:t>
+            </a:r>
+            <a:r>
+              <a:rPr lang="pt-BR" sz="2000" b="1" dirty="0">
+                <a:solidFill>
+                  <a:schemeClr val="tx1"/>
+                </a:solidFill>
+                <a:latin typeface="Times New Roman" panose="02020603050405020304" pitchFamily="18" charset="0"/>
+                <a:cs typeface="Times New Roman" panose="02020603050405020304" pitchFamily="18" charset="0"/>
+              </a:rPr>
+              <a:t> </a:t>
+            </a:r>
+            <a:r>
+              <a:rPr lang="pt-BR" sz="2000" b="1" dirty="0" err="1">
+                <a:solidFill>
+                  <a:schemeClr val="tx1"/>
+                </a:solidFill>
+                <a:latin typeface="Times New Roman" panose="02020603050405020304" pitchFamily="18" charset="0"/>
+                <a:cs typeface="Times New Roman" panose="02020603050405020304" pitchFamily="18" charset="0"/>
+              </a:rPr>
+              <a:t>learning</a:t>
             </a:r>
             <a:r>
               <a:rPr lang="pt-BR" sz="2000" dirty="0">
@@ -7286,23 +7548,19 @@
                 </a:solidFill>
                 <a:latin typeface="Times New Roman" panose="02020603050405020304" pitchFamily="18" charset="0"/>
                 <a:cs typeface="Times New Roman" panose="02020603050405020304" pitchFamily="18" charset="0"/>
-                <a:hlinkClick r:id="rId4"/>
-              </a:rPr>
-              <a:t>https://azure.microsoft.com/pt-br/solutions/iot/#overview</a:t>
-            </a:r>
-            <a:endParaRPr lang="pt-BR" sz="2000" dirty="0">
-              <a:solidFill>
-                <a:schemeClr val="tx1"/>
-              </a:solidFill>
-              <a:latin typeface="Times New Roman" panose="02020603050405020304" pitchFamily="18" charset="0"/>
-              <a:cs typeface="Times New Roman" panose="02020603050405020304" pitchFamily="18" charset="0"/>
-            </a:endParaRPr>
-          </a:p>
-          <a:p>
-            <a:pPr algn="just">
-              <a:buFont typeface="Wingdings" panose="05000000000000000000" pitchFamily="2" charset="2"/>
-              <a:buChar char="§"/>
-            </a:pPr>
+              </a:rPr>
+              <a:t>), sensores e atuadores (</a:t>
+            </a:r>
+            <a:r>
+              <a:rPr lang="pt-BR" sz="2000" b="1" dirty="0">
+                <a:solidFill>
+                  <a:schemeClr val="tx1"/>
+                </a:solidFill>
+                <a:latin typeface="Times New Roman" panose="02020603050405020304" pitchFamily="18" charset="0"/>
+                <a:cs typeface="Times New Roman" panose="02020603050405020304" pitchFamily="18" charset="0"/>
+              </a:rPr>
+              <a:t>dispositivos</a:t>
+            </a:r>
             <a:r>
               <a:rPr lang="pt-BR" sz="2000" dirty="0">
                 <a:solidFill>
@@ -7311,17 +7569,17 @@
                 <a:latin typeface="Times New Roman" panose="02020603050405020304" pitchFamily="18" charset="0"/>
                 <a:cs typeface="Times New Roman" panose="02020603050405020304" pitchFamily="18" charset="0"/>
               </a:rPr>
-              <a:t>Google Cloud </a:t>
-            </a:r>
-            <a:r>
-              <a:rPr lang="pt-BR" sz="2000" dirty="0" err="1">
-                <a:solidFill>
-                  <a:schemeClr val="tx1"/>
-                </a:solidFill>
-                <a:latin typeface="Times New Roman" panose="02020603050405020304" pitchFamily="18" charset="0"/>
-                <a:cs typeface="Times New Roman" panose="02020603050405020304" pitchFamily="18" charset="0"/>
-              </a:rPr>
-              <a:t>IoT</a:t>
+              <a:t>: para gerar movimento, </a:t>
+            </a:r>
+            <a:r>
+              <a:rPr lang="pt-BR" sz="2000">
+                <a:solidFill>
+                  <a:schemeClr val="tx1"/>
+                </a:solidFill>
+                <a:latin typeface="Times New Roman" panose="02020603050405020304" pitchFamily="18" charset="0"/>
+                <a:cs typeface="Times New Roman" panose="02020603050405020304" pitchFamily="18" charset="0"/>
+              </a:rPr>
+              <a:t>energia mecânica.) </a:t>
             </a:r>
             <a:r>
               <a:rPr lang="pt-BR" sz="2000" dirty="0">
@@ -7331,156 +7589,8 @@
                 <a:latin typeface="Times New Roman" panose="02020603050405020304" pitchFamily="18" charset="0"/>
                 <a:cs typeface="Times New Roman" panose="02020603050405020304" pitchFamily="18" charset="0"/>
               </a:rPr>
-              <a:t> Platform</a:t>
-            </a:r>
-          </a:p>
-          <a:p>
-            <a:pPr algn="just">
-              <a:buFont typeface="Wingdings" panose="05000000000000000000" pitchFamily="2" charset="2"/>
-              <a:buChar char="§"/>
-            </a:pPr>
-            <a:r>
-              <a:rPr lang="pt-BR" sz="2000" dirty="0">
-                <a:solidFill>
-                  <a:schemeClr val="tx1"/>
-                </a:solidFill>
-                <a:latin typeface="Times New Roman" panose="02020603050405020304" pitchFamily="18" charset="0"/>
-                <a:cs typeface="Times New Roman" panose="02020603050405020304" pitchFamily="18" charset="0"/>
-              </a:rPr>
-              <a:t>Plataforma de serviços da Web da </a:t>
-            </a:r>
-            <a:r>
-              <a:rPr lang="pt-BR" sz="2000" dirty="0" err="1">
-                <a:solidFill>
-                  <a:schemeClr val="tx1"/>
-                </a:solidFill>
-                <a:latin typeface="Times New Roman" panose="02020603050405020304" pitchFamily="18" charset="0"/>
-                <a:cs typeface="Times New Roman" panose="02020603050405020304" pitchFamily="18" charset="0"/>
-              </a:rPr>
-              <a:t>Amazon</a:t>
-            </a:r>
-            <a:r>
-              <a:rPr lang="pt-BR" sz="2000" dirty="0">
-                <a:solidFill>
-                  <a:schemeClr val="tx1"/>
-                </a:solidFill>
-                <a:latin typeface="Times New Roman" panose="02020603050405020304" pitchFamily="18" charset="0"/>
-                <a:cs typeface="Times New Roman" panose="02020603050405020304" pitchFamily="18" charset="0"/>
-              </a:rPr>
-              <a:t> para </a:t>
-            </a:r>
-            <a:r>
-              <a:rPr lang="pt-BR" sz="2000" dirty="0" err="1">
-                <a:solidFill>
-                  <a:schemeClr val="tx1"/>
-                </a:solidFill>
-                <a:latin typeface="Times New Roman" panose="02020603050405020304" pitchFamily="18" charset="0"/>
-                <a:cs typeface="Times New Roman" panose="02020603050405020304" pitchFamily="18" charset="0"/>
-              </a:rPr>
-              <a:t>IoT</a:t>
-            </a:r>
-            <a:endParaRPr lang="pt-BR" sz="2000" dirty="0">
-              <a:solidFill>
-                <a:schemeClr val="tx1"/>
-              </a:solidFill>
-              <a:latin typeface="Times New Roman" panose="02020603050405020304" pitchFamily="18" charset="0"/>
-              <a:cs typeface="Times New Roman" panose="02020603050405020304" pitchFamily="18" charset="0"/>
-            </a:endParaRPr>
-          </a:p>
-          <a:p>
-            <a:pPr algn="just">
-              <a:buFont typeface="Wingdings" panose="05000000000000000000" pitchFamily="2" charset="2"/>
-              <a:buChar char="§"/>
-            </a:pPr>
-            <a:r>
-              <a:rPr lang="pt-BR" sz="2000" dirty="0" err="1">
-                <a:solidFill>
-                  <a:schemeClr val="tx1"/>
-                </a:solidFill>
-                <a:latin typeface="Times New Roman" panose="02020603050405020304" pitchFamily="18" charset="0"/>
-                <a:cs typeface="Times New Roman" panose="02020603050405020304" pitchFamily="18" charset="0"/>
-              </a:rPr>
-              <a:t>ThingWorx</a:t>
-            </a:r>
-            <a:endParaRPr lang="pt-BR" sz="2000" dirty="0">
-              <a:solidFill>
-                <a:schemeClr val="tx1"/>
-              </a:solidFill>
-              <a:latin typeface="Times New Roman" panose="02020603050405020304" pitchFamily="18" charset="0"/>
-              <a:cs typeface="Times New Roman" panose="02020603050405020304" pitchFamily="18" charset="0"/>
-            </a:endParaRPr>
-          </a:p>
-          <a:p>
-            <a:pPr algn="just">
-              <a:buFont typeface="Wingdings" panose="05000000000000000000" pitchFamily="2" charset="2"/>
-              <a:buChar char="§"/>
-            </a:pPr>
-            <a:r>
-              <a:rPr lang="pt-BR" sz="2000" dirty="0">
-                <a:solidFill>
-                  <a:schemeClr val="tx1"/>
-                </a:solidFill>
-                <a:latin typeface="Times New Roman" panose="02020603050405020304" pitchFamily="18" charset="0"/>
-                <a:cs typeface="Times New Roman" panose="02020603050405020304" pitchFamily="18" charset="0"/>
-              </a:rPr>
-              <a:t>IRI Voracidade </a:t>
-            </a:r>
-          </a:p>
-          <a:p>
-            <a:pPr algn="just">
-              <a:buFont typeface="Wingdings" panose="05000000000000000000" pitchFamily="2" charset="2"/>
-              <a:buChar char="§"/>
-            </a:pPr>
-            <a:r>
-              <a:rPr lang="pt-BR" sz="2000" dirty="0">
-                <a:solidFill>
-                  <a:schemeClr val="tx1"/>
-                </a:solidFill>
-                <a:latin typeface="Times New Roman" panose="02020603050405020304" pitchFamily="18" charset="0"/>
-                <a:cs typeface="Times New Roman" panose="02020603050405020304" pitchFamily="18" charset="0"/>
-              </a:rPr>
-              <a:t>IBM Watson </a:t>
-            </a:r>
-            <a:r>
-              <a:rPr lang="pt-BR" sz="2000" dirty="0" err="1">
-                <a:solidFill>
-                  <a:schemeClr val="tx1"/>
-                </a:solidFill>
-                <a:latin typeface="Times New Roman" panose="02020603050405020304" pitchFamily="18" charset="0"/>
-                <a:cs typeface="Times New Roman" panose="02020603050405020304" pitchFamily="18" charset="0"/>
-              </a:rPr>
-              <a:t>IoT</a:t>
-            </a:r>
-            <a:endParaRPr lang="pt-BR" sz="2000" dirty="0">
-              <a:solidFill>
-                <a:schemeClr val="tx1"/>
-              </a:solidFill>
-              <a:latin typeface="Times New Roman" panose="02020603050405020304" pitchFamily="18" charset="0"/>
-              <a:cs typeface="Times New Roman" panose="02020603050405020304" pitchFamily="18" charset="0"/>
-            </a:endParaRPr>
-          </a:p>
-          <a:p>
-            <a:pPr marL="0" indent="0" algn="just">
-              <a:buNone/>
-            </a:pPr>
-            <a:r>
-              <a:rPr lang="pt-BR" sz="2000" dirty="0">
-                <a:solidFill>
-                  <a:schemeClr val="tx1"/>
-                </a:solidFill>
-                <a:latin typeface="Times New Roman" panose="02020603050405020304" pitchFamily="18" charset="0"/>
-                <a:cs typeface="Times New Roman" panose="02020603050405020304" pitchFamily="18" charset="0"/>
-                <a:hlinkClick r:id="rId5"/>
-              </a:rPr>
-              <a:t>https://acervolima.com/7-melhores-plataformas-de-desenvolvimento-de-internet-das-coisas-iot/</a:t>
-            </a:r>
-            <a:endParaRPr lang="pt-BR" sz="2000" dirty="0">
-              <a:solidFill>
-                <a:schemeClr val="tx1"/>
-              </a:solidFill>
-              <a:latin typeface="Times New Roman" panose="02020603050405020304" pitchFamily="18" charset="0"/>
-              <a:cs typeface="Times New Roman" panose="02020603050405020304" pitchFamily="18" charset="0"/>
-            </a:endParaRPr>
+              <a:t>.</a:t>
+            </a:r>
           </a:p>
         </p:txBody>
       </p:sp>
@@ -7538,28 +7648,20 @@
           <a:lstStyle/>
           <a:p>
             <a:r>
-              <a:rPr lang="en-US" b="1" dirty="0" err="1">
+              <a:rPr lang="pt-BR" b="1" dirty="0">
                 <a:solidFill>
                   <a:srgbClr val="0070C0"/>
                 </a:solidFill>
               </a:rPr>
-              <a:t>Leitura</a:t>
-            </a:r>
-            <a:r>
-              <a:rPr lang="en-US" b="1" dirty="0">
+              <a:t>Plataformas </a:t>
+            </a:r>
+            <a:r>
+              <a:rPr lang="pt-BR" b="1" dirty="0" err="1">
                 <a:solidFill>
                   <a:srgbClr val="0070C0"/>
                 </a:solidFill>
               </a:rPr>
-              <a:t> </a:t>
-            </a:r>
-            <a:r>
-              <a:rPr lang="en-US" b="1" dirty="0" err="1">
-                <a:solidFill>
-                  <a:srgbClr val="0070C0"/>
-                </a:solidFill>
-              </a:rPr>
-              <a:t>Específica</a:t>
+              <a:t>IoT</a:t>
             </a:r>
             <a:endParaRPr lang="en-US" b="1" dirty="0">
               <a:solidFill>
@@ -7581,8 +7683,8 @@
         </p:nvSpPr>
         <p:spPr>
           <a:xfrm>
-            <a:off x="142865" y="968502"/>
-            <a:ext cx="8865056" cy="3810761"/>
+            <a:off x="142865" y="1200150"/>
+            <a:ext cx="8865056" cy="3737370"/>
           </a:xfrm>
         </p:spPr>
         <p:txBody>
@@ -7591,122 +7693,285 @@
           </a:bodyPr>
           <a:lstStyle/>
           <a:p>
-            <a:pPr marL="0" indent="0" algn="just">
-              <a:buNone/>
+            <a:pPr algn="just">
+              <a:buFont typeface="Wingdings" panose="05000000000000000000" pitchFamily="2" charset="2"/>
+              <a:buChar char="§"/>
             </a:pPr>
             <a:r>
               <a:rPr lang="pt-BR" sz="2000" dirty="0">
-                <a:latin typeface="Times New Roman" panose="02020603050405020304" pitchFamily="18" charset="0"/>
-                <a:cs typeface="Times New Roman" panose="02020603050405020304" pitchFamily="18" charset="0"/>
-              </a:rPr>
-              <a:t>[1] </a:t>
+                <a:solidFill>
+                  <a:schemeClr val="tx1"/>
+                </a:solidFill>
+                <a:latin typeface="Times New Roman" panose="02020603050405020304" pitchFamily="18" charset="0"/>
+                <a:cs typeface="Times New Roman" panose="02020603050405020304" pitchFamily="18" charset="0"/>
+              </a:rPr>
+              <a:t>Oracle </a:t>
             </a:r>
             <a:r>
               <a:rPr lang="pt-BR" sz="2000" dirty="0" err="1">
+                <a:solidFill>
+                  <a:schemeClr val="tx1"/>
+                </a:solidFill>
                 <a:latin typeface="Times New Roman" panose="02020603050405020304" pitchFamily="18" charset="0"/>
                 <a:cs typeface="Times New Roman" panose="02020603050405020304" pitchFamily="18" charset="0"/>
               </a:rPr>
               <a:t>IoT</a:t>
             </a:r>
+            <a:r>
+              <a:rPr lang="pt-BR" sz="2000" dirty="0">
+                <a:solidFill>
+                  <a:schemeClr val="tx1"/>
+                </a:solidFill>
+                <a:latin typeface="Times New Roman" panose="02020603050405020304" pitchFamily="18" charset="0"/>
+                <a:cs typeface="Times New Roman" panose="02020603050405020304" pitchFamily="18" charset="0"/>
+              </a:rPr>
+              <a:t> - </a:t>
+            </a:r>
+            <a:r>
+              <a:rPr lang="pt-BR" sz="2000" dirty="0">
+                <a:solidFill>
+                  <a:schemeClr val="tx1"/>
+                </a:solidFill>
+                <a:latin typeface="Times New Roman" panose="02020603050405020304" pitchFamily="18" charset="0"/>
+                <a:cs typeface="Times New Roman" panose="02020603050405020304" pitchFamily="18" charset="0"/>
+                <a:hlinkClick r:id="rId3"/>
+              </a:rPr>
+              <a:t>https://www.oracle.com/br/internet-of-things/what-is-iot/</a:t>
+            </a:r>
             <a:endParaRPr lang="pt-BR" sz="2000" dirty="0">
+              <a:solidFill>
+                <a:schemeClr val="tx1"/>
+              </a:solidFill>
               <a:latin typeface="Times New Roman" panose="02020603050405020304" pitchFamily="18" charset="0"/>
               <a:cs typeface="Times New Roman" panose="02020603050405020304" pitchFamily="18" charset="0"/>
             </a:endParaRPr>
           </a:p>
           <a:p>
+            <a:pPr algn="just">
+              <a:buFont typeface="Wingdings" panose="05000000000000000000" pitchFamily="2" charset="2"/>
+              <a:buChar char="§"/>
+            </a:pPr>
+            <a:r>
+              <a:rPr lang="pt-BR" sz="2000" dirty="0">
+                <a:solidFill>
+                  <a:schemeClr val="tx1"/>
+                </a:solidFill>
+                <a:latin typeface="Times New Roman" panose="02020603050405020304" pitchFamily="18" charset="0"/>
+                <a:cs typeface="Times New Roman" panose="02020603050405020304" pitchFamily="18" charset="0"/>
+              </a:rPr>
+              <a:t>Azure </a:t>
+            </a:r>
+            <a:r>
+              <a:rPr lang="pt-BR" sz="2000" dirty="0" err="1">
+                <a:solidFill>
+                  <a:schemeClr val="tx1"/>
+                </a:solidFill>
+                <a:latin typeface="Times New Roman" panose="02020603050405020304" pitchFamily="18" charset="0"/>
+                <a:cs typeface="Times New Roman" panose="02020603050405020304" pitchFamily="18" charset="0"/>
+              </a:rPr>
+              <a:t>IoT</a:t>
+            </a:r>
+            <a:r>
+              <a:rPr lang="pt-BR" sz="2000" dirty="0">
+                <a:solidFill>
+                  <a:schemeClr val="tx1"/>
+                </a:solidFill>
+                <a:latin typeface="Times New Roman" panose="02020603050405020304" pitchFamily="18" charset="0"/>
+                <a:cs typeface="Times New Roman" panose="02020603050405020304" pitchFamily="18" charset="0"/>
+              </a:rPr>
+              <a:t> - https://azure.microsoft.com/pt-br/solutions/iot/</a:t>
+            </a:r>
+          </a:p>
+          <a:p>
             <a:pPr marL="0" indent="0" algn="just">
               <a:buNone/>
             </a:pPr>
             <a:r>
-              <a:rPr lang="pt-BR" sz="2000" b="1" dirty="0">
-                <a:solidFill>
-                  <a:srgbClr val="FF0000"/>
-                </a:solidFill>
-                <a:latin typeface="Times New Roman" panose="02020603050405020304" pitchFamily="18" charset="0"/>
-                <a:cs typeface="Times New Roman" panose="02020603050405020304" pitchFamily="18" charset="0"/>
-              </a:rPr>
-              <a:t>Disponível em: </a:t>
-            </a:r>
-            <a:r>
               <a:rPr lang="pt-BR" sz="2000" dirty="0">
-                <a:latin typeface="Times New Roman" panose="02020603050405020304" pitchFamily="18" charset="0"/>
-                <a:cs typeface="Times New Roman" panose="02020603050405020304" pitchFamily="18" charset="0"/>
-                <a:hlinkClick r:id="rId3"/>
-              </a:rPr>
-              <a:t>https://azure.microsoft.com/pt-br/resources/cloud-computing-dictionary/what-is-iot/</a:t>
+                <a:solidFill>
+                  <a:schemeClr val="tx1"/>
+                </a:solidFill>
+                <a:latin typeface="Times New Roman" panose="02020603050405020304" pitchFamily="18" charset="0"/>
+                <a:cs typeface="Times New Roman" panose="02020603050405020304" pitchFamily="18" charset="0"/>
+              </a:rPr>
+              <a:t>     </a:t>
+            </a:r>
+            <a:r>
+              <a:rPr lang="pt-BR" sz="2000" dirty="0">
+                <a:solidFill>
+                  <a:schemeClr val="tx1"/>
+                </a:solidFill>
+                <a:latin typeface="Times New Roman" panose="02020603050405020304" pitchFamily="18" charset="0"/>
+                <a:cs typeface="Times New Roman" panose="02020603050405020304" pitchFamily="18" charset="0"/>
+                <a:hlinkClick r:id="rId4"/>
+              </a:rPr>
+              <a:t>https://azure.microsoft.com/pt-br/solutions/iot/#overview</a:t>
             </a:r>
             <a:endParaRPr lang="pt-BR" sz="2000" dirty="0">
+              <a:solidFill>
+                <a:schemeClr val="tx1"/>
+              </a:solidFill>
               <a:latin typeface="Times New Roman" panose="02020603050405020304" pitchFamily="18" charset="0"/>
               <a:cs typeface="Times New Roman" panose="02020603050405020304" pitchFamily="18" charset="0"/>
             </a:endParaRPr>
           </a:p>
           <a:p>
-            <a:pPr marL="0" indent="0" algn="just">
-              <a:buNone/>
+            <a:pPr algn="just">
+              <a:buFont typeface="Wingdings" panose="05000000000000000000" pitchFamily="2" charset="2"/>
+              <a:buChar char="§"/>
             </a:pPr>
+            <a:r>
+              <a:rPr lang="pt-BR" sz="2000" dirty="0">
+                <a:solidFill>
+                  <a:schemeClr val="tx1"/>
+                </a:solidFill>
+                <a:latin typeface="Times New Roman" panose="02020603050405020304" pitchFamily="18" charset="0"/>
+                <a:cs typeface="Times New Roman" panose="02020603050405020304" pitchFamily="18" charset="0"/>
+              </a:rPr>
+              <a:t>Google Cloud </a:t>
+            </a:r>
+            <a:r>
+              <a:rPr lang="pt-BR" sz="2000" dirty="0" err="1">
+                <a:solidFill>
+                  <a:schemeClr val="tx1"/>
+                </a:solidFill>
+                <a:latin typeface="Times New Roman" panose="02020603050405020304" pitchFamily="18" charset="0"/>
+                <a:cs typeface="Times New Roman" panose="02020603050405020304" pitchFamily="18" charset="0"/>
+              </a:rPr>
+              <a:t>IoT</a:t>
+            </a:r>
+            <a:r>
+              <a:rPr lang="pt-BR" sz="2000" dirty="0">
+                <a:solidFill>
+                  <a:schemeClr val="tx1"/>
+                </a:solidFill>
+                <a:latin typeface="Times New Roman" panose="02020603050405020304" pitchFamily="18" charset="0"/>
+                <a:cs typeface="Times New Roman" panose="02020603050405020304" pitchFamily="18" charset="0"/>
+              </a:rPr>
+              <a:t> Platform</a:t>
+            </a:r>
+          </a:p>
+          <a:p>
+            <a:pPr algn="just">
+              <a:buFont typeface="Wingdings" panose="05000000000000000000" pitchFamily="2" charset="2"/>
+              <a:buChar char="§"/>
+            </a:pPr>
+            <a:r>
+              <a:rPr lang="pt-BR" sz="2000" dirty="0">
+                <a:solidFill>
+                  <a:schemeClr val="tx1"/>
+                </a:solidFill>
+                <a:latin typeface="Times New Roman" panose="02020603050405020304" pitchFamily="18" charset="0"/>
+                <a:cs typeface="Times New Roman" panose="02020603050405020304" pitchFamily="18" charset="0"/>
+              </a:rPr>
+              <a:t>Plataforma de serviços da Web da </a:t>
+            </a:r>
+            <a:r>
+              <a:rPr lang="pt-BR" sz="2000" dirty="0" err="1">
+                <a:solidFill>
+                  <a:schemeClr val="tx1"/>
+                </a:solidFill>
+                <a:latin typeface="Times New Roman" panose="02020603050405020304" pitchFamily="18" charset="0"/>
+                <a:cs typeface="Times New Roman" panose="02020603050405020304" pitchFamily="18" charset="0"/>
+              </a:rPr>
+              <a:t>Amazon</a:t>
+            </a:r>
+            <a:r>
+              <a:rPr lang="pt-BR" sz="2000" dirty="0">
+                <a:solidFill>
+                  <a:schemeClr val="tx1"/>
+                </a:solidFill>
+                <a:latin typeface="Times New Roman" panose="02020603050405020304" pitchFamily="18" charset="0"/>
+                <a:cs typeface="Times New Roman" panose="02020603050405020304" pitchFamily="18" charset="0"/>
+              </a:rPr>
+              <a:t> para </a:t>
+            </a:r>
+            <a:r>
+              <a:rPr lang="pt-BR" sz="2000" dirty="0" err="1">
+                <a:solidFill>
+                  <a:schemeClr val="tx1"/>
+                </a:solidFill>
+                <a:latin typeface="Times New Roman" panose="02020603050405020304" pitchFamily="18" charset="0"/>
+                <a:cs typeface="Times New Roman" panose="02020603050405020304" pitchFamily="18" charset="0"/>
+              </a:rPr>
+              <a:t>IoT</a:t>
+            </a:r>
             <a:endParaRPr lang="pt-BR" sz="2000" dirty="0">
+              <a:solidFill>
+                <a:schemeClr val="tx1"/>
+              </a:solidFill>
               <a:latin typeface="Times New Roman" panose="02020603050405020304" pitchFamily="18" charset="0"/>
               <a:cs typeface="Times New Roman" panose="02020603050405020304" pitchFamily="18" charset="0"/>
             </a:endParaRPr>
           </a:p>
           <a:p>
-            <a:pPr marL="0" indent="0" algn="just">
-              <a:buNone/>
+            <a:pPr algn="just">
+              <a:buFont typeface="Wingdings" panose="05000000000000000000" pitchFamily="2" charset="2"/>
+              <a:buChar char="§"/>
             </a:pPr>
             <a:r>
-              <a:rPr lang="pt-BR" sz="2000" dirty="0">
-                <a:latin typeface="Times New Roman" panose="02020603050405020304" pitchFamily="18" charset="0"/>
-                <a:cs typeface="Times New Roman" panose="02020603050405020304" pitchFamily="18" charset="0"/>
-              </a:rPr>
-              <a:t>[2] </a:t>
-            </a:r>
-            <a:r>
               <a:rPr lang="pt-BR" sz="2000" dirty="0" err="1">
-                <a:latin typeface="Times New Roman" panose="02020603050405020304" pitchFamily="18" charset="0"/>
-                <a:cs typeface="Times New Roman" panose="02020603050405020304" pitchFamily="18" charset="0"/>
-              </a:rPr>
-              <a:t>IoT</a:t>
-            </a:r>
-            <a:r>
-              <a:rPr lang="pt-BR" sz="2000" dirty="0">
-                <a:latin typeface="Times New Roman" panose="02020603050405020304" pitchFamily="18" charset="0"/>
-                <a:cs typeface="Times New Roman" panose="02020603050405020304" pitchFamily="18" charset="0"/>
-              </a:rPr>
-              <a:t> </a:t>
-            </a:r>
-          </a:p>
-          <a:p>
-            <a:pPr marL="0" indent="0" algn="just">
-              <a:buNone/>
-            </a:pPr>
-            <a:r>
-              <a:rPr lang="pt-BR" sz="2000" b="1" dirty="0">
-                <a:solidFill>
-                  <a:srgbClr val="FF0000"/>
-                </a:solidFill>
-                <a:latin typeface="Times New Roman" panose="02020603050405020304" pitchFamily="18" charset="0"/>
-                <a:cs typeface="Times New Roman" panose="02020603050405020304" pitchFamily="18" charset="0"/>
-              </a:rPr>
-              <a:t>Disponível em: </a:t>
-            </a:r>
-            <a:r>
-              <a:rPr lang="pt-BR" sz="2000" dirty="0">
-                <a:latin typeface="Times New Roman" panose="02020603050405020304" pitchFamily="18" charset="0"/>
-                <a:cs typeface="Times New Roman" panose="02020603050405020304" pitchFamily="18" charset="0"/>
-                <a:hlinkClick r:id="rId4"/>
-              </a:rPr>
-              <a:t>https://www.sap.com/brazil/insights/what-is-iot-internet-of-things.html</a:t>
+                <a:solidFill>
+                  <a:schemeClr val="tx1"/>
+                </a:solidFill>
+                <a:latin typeface="Times New Roman" panose="02020603050405020304" pitchFamily="18" charset="0"/>
+                <a:cs typeface="Times New Roman" panose="02020603050405020304" pitchFamily="18" charset="0"/>
+              </a:rPr>
+              <a:t>ThingWorx</a:t>
             </a:r>
             <a:endParaRPr lang="pt-BR" sz="2000" dirty="0">
+              <a:solidFill>
+                <a:schemeClr val="tx1"/>
+              </a:solidFill>
               <a:latin typeface="Times New Roman" panose="02020603050405020304" pitchFamily="18" charset="0"/>
               <a:cs typeface="Times New Roman" panose="02020603050405020304" pitchFamily="18" charset="0"/>
             </a:endParaRPr>
           </a:p>
           <a:p>
-            <a:pPr marL="0" indent="0" algn="just">
-              <a:buNone/>
+            <a:pPr algn="just">
+              <a:buFont typeface="Wingdings" panose="05000000000000000000" pitchFamily="2" charset="2"/>
+              <a:buChar char="§"/>
             </a:pPr>
+            <a:r>
+              <a:rPr lang="pt-BR" sz="2000" dirty="0">
+                <a:solidFill>
+                  <a:schemeClr val="tx1"/>
+                </a:solidFill>
+                <a:latin typeface="Times New Roman" panose="02020603050405020304" pitchFamily="18" charset="0"/>
+                <a:cs typeface="Times New Roman" panose="02020603050405020304" pitchFamily="18" charset="0"/>
+              </a:rPr>
+              <a:t>IRI Voracidade </a:t>
+            </a:r>
+          </a:p>
+          <a:p>
+            <a:pPr algn="just">
+              <a:buFont typeface="Wingdings" panose="05000000000000000000" pitchFamily="2" charset="2"/>
+              <a:buChar char="§"/>
+            </a:pPr>
+            <a:r>
+              <a:rPr lang="pt-BR" sz="2000" dirty="0">
+                <a:solidFill>
+                  <a:schemeClr val="tx1"/>
+                </a:solidFill>
+                <a:latin typeface="Times New Roman" panose="02020603050405020304" pitchFamily="18" charset="0"/>
+                <a:cs typeface="Times New Roman" panose="02020603050405020304" pitchFamily="18" charset="0"/>
+              </a:rPr>
+              <a:t>IBM Watson </a:t>
+            </a:r>
+            <a:r>
+              <a:rPr lang="pt-BR" sz="2000" dirty="0" err="1">
+                <a:solidFill>
+                  <a:schemeClr val="tx1"/>
+                </a:solidFill>
+                <a:latin typeface="Times New Roman" panose="02020603050405020304" pitchFamily="18" charset="0"/>
+                <a:cs typeface="Times New Roman" panose="02020603050405020304" pitchFamily="18" charset="0"/>
+              </a:rPr>
+              <a:t>IoT</a:t>
+            </a:r>
             <a:endParaRPr lang="pt-BR" sz="2000" dirty="0">
+              <a:solidFill>
+                <a:schemeClr val="tx1"/>
+              </a:solidFill>
               <a:latin typeface="Times New Roman" panose="02020603050405020304" pitchFamily="18" charset="0"/>
               <a:cs typeface="Times New Roman" panose="02020603050405020304" pitchFamily="18" charset="0"/>
             </a:endParaRPr>
@@ -7717,68 +7982,21 @@
             </a:pPr>
             <a:r>
               <a:rPr lang="pt-BR" sz="2000" dirty="0">
-                <a:latin typeface="Times New Roman" panose="02020603050405020304" pitchFamily="18" charset="0"/>
-                <a:cs typeface="Times New Roman" panose="02020603050405020304" pitchFamily="18" charset="0"/>
-              </a:rPr>
-              <a:t>[3] </a:t>
-            </a:r>
-            <a:r>
-              <a:rPr lang="pt-BR" sz="2000" dirty="0" err="1">
-                <a:latin typeface="Times New Roman" panose="02020603050405020304" pitchFamily="18" charset="0"/>
-                <a:cs typeface="Times New Roman" panose="02020603050405020304" pitchFamily="18" charset="0"/>
-              </a:rPr>
-              <a:t>IoT</a:t>
-            </a:r>
-            <a:r>
-              <a:rPr lang="pt-BR" sz="2000" dirty="0">
-                <a:latin typeface="Times New Roman" panose="02020603050405020304" pitchFamily="18" charset="0"/>
-                <a:cs typeface="Times New Roman" panose="02020603050405020304" pitchFamily="18" charset="0"/>
-              </a:rPr>
-              <a:t> </a:t>
-            </a:r>
-          </a:p>
-          <a:p>
-            <a:pPr marL="0" indent="0" algn="just">
-              <a:buNone/>
-            </a:pPr>
-            <a:r>
-              <a:rPr lang="pt-BR" sz="2000" b="1" dirty="0">
-                <a:solidFill>
-                  <a:srgbClr val="FF0000"/>
-                </a:solidFill>
-                <a:latin typeface="Times New Roman" panose="02020603050405020304" pitchFamily="18" charset="0"/>
-                <a:cs typeface="Times New Roman" panose="02020603050405020304" pitchFamily="18" charset="0"/>
-              </a:rPr>
-              <a:t>Disponível em: </a:t>
-            </a:r>
-            <a:r>
-              <a:rPr lang="pt-BR" sz="2000" dirty="0">
+                <a:solidFill>
+                  <a:schemeClr val="tx1"/>
+                </a:solidFill>
                 <a:latin typeface="Times New Roman" panose="02020603050405020304" pitchFamily="18" charset="0"/>
                 <a:cs typeface="Times New Roman" panose="02020603050405020304" pitchFamily="18" charset="0"/>
                 <a:hlinkClick r:id="rId5"/>
               </a:rPr>
-              <a:t>https://tecnoblog.net/responde/o-que-e-internet-das-coisas/</a:t>
+              <a:t>https://acervolima.com/7-melhores-plataformas-de-desenvolvimento-de-internet-das-coisas-iot/</a:t>
             </a:r>
             <a:endParaRPr lang="pt-BR" sz="2000" dirty="0">
+              <a:solidFill>
+                <a:schemeClr val="tx1"/>
+              </a:solidFill>
               <a:latin typeface="Times New Roman" panose="02020603050405020304" pitchFamily="18" charset="0"/>
               <a:cs typeface="Times New Roman" panose="02020603050405020304" pitchFamily="18" charset="0"/>
-            </a:endParaRPr>
-          </a:p>
-          <a:p>
-            <a:pPr marL="0" indent="0" algn="just">
-              <a:buNone/>
-            </a:pPr>
-            <a:endParaRPr lang="pt-BR" sz="2000" dirty="0">
-              <a:latin typeface="Times New Roman" panose="02020603050405020304" pitchFamily="18" charset="0"/>
-              <a:cs typeface="Times New Roman" panose="02020603050405020304" pitchFamily="18" charset="0"/>
-            </a:endParaRPr>
-          </a:p>
-          <a:p>
-            <a:pPr marL="0" indent="0" algn="just">
-              <a:buNone/>
-            </a:pPr>
-            <a:endParaRPr lang="pt-BR" sz="2000" dirty="0">
-              <a:latin typeface="Calibri" panose="020F0502020204030204" pitchFamily="34" charset="0"/>
             </a:endParaRPr>
           </a:p>
         </p:txBody>
@@ -7786,7 +8004,7 @@
     </p:spTree>
     <p:extLst>
       <p:ext uri="{BB962C8B-B14F-4D97-AF65-F5344CB8AC3E}">
-        <p14:creationId xmlns:p14="http://schemas.microsoft.com/office/powerpoint/2010/main" val="3680270425"/>
+        <p14:creationId xmlns:p14="http://schemas.microsoft.com/office/powerpoint/2010/main" val="611786249"/>
       </p:ext>
     </p:extLst>
   </p:cSld>
@@ -8341,7 +8559,7 @@
                   <a:srgbClr val="0070C0"/>
                 </a:solidFill>
               </a:rPr>
-              <a:t>Aprenda</a:t>
+              <a:t>Leitura</a:t>
             </a:r>
             <a:r>
               <a:rPr lang="en-US" b="1" dirty="0">
@@ -8349,8 +8567,21 @@
                   <a:srgbClr val="0070C0"/>
                 </a:solidFill>
               </a:rPr>
-              <a:t>+</a:t>
-            </a:r>
+              <a:t> </a:t>
+            </a:r>
+            <a:r>
+              <a:rPr lang="en-US" b="1" dirty="0" err="1">
+                <a:solidFill>
+                  <a:srgbClr val="0070C0"/>
+                </a:solidFill>
+              </a:rPr>
+              <a:t>Específica</a:t>
+            </a:r>
+            <a:endParaRPr lang="en-US" b="1" dirty="0">
+              <a:solidFill>
+                <a:srgbClr val="0070C0"/>
+              </a:solidFill>
+            </a:endParaRPr>
           </a:p>
         </p:txBody>
       </p:sp>
@@ -8366,8 +8597,8 @@
         </p:nvSpPr>
         <p:spPr>
           <a:xfrm>
-            <a:off x="142865" y="1200150"/>
-            <a:ext cx="8865056" cy="3737370"/>
+            <a:off x="142865" y="968502"/>
+            <a:ext cx="8865056" cy="3810761"/>
           </a:xfrm>
         </p:spPr>
         <p:txBody>
@@ -8380,20 +8611,20 @@
               <a:buNone/>
             </a:pPr>
             <a:r>
-              <a:rPr lang="pt-BR" sz="2400" dirty="0">
+              <a:rPr lang="pt-BR" sz="2000" dirty="0">
                 <a:latin typeface="Times New Roman" panose="02020603050405020304" pitchFamily="18" charset="0"/>
                 <a:cs typeface="Times New Roman" panose="02020603050405020304" pitchFamily="18" charset="0"/>
               </a:rPr>
               <a:t>[1] </a:t>
             </a:r>
             <a:r>
-              <a:rPr lang="pt-BR" sz="2400" dirty="0" err="1">
+              <a:rPr lang="pt-BR" sz="2000" dirty="0" err="1">
                 <a:latin typeface="Times New Roman" panose="02020603050405020304" pitchFamily="18" charset="0"/>
                 <a:cs typeface="Times New Roman" panose="02020603050405020304" pitchFamily="18" charset="0"/>
               </a:rPr>
               <a:t>IoT</a:t>
             </a:r>
-            <a:endParaRPr lang="pt-BR" sz="2400" dirty="0">
+            <a:endParaRPr lang="pt-BR" sz="2000" dirty="0">
               <a:latin typeface="Times New Roman" panose="02020603050405020304" pitchFamily="18" charset="0"/>
               <a:cs typeface="Times New Roman" panose="02020603050405020304" pitchFamily="18" charset="0"/>
             </a:endParaRPr>
@@ -8403,7 +8634,7 @@
               <a:buNone/>
             </a:pPr>
             <a:r>
-              <a:rPr lang="pt-BR" sz="2400" b="1" dirty="0">
+              <a:rPr lang="pt-BR" sz="2000" b="1" dirty="0">
                 <a:solidFill>
                   <a:srgbClr val="FF0000"/>
                 </a:solidFill>
@@ -8413,14 +8644,14 @@
               <a:t>Disponível em: </a:t>
             </a:r>
             <a:r>
-              <a:rPr lang="pt-BR" sz="2400" dirty="0">
+              <a:rPr lang="pt-BR" sz="2000" dirty="0">
                 <a:latin typeface="Times New Roman" panose="02020603050405020304" pitchFamily="18" charset="0"/>
                 <a:cs typeface="Times New Roman" panose="02020603050405020304" pitchFamily="18" charset="0"/>
                 <a:hlinkClick r:id="rId3"/>
               </a:rPr>
-              <a:t>https://www.youtube.com/watch?v=jlkvzcG1UMk</a:t>
-            </a:r>
-            <a:endParaRPr lang="pt-BR" sz="2400" dirty="0">
+              <a:t>https://azure.microsoft.com/pt-br/resources/cloud-computing-dictionary/what-is-iot/</a:t>
+            </a:r>
+            <a:endParaRPr lang="pt-BR" sz="2000" dirty="0">
               <a:latin typeface="Times New Roman" panose="02020603050405020304" pitchFamily="18" charset="0"/>
               <a:cs typeface="Times New Roman" panose="02020603050405020304" pitchFamily="18" charset="0"/>
             </a:endParaRPr>
@@ -8429,7 +8660,7 @@
             <a:pPr marL="0" indent="0" algn="just">
               <a:buNone/>
             </a:pPr>
-            <a:endParaRPr lang="pt-BR" sz="2400" dirty="0">
+            <a:endParaRPr lang="pt-BR" sz="2000" dirty="0">
               <a:latin typeface="Times New Roman" panose="02020603050405020304" pitchFamily="18" charset="0"/>
               <a:cs typeface="Times New Roman" panose="02020603050405020304" pitchFamily="18" charset="0"/>
             </a:endParaRPr>
@@ -8439,21 +8670,21 @@
               <a:buNone/>
             </a:pPr>
             <a:r>
-              <a:rPr lang="pt-BR" sz="2400" dirty="0">
+              <a:rPr lang="pt-BR" sz="2000" dirty="0">
                 <a:latin typeface="Times New Roman" panose="02020603050405020304" pitchFamily="18" charset="0"/>
                 <a:cs typeface="Times New Roman" panose="02020603050405020304" pitchFamily="18" charset="0"/>
               </a:rPr>
               <a:t>[2] </a:t>
             </a:r>
             <a:r>
-              <a:rPr lang="pt-BR" sz="2400" dirty="0" err="1">
+              <a:rPr lang="pt-BR" sz="2000" dirty="0" err="1">
                 <a:latin typeface="Times New Roman" panose="02020603050405020304" pitchFamily="18" charset="0"/>
                 <a:cs typeface="Times New Roman" panose="02020603050405020304" pitchFamily="18" charset="0"/>
               </a:rPr>
               <a:t>IoT</a:t>
             </a:r>
             <a:r>
-              <a:rPr lang="pt-BR" sz="2400" dirty="0">
+              <a:rPr lang="pt-BR" sz="2000" dirty="0">
                 <a:latin typeface="Times New Roman" panose="02020603050405020304" pitchFamily="18" charset="0"/>
                 <a:cs typeface="Times New Roman" panose="02020603050405020304" pitchFamily="18" charset="0"/>
               </a:rPr>
@@ -8465,24 +8696,24 @@
               <a:buNone/>
             </a:pPr>
             <a:r>
-              <a:rPr lang="pt-BR" sz="2400" b="1" dirty="0">
+              <a:rPr lang="pt-BR" sz="2000" b="1" dirty="0">
                 <a:solidFill>
                   <a:srgbClr val="FF0000"/>
                 </a:solidFill>
                 <a:latin typeface="Times New Roman" panose="02020603050405020304" pitchFamily="18" charset="0"/>
                 <a:cs typeface="Times New Roman" panose="02020603050405020304" pitchFamily="18" charset="0"/>
               </a:rPr>
-              <a:t>Disponível em: 							</a:t>
-            </a:r>
-            <a:r>
-              <a:rPr lang="pt-BR" sz="2400" dirty="0">
+              <a:t>Disponível em: </a:t>
+            </a:r>
+            <a:r>
+              <a:rPr lang="pt-BR" sz="2000" dirty="0">
                 <a:latin typeface="Times New Roman" panose="02020603050405020304" pitchFamily="18" charset="0"/>
                 <a:cs typeface="Times New Roman" panose="02020603050405020304" pitchFamily="18" charset="0"/>
                 <a:hlinkClick r:id="rId4"/>
               </a:rPr>
-              <a:t>https://www.intel.com.br/content/www/br/pt/design/technologies-and-topics/iot/manageability.html</a:t>
-            </a:r>
-            <a:endParaRPr lang="pt-BR" sz="2400" dirty="0">
+              <a:t>https://www.sap.com/brazil/insights/what-is-iot-internet-of-things.html</a:t>
+            </a:r>
+            <a:endParaRPr lang="pt-BR" sz="2000" dirty="0">
               <a:latin typeface="Times New Roman" panose="02020603050405020304" pitchFamily="18" charset="0"/>
               <a:cs typeface="Times New Roman" panose="02020603050405020304" pitchFamily="18" charset="0"/>
             </a:endParaRPr>
@@ -8491,9 +8722,79 @@
             <a:pPr marL="0" indent="0" algn="just">
               <a:buNone/>
             </a:pPr>
-            <a:endParaRPr lang="pt-BR" sz="2400" dirty="0">
+            <a:endParaRPr lang="pt-BR" sz="2000" dirty="0">
               <a:latin typeface="Times New Roman" panose="02020603050405020304" pitchFamily="18" charset="0"/>
               <a:cs typeface="Times New Roman" panose="02020603050405020304" pitchFamily="18" charset="0"/>
+            </a:endParaRPr>
+          </a:p>
+          <a:p>
+            <a:pPr marL="0" indent="0" algn="just">
+              <a:buNone/>
+            </a:pPr>
+            <a:r>
+              <a:rPr lang="pt-BR" sz="2000" dirty="0">
+                <a:latin typeface="Times New Roman" panose="02020603050405020304" pitchFamily="18" charset="0"/>
+                <a:cs typeface="Times New Roman" panose="02020603050405020304" pitchFamily="18" charset="0"/>
+              </a:rPr>
+              <a:t>[3] </a:t>
+            </a:r>
+            <a:r>
+              <a:rPr lang="pt-BR" sz="2000" dirty="0" err="1">
+                <a:latin typeface="Times New Roman" panose="02020603050405020304" pitchFamily="18" charset="0"/>
+                <a:cs typeface="Times New Roman" panose="02020603050405020304" pitchFamily="18" charset="0"/>
+              </a:rPr>
+              <a:t>IoT</a:t>
+            </a:r>
+            <a:r>
+              <a:rPr lang="pt-BR" sz="2000" dirty="0">
+                <a:latin typeface="Times New Roman" panose="02020603050405020304" pitchFamily="18" charset="0"/>
+                <a:cs typeface="Times New Roman" panose="02020603050405020304" pitchFamily="18" charset="0"/>
+              </a:rPr>
+              <a:t> </a:t>
+            </a:r>
+          </a:p>
+          <a:p>
+            <a:pPr marL="0" indent="0" algn="just">
+              <a:buNone/>
+            </a:pPr>
+            <a:r>
+              <a:rPr lang="pt-BR" sz="2000" b="1" dirty="0">
+                <a:solidFill>
+                  <a:srgbClr val="FF0000"/>
+                </a:solidFill>
+                <a:latin typeface="Times New Roman" panose="02020603050405020304" pitchFamily="18" charset="0"/>
+                <a:cs typeface="Times New Roman" panose="02020603050405020304" pitchFamily="18" charset="0"/>
+              </a:rPr>
+              <a:t>Disponível em: </a:t>
+            </a:r>
+            <a:r>
+              <a:rPr lang="pt-BR" sz="2000" dirty="0">
+                <a:latin typeface="Times New Roman" panose="02020603050405020304" pitchFamily="18" charset="0"/>
+                <a:cs typeface="Times New Roman" panose="02020603050405020304" pitchFamily="18" charset="0"/>
+                <a:hlinkClick r:id="rId5"/>
+              </a:rPr>
+              <a:t>https://tecnoblog.net/responde/o-que-e-internet-das-coisas/</a:t>
+            </a:r>
+            <a:endParaRPr lang="pt-BR" sz="2000" dirty="0">
+              <a:latin typeface="Times New Roman" panose="02020603050405020304" pitchFamily="18" charset="0"/>
+              <a:cs typeface="Times New Roman" panose="02020603050405020304" pitchFamily="18" charset="0"/>
+            </a:endParaRPr>
+          </a:p>
+          <a:p>
+            <a:pPr marL="0" indent="0" algn="just">
+              <a:buNone/>
+            </a:pPr>
+            <a:endParaRPr lang="pt-BR" sz="2000" dirty="0">
+              <a:latin typeface="Times New Roman" panose="02020603050405020304" pitchFamily="18" charset="0"/>
+              <a:cs typeface="Times New Roman" panose="02020603050405020304" pitchFamily="18" charset="0"/>
+            </a:endParaRPr>
+          </a:p>
+          <a:p>
+            <a:pPr marL="0" indent="0" algn="just">
+              <a:buNone/>
+            </a:pPr>
+            <a:endParaRPr lang="pt-BR" sz="2000" dirty="0">
+              <a:latin typeface="Calibri" panose="020F0502020204030204" pitchFamily="34" charset="0"/>
             </a:endParaRPr>
           </a:p>
         </p:txBody>
@@ -8501,7 +8802,7 @@
     </p:spTree>
     <p:extLst>
       <p:ext uri="{BB962C8B-B14F-4D97-AF65-F5344CB8AC3E}">
-        <p14:creationId xmlns:p14="http://schemas.microsoft.com/office/powerpoint/2010/main" val="2747596967"/>
+        <p14:creationId xmlns:p14="http://schemas.microsoft.com/office/powerpoint/2010/main" val="3680270425"/>
       </p:ext>
     </p:extLst>
   </p:cSld>
@@ -8557,7 +8858,7 @@
                   <a:srgbClr val="0070C0"/>
                 </a:solidFill>
               </a:rPr>
-              <a:t>Dinâmica</a:t>
+              <a:t>Aprenda</a:t>
             </a:r>
             <a:r>
               <a:rPr lang="en-US" b="1" dirty="0">
@@ -8565,21 +8866,8 @@
                   <a:srgbClr val="0070C0"/>
                 </a:solidFill>
               </a:rPr>
-              <a:t>/</a:t>
-            </a:r>
-            <a:r>
-              <a:rPr lang="en-US" b="1" dirty="0" err="1">
-                <a:solidFill>
-                  <a:srgbClr val="0070C0"/>
-                </a:solidFill>
-              </a:rPr>
-              <a:t>Atividades</a:t>
-            </a:r>
-            <a:endParaRPr lang="en-US" b="1" dirty="0">
-              <a:solidFill>
-                <a:srgbClr val="0070C0"/>
-              </a:solidFill>
-            </a:endParaRPr>
+              <a:t>+</a:t>
+            </a:r>
           </a:p>
         </p:txBody>
       </p:sp>
@@ -8595,8 +8883,8 @@
         </p:nvSpPr>
         <p:spPr>
           <a:xfrm>
-            <a:off x="139472" y="1063230"/>
-            <a:ext cx="8865056" cy="3606305"/>
+            <a:off x="142865" y="1200150"/>
+            <a:ext cx="8865056" cy="3737370"/>
           </a:xfrm>
         </p:spPr>
         <p:txBody>
@@ -8608,67 +8896,121 @@
             <a:pPr marL="0" indent="0" algn="just">
               <a:buNone/>
             </a:pPr>
-            <a:endParaRPr lang="pt-BR" dirty="0">
+            <a:r>
+              <a:rPr lang="pt-BR" sz="2400" dirty="0">
+                <a:latin typeface="Times New Roman" panose="02020603050405020304" pitchFamily="18" charset="0"/>
+                <a:cs typeface="Times New Roman" panose="02020603050405020304" pitchFamily="18" charset="0"/>
+              </a:rPr>
+              <a:t>[1] </a:t>
+            </a:r>
+            <a:r>
+              <a:rPr lang="pt-BR" sz="2400" dirty="0" err="1">
+                <a:latin typeface="Times New Roman" panose="02020603050405020304" pitchFamily="18" charset="0"/>
+                <a:cs typeface="Times New Roman" panose="02020603050405020304" pitchFamily="18" charset="0"/>
+              </a:rPr>
+              <a:t>IoT</a:t>
+            </a:r>
+            <a:endParaRPr lang="pt-BR" sz="2400" dirty="0">
               <a:latin typeface="Times New Roman" panose="02020603050405020304" pitchFamily="18" charset="0"/>
               <a:cs typeface="Times New Roman" panose="02020603050405020304" pitchFamily="18" charset="0"/>
             </a:endParaRPr>
           </a:p>
           <a:p>
-            <a:pPr algn="just">
-              <a:buFont typeface="Wingdings" panose="05000000000000000000" pitchFamily="2" charset="2"/>
-              <a:buChar char="§"/>
+            <a:pPr marL="0" indent="0" algn="just">
+              <a:buNone/>
             </a:pPr>
             <a:r>
-              <a:rPr lang="pt-BR" dirty="0">
-                <a:latin typeface="Times New Roman" panose="02020603050405020304" pitchFamily="18" charset="0"/>
-                <a:cs typeface="Times New Roman" panose="02020603050405020304" pitchFamily="18" charset="0"/>
-              </a:rPr>
-              <a:t>Exercícios (Atividade Verificadora de Aprendizagem)</a:t>
-            </a:r>
-          </a:p>
-          <a:p>
-            <a:pPr marL="0" indent="0" algn="just">
-              <a:buNone/>
-            </a:pPr>
-            <a:r>
-              <a:rPr lang="pt-BR" dirty="0">
-                <a:latin typeface="Times New Roman" panose="02020603050405020304" pitchFamily="18" charset="0"/>
-                <a:cs typeface="Times New Roman" panose="02020603050405020304" pitchFamily="18" charset="0"/>
-              </a:rPr>
-              <a:t> 	</a:t>
-            </a:r>
-            <a:r>
-              <a:rPr lang="pt-BR" dirty="0">
+              <a:rPr lang="pt-BR" sz="2400" b="1" dirty="0">
+                <a:solidFill>
+                  <a:srgbClr val="FF0000"/>
+                </a:solidFill>
+                <a:latin typeface="Times New Roman" panose="02020603050405020304" pitchFamily="18" charset="0"/>
+                <a:cs typeface="Times New Roman" panose="02020603050405020304" pitchFamily="18" charset="0"/>
+              </a:rPr>
+              <a:t>Disponível em: </a:t>
+            </a:r>
+            <a:r>
+              <a:rPr lang="pt-BR" sz="2400" dirty="0">
                 <a:latin typeface="Times New Roman" panose="02020603050405020304" pitchFamily="18" charset="0"/>
                 <a:cs typeface="Times New Roman" panose="02020603050405020304" pitchFamily="18" charset="0"/>
                 <a:hlinkClick r:id="rId3"/>
               </a:rPr>
-              <a:t>https://quizizz.com/admin/quiz/5d8954fda0089a001c105c1e</a:t>
-            </a:r>
-            <a:r>
-              <a:rPr lang="pt-BR">
-                <a:latin typeface="Times New Roman" panose="02020603050405020304" pitchFamily="18" charset="0"/>
-                <a:cs typeface="Times New Roman" panose="02020603050405020304" pitchFamily="18" charset="0"/>
-                <a:hlinkClick r:id="rId3"/>
-              </a:rPr>
-              <a:t>/internet-das-coisas</a:t>
-            </a:r>
-            <a:endParaRPr lang="pt-BR" dirty="0">
+              <a:t>https://www.youtube.com/watch?v=jlkvzcG1UMk</a:t>
+            </a:r>
+            <a:endParaRPr lang="pt-BR" sz="2400" dirty="0">
               <a:latin typeface="Times New Roman" panose="02020603050405020304" pitchFamily="18" charset="0"/>
               <a:cs typeface="Times New Roman" panose="02020603050405020304" pitchFamily="18" charset="0"/>
             </a:endParaRPr>
           </a:p>
           <a:p>
-            <a:pPr algn="just"/>
-            <a:endParaRPr lang="pt-BR" dirty="0">
+            <a:pPr marL="0" indent="0" algn="just">
+              <a:buNone/>
+            </a:pPr>
+            <a:endParaRPr lang="pt-BR" sz="2400" dirty="0">
               <a:latin typeface="Times New Roman" panose="02020603050405020304" pitchFamily="18" charset="0"/>
               <a:cs typeface="Times New Roman" panose="02020603050405020304" pitchFamily="18" charset="0"/>
             </a:endParaRPr>
           </a:p>
           <a:p>
-            <a:pPr algn="just"/>
-            <a:endParaRPr lang="pt-BR" dirty="0">
-              <a:latin typeface="Calibri" panose="020F0502020204030204" pitchFamily="34" charset="0"/>
+            <a:pPr marL="0" indent="0" algn="just">
+              <a:buNone/>
+            </a:pPr>
+            <a:r>
+              <a:rPr lang="pt-BR" sz="2400" dirty="0">
+                <a:latin typeface="Times New Roman" panose="02020603050405020304" pitchFamily="18" charset="0"/>
+                <a:cs typeface="Times New Roman" panose="02020603050405020304" pitchFamily="18" charset="0"/>
+              </a:rPr>
+              <a:t>[2] </a:t>
+            </a:r>
+            <a:r>
+              <a:rPr lang="pt-BR" sz="2400" dirty="0" err="1">
+                <a:latin typeface="Times New Roman" panose="02020603050405020304" pitchFamily="18" charset="0"/>
+                <a:cs typeface="Times New Roman" panose="02020603050405020304" pitchFamily="18" charset="0"/>
+              </a:rPr>
+              <a:t>IoT</a:t>
+            </a:r>
+            <a:r>
+              <a:rPr lang="pt-BR" sz="2400" dirty="0">
+                <a:latin typeface="Times New Roman" panose="02020603050405020304" pitchFamily="18" charset="0"/>
+                <a:cs typeface="Times New Roman" panose="02020603050405020304" pitchFamily="18" charset="0"/>
+              </a:rPr>
+              <a:t> </a:t>
+            </a:r>
+          </a:p>
+          <a:p>
+            <a:pPr marL="0" indent="0" algn="just">
+              <a:buNone/>
+            </a:pPr>
+            <a:r>
+              <a:rPr lang="pt-BR" sz="2400" b="1" dirty="0">
+                <a:solidFill>
+                  <a:srgbClr val="FF0000"/>
+                </a:solidFill>
+                <a:latin typeface="Times New Roman" panose="02020603050405020304" pitchFamily="18" charset="0"/>
+                <a:cs typeface="Times New Roman" panose="02020603050405020304" pitchFamily="18" charset="0"/>
+              </a:rPr>
+              <a:t>Disponível em: 							</a:t>
+            </a:r>
+            <a:r>
+              <a:rPr lang="pt-BR" sz="2400" dirty="0">
+                <a:latin typeface="Times New Roman" panose="02020603050405020304" pitchFamily="18" charset="0"/>
+                <a:cs typeface="Times New Roman" panose="02020603050405020304" pitchFamily="18" charset="0"/>
+                <a:hlinkClick r:id="rId4"/>
+              </a:rPr>
+              <a:t>https://www.intel.com.br/content/www/br/pt/design/technologies-and-topics/iot/manageability.html</a:t>
+            </a:r>
+            <a:endParaRPr lang="pt-BR" sz="2400" dirty="0">
+              <a:latin typeface="Times New Roman" panose="02020603050405020304" pitchFamily="18" charset="0"/>
+              <a:cs typeface="Times New Roman" panose="02020603050405020304" pitchFamily="18" charset="0"/>
+            </a:endParaRPr>
+          </a:p>
+          <a:p>
+            <a:pPr marL="0" indent="0" algn="just">
+              <a:buNone/>
+            </a:pPr>
+            <a:endParaRPr lang="pt-BR" sz="2400" dirty="0">
+              <a:latin typeface="Times New Roman" panose="02020603050405020304" pitchFamily="18" charset="0"/>
+              <a:cs typeface="Times New Roman" panose="02020603050405020304" pitchFamily="18" charset="0"/>
             </a:endParaRPr>
           </a:p>
         </p:txBody>
@@ -8676,7 +9018,7 @@
     </p:spTree>
     <p:extLst>
       <p:ext uri="{BB962C8B-B14F-4D97-AF65-F5344CB8AC3E}">
-        <p14:creationId xmlns:p14="http://schemas.microsoft.com/office/powerpoint/2010/main" val="2470652989"/>
+        <p14:creationId xmlns:p14="http://schemas.microsoft.com/office/powerpoint/2010/main" val="2747596967"/>
       </p:ext>
     </p:extLst>
   </p:cSld>
@@ -8732,6 +9074,181 @@
                   <a:srgbClr val="0070C0"/>
                 </a:solidFill>
               </a:rPr>
+              <a:t>Dinâmica</a:t>
+            </a:r>
+            <a:r>
+              <a:rPr lang="en-US" b="1" dirty="0">
+                <a:solidFill>
+                  <a:srgbClr val="0070C0"/>
+                </a:solidFill>
+              </a:rPr>
+              <a:t>/</a:t>
+            </a:r>
+            <a:r>
+              <a:rPr lang="en-US" b="1" dirty="0" err="1">
+                <a:solidFill>
+                  <a:srgbClr val="0070C0"/>
+                </a:solidFill>
+              </a:rPr>
+              <a:t>Atividades</a:t>
+            </a:r>
+            <a:endParaRPr lang="en-US" b="1" dirty="0">
+              <a:solidFill>
+                <a:srgbClr val="0070C0"/>
+              </a:solidFill>
+            </a:endParaRPr>
+          </a:p>
+        </p:txBody>
+      </p:sp>
+      <p:sp>
+        <p:nvSpPr>
+          <p:cNvPr id="8" name="Text Placeholder 2"/>
+          <p:cNvSpPr>
+            <a:spLocks noGrp="1"/>
+          </p:cNvSpPr>
+          <p:nvPr>
+            <p:ph type="body" sz="half" idx="1"/>
+          </p:nvPr>
+        </p:nvSpPr>
+        <p:spPr>
+          <a:xfrm>
+            <a:off x="139472" y="1063230"/>
+            <a:ext cx="8865056" cy="3606305"/>
+          </a:xfrm>
+        </p:spPr>
+        <p:txBody>
+          <a:bodyPr>
+            <a:noAutofit/>
+          </a:bodyPr>
+          <a:lstStyle/>
+          <a:p>
+            <a:pPr marL="0" indent="0" algn="just">
+              <a:buNone/>
+            </a:pPr>
+            <a:endParaRPr lang="pt-BR" dirty="0">
+              <a:latin typeface="Times New Roman" panose="02020603050405020304" pitchFamily="18" charset="0"/>
+              <a:cs typeface="Times New Roman" panose="02020603050405020304" pitchFamily="18" charset="0"/>
+            </a:endParaRPr>
+          </a:p>
+          <a:p>
+            <a:pPr algn="just">
+              <a:buFont typeface="Wingdings" panose="05000000000000000000" pitchFamily="2" charset="2"/>
+              <a:buChar char="§"/>
+            </a:pPr>
+            <a:r>
+              <a:rPr lang="pt-BR" dirty="0">
+                <a:latin typeface="Times New Roman" panose="02020603050405020304" pitchFamily="18" charset="0"/>
+                <a:cs typeface="Times New Roman" panose="02020603050405020304" pitchFamily="18" charset="0"/>
+              </a:rPr>
+              <a:t>Exercícios (Atividade Verificadora de Aprendizagem)</a:t>
+            </a:r>
+          </a:p>
+          <a:p>
+            <a:pPr marL="0" indent="0" algn="just">
+              <a:buNone/>
+            </a:pPr>
+            <a:r>
+              <a:rPr lang="pt-BR" dirty="0">
+                <a:latin typeface="Times New Roman" panose="02020603050405020304" pitchFamily="18" charset="0"/>
+                <a:cs typeface="Times New Roman" panose="02020603050405020304" pitchFamily="18" charset="0"/>
+              </a:rPr>
+              <a:t> 	</a:t>
+            </a:r>
+            <a:r>
+              <a:rPr lang="pt-BR" dirty="0">
+                <a:latin typeface="Times New Roman" panose="02020603050405020304" pitchFamily="18" charset="0"/>
+                <a:cs typeface="Times New Roman" panose="02020603050405020304" pitchFamily="18" charset="0"/>
+                <a:hlinkClick r:id="rId3"/>
+              </a:rPr>
+              <a:t>https://quizizz.com/admin/quiz/5d8954fda0089a001c105c1e</a:t>
+            </a:r>
+            <a:r>
+              <a:rPr lang="pt-BR">
+                <a:latin typeface="Times New Roman" panose="02020603050405020304" pitchFamily="18" charset="0"/>
+                <a:cs typeface="Times New Roman" panose="02020603050405020304" pitchFamily="18" charset="0"/>
+                <a:hlinkClick r:id="rId3"/>
+              </a:rPr>
+              <a:t>/internet-das-coisas</a:t>
+            </a:r>
+            <a:endParaRPr lang="pt-BR" dirty="0">
+              <a:latin typeface="Times New Roman" panose="02020603050405020304" pitchFamily="18" charset="0"/>
+              <a:cs typeface="Times New Roman" panose="02020603050405020304" pitchFamily="18" charset="0"/>
+            </a:endParaRPr>
+          </a:p>
+          <a:p>
+            <a:pPr algn="just"/>
+            <a:endParaRPr lang="pt-BR" dirty="0">
+              <a:latin typeface="Times New Roman" panose="02020603050405020304" pitchFamily="18" charset="0"/>
+              <a:cs typeface="Times New Roman" panose="02020603050405020304" pitchFamily="18" charset="0"/>
+            </a:endParaRPr>
+          </a:p>
+          <a:p>
+            <a:pPr algn="just"/>
+            <a:endParaRPr lang="pt-BR" dirty="0">
+              <a:latin typeface="Calibri" panose="020F0502020204030204" pitchFamily="34" charset="0"/>
+            </a:endParaRPr>
+          </a:p>
+        </p:txBody>
+      </p:sp>
+    </p:spTree>
+    <p:extLst>
+      <p:ext uri="{BB962C8B-B14F-4D97-AF65-F5344CB8AC3E}">
+        <p14:creationId xmlns:p14="http://schemas.microsoft.com/office/powerpoint/2010/main" val="2470652989"/>
+      </p:ext>
+    </p:extLst>
+  </p:cSld>
+  <p:clrMapOvr>
+    <a:masterClrMapping/>
+  </p:clrMapOvr>
+  <p:transition spd="med"/>
+</p:sld>
+</file>
+
+<file path=ppt/slides/slide23.xml><?xml version="1.0" encoding="utf-8"?>
+<p:sld xmlns:a="http://schemas.openxmlformats.org/drawingml/2006/main" xmlns:r="http://schemas.openxmlformats.org/officeDocument/2006/relationships" xmlns:p="http://schemas.openxmlformats.org/presentationml/2006/main">
+  <p:cSld>
+    <p:spTree>
+      <p:nvGrpSpPr>
+        <p:cNvPr id="1" name=""/>
+        <p:cNvGrpSpPr/>
+        <p:nvPr/>
+      </p:nvGrpSpPr>
+      <p:grpSpPr>
+        <a:xfrm>
+          <a:off x="0" y="0"/>
+          <a:ext cx="0" cy="0"/>
+          <a:chOff x="0" y="0"/>
+          <a:chExt cx="0" cy="0"/>
+        </a:xfrm>
+      </p:grpSpPr>
+      <p:sp>
+        <p:nvSpPr>
+          <p:cNvPr id="6" name="Title 1"/>
+          <p:cNvSpPr>
+            <a:spLocks noGrp="1"/>
+          </p:cNvSpPr>
+          <p:nvPr>
+            <p:ph type="title"/>
+          </p:nvPr>
+        </p:nvSpPr>
+        <p:spPr>
+          <a:xfrm>
+            <a:off x="457200" y="205980"/>
+            <a:ext cx="8229600" cy="857251"/>
+          </a:xfrm>
+        </p:spPr>
+        <p:txBody>
+          <a:bodyPr>
+            <a:normAutofit/>
+          </a:bodyPr>
+          <a:lstStyle/>
+          <a:p>
+            <a:r>
+              <a:rPr lang="en-US" b="1" dirty="0" err="1">
+                <a:solidFill>
+                  <a:srgbClr val="0070C0"/>
+                </a:solidFill>
+              </a:rPr>
               <a:t>Referências</a:t>
             </a:r>
             <a:r>
@@ -8941,7 +9458,7 @@
 </p:sld>
 </file>
 
-<file path=ppt/slides/slide23.xml><?xml version="1.0" encoding="utf-8"?>
+<file path=ppt/slides/slide24.xml><?xml version="1.0" encoding="utf-8"?>
 <p:sld xmlns:a="http://schemas.openxmlformats.org/drawingml/2006/main" xmlns:r="http://schemas.openxmlformats.org/officeDocument/2006/relationships" xmlns:p="http://schemas.openxmlformats.org/presentationml/2006/main">
   <p:cSld>
     <p:spTree>

--- a/01 Classes/Aula 01 - Aplicação Cloud Indústria 40 Python.pptx
+++ b/01 Classes/Aula 01 - Aplicação Cloud Indústria 40 Python.pptx
@@ -6664,7 +6664,7 @@
                 <a:latin typeface="Times New Roman" panose="02020603050405020304" pitchFamily="18" charset="0"/>
                 <a:cs typeface="Times New Roman" panose="02020603050405020304" pitchFamily="18" charset="0"/>
               </a:rPr>
-              <a:t>), como smartphones, tablets e home gateways, os quais oferecem suporte a aplicações para acessar capacidades de dispositivos de </a:t>
+              <a:t>), como smartphones, tablets e home gateways, os quais oferecem suporte as aplicações para acessar capacidades de dispositivos de </a:t>
             </a:r>
             <a:r>
               <a:rPr lang="pt-BR" sz="2000" dirty="0" err="1">

--- a/01 Classes/Aula 01 - Aplicação Cloud Indústria 40 Python.pptx
+++ b/01 Classes/Aula 01 - Aplicação Cloud Indústria 40 Python.pptx
@@ -9305,7 +9305,41 @@
                 <a:latin typeface="Times New Roman" panose="02020603050405020304" pitchFamily="18" charset="0"/>
                 <a:cs typeface="Times New Roman" panose="02020603050405020304" pitchFamily="18" charset="0"/>
               </a:rPr>
-              <a:t>[1] MAGRANI, Eduardo. A internet das coisas. Editora FGV, 2018.</a:t>
+              <a:t>[1] </a:t>
+            </a:r>
+            <a:r>
+              <a:rPr lang="pt-BR" sz="2000" b="1" dirty="0">
+                <a:solidFill>
+                  <a:srgbClr val="FF0000"/>
+                </a:solidFill>
+                <a:latin typeface="Times New Roman" panose="02020603050405020304" pitchFamily="18" charset="0"/>
+                <a:cs typeface="Times New Roman" panose="02020603050405020304" pitchFamily="18" charset="0"/>
+              </a:rPr>
+              <a:t>MAGRANI</a:t>
+            </a:r>
+            <a:r>
+              <a:rPr lang="pt-BR" sz="2000" dirty="0">
+                <a:latin typeface="Times New Roman" panose="02020603050405020304" pitchFamily="18" charset="0"/>
+                <a:cs typeface="Times New Roman" panose="02020603050405020304" pitchFamily="18" charset="0"/>
+              </a:rPr>
+              <a:t>, </a:t>
+            </a:r>
+            <a:r>
+              <a:rPr lang="pt-BR" sz="2000" b="1" dirty="0">
+                <a:solidFill>
+                  <a:srgbClr val="FF0000"/>
+                </a:solidFill>
+                <a:latin typeface="Times New Roman" panose="02020603050405020304" pitchFamily="18" charset="0"/>
+                <a:cs typeface="Times New Roman" panose="02020603050405020304" pitchFamily="18" charset="0"/>
+              </a:rPr>
+              <a:t>Eduardo</a:t>
+            </a:r>
+            <a:r>
+              <a:rPr lang="pt-BR" sz="2000" dirty="0">
+                <a:latin typeface="Times New Roman" panose="02020603050405020304" pitchFamily="18" charset="0"/>
+                <a:cs typeface="Times New Roman" panose="02020603050405020304" pitchFamily="18" charset="0"/>
+              </a:rPr>
+              <a:t>. A internet das coisas. Editora FGV, 2018.</a:t>
             </a:r>
           </a:p>
           <a:p>
@@ -9326,7 +9360,24 @@
                 <a:latin typeface="Times New Roman" panose="02020603050405020304" pitchFamily="18" charset="0"/>
                 <a:cs typeface="Times New Roman" panose="02020603050405020304" pitchFamily="18" charset="0"/>
               </a:rPr>
-              <a:t>[2] Pires, Paulo F., et al. "Plataformas para a internet das coisas." Minicursos SBRC-Simpósio Brasileiro de Redes de Computadores e Sistemas Distribuídos (2015).</a:t>
+              <a:t>[2] </a:t>
+            </a:r>
+            <a:r>
+              <a:rPr lang="pt-BR" sz="2000" b="1" dirty="0">
+                <a:solidFill>
+                  <a:srgbClr val="FF0000"/>
+                </a:solidFill>
+                <a:latin typeface="Times New Roman" panose="02020603050405020304" pitchFamily="18" charset="0"/>
+                <a:cs typeface="Times New Roman" panose="02020603050405020304" pitchFamily="18" charset="0"/>
+              </a:rPr>
+              <a:t>Pires, Paulo F., </a:t>
+            </a:r>
+            <a:r>
+              <a:rPr lang="pt-BR" sz="2000" dirty="0">
+                <a:latin typeface="Times New Roman" panose="02020603050405020304" pitchFamily="18" charset="0"/>
+                <a:cs typeface="Times New Roman" panose="02020603050405020304" pitchFamily="18" charset="0"/>
+              </a:rPr>
+              <a:t>et al. "Plataformas para a internet das coisas." Minicursos SBRC-Simpósio Brasileiro de Redes de Computadores e Sistemas Distribuídos (2015).</a:t>
             </a:r>
             <a:endParaRPr lang="pt-BR" sz="2000" dirty="0">
               <a:latin typeface="Calibri" panose="020F0502020204030204" pitchFamily="34" charset="0"/>
@@ -9351,28 +9402,46 @@
               <a:t>[3] </a:t>
             </a:r>
             <a:r>
-              <a:rPr lang="pt-BR" sz="2000" dirty="0" err="1">
+              <a:rPr lang="pt-BR" sz="2000" b="1" dirty="0" err="1">
+                <a:solidFill>
+                  <a:srgbClr val="FF0000"/>
+                </a:solidFill>
                 <a:latin typeface="Calibri" panose="020F0502020204030204" pitchFamily="34" charset="0"/>
               </a:rPr>
               <a:t>Carrion</a:t>
+            </a:r>
+            <a:r>
+              <a:rPr lang="pt-BR" sz="2000" b="1" dirty="0">
+                <a:solidFill>
+                  <a:srgbClr val="FF0000"/>
+                </a:solidFill>
+                <a:latin typeface="Calibri" panose="020F0502020204030204" pitchFamily="34" charset="0"/>
+              </a:rPr>
+              <a:t>, Patrícia, </a:t>
+            </a:r>
+            <a:r>
+              <a:rPr lang="pt-BR" sz="2000" b="1" dirty="0" err="1">
+                <a:solidFill>
+                  <a:srgbClr val="FF0000"/>
+                </a:solidFill>
+                <a:latin typeface="Calibri" panose="020F0502020204030204" pitchFamily="34" charset="0"/>
+              </a:rPr>
+              <a:t>and</a:t>
+            </a:r>
+            <a:r>
+              <a:rPr lang="pt-BR" sz="2000" b="1" dirty="0">
+                <a:solidFill>
+                  <a:srgbClr val="FF0000"/>
+                </a:solidFill>
+                <a:latin typeface="Calibri" panose="020F0502020204030204" pitchFamily="34" charset="0"/>
+              </a:rPr>
+              <a:t> Manuela Quaresma</a:t>
             </a:r>
             <a:r>
               <a:rPr lang="pt-BR" sz="2000" dirty="0">
                 <a:latin typeface="Calibri" panose="020F0502020204030204" pitchFamily="34" charset="0"/>
               </a:rPr>
-              <a:t>, Patrícia, </a:t>
-            </a:r>
-            <a:r>
-              <a:rPr lang="pt-BR" sz="2000" dirty="0" err="1">
-                <a:latin typeface="Calibri" panose="020F0502020204030204" pitchFamily="34" charset="0"/>
-              </a:rPr>
-              <a:t>and</a:t>
-            </a:r>
-            <a:r>
-              <a:rPr lang="pt-BR" sz="2000" dirty="0">
-                <a:latin typeface="Calibri" panose="020F0502020204030204" pitchFamily="34" charset="0"/>
-              </a:rPr>
-              <a:t> Manuela Quaresma. "Internet da Coisas (</a:t>
+              <a:t>. "Internet da Coisas (</a:t>
             </a:r>
             <a:r>
               <a:rPr lang="pt-BR" sz="2000" dirty="0" err="1">
@@ -9427,7 +9496,22 @@
               <a:rPr lang="pt-BR" sz="2000" dirty="0">
                 <a:latin typeface="Calibri" panose="020F0502020204030204" pitchFamily="34" charset="0"/>
               </a:rPr>
-              <a:t>[4] Santos, Bruno P., et al. "Internet das coisas: da teoria à prática." Minicursos SBRC-Simpósio Brasileiro de Redes de Computadores e Sistemas </a:t>
+              <a:t>[4] </a:t>
+            </a:r>
+            <a:r>
+              <a:rPr lang="pt-BR" sz="2000" b="1" dirty="0">
+                <a:solidFill>
+                  <a:srgbClr val="FF0000"/>
+                </a:solidFill>
+                <a:latin typeface="Calibri" panose="020F0502020204030204" pitchFamily="34" charset="0"/>
+              </a:rPr>
+              <a:t>Santos, Bruno P., </a:t>
+            </a:r>
+            <a:r>
+              <a:rPr lang="pt-BR" sz="2000" dirty="0">
+                <a:latin typeface="Calibri" panose="020F0502020204030204" pitchFamily="34" charset="0"/>
+              </a:rPr>
+              <a:t>et al. "Internet das coisas: da teoria à prática." Minicursos SBRC-Simpósio Brasileiro de Redes de Computadores e Sistemas </a:t>
             </a:r>
             <a:r>
               <a:rPr lang="pt-BR" sz="2000" dirty="0" err="1">
